--- a/docs/techstack-eispunkt.pptx
+++ b/docs/techstack-eispunkt.pptx
@@ -8,7 +8,7 @@
     <p:notesMasterId r:id="rId3"/>
   </p:notesMasterIdLst>
   <p:sldIdLst>
-    <p:sldId id="257" r:id="rId2"/>
+    <p:sldId id="258" r:id="rId2"/>
   </p:sldIdLst>
   <p:sldSz cx="12192000" cy="6858000"/>
   <p:notesSz cx="6858000" cy="9144000"/>
@@ -107,15 +107,28 @@
       </a:defRPr>
     </a:lvl9pPr>
   </p:defaultTextStyle>
+  <p:extLst>
+    <p:ext uri="{EFAFB233-063F-42B5-8137-9DF3F51BA10A}">
+      <p15:sldGuideLst xmlns:p15="http://schemas.microsoft.com/office/powerpoint/2012/main"/>
+    </p:ext>
+  </p:extLst>
 </p:presentation>
+</file>
+
+<file path=ppt/revisionInfo.xml><?xml version="1.0" encoding="utf-8"?>
+<p1510:revInfo xmlns:a="http://schemas.openxmlformats.org/drawingml/2006/main" xmlns:r="http://schemas.openxmlformats.org/officeDocument/2006/relationships" xmlns:p1510="http://schemas.microsoft.com/office/powerpoint/2015/10/main">
+  <p1510:revLst>
+    <p1510:client id="{58AF525E-BDD0-8748-A113-7FE6D1D193A8}" v="127" dt="2026-01-27T07:43:00.641"/>
+  </p1510:revLst>
+</p1510:revInfo>
 </file>
 
 <file path=ppt/changesInfos/changesInfo1.xml><?xml version="1.0" encoding="utf-8"?>
 <pc:chgInfo xmlns:a="http://schemas.openxmlformats.org/drawingml/2006/main" xmlns:r="http://schemas.openxmlformats.org/officeDocument/2006/relationships" xmlns:ac="http://schemas.microsoft.com/office/drawing/2013/main/command" xmlns:pc="http://schemas.microsoft.com/office/powerpoint/2013/main/command">
   <pc:docChgLst>
     <pc:chgData name="Hayer Florian" userId="866d4ef7-f65d-4e61-9597-0542b71a7f4d" providerId="ADAL" clId="{731FFF11-6A53-5520-B035-B81EF8E0644C}"/>
-    <pc:docChg chg="delSld modSld">
-      <pc:chgData name="Hayer Florian" userId="866d4ef7-f65d-4e61-9597-0542b71a7f4d" providerId="ADAL" clId="{731FFF11-6A53-5520-B035-B81EF8E0644C}" dt="2026-01-13T08:36:25.866" v="1" actId="2696"/>
+    <pc:docChg chg="undo custSel addSld delSld modSld">
+      <pc:chgData name="Hayer Florian" userId="866d4ef7-f65d-4e61-9597-0542b71a7f4d" providerId="ADAL" clId="{731FFF11-6A53-5520-B035-B81EF8E0644C}" dt="2026-01-27T07:45:09.868" v="520" actId="2696"/>
       <pc:docMkLst>
         <pc:docMk/>
       </pc:docMkLst>
@@ -126,8 +139,8 @@
           <pc:sldMk cId="1701924349" sldId="256"/>
         </pc:sldMkLst>
       </pc:sldChg>
-      <pc:sldChg chg="addSp mod">
-        <pc:chgData name="Hayer Florian" userId="866d4ef7-f65d-4e61-9597-0542b71a7f4d" providerId="ADAL" clId="{731FFF11-6A53-5520-B035-B81EF8E0644C}" dt="2026-01-13T08:35:44.903" v="0" actId="9405"/>
+      <pc:sldChg chg="addSp add del mod">
+        <pc:chgData name="Hayer Florian" userId="866d4ef7-f65d-4e61-9597-0542b71a7f4d" providerId="ADAL" clId="{731FFF11-6A53-5520-B035-B81EF8E0644C}" dt="2026-01-27T07:45:09.868" v="520" actId="2696"/>
         <pc:sldMkLst>
           <pc:docMk/>
           <pc:sldMk cId="4060404258" sldId="257"/>
@@ -138,6 +151,1813 @@
             <pc:docMk/>
             <pc:sldMk cId="4060404258" sldId="257"/>
             <ac:inkMk id="38" creationId="{DCC561A4-6410-411A-7334-FF8DC6C81EBC}"/>
+          </ac:inkMkLst>
+        </pc:inkChg>
+      </pc:sldChg>
+      <pc:sldChg chg="addSp delSp modSp new mod">
+        <pc:chgData name="Hayer Florian" userId="866d4ef7-f65d-4e61-9597-0542b71a7f4d" providerId="ADAL" clId="{731FFF11-6A53-5520-B035-B81EF8E0644C}" dt="2026-01-27T07:43:00.641" v="517" actId="1076"/>
+        <pc:sldMkLst>
+          <pc:docMk/>
+          <pc:sldMk cId="1666210458" sldId="258"/>
+        </pc:sldMkLst>
+        <pc:spChg chg="add del">
+          <ac:chgData name="Hayer Florian" userId="866d4ef7-f65d-4e61-9597-0542b71a7f4d" providerId="ADAL" clId="{731FFF11-6A53-5520-B035-B81EF8E0644C}" dt="2026-01-27T07:21:25.740" v="183" actId="34122"/>
+          <ac:spMkLst>
+            <pc:docMk/>
+            <pc:sldMk cId="1666210458" sldId="258"/>
+            <ac:spMk id="6" creationId="{15A4ED59-6BFE-4BC3-8173-CBC6E5315E2F}"/>
+          </ac:spMkLst>
+        </pc:spChg>
+        <pc:spChg chg="add del mod">
+          <ac:chgData name="Hayer Florian" userId="866d4ef7-f65d-4e61-9597-0542b71a7f4d" providerId="ADAL" clId="{731FFF11-6A53-5520-B035-B81EF8E0644C}" dt="2026-01-27T07:17:26.462" v="50" actId="478"/>
+          <ac:spMkLst>
+            <pc:docMk/>
+            <pc:sldMk cId="1666210458" sldId="258"/>
+            <ac:spMk id="22" creationId="{F27D08ED-2578-EE51-8EBA-91E08950B0A2}"/>
+          </ac:spMkLst>
+        </pc:spChg>
+        <pc:grpChg chg="add del mod">
+          <ac:chgData name="Hayer Florian" userId="866d4ef7-f65d-4e61-9597-0542b71a7f4d" providerId="ADAL" clId="{731FFF11-6A53-5520-B035-B81EF8E0644C}" dt="2026-01-27T07:15:41.543" v="9"/>
+          <ac:grpSpMkLst>
+            <pc:docMk/>
+            <pc:sldMk cId="1666210458" sldId="258"/>
+            <ac:grpSpMk id="5" creationId="{AC1AC132-1EDF-91AD-BA33-4C76787977AD}"/>
+          </ac:grpSpMkLst>
+        </pc:grpChg>
+        <pc:grpChg chg="mod">
+          <ac:chgData name="Hayer Florian" userId="866d4ef7-f65d-4e61-9597-0542b71a7f4d" providerId="ADAL" clId="{731FFF11-6A53-5520-B035-B81EF8E0644C}" dt="2026-01-27T07:15:41.543" v="9"/>
+          <ac:grpSpMkLst>
+            <pc:docMk/>
+            <pc:sldMk cId="1666210458" sldId="258"/>
+            <ac:grpSpMk id="6" creationId="{81318A6B-B566-35E2-0C52-9CB33A90F9B7}"/>
+          </ac:grpSpMkLst>
+        </pc:grpChg>
+        <pc:grpChg chg="add del mod">
+          <ac:chgData name="Hayer Florian" userId="866d4ef7-f65d-4e61-9597-0542b71a7f4d" providerId="ADAL" clId="{731FFF11-6A53-5520-B035-B81EF8E0644C}" dt="2026-01-27T07:15:49.257" v="17"/>
+          <ac:grpSpMkLst>
+            <pc:docMk/>
+            <pc:sldMk cId="1666210458" sldId="258"/>
+            <ac:grpSpMk id="12" creationId="{90D578AC-86E0-6315-B407-974277FA4848}"/>
+          </ac:grpSpMkLst>
+        </pc:grpChg>
+        <pc:grpChg chg="mod">
+          <ac:chgData name="Hayer Florian" userId="866d4ef7-f65d-4e61-9597-0542b71a7f4d" providerId="ADAL" clId="{731FFF11-6A53-5520-B035-B81EF8E0644C}" dt="2026-01-27T07:15:49.257" v="17"/>
+          <ac:grpSpMkLst>
+            <pc:docMk/>
+            <pc:sldMk cId="1666210458" sldId="258"/>
+            <ac:grpSpMk id="13" creationId="{3D35E16B-3DDE-E2E6-A4FE-9ED5B58C1966}"/>
+          </ac:grpSpMkLst>
+        </pc:grpChg>
+        <pc:grpChg chg="add del mod">
+          <ac:chgData name="Hayer Florian" userId="866d4ef7-f65d-4e61-9597-0542b71a7f4d" providerId="ADAL" clId="{731FFF11-6A53-5520-B035-B81EF8E0644C}" dt="2026-01-27T07:15:55.469" v="27"/>
+          <ac:grpSpMkLst>
+            <pc:docMk/>
+            <pc:sldMk cId="1666210458" sldId="258"/>
+            <ac:grpSpMk id="17" creationId="{0A6D10D6-3B96-A452-E449-8CE78A7F93B7}"/>
+          </ac:grpSpMkLst>
+        </pc:grpChg>
+        <pc:grpChg chg="add del mod">
+          <ac:chgData name="Hayer Florian" userId="866d4ef7-f65d-4e61-9597-0542b71a7f4d" providerId="ADAL" clId="{731FFF11-6A53-5520-B035-B81EF8E0644C}" dt="2026-01-27T07:15:55.469" v="27"/>
+          <ac:grpSpMkLst>
+            <pc:docMk/>
+            <pc:sldMk cId="1666210458" sldId="258"/>
+            <ac:grpSpMk id="18" creationId="{3C7F1ACB-21F0-6C8D-FB87-AD7DA60740AF}"/>
+          </ac:grpSpMkLst>
+        </pc:grpChg>
+        <pc:grpChg chg="add del mod">
+          <ac:chgData name="Hayer Florian" userId="866d4ef7-f65d-4e61-9597-0542b71a7f4d" providerId="ADAL" clId="{731FFF11-6A53-5520-B035-B81EF8E0644C}" dt="2026-01-27T07:15:55.328" v="25"/>
+          <ac:grpSpMkLst>
+            <pc:docMk/>
+            <pc:sldMk cId="1666210458" sldId="258"/>
+            <ac:grpSpMk id="20" creationId="{31076368-419E-0DE4-28A9-5230B78EC4BB}"/>
+          </ac:grpSpMkLst>
+        </pc:grpChg>
+        <pc:grpChg chg="mod">
+          <ac:chgData name="Hayer Florian" userId="866d4ef7-f65d-4e61-9597-0542b71a7f4d" providerId="ADAL" clId="{731FFF11-6A53-5520-B035-B81EF8E0644C}" dt="2026-01-27T07:15:55.328" v="25"/>
+          <ac:grpSpMkLst>
+            <pc:docMk/>
+            <pc:sldMk cId="1666210458" sldId="258"/>
+            <ac:grpSpMk id="21" creationId="{7938DEB0-9E98-29F6-6299-66BBCD474A7A}"/>
+          </ac:grpSpMkLst>
+        </pc:grpChg>
+        <pc:grpChg chg="add del mod">
+          <ac:chgData name="Hayer Florian" userId="866d4ef7-f65d-4e61-9597-0542b71a7f4d" providerId="ADAL" clId="{731FFF11-6A53-5520-B035-B81EF8E0644C}" dt="2026-01-27T07:17:41.042" v="61"/>
+          <ac:grpSpMkLst>
+            <pc:docMk/>
+            <pc:sldMk cId="1666210458" sldId="258"/>
+            <ac:grpSpMk id="27" creationId="{A750D115-7EC5-38FC-A7F5-304FFF60115C}"/>
+          </ac:grpSpMkLst>
+        </pc:grpChg>
+        <pc:grpChg chg="add del mod">
+          <ac:chgData name="Hayer Florian" userId="866d4ef7-f65d-4e61-9597-0542b71a7f4d" providerId="ADAL" clId="{731FFF11-6A53-5520-B035-B81EF8E0644C}" dt="2026-01-27T07:17:41.042" v="61"/>
+          <ac:grpSpMkLst>
+            <pc:docMk/>
+            <pc:sldMk cId="1666210458" sldId="258"/>
+            <ac:grpSpMk id="28" creationId="{BA2031F7-4C1C-6D62-308B-3B91A5508143}"/>
+          </ac:grpSpMkLst>
+        </pc:grpChg>
+        <pc:grpChg chg="add del mod">
+          <ac:chgData name="Hayer Florian" userId="866d4ef7-f65d-4e61-9597-0542b71a7f4d" providerId="ADAL" clId="{731FFF11-6A53-5520-B035-B81EF8E0644C}" dt="2026-01-27T07:17:40.893" v="59"/>
+          <ac:grpSpMkLst>
+            <pc:docMk/>
+            <pc:sldMk cId="1666210458" sldId="258"/>
+            <ac:grpSpMk id="30" creationId="{806CDA1C-766A-6432-13C4-AC20A3BEFBA6}"/>
+          </ac:grpSpMkLst>
+        </pc:grpChg>
+        <pc:grpChg chg="mod">
+          <ac:chgData name="Hayer Florian" userId="866d4ef7-f65d-4e61-9597-0542b71a7f4d" providerId="ADAL" clId="{731FFF11-6A53-5520-B035-B81EF8E0644C}" dt="2026-01-27T07:17:40.893" v="59"/>
+          <ac:grpSpMkLst>
+            <pc:docMk/>
+            <pc:sldMk cId="1666210458" sldId="258"/>
+            <ac:grpSpMk id="31" creationId="{4576AA90-77AC-5993-221F-2B4567D0D061}"/>
+          </ac:grpSpMkLst>
+        </pc:grpChg>
+        <pc:grpChg chg="del mod">
+          <ac:chgData name="Hayer Florian" userId="866d4ef7-f65d-4e61-9597-0542b71a7f4d" providerId="ADAL" clId="{731FFF11-6A53-5520-B035-B81EF8E0644C}" dt="2026-01-27T07:17:46.261" v="63"/>
+          <ac:grpSpMkLst>
+            <pc:docMk/>
+            <pc:sldMk cId="1666210458" sldId="258"/>
+            <ac:grpSpMk id="33" creationId="{F71CE893-4071-7B85-A2E6-3334B6C0FD5F}"/>
+          </ac:grpSpMkLst>
+        </pc:grpChg>
+        <pc:grpChg chg="add del mod">
+          <ac:chgData name="Hayer Florian" userId="866d4ef7-f65d-4e61-9597-0542b71a7f4d" providerId="ADAL" clId="{731FFF11-6A53-5520-B035-B81EF8E0644C}" dt="2026-01-27T07:39:20.762" v="439"/>
+          <ac:grpSpMkLst>
+            <pc:docMk/>
+            <pc:sldMk cId="1666210458" sldId="258"/>
+            <ac:grpSpMk id="34" creationId="{AECC04E8-2031-95D1-4E64-5761A4B20C77}"/>
+          </ac:grpSpMkLst>
+        </pc:grpChg>
+        <pc:grpChg chg="add del mod">
+          <ac:chgData name="Hayer Florian" userId="866d4ef7-f65d-4e61-9597-0542b71a7f4d" providerId="ADAL" clId="{731FFF11-6A53-5520-B035-B81EF8E0644C}" dt="2026-01-27T07:18:07.892" v="73"/>
+          <ac:grpSpMkLst>
+            <pc:docMk/>
+            <pc:sldMk cId="1666210458" sldId="258"/>
+            <ac:grpSpMk id="42" creationId="{11A881C8-128E-2AF6-866C-C1745E49A9B0}"/>
+          </ac:grpSpMkLst>
+        </pc:grpChg>
+        <pc:grpChg chg="mod">
+          <ac:chgData name="Hayer Florian" userId="866d4ef7-f65d-4e61-9597-0542b71a7f4d" providerId="ADAL" clId="{731FFF11-6A53-5520-B035-B81EF8E0644C}" dt="2026-01-27T07:18:07.892" v="73"/>
+          <ac:grpSpMkLst>
+            <pc:docMk/>
+            <pc:sldMk cId="1666210458" sldId="258"/>
+            <ac:grpSpMk id="43" creationId="{3E718721-677F-9083-BFE2-02CD19CE2C49}"/>
+          </ac:grpSpMkLst>
+        </pc:grpChg>
+        <pc:grpChg chg="del mod">
+          <ac:chgData name="Hayer Florian" userId="866d4ef7-f65d-4e61-9597-0542b71a7f4d" providerId="ADAL" clId="{731FFF11-6A53-5520-B035-B81EF8E0644C}" dt="2026-01-27T07:18:18.390" v="82"/>
+          <ac:grpSpMkLst>
+            <pc:docMk/>
+            <pc:sldMk cId="1666210458" sldId="258"/>
+            <ac:grpSpMk id="47" creationId="{735AAC04-B297-0DE3-EAE2-B4DBBFB2E064}"/>
+          </ac:grpSpMkLst>
+        </pc:grpChg>
+        <pc:grpChg chg="del mod">
+          <ac:chgData name="Hayer Florian" userId="866d4ef7-f65d-4e61-9597-0542b71a7f4d" providerId="ADAL" clId="{731FFF11-6A53-5520-B035-B81EF8E0644C}" dt="2026-01-27T07:18:19.190" v="84"/>
+          <ac:grpSpMkLst>
+            <pc:docMk/>
+            <pc:sldMk cId="1666210458" sldId="258"/>
+            <ac:grpSpMk id="48" creationId="{47F75AA1-C10A-12D1-7BF8-1DA6D996CEEA}"/>
+          </ac:grpSpMkLst>
+        </pc:grpChg>
+        <pc:grpChg chg="del mod">
+          <ac:chgData name="Hayer Florian" userId="866d4ef7-f65d-4e61-9597-0542b71a7f4d" providerId="ADAL" clId="{731FFF11-6A53-5520-B035-B81EF8E0644C}" dt="2026-01-27T07:18:19.190" v="84"/>
+          <ac:grpSpMkLst>
+            <pc:docMk/>
+            <pc:sldMk cId="1666210458" sldId="258"/>
+            <ac:grpSpMk id="50" creationId="{B7AC4813-05D2-AA35-D58E-122D87962A62}"/>
+          </ac:grpSpMkLst>
+        </pc:grpChg>
+        <pc:grpChg chg="add del mod">
+          <ac:chgData name="Hayer Florian" userId="866d4ef7-f65d-4e61-9597-0542b71a7f4d" providerId="ADAL" clId="{731FFF11-6A53-5520-B035-B81EF8E0644C}" dt="2026-01-27T07:18:34.823" v="110"/>
+          <ac:grpSpMkLst>
+            <pc:docMk/>
+            <pc:sldMk cId="1666210458" sldId="258"/>
+            <ac:grpSpMk id="51" creationId="{B5756037-4BF7-E278-A388-5A46FA4C7238}"/>
+          </ac:grpSpMkLst>
+        </pc:grpChg>
+        <pc:grpChg chg="add del mod">
+          <ac:chgData name="Hayer Florian" userId="866d4ef7-f65d-4e61-9597-0542b71a7f4d" providerId="ADAL" clId="{731FFF11-6A53-5520-B035-B81EF8E0644C}" dt="2026-01-27T07:18:28.833" v="104"/>
+          <ac:grpSpMkLst>
+            <pc:docMk/>
+            <pc:sldMk cId="1666210458" sldId="258"/>
+            <ac:grpSpMk id="53" creationId="{624424B8-EF33-6FB4-8293-40A4A0881F3A}"/>
+          </ac:grpSpMkLst>
+        </pc:grpChg>
+        <pc:grpChg chg="add del mod">
+          <ac:chgData name="Hayer Florian" userId="866d4ef7-f65d-4e61-9597-0542b71a7f4d" providerId="ADAL" clId="{731FFF11-6A53-5520-B035-B81EF8E0644C}" dt="2026-01-27T07:18:28.833" v="104"/>
+          <ac:grpSpMkLst>
+            <pc:docMk/>
+            <pc:sldMk cId="1666210458" sldId="258"/>
+            <ac:grpSpMk id="54" creationId="{92BB1D79-1012-E9FC-48E0-6D05DE62D24E}"/>
+          </ac:grpSpMkLst>
+        </pc:grpChg>
+        <pc:grpChg chg="add del mod">
+          <ac:chgData name="Hayer Florian" userId="866d4ef7-f65d-4e61-9597-0542b71a7f4d" providerId="ADAL" clId="{731FFF11-6A53-5520-B035-B81EF8E0644C}" dt="2026-01-27T07:18:28.303" v="101"/>
+          <ac:grpSpMkLst>
+            <pc:docMk/>
+            <pc:sldMk cId="1666210458" sldId="258"/>
+            <ac:grpSpMk id="57" creationId="{9A850697-48C4-5F79-AACB-ACE40780D63E}"/>
+          </ac:grpSpMkLst>
+        </pc:grpChg>
+        <pc:grpChg chg="add del mod">
+          <ac:chgData name="Hayer Florian" userId="866d4ef7-f65d-4e61-9597-0542b71a7f4d" providerId="ADAL" clId="{731FFF11-6A53-5520-B035-B81EF8E0644C}" dt="2026-01-27T07:18:28.303" v="101"/>
+          <ac:grpSpMkLst>
+            <pc:docMk/>
+            <pc:sldMk cId="1666210458" sldId="258"/>
+            <ac:grpSpMk id="58" creationId="{68060113-B0E2-F7A3-9A6A-E4BA5D7F168F}"/>
+          </ac:grpSpMkLst>
+        </pc:grpChg>
+        <pc:grpChg chg="add del mod">
+          <ac:chgData name="Hayer Florian" userId="866d4ef7-f65d-4e61-9597-0542b71a7f4d" providerId="ADAL" clId="{731FFF11-6A53-5520-B035-B81EF8E0644C}" dt="2026-01-27T07:18:28.070" v="99"/>
+          <ac:grpSpMkLst>
+            <pc:docMk/>
+            <pc:sldMk cId="1666210458" sldId="258"/>
+            <ac:grpSpMk id="60" creationId="{2F3C7F8E-87A3-9D12-AFA3-41CA4C8FE417}"/>
+          </ac:grpSpMkLst>
+        </pc:grpChg>
+        <pc:grpChg chg="add del mod">
+          <ac:chgData name="Hayer Florian" userId="866d4ef7-f65d-4e61-9597-0542b71a7f4d" providerId="ADAL" clId="{731FFF11-6A53-5520-B035-B81EF8E0644C}" dt="2026-01-27T07:18:28.070" v="99"/>
+          <ac:grpSpMkLst>
+            <pc:docMk/>
+            <pc:sldMk cId="1666210458" sldId="258"/>
+            <ac:grpSpMk id="61" creationId="{B424BD5D-4A93-A373-1E88-7664054FEDF1}"/>
+          </ac:grpSpMkLst>
+        </pc:grpChg>
+        <pc:grpChg chg="add del mod">
+          <ac:chgData name="Hayer Florian" userId="866d4ef7-f65d-4e61-9597-0542b71a7f4d" providerId="ADAL" clId="{731FFF11-6A53-5520-B035-B81EF8E0644C}" dt="2026-01-27T07:18:27.582" v="96"/>
+          <ac:grpSpMkLst>
+            <pc:docMk/>
+            <pc:sldMk cId="1666210458" sldId="258"/>
+            <ac:grpSpMk id="64" creationId="{B0E730C2-BAC1-3739-217E-D526FE668A60}"/>
+          </ac:grpSpMkLst>
+        </pc:grpChg>
+        <pc:grpChg chg="mod">
+          <ac:chgData name="Hayer Florian" userId="866d4ef7-f65d-4e61-9597-0542b71a7f4d" providerId="ADAL" clId="{731FFF11-6A53-5520-B035-B81EF8E0644C}" dt="2026-01-27T07:18:27.582" v="96"/>
+          <ac:grpSpMkLst>
+            <pc:docMk/>
+            <pc:sldMk cId="1666210458" sldId="258"/>
+            <ac:grpSpMk id="65" creationId="{23AEC1DF-7E76-3AFE-B679-7ECE954E0245}"/>
+          </ac:grpSpMkLst>
+        </pc:grpChg>
+        <pc:grpChg chg="add del mod">
+          <ac:chgData name="Hayer Florian" userId="866d4ef7-f65d-4e61-9597-0542b71a7f4d" providerId="ADAL" clId="{731FFF11-6A53-5520-B035-B81EF8E0644C}" dt="2026-01-27T07:18:32.130" v="108"/>
+          <ac:grpSpMkLst>
+            <pc:docMk/>
+            <pc:sldMk cId="1666210458" sldId="258"/>
+            <ac:grpSpMk id="67" creationId="{8851DDE0-A5C1-4460-D734-3628434E712B}"/>
+          </ac:grpSpMkLst>
+        </pc:grpChg>
+        <pc:grpChg chg="mod">
+          <ac:chgData name="Hayer Florian" userId="866d4ef7-f65d-4e61-9597-0542b71a7f4d" providerId="ADAL" clId="{731FFF11-6A53-5520-B035-B81EF8E0644C}" dt="2026-01-27T07:18:32.130" v="108"/>
+          <ac:grpSpMkLst>
+            <pc:docMk/>
+            <pc:sldMk cId="1666210458" sldId="258"/>
+            <ac:grpSpMk id="68" creationId="{0B465A5B-AF2B-ABF1-1C89-3C24F780FC1E}"/>
+          </ac:grpSpMkLst>
+        </pc:grpChg>
+        <pc:grpChg chg="del mod">
+          <ac:chgData name="Hayer Florian" userId="866d4ef7-f65d-4e61-9597-0542b71a7f4d" providerId="ADAL" clId="{731FFF11-6A53-5520-B035-B81EF8E0644C}" dt="2026-01-27T07:18:34.823" v="110"/>
+          <ac:grpSpMkLst>
+            <pc:docMk/>
+            <pc:sldMk cId="1666210458" sldId="258"/>
+            <ac:grpSpMk id="70" creationId="{B9785170-B02C-8B4C-107F-95F885EDD2C8}"/>
+          </ac:grpSpMkLst>
+        </pc:grpChg>
+        <pc:grpChg chg="del mod">
+          <ac:chgData name="Hayer Florian" userId="866d4ef7-f65d-4e61-9597-0542b71a7f4d" providerId="ADAL" clId="{731FFF11-6A53-5520-B035-B81EF8E0644C}" dt="2026-01-27T07:18:37.954" v="113"/>
+          <ac:grpSpMkLst>
+            <pc:docMk/>
+            <pc:sldMk cId="1666210458" sldId="258"/>
+            <ac:grpSpMk id="71" creationId="{B77417AB-31C6-018A-1C67-3FD54F4D928E}"/>
+          </ac:grpSpMkLst>
+        </pc:grpChg>
+        <pc:grpChg chg="del mod">
+          <ac:chgData name="Hayer Florian" userId="866d4ef7-f65d-4e61-9597-0542b71a7f4d" providerId="ADAL" clId="{731FFF11-6A53-5520-B035-B81EF8E0644C}" dt="2026-01-27T07:18:37.954" v="113"/>
+          <ac:grpSpMkLst>
+            <pc:docMk/>
+            <pc:sldMk cId="1666210458" sldId="258"/>
+            <ac:grpSpMk id="74" creationId="{C454C8C7-9898-A8E7-4450-81B865B5B6C4}"/>
+          </ac:grpSpMkLst>
+        </pc:grpChg>
+        <pc:grpChg chg="mod">
+          <ac:chgData name="Hayer Florian" userId="866d4ef7-f65d-4e61-9597-0542b71a7f4d" providerId="ADAL" clId="{731FFF11-6A53-5520-B035-B81EF8E0644C}" dt="2026-01-27T07:18:54.342" v="114" actId="1076"/>
+          <ac:grpSpMkLst>
+            <pc:docMk/>
+            <pc:sldMk cId="1666210458" sldId="258"/>
+            <ac:grpSpMk id="75" creationId="{D1640733-2305-F5A5-B94B-9C1A5F99A0F7}"/>
+          </ac:grpSpMkLst>
+        </pc:grpChg>
+        <pc:grpChg chg="add del mod">
+          <ac:chgData name="Hayer Florian" userId="866d4ef7-f65d-4e61-9597-0542b71a7f4d" providerId="ADAL" clId="{731FFF11-6A53-5520-B035-B81EF8E0644C}" dt="2026-01-27T07:20:01.419" v="142"/>
+          <ac:grpSpMkLst>
+            <pc:docMk/>
+            <pc:sldMk cId="1666210458" sldId="258"/>
+            <ac:grpSpMk id="85" creationId="{230FFDD8-2589-4A5C-4657-18755B1CC5EC}"/>
+          </ac:grpSpMkLst>
+        </pc:grpChg>
+        <pc:grpChg chg="add del mod">
+          <ac:chgData name="Hayer Florian" userId="866d4ef7-f65d-4e61-9597-0542b71a7f4d" providerId="ADAL" clId="{731FFF11-6A53-5520-B035-B81EF8E0644C}" dt="2026-01-27T07:20:01.419" v="142"/>
+          <ac:grpSpMkLst>
+            <pc:docMk/>
+            <pc:sldMk cId="1666210458" sldId="258"/>
+            <ac:grpSpMk id="86" creationId="{AB3D718F-D993-A124-2FF3-F05425FD3F16}"/>
+          </ac:grpSpMkLst>
+        </pc:grpChg>
+        <pc:grpChg chg="add del mod">
+          <ac:chgData name="Hayer Florian" userId="866d4ef7-f65d-4e61-9597-0542b71a7f4d" providerId="ADAL" clId="{731FFF11-6A53-5520-B035-B81EF8E0644C}" dt="2026-01-27T07:20:01.281" v="140"/>
+          <ac:grpSpMkLst>
+            <pc:docMk/>
+            <pc:sldMk cId="1666210458" sldId="258"/>
+            <ac:grpSpMk id="88" creationId="{6953DFD0-96FB-B24A-00EF-04646B335F7D}"/>
+          </ac:grpSpMkLst>
+        </pc:grpChg>
+        <pc:grpChg chg="mod">
+          <ac:chgData name="Hayer Florian" userId="866d4ef7-f65d-4e61-9597-0542b71a7f4d" providerId="ADAL" clId="{731FFF11-6A53-5520-B035-B81EF8E0644C}" dt="2026-01-27T07:20:01.281" v="140"/>
+          <ac:grpSpMkLst>
+            <pc:docMk/>
+            <pc:sldMk cId="1666210458" sldId="258"/>
+            <ac:grpSpMk id="89" creationId="{F45233C3-4739-4088-3857-BF3D0A9D440C}"/>
+          </ac:grpSpMkLst>
+        </pc:grpChg>
+        <pc:grpChg chg="add del mod">
+          <ac:chgData name="Hayer Florian" userId="866d4ef7-f65d-4e61-9597-0542b71a7f4d" providerId="ADAL" clId="{731FFF11-6A53-5520-B035-B81EF8E0644C}" dt="2026-01-27T07:20:26.580" v="160"/>
+          <ac:grpSpMkLst>
+            <pc:docMk/>
+            <pc:sldMk cId="1666210458" sldId="258"/>
+            <ac:grpSpMk id="99" creationId="{6682A7B2-5436-4AF5-F86F-1178A49B2432}"/>
+          </ac:grpSpMkLst>
+        </pc:grpChg>
+        <pc:grpChg chg="add del mod">
+          <ac:chgData name="Hayer Florian" userId="866d4ef7-f65d-4e61-9597-0542b71a7f4d" providerId="ADAL" clId="{731FFF11-6A53-5520-B035-B81EF8E0644C}" dt="2026-01-27T07:20:26.580" v="160"/>
+          <ac:grpSpMkLst>
+            <pc:docMk/>
+            <pc:sldMk cId="1666210458" sldId="258"/>
+            <ac:grpSpMk id="100" creationId="{2D610B98-587F-502F-92CB-104BEAD2A5F9}"/>
+          </ac:grpSpMkLst>
+        </pc:grpChg>
+        <pc:grpChg chg="add del mod">
+          <ac:chgData name="Hayer Florian" userId="866d4ef7-f65d-4e61-9597-0542b71a7f4d" providerId="ADAL" clId="{731FFF11-6A53-5520-B035-B81EF8E0644C}" dt="2026-01-27T07:20:26.447" v="158"/>
+          <ac:grpSpMkLst>
+            <pc:docMk/>
+            <pc:sldMk cId="1666210458" sldId="258"/>
+            <ac:grpSpMk id="102" creationId="{8C0AB6F9-4A49-87D4-3B30-F2E896FC5DB4}"/>
+          </ac:grpSpMkLst>
+        </pc:grpChg>
+        <pc:grpChg chg="mod">
+          <ac:chgData name="Hayer Florian" userId="866d4ef7-f65d-4e61-9597-0542b71a7f4d" providerId="ADAL" clId="{731FFF11-6A53-5520-B035-B81EF8E0644C}" dt="2026-01-27T07:20:26.447" v="158"/>
+          <ac:grpSpMkLst>
+            <pc:docMk/>
+            <pc:sldMk cId="1666210458" sldId="258"/>
+            <ac:grpSpMk id="103" creationId="{85B48240-DB39-D32F-D431-771EBCE3658C}"/>
+          </ac:grpSpMkLst>
+        </pc:grpChg>
+        <pc:grpChg chg="del mod">
+          <ac:chgData name="Hayer Florian" userId="866d4ef7-f65d-4e61-9597-0542b71a7f4d" providerId="ADAL" clId="{731FFF11-6A53-5520-B035-B81EF8E0644C}" dt="2026-01-27T07:20:36.991" v="164"/>
+          <ac:grpSpMkLst>
+            <pc:docMk/>
+            <pc:sldMk cId="1666210458" sldId="258"/>
+            <ac:grpSpMk id="107" creationId="{7C7C8A66-F68C-363A-4FC7-5FFDC3830C09}"/>
+          </ac:grpSpMkLst>
+        </pc:grpChg>
+        <pc:grpChg chg="mod">
+          <ac:chgData name="Hayer Florian" userId="866d4ef7-f65d-4e61-9597-0542b71a7f4d" providerId="ADAL" clId="{731FFF11-6A53-5520-B035-B81EF8E0644C}" dt="2026-01-27T07:20:36.991" v="164"/>
+          <ac:grpSpMkLst>
+            <pc:docMk/>
+            <pc:sldMk cId="1666210458" sldId="258"/>
+            <ac:grpSpMk id="108" creationId="{0B5385DC-D73E-E5CA-C065-931EAEFE61A1}"/>
+          </ac:grpSpMkLst>
+        </pc:grpChg>
+        <pc:grpChg chg="del mod">
+          <ac:chgData name="Hayer Florian" userId="866d4ef7-f65d-4e61-9597-0542b71a7f4d" providerId="ADAL" clId="{731FFF11-6A53-5520-B035-B81EF8E0644C}" dt="2026-01-27T07:21:03.112" v="179"/>
+          <ac:grpSpMkLst>
+            <pc:docMk/>
+            <pc:sldMk cId="1666210458" sldId="258"/>
+            <ac:grpSpMk id="123" creationId="{801E11A7-2751-4F5A-4753-D62A88601268}"/>
+          </ac:grpSpMkLst>
+        </pc:grpChg>
+        <pc:grpChg chg="mod">
+          <ac:chgData name="Hayer Florian" userId="866d4ef7-f65d-4e61-9597-0542b71a7f4d" providerId="ADAL" clId="{731FFF11-6A53-5520-B035-B81EF8E0644C}" dt="2026-01-27T07:21:44.190" v="184" actId="1076"/>
+          <ac:grpSpMkLst>
+            <pc:docMk/>
+            <pc:sldMk cId="1666210458" sldId="258"/>
+            <ac:grpSpMk id="124" creationId="{BCFA757A-C310-6540-4974-D832BE9B9D6E}"/>
+          </ac:grpSpMkLst>
+        </pc:grpChg>
+        <pc:grpChg chg="add del mod">
+          <ac:chgData name="Hayer Florian" userId="866d4ef7-f65d-4e61-9597-0542b71a7f4d" providerId="ADAL" clId="{731FFF11-6A53-5520-B035-B81EF8E0644C}" dt="2026-01-27T07:39:02.150" v="413"/>
+          <ac:grpSpMkLst>
+            <pc:docMk/>
+            <pc:sldMk cId="1666210458" sldId="258"/>
+            <ac:grpSpMk id="136" creationId="{703076B1-A428-A0EC-9F03-363C270FCC7C}"/>
+          </ac:grpSpMkLst>
+        </pc:grpChg>
+        <pc:grpChg chg="mod">
+          <ac:chgData name="Hayer Florian" userId="866d4ef7-f65d-4e61-9597-0542b71a7f4d" providerId="ADAL" clId="{731FFF11-6A53-5520-B035-B81EF8E0644C}" dt="2026-01-27T07:39:02.150" v="413"/>
+          <ac:grpSpMkLst>
+            <pc:docMk/>
+            <pc:sldMk cId="1666210458" sldId="258"/>
+            <ac:grpSpMk id="137" creationId="{7BE69CB6-E15C-483F-6632-0AE4EE3CE347}"/>
+          </ac:grpSpMkLst>
+        </pc:grpChg>
+        <pc:grpChg chg="add del mod">
+          <ac:chgData name="Hayer Florian" userId="866d4ef7-f65d-4e61-9597-0542b71a7f4d" providerId="ADAL" clId="{731FFF11-6A53-5520-B035-B81EF8E0644C}" dt="2026-01-27T07:39:21.027" v="441"/>
+          <ac:grpSpMkLst>
+            <pc:docMk/>
+            <pc:sldMk cId="1666210458" sldId="258"/>
+            <ac:grpSpMk id="140" creationId="{F6E36BCF-F777-298C-D16D-E2F5CC2C310C}"/>
+          </ac:grpSpMkLst>
+        </pc:grpChg>
+        <pc:grpChg chg="add del mod">
+          <ac:chgData name="Hayer Florian" userId="866d4ef7-f65d-4e61-9597-0542b71a7f4d" providerId="ADAL" clId="{731FFF11-6A53-5520-B035-B81EF8E0644C}" dt="2026-01-27T07:39:21.027" v="441"/>
+          <ac:grpSpMkLst>
+            <pc:docMk/>
+            <pc:sldMk cId="1666210458" sldId="258"/>
+            <ac:grpSpMk id="141" creationId="{C19CD508-8C62-9604-C4D0-BF814398DC84}"/>
+          </ac:grpSpMkLst>
+        </pc:grpChg>
+        <pc:grpChg chg="add del mod">
+          <ac:chgData name="Hayer Florian" userId="866d4ef7-f65d-4e61-9597-0542b71a7f4d" providerId="ADAL" clId="{731FFF11-6A53-5520-B035-B81EF8E0644C}" dt="2026-01-27T07:39:20.762" v="439"/>
+          <ac:grpSpMkLst>
+            <pc:docMk/>
+            <pc:sldMk cId="1666210458" sldId="258"/>
+            <ac:grpSpMk id="143" creationId="{EED6D498-E686-6E2B-D1A0-6100358346B7}"/>
+          </ac:grpSpMkLst>
+        </pc:grpChg>
+        <pc:grpChg chg="add del mod">
+          <ac:chgData name="Hayer Florian" userId="866d4ef7-f65d-4e61-9597-0542b71a7f4d" providerId="ADAL" clId="{731FFF11-6A53-5520-B035-B81EF8E0644C}" dt="2026-01-27T07:39:20.762" v="439"/>
+          <ac:grpSpMkLst>
+            <pc:docMk/>
+            <pc:sldMk cId="1666210458" sldId="258"/>
+            <ac:grpSpMk id="144" creationId="{9F5884E5-86A0-F0A6-96B8-8DC3E1DFFAB6}"/>
+          </ac:grpSpMkLst>
+        </pc:grpChg>
+        <pc:grpChg chg="add del mod">
+          <ac:chgData name="Hayer Florian" userId="866d4ef7-f65d-4e61-9597-0542b71a7f4d" providerId="ADAL" clId="{731FFF11-6A53-5520-B035-B81EF8E0644C}" dt="2026-01-27T07:39:09.154" v="425"/>
+          <ac:grpSpMkLst>
+            <pc:docMk/>
+            <pc:sldMk cId="1666210458" sldId="258"/>
+            <ac:grpSpMk id="146" creationId="{C59E1DE5-D1D2-C117-4D9E-7BE13E555B40}"/>
+          </ac:grpSpMkLst>
+        </pc:grpChg>
+        <pc:grpChg chg="mod">
+          <ac:chgData name="Hayer Florian" userId="866d4ef7-f65d-4e61-9597-0542b71a7f4d" providerId="ADAL" clId="{731FFF11-6A53-5520-B035-B81EF8E0644C}" dt="2026-01-27T07:39:09.154" v="425"/>
+          <ac:grpSpMkLst>
+            <pc:docMk/>
+            <pc:sldMk cId="1666210458" sldId="258"/>
+            <ac:grpSpMk id="147" creationId="{73BFB075-4402-CE00-E655-D90D5AA510B0}"/>
+          </ac:grpSpMkLst>
+        </pc:grpChg>
+        <pc:grpChg chg="add del mod">
+          <ac:chgData name="Hayer Florian" userId="866d4ef7-f65d-4e61-9597-0542b71a7f4d" providerId="ADAL" clId="{731FFF11-6A53-5520-B035-B81EF8E0644C}" dt="2026-01-27T07:39:20.596" v="437"/>
+          <ac:grpSpMkLst>
+            <pc:docMk/>
+            <pc:sldMk cId="1666210458" sldId="258"/>
+            <ac:grpSpMk id="149" creationId="{2D87E0D7-7092-9973-FF40-DDC103DFEC12}"/>
+          </ac:grpSpMkLst>
+        </pc:grpChg>
+        <pc:grpChg chg="mod">
+          <ac:chgData name="Hayer Florian" userId="866d4ef7-f65d-4e61-9597-0542b71a7f4d" providerId="ADAL" clId="{731FFF11-6A53-5520-B035-B81EF8E0644C}" dt="2026-01-27T07:39:20.596" v="437"/>
+          <ac:grpSpMkLst>
+            <pc:docMk/>
+            <pc:sldMk cId="1666210458" sldId="258"/>
+            <ac:grpSpMk id="150" creationId="{4B60D6C8-C88E-E68B-FD77-59E9CCC7B873}"/>
+          </ac:grpSpMkLst>
+        </pc:grpChg>
+        <pc:grpChg chg="add del mod">
+          <ac:chgData name="Hayer Florian" userId="866d4ef7-f65d-4e61-9597-0542b71a7f4d" providerId="ADAL" clId="{731FFF11-6A53-5520-B035-B81EF8E0644C}" dt="2026-01-27T07:39:20.297" v="434"/>
+          <ac:grpSpMkLst>
+            <pc:docMk/>
+            <pc:sldMk cId="1666210458" sldId="258"/>
+            <ac:grpSpMk id="154" creationId="{4D377019-3DC4-B3DE-7A68-9828BB45D71E}"/>
+          </ac:grpSpMkLst>
+        </pc:grpChg>
+        <pc:grpChg chg="mod">
+          <ac:chgData name="Hayer Florian" userId="866d4ef7-f65d-4e61-9597-0542b71a7f4d" providerId="ADAL" clId="{731FFF11-6A53-5520-B035-B81EF8E0644C}" dt="2026-01-27T07:39:20.297" v="434"/>
+          <ac:grpSpMkLst>
+            <pc:docMk/>
+            <pc:sldMk cId="1666210458" sldId="258"/>
+            <ac:grpSpMk id="155" creationId="{9DBD09C8-F1E9-A3E5-7186-555E0EC92B59}"/>
+          </ac:grpSpMkLst>
+        </pc:grpChg>
+        <pc:grpChg chg="del mod">
+          <ac:chgData name="Hayer Florian" userId="866d4ef7-f65d-4e61-9597-0542b71a7f4d" providerId="ADAL" clId="{731FFF11-6A53-5520-B035-B81EF8E0644C}" dt="2026-01-27T07:39:31.813" v="447"/>
+          <ac:grpSpMkLst>
+            <pc:docMk/>
+            <pc:sldMk cId="1666210458" sldId="258"/>
+            <ac:grpSpMk id="160" creationId="{92CFF3C9-E362-9001-8B4F-9B5F6E45A52E}"/>
+          </ac:grpSpMkLst>
+        </pc:grpChg>
+        <pc:grpChg chg="mod">
+          <ac:chgData name="Hayer Florian" userId="866d4ef7-f65d-4e61-9597-0542b71a7f4d" providerId="ADAL" clId="{731FFF11-6A53-5520-B035-B81EF8E0644C}" dt="2026-01-27T07:39:31.813" v="447"/>
+          <ac:grpSpMkLst>
+            <pc:docMk/>
+            <pc:sldMk cId="1666210458" sldId="258"/>
+            <ac:grpSpMk id="161" creationId="{A91850DD-F635-1353-3648-3E0EFB716438}"/>
+          </ac:grpSpMkLst>
+        </pc:grpChg>
+        <pc:grpChg chg="del mod">
+          <ac:chgData name="Hayer Florian" userId="866d4ef7-f65d-4e61-9597-0542b71a7f4d" providerId="ADAL" clId="{731FFF11-6A53-5520-B035-B81EF8E0644C}" dt="2026-01-27T07:39:31.813" v="447"/>
+          <ac:grpSpMkLst>
+            <pc:docMk/>
+            <pc:sldMk cId="1666210458" sldId="258"/>
+            <ac:grpSpMk id="162" creationId="{F6284502-5481-D592-2723-97241B24720D}"/>
+          </ac:grpSpMkLst>
+        </pc:grpChg>
+        <pc:grpChg chg="mod">
+          <ac:chgData name="Hayer Florian" userId="866d4ef7-f65d-4e61-9597-0542b71a7f4d" providerId="ADAL" clId="{731FFF11-6A53-5520-B035-B81EF8E0644C}" dt="2026-01-27T07:39:31.813" v="447"/>
+          <ac:grpSpMkLst>
+            <pc:docMk/>
+            <pc:sldMk cId="1666210458" sldId="258"/>
+            <ac:grpSpMk id="163" creationId="{135C8FD2-C9D5-6A7E-81FE-18A73F3A2CE8}"/>
+          </ac:grpSpMkLst>
+        </pc:grpChg>
+        <pc:grpChg chg="del mod">
+          <ac:chgData name="Hayer Florian" userId="866d4ef7-f65d-4e61-9597-0542b71a7f4d" providerId="ADAL" clId="{731FFF11-6A53-5520-B035-B81EF8E0644C}" dt="2026-01-27T07:39:42.696" v="450"/>
+          <ac:grpSpMkLst>
+            <pc:docMk/>
+            <pc:sldMk cId="1666210458" sldId="258"/>
+            <ac:grpSpMk id="166" creationId="{1E7C3CA8-1D34-4550-2101-9ED2DBF330C9}"/>
+          </ac:grpSpMkLst>
+        </pc:grpChg>
+        <pc:grpChg chg="del mod">
+          <ac:chgData name="Hayer Florian" userId="866d4ef7-f65d-4e61-9597-0542b71a7f4d" providerId="ADAL" clId="{731FFF11-6A53-5520-B035-B81EF8E0644C}" dt="2026-01-27T07:39:44.240" v="452"/>
+          <ac:grpSpMkLst>
+            <pc:docMk/>
+            <pc:sldMk cId="1666210458" sldId="258"/>
+            <ac:grpSpMk id="167" creationId="{45EB5CED-0722-563E-7158-29B76323DB8E}"/>
+          </ac:grpSpMkLst>
+        </pc:grpChg>
+        <pc:grpChg chg="del mod">
+          <ac:chgData name="Hayer Florian" userId="866d4ef7-f65d-4e61-9597-0542b71a7f4d" providerId="ADAL" clId="{731FFF11-6A53-5520-B035-B81EF8E0644C}" dt="2026-01-27T07:39:44.240" v="452"/>
+          <ac:grpSpMkLst>
+            <pc:docMk/>
+            <pc:sldMk cId="1666210458" sldId="258"/>
+            <ac:grpSpMk id="169" creationId="{030A0EDF-3511-3598-44ED-8C9B8302607A}"/>
+          </ac:grpSpMkLst>
+        </pc:grpChg>
+        <pc:grpChg chg="del mod">
+          <ac:chgData name="Hayer Florian" userId="866d4ef7-f65d-4e61-9597-0542b71a7f4d" providerId="ADAL" clId="{731FFF11-6A53-5520-B035-B81EF8E0644C}" dt="2026-01-27T07:41:12.952" v="471"/>
+          <ac:grpSpMkLst>
+            <pc:docMk/>
+            <pc:sldMk cId="1666210458" sldId="258"/>
+            <ac:grpSpMk id="170" creationId="{359981BC-1E0F-CDB1-4DE1-1BE7A8D2AA37}"/>
+          </ac:grpSpMkLst>
+        </pc:grpChg>
+        <pc:grpChg chg="del mod">
+          <ac:chgData name="Hayer Florian" userId="866d4ef7-f65d-4e61-9597-0542b71a7f4d" providerId="ADAL" clId="{731FFF11-6A53-5520-B035-B81EF8E0644C}" dt="2026-01-27T07:39:57.375" v="459"/>
+          <ac:grpSpMkLst>
+            <pc:docMk/>
+            <pc:sldMk cId="1666210458" sldId="258"/>
+            <ac:grpSpMk id="175" creationId="{132BA426-A55B-2A49-8A80-AF80C0E53612}"/>
+          </ac:grpSpMkLst>
+        </pc:grpChg>
+        <pc:grpChg chg="del mod">
+          <ac:chgData name="Hayer Florian" userId="866d4ef7-f65d-4e61-9597-0542b71a7f4d" providerId="ADAL" clId="{731FFF11-6A53-5520-B035-B81EF8E0644C}" dt="2026-01-27T07:39:58.539" v="461"/>
+          <ac:grpSpMkLst>
+            <pc:docMk/>
+            <pc:sldMk cId="1666210458" sldId="258"/>
+            <ac:grpSpMk id="176" creationId="{612C7BF6-A99E-E5BB-51A4-6D49855B09B8}"/>
+          </ac:grpSpMkLst>
+        </pc:grpChg>
+        <pc:grpChg chg="del mod">
+          <ac:chgData name="Hayer Florian" userId="866d4ef7-f65d-4e61-9597-0542b71a7f4d" providerId="ADAL" clId="{731FFF11-6A53-5520-B035-B81EF8E0644C}" dt="2026-01-27T07:39:58.539" v="461"/>
+          <ac:grpSpMkLst>
+            <pc:docMk/>
+            <pc:sldMk cId="1666210458" sldId="258"/>
+            <ac:grpSpMk id="178" creationId="{44B46C70-6DF1-8A09-7A5E-61EF987B5E15}"/>
+          </ac:grpSpMkLst>
+        </pc:grpChg>
+        <pc:grpChg chg="del mod">
+          <ac:chgData name="Hayer Florian" userId="866d4ef7-f65d-4e61-9597-0542b71a7f4d" providerId="ADAL" clId="{731FFF11-6A53-5520-B035-B81EF8E0644C}" dt="2026-01-27T07:41:12.952" v="471"/>
+          <ac:grpSpMkLst>
+            <pc:docMk/>
+            <pc:sldMk cId="1666210458" sldId="258"/>
+            <ac:grpSpMk id="179" creationId="{55F58A91-EE92-3E19-E6CA-FF029B048F2C}"/>
+          </ac:grpSpMkLst>
+        </pc:grpChg>
+        <pc:grpChg chg="del mod">
+          <ac:chgData name="Hayer Florian" userId="866d4ef7-f65d-4e61-9597-0542b71a7f4d" providerId="ADAL" clId="{731FFF11-6A53-5520-B035-B81EF8E0644C}" dt="2026-01-27T07:41:12.952" v="471"/>
+          <ac:grpSpMkLst>
+            <pc:docMk/>
+            <pc:sldMk cId="1666210458" sldId="258"/>
+            <ac:grpSpMk id="185" creationId="{A3CD8E0C-5F56-9114-B6AF-FEAE081CDF60}"/>
+          </ac:grpSpMkLst>
+        </pc:grpChg>
+        <pc:grpChg chg="del mod">
+          <ac:chgData name="Hayer Florian" userId="866d4ef7-f65d-4e61-9597-0542b71a7f4d" providerId="ADAL" clId="{731FFF11-6A53-5520-B035-B81EF8E0644C}" dt="2026-01-27T07:41:14.904" v="473"/>
+          <ac:grpSpMkLst>
+            <pc:docMk/>
+            <pc:sldMk cId="1666210458" sldId="258"/>
+            <ac:grpSpMk id="186" creationId="{BC26BB20-0C69-6456-E6A4-739B55AF808D}"/>
+          </ac:grpSpMkLst>
+        </pc:grpChg>
+        <pc:grpChg chg="del mod">
+          <ac:chgData name="Hayer Florian" userId="866d4ef7-f65d-4e61-9597-0542b71a7f4d" providerId="ADAL" clId="{731FFF11-6A53-5520-B035-B81EF8E0644C}" dt="2026-01-27T07:41:14.904" v="473"/>
+          <ac:grpSpMkLst>
+            <pc:docMk/>
+            <pc:sldMk cId="1666210458" sldId="258"/>
+            <ac:grpSpMk id="188" creationId="{C0FBD7EE-45AE-0DD0-63E8-5667B3027DFB}"/>
+          </ac:grpSpMkLst>
+        </pc:grpChg>
+        <pc:grpChg chg="del mod">
+          <ac:chgData name="Hayer Florian" userId="866d4ef7-f65d-4e61-9597-0542b71a7f4d" providerId="ADAL" clId="{731FFF11-6A53-5520-B035-B81EF8E0644C}" dt="2026-01-27T07:41:20.353" v="477"/>
+          <ac:grpSpMkLst>
+            <pc:docMk/>
+            <pc:sldMk cId="1666210458" sldId="258"/>
+            <ac:grpSpMk id="189" creationId="{E794F79E-681B-7CE7-A66A-B8C5B4E4D028}"/>
+          </ac:grpSpMkLst>
+        </pc:grpChg>
+        <pc:grpChg chg="del mod">
+          <ac:chgData name="Hayer Florian" userId="866d4ef7-f65d-4e61-9597-0542b71a7f4d" providerId="ADAL" clId="{731FFF11-6A53-5520-B035-B81EF8E0644C}" dt="2026-01-27T07:41:20.353" v="477"/>
+          <ac:grpSpMkLst>
+            <pc:docMk/>
+            <pc:sldMk cId="1666210458" sldId="258"/>
+            <ac:grpSpMk id="1025" creationId="{4BC3F8BC-3AC9-3C8C-E38B-5155F497D7BA}"/>
+          </ac:grpSpMkLst>
+        </pc:grpChg>
+        <pc:grpChg chg="mod">
+          <ac:chgData name="Hayer Florian" userId="866d4ef7-f65d-4e61-9597-0542b71a7f4d" providerId="ADAL" clId="{731FFF11-6A53-5520-B035-B81EF8E0644C}" dt="2026-01-27T07:41:20.353" v="477"/>
+          <ac:grpSpMkLst>
+            <pc:docMk/>
+            <pc:sldMk cId="1666210458" sldId="258"/>
+            <ac:grpSpMk id="1027" creationId="{8321A893-8E9C-C4EC-1F93-9D81C272FD91}"/>
+          </ac:grpSpMkLst>
+        </pc:grpChg>
+        <pc:grpChg chg="add del mod">
+          <ac:chgData name="Hayer Florian" userId="866d4ef7-f65d-4e61-9597-0542b71a7f4d" providerId="ADAL" clId="{731FFF11-6A53-5520-B035-B81EF8E0644C}" dt="2026-01-27T07:41:54.508" v="488"/>
+          <ac:grpSpMkLst>
+            <pc:docMk/>
+            <pc:sldMk cId="1666210458" sldId="258"/>
+            <ac:grpSpMk id="1038" creationId="{AE83D6F4-591A-5A99-BD2D-216EE7D14AD5}"/>
+          </ac:grpSpMkLst>
+        </pc:grpChg>
+        <pc:grpChg chg="mod">
+          <ac:chgData name="Hayer Florian" userId="866d4ef7-f65d-4e61-9597-0542b71a7f4d" providerId="ADAL" clId="{731FFF11-6A53-5520-B035-B81EF8E0644C}" dt="2026-01-27T07:41:54.508" v="488"/>
+          <ac:grpSpMkLst>
+            <pc:docMk/>
+            <pc:sldMk cId="1666210458" sldId="258"/>
+            <ac:grpSpMk id="1039" creationId="{85615C65-ED1F-13D4-2684-12500F833430}"/>
+          </ac:grpSpMkLst>
+        </pc:grpChg>
+        <pc:grpChg chg="del mod">
+          <ac:chgData name="Hayer Florian" userId="866d4ef7-f65d-4e61-9597-0542b71a7f4d" providerId="ADAL" clId="{731FFF11-6A53-5520-B035-B81EF8E0644C}" dt="2026-01-27T07:42:25.608" v="509"/>
+          <ac:grpSpMkLst>
+            <pc:docMk/>
+            <pc:sldMk cId="1666210458" sldId="258"/>
+            <ac:grpSpMk id="1053" creationId="{A0875A13-1CE3-DE61-4EB0-C4DCCF6F9330}"/>
+          </ac:grpSpMkLst>
+        </pc:grpChg>
+        <pc:grpChg chg="mod">
+          <ac:chgData name="Hayer Florian" userId="866d4ef7-f65d-4e61-9597-0542b71a7f4d" providerId="ADAL" clId="{731FFF11-6A53-5520-B035-B81EF8E0644C}" dt="2026-01-27T07:42:25.608" v="509"/>
+          <ac:grpSpMkLst>
+            <pc:docMk/>
+            <pc:sldMk cId="1666210458" sldId="258"/>
+            <ac:grpSpMk id="1054" creationId="{96730D36-FE96-8B0A-DD45-703DFA803DA5}"/>
+          </ac:grpSpMkLst>
+        </pc:grpChg>
+        <pc:grpChg chg="del mod">
+          <ac:chgData name="Hayer Florian" userId="866d4ef7-f65d-4e61-9597-0542b71a7f4d" providerId="ADAL" clId="{731FFF11-6A53-5520-B035-B81EF8E0644C}" dt="2026-01-27T07:42:25.608" v="509"/>
+          <ac:grpSpMkLst>
+            <pc:docMk/>
+            <pc:sldMk cId="1666210458" sldId="258"/>
+            <ac:grpSpMk id="1055" creationId="{19DE55CF-5E7D-E394-316B-8E116AB09206}"/>
+          </ac:grpSpMkLst>
+        </pc:grpChg>
+        <pc:grpChg chg="mod">
+          <ac:chgData name="Hayer Florian" userId="866d4ef7-f65d-4e61-9597-0542b71a7f4d" providerId="ADAL" clId="{731FFF11-6A53-5520-B035-B81EF8E0644C}" dt="2026-01-27T07:42:25.608" v="509"/>
+          <ac:grpSpMkLst>
+            <pc:docMk/>
+            <pc:sldMk cId="1666210458" sldId="258"/>
+            <ac:grpSpMk id="1056" creationId="{0A03907C-0FBB-BCAD-0A30-B38312E0AAAB}"/>
+          </ac:grpSpMkLst>
+        </pc:grpChg>
+        <pc:picChg chg="add mod">
+          <ac:chgData name="Hayer Florian" userId="866d4ef7-f65d-4e61-9597-0542b71a7f4d" providerId="ADAL" clId="{731FFF11-6A53-5520-B035-B81EF8E0644C}" dt="2026-01-27T07:19:34.975" v="127" actId="1076"/>
+          <ac:picMkLst>
+            <pc:docMk/>
+            <pc:sldMk cId="1666210458" sldId="258"/>
+            <ac:picMk id="76" creationId="{1919C9A6-D75B-1B15-EBF6-8ECC0BE444E3}"/>
+          </ac:picMkLst>
+        </pc:picChg>
+        <pc:picChg chg="add mod">
+          <ac:chgData name="Hayer Florian" userId="866d4ef7-f65d-4e61-9597-0542b71a7f4d" providerId="ADAL" clId="{731FFF11-6A53-5520-B035-B81EF8E0644C}" dt="2026-01-27T07:19:36.717" v="129" actId="1076"/>
+          <ac:picMkLst>
+            <pc:docMk/>
+            <pc:sldMk cId="1666210458" sldId="258"/>
+            <ac:picMk id="77" creationId="{9A1967BB-EE9B-6A08-6574-9AF557C9012F}"/>
+          </ac:picMkLst>
+        </pc:picChg>
+        <pc:picChg chg="add mod">
+          <ac:chgData name="Hayer Florian" userId="866d4ef7-f65d-4e61-9597-0542b71a7f4d" providerId="ADAL" clId="{731FFF11-6A53-5520-B035-B81EF8E0644C}" dt="2026-01-27T07:19:33.011" v="124" actId="1076"/>
+          <ac:picMkLst>
+            <pc:docMk/>
+            <pc:sldMk cId="1666210458" sldId="258"/>
+            <ac:picMk id="78" creationId="{DB3140C8-04E7-ECF9-D427-6418FE46FE4F}"/>
+          </ac:picMkLst>
+        </pc:picChg>
+        <pc:picChg chg="add mod">
+          <ac:chgData name="Hayer Florian" userId="866d4ef7-f65d-4e61-9597-0542b71a7f4d" providerId="ADAL" clId="{731FFF11-6A53-5520-B035-B81EF8E0644C}" dt="2026-01-27T07:22:12.948" v="192" actId="1076"/>
+          <ac:picMkLst>
+            <pc:docMk/>
+            <pc:sldMk cId="1666210458" sldId="258"/>
+            <ac:picMk id="79" creationId="{B3C35A43-E160-3629-AA21-70B07E3C4908}"/>
+          </ac:picMkLst>
+        </pc:picChg>
+        <pc:picChg chg="add mod">
+          <ac:chgData name="Hayer Florian" userId="866d4ef7-f65d-4e61-9597-0542b71a7f4d" providerId="ADAL" clId="{731FFF11-6A53-5520-B035-B81EF8E0644C}" dt="2026-01-27T07:42:59.466" v="516" actId="1076"/>
+          <ac:picMkLst>
+            <pc:docMk/>
+            <pc:sldMk cId="1666210458" sldId="258"/>
+            <ac:picMk id="125" creationId="{7DBBAA14-191A-6810-9DA4-F4010E119742}"/>
+          </ac:picMkLst>
+        </pc:picChg>
+        <pc:picChg chg="add mod">
+          <ac:chgData name="Hayer Florian" userId="866d4ef7-f65d-4e61-9597-0542b71a7f4d" providerId="ADAL" clId="{731FFF11-6A53-5520-B035-B81EF8E0644C}" dt="2026-01-27T07:43:00.641" v="517" actId="1076"/>
+          <ac:picMkLst>
+            <pc:docMk/>
+            <pc:sldMk cId="1666210458" sldId="258"/>
+            <ac:picMk id="126" creationId="{53DA0658-6ECB-50CD-DC34-607F509BF93B}"/>
+          </ac:picMkLst>
+        </pc:picChg>
+        <pc:picChg chg="add mod">
+          <ac:chgData name="Hayer Florian" userId="866d4ef7-f65d-4e61-9597-0542b71a7f4d" providerId="ADAL" clId="{731FFF11-6A53-5520-B035-B81EF8E0644C}" dt="2026-01-27T07:37:45.056" v="331" actId="1076"/>
+          <ac:picMkLst>
+            <pc:docMk/>
+            <pc:sldMk cId="1666210458" sldId="258"/>
+            <ac:picMk id="127" creationId="{798FD60A-5D70-98FD-8DF1-1E553F1355FA}"/>
+          </ac:picMkLst>
+        </pc:picChg>
+        <pc:picChg chg="add mod">
+          <ac:chgData name="Hayer Florian" userId="866d4ef7-f65d-4e61-9597-0542b71a7f4d" providerId="ADAL" clId="{731FFF11-6A53-5520-B035-B81EF8E0644C}" dt="2026-01-27T07:38:33.594" v="398" actId="1076"/>
+          <ac:picMkLst>
+            <pc:docMk/>
+            <pc:sldMk cId="1666210458" sldId="258"/>
+            <ac:picMk id="128" creationId="{F01094E4-7455-FCF1-69A5-68A53ECD91C8}"/>
+          </ac:picMkLst>
+        </pc:picChg>
+        <pc:picChg chg="add del mod">
+          <ac:chgData name="Hayer Florian" userId="866d4ef7-f65d-4e61-9597-0542b71a7f4d" providerId="ADAL" clId="{731FFF11-6A53-5520-B035-B81EF8E0644C}" dt="2026-01-27T07:23:20.996" v="202" actId="478"/>
+          <ac:picMkLst>
+            <pc:docMk/>
+            <pc:sldMk cId="1666210458" sldId="258"/>
+            <ac:picMk id="1026" creationId="{1395899F-D855-B907-2D6A-81B043DFF956}"/>
+          </ac:picMkLst>
+        </pc:picChg>
+        <pc:picChg chg="add del mod">
+          <ac:chgData name="Hayer Florian" userId="866d4ef7-f65d-4e61-9597-0542b71a7f4d" providerId="ADAL" clId="{731FFF11-6A53-5520-B035-B81EF8E0644C}" dt="2026-01-27T07:23:59.264" v="208" actId="478"/>
+          <ac:picMkLst>
+            <pc:docMk/>
+            <pc:sldMk cId="1666210458" sldId="258"/>
+            <ac:picMk id="1028" creationId="{51BD847E-C396-7546-FBA1-BFD71660F54A}"/>
+          </ac:picMkLst>
+        </pc:picChg>
+        <pc:picChg chg="add mod">
+          <ac:chgData name="Hayer Florian" userId="866d4ef7-f65d-4e61-9597-0542b71a7f4d" providerId="ADAL" clId="{731FFF11-6A53-5520-B035-B81EF8E0644C}" dt="2026-01-27T07:38:32.209" v="397" actId="1076"/>
+          <ac:picMkLst>
+            <pc:docMk/>
+            <pc:sldMk cId="1666210458" sldId="258"/>
+            <ac:picMk id="1030" creationId="{65A0169D-8273-518A-DFC5-3F34FB7D0F34}"/>
+          </ac:picMkLst>
+        </pc:picChg>
+        <pc:inkChg chg="add del">
+          <ac:chgData name="Hayer Florian" userId="866d4ef7-f65d-4e61-9597-0542b71a7f4d" providerId="ADAL" clId="{731FFF11-6A53-5520-B035-B81EF8E0644C}" dt="2026-01-27T07:15:34.626" v="4" actId="9405"/>
+          <ac:inkMkLst>
+            <pc:docMk/>
+            <pc:sldMk cId="1666210458" sldId="258"/>
+            <ac:inkMk id="2" creationId="{569A50B1-2DCC-3983-CEA9-2637012B1DE5}"/>
+          </ac:inkMkLst>
+        </pc:inkChg>
+        <pc:inkChg chg="add del mod">
+          <ac:chgData name="Hayer Florian" userId="866d4ef7-f65d-4e61-9597-0542b71a7f4d" providerId="ADAL" clId="{731FFF11-6A53-5520-B035-B81EF8E0644C}" dt="2026-01-27T07:15:57.797" v="34" actId="9405"/>
+          <ac:inkMkLst>
+            <pc:docMk/>
+            <pc:sldMk cId="1666210458" sldId="258"/>
+            <ac:inkMk id="3" creationId="{8FD7A035-30AA-9B93-135C-07C002313F0D}"/>
+          </ac:inkMkLst>
+        </pc:inkChg>
+        <pc:inkChg chg="add del mod">
+          <ac:chgData name="Hayer Florian" userId="866d4ef7-f65d-4e61-9597-0542b71a7f4d" providerId="ADAL" clId="{731FFF11-6A53-5520-B035-B81EF8E0644C}" dt="2026-01-27T07:15:41.543" v="9"/>
+          <ac:inkMkLst>
+            <pc:docMk/>
+            <pc:sldMk cId="1666210458" sldId="258"/>
+            <ac:inkMk id="4" creationId="{C81CBC9C-82E1-6A4A-A039-11C809D9F652}"/>
+          </ac:inkMkLst>
+        </pc:inkChg>
+        <pc:inkChg chg="add del mod">
+          <ac:chgData name="Hayer Florian" userId="866d4ef7-f65d-4e61-9597-0542b71a7f4d" providerId="ADAL" clId="{731FFF11-6A53-5520-B035-B81EF8E0644C}" dt="2026-01-27T07:15:56.449" v="33" actId="9405"/>
+          <ac:inkMkLst>
+            <pc:docMk/>
+            <pc:sldMk cId="1666210458" sldId="258"/>
+            <ac:inkMk id="7" creationId="{79970682-2EA0-BAC7-6E8C-F3B3853A047F}"/>
+          </ac:inkMkLst>
+        </pc:inkChg>
+        <pc:inkChg chg="add del mod">
+          <ac:chgData name="Hayer Florian" userId="866d4ef7-f65d-4e61-9597-0542b71a7f4d" providerId="ADAL" clId="{731FFF11-6A53-5520-B035-B81EF8E0644C}" dt="2026-01-27T07:15:56.290" v="32" actId="9405"/>
+          <ac:inkMkLst>
+            <pc:docMk/>
+            <pc:sldMk cId="1666210458" sldId="258"/>
+            <ac:inkMk id="8" creationId="{B546D7A3-8D95-CB57-6E01-1C21A1726A5A}"/>
+          </ac:inkMkLst>
+        </pc:inkChg>
+        <pc:inkChg chg="add del mod">
+          <ac:chgData name="Hayer Florian" userId="866d4ef7-f65d-4e61-9597-0542b71a7f4d" providerId="ADAL" clId="{731FFF11-6A53-5520-B035-B81EF8E0644C}" dt="2026-01-27T07:15:56.124" v="31" actId="9405"/>
+          <ac:inkMkLst>
+            <pc:docMk/>
+            <pc:sldMk cId="1666210458" sldId="258"/>
+            <ac:inkMk id="9" creationId="{CFB91219-04CC-4D6E-935B-4A95567E7175}"/>
+          </ac:inkMkLst>
+        </pc:inkChg>
+        <pc:inkChg chg="add del mod">
+          <ac:chgData name="Hayer Florian" userId="866d4ef7-f65d-4e61-9597-0542b71a7f4d" providerId="ADAL" clId="{731FFF11-6A53-5520-B035-B81EF8E0644C}" dt="2026-01-27T07:15:55.986" v="30" actId="9405"/>
+          <ac:inkMkLst>
+            <pc:docMk/>
+            <pc:sldMk cId="1666210458" sldId="258"/>
+            <ac:inkMk id="10" creationId="{C4674CBB-F176-849B-B78F-059D5AC8A7AA}"/>
+          </ac:inkMkLst>
+        </pc:inkChg>
+        <pc:inkChg chg="add del mod">
+          <ac:chgData name="Hayer Florian" userId="866d4ef7-f65d-4e61-9597-0542b71a7f4d" providerId="ADAL" clId="{731FFF11-6A53-5520-B035-B81EF8E0644C}" dt="2026-01-27T07:15:49.257" v="17"/>
+          <ac:inkMkLst>
+            <pc:docMk/>
+            <pc:sldMk cId="1666210458" sldId="258"/>
+            <ac:inkMk id="11" creationId="{88BB64F4-5B3F-ABB7-7BB8-70ED81AF935A}"/>
+          </ac:inkMkLst>
+        </pc:inkChg>
+        <pc:inkChg chg="add del mod">
+          <ac:chgData name="Hayer Florian" userId="866d4ef7-f65d-4e61-9597-0542b71a7f4d" providerId="ADAL" clId="{731FFF11-6A53-5520-B035-B81EF8E0644C}" dt="2026-01-27T07:15:55.825" v="29" actId="9405"/>
+          <ac:inkMkLst>
+            <pc:docMk/>
+            <pc:sldMk cId="1666210458" sldId="258"/>
+            <ac:inkMk id="14" creationId="{1DFB1425-D171-5E00-4C64-D22D29C007A9}"/>
+          </ac:inkMkLst>
+        </pc:inkChg>
+        <pc:inkChg chg="add del mod">
+          <ac:chgData name="Hayer Florian" userId="866d4ef7-f65d-4e61-9597-0542b71a7f4d" providerId="ADAL" clId="{731FFF11-6A53-5520-B035-B81EF8E0644C}" dt="2026-01-27T07:15:55.625" v="28" actId="9405"/>
+          <ac:inkMkLst>
+            <pc:docMk/>
+            <pc:sldMk cId="1666210458" sldId="258"/>
+            <ac:inkMk id="15" creationId="{39723112-0E16-88D4-A03D-C4A2D6F34180}"/>
+          </ac:inkMkLst>
+        </pc:inkChg>
+        <pc:inkChg chg="add del mod">
+          <ac:chgData name="Hayer Florian" userId="866d4ef7-f65d-4e61-9597-0542b71a7f4d" providerId="ADAL" clId="{731FFF11-6A53-5520-B035-B81EF8E0644C}" dt="2026-01-27T07:15:55.469" v="27"/>
+          <ac:inkMkLst>
+            <pc:docMk/>
+            <pc:sldMk cId="1666210458" sldId="258"/>
+            <ac:inkMk id="16" creationId="{DD5218F2-176E-11E9-2192-42432FA7BA78}"/>
+          </ac:inkMkLst>
+        </pc:inkChg>
+        <pc:inkChg chg="add del">
+          <ac:chgData name="Hayer Florian" userId="866d4ef7-f65d-4e61-9597-0542b71a7f4d" providerId="ADAL" clId="{731FFF11-6A53-5520-B035-B81EF8E0644C}" dt="2026-01-27T07:15:55.328" v="24" actId="9405"/>
+          <ac:inkMkLst>
+            <pc:docMk/>
+            <pc:sldMk cId="1666210458" sldId="258"/>
+            <ac:inkMk id="19" creationId="{5134C393-BBCB-3C85-D50D-EB10A8322182}"/>
+          </ac:inkMkLst>
+        </pc:inkChg>
+        <pc:inkChg chg="add del mod">
+          <ac:chgData name="Hayer Florian" userId="866d4ef7-f65d-4e61-9597-0542b71a7f4d" providerId="ADAL" clId="{731FFF11-6A53-5520-B035-B81EF8E0644C}" dt="2026-01-27T07:38:41.360" v="399" actId="478"/>
+          <ac:inkMkLst>
+            <pc:docMk/>
+            <pc:sldMk cId="1666210458" sldId="258"/>
+            <ac:inkMk id="23" creationId="{A93E12B7-177C-D80B-109F-87A8F3CC9059}"/>
+          </ac:inkMkLst>
+        </pc:inkChg>
+        <pc:inkChg chg="add mod">
+          <ac:chgData name="Hayer Florian" userId="866d4ef7-f65d-4e61-9597-0542b71a7f4d" providerId="ADAL" clId="{731FFF11-6A53-5520-B035-B81EF8E0644C}" dt="2026-01-27T07:39:20.762" v="439"/>
+          <ac:inkMkLst>
+            <pc:docMk/>
+            <pc:sldMk cId="1666210458" sldId="258"/>
+            <ac:inkMk id="24" creationId="{0DF00B21-2AB9-ABBE-76F0-512DEC20237D}"/>
+          </ac:inkMkLst>
+        </pc:inkChg>
+        <pc:inkChg chg="add mod">
+          <ac:chgData name="Hayer Florian" userId="866d4ef7-f65d-4e61-9597-0542b71a7f4d" providerId="ADAL" clId="{731FFF11-6A53-5520-B035-B81EF8E0644C}" dt="2026-01-27T07:39:20.762" v="439"/>
+          <ac:inkMkLst>
+            <pc:docMk/>
+            <pc:sldMk cId="1666210458" sldId="258"/>
+            <ac:inkMk id="25" creationId="{8C5B5E56-E822-AF6A-E46E-B708DB506B86}"/>
+          </ac:inkMkLst>
+        </pc:inkChg>
+        <pc:inkChg chg="add del mod">
+          <ac:chgData name="Hayer Florian" userId="866d4ef7-f65d-4e61-9597-0542b71a7f4d" providerId="ADAL" clId="{731FFF11-6A53-5520-B035-B81EF8E0644C}" dt="2026-01-27T07:17:41.042" v="61"/>
+          <ac:inkMkLst>
+            <pc:docMk/>
+            <pc:sldMk cId="1666210458" sldId="258"/>
+            <ac:inkMk id="26" creationId="{62F7892B-2579-1E61-AA11-DD65EB61434E}"/>
+          </ac:inkMkLst>
+        </pc:inkChg>
+        <pc:inkChg chg="add del mod">
+          <ac:chgData name="Hayer Florian" userId="866d4ef7-f65d-4e61-9597-0542b71a7f4d" providerId="ADAL" clId="{731FFF11-6A53-5520-B035-B81EF8E0644C}" dt="2026-01-27T07:17:40.893" v="59"/>
+          <ac:inkMkLst>
+            <pc:docMk/>
+            <pc:sldMk cId="1666210458" sldId="258"/>
+            <ac:inkMk id="29" creationId="{C35C0692-1152-06F8-AF8E-D2EA347C42E0}"/>
+          </ac:inkMkLst>
+        </pc:inkChg>
+        <pc:inkChg chg="add mod">
+          <ac:chgData name="Hayer Florian" userId="866d4ef7-f65d-4e61-9597-0542b71a7f4d" providerId="ADAL" clId="{731FFF11-6A53-5520-B035-B81EF8E0644C}" dt="2026-01-27T07:39:20.762" v="439"/>
+          <ac:inkMkLst>
+            <pc:docMk/>
+            <pc:sldMk cId="1666210458" sldId="258"/>
+            <ac:inkMk id="32" creationId="{9D94B8ED-0013-3518-DB5C-8E1D9DDA8E91}"/>
+          </ac:inkMkLst>
+        </pc:inkChg>
+        <pc:inkChg chg="add del mod">
+          <ac:chgData name="Hayer Florian" userId="866d4ef7-f65d-4e61-9597-0542b71a7f4d" providerId="ADAL" clId="{731FFF11-6A53-5520-B035-B81EF8E0644C}" dt="2026-01-27T07:38:42.665" v="400" actId="478"/>
+          <ac:inkMkLst>
+            <pc:docMk/>
+            <pc:sldMk cId="1666210458" sldId="258"/>
+            <ac:inkMk id="35" creationId="{17C44530-92A4-662C-E281-5B0E50A51D3A}"/>
+          </ac:inkMkLst>
+        </pc:inkChg>
+        <pc:inkChg chg="add del mod">
+          <ac:chgData name="Hayer Florian" userId="866d4ef7-f65d-4e61-9597-0542b71a7f4d" providerId="ADAL" clId="{731FFF11-6A53-5520-B035-B81EF8E0644C}" dt="2026-01-27T07:18:10.618" v="78" actId="9405"/>
+          <ac:inkMkLst>
+            <pc:docMk/>
+            <pc:sldMk cId="1666210458" sldId="258"/>
+            <ac:inkMk id="36" creationId="{95525000-BC15-9A22-DE20-AA73852B02BD}"/>
+          </ac:inkMkLst>
+        </pc:inkChg>
+        <pc:inkChg chg="add del mod">
+          <ac:chgData name="Hayer Florian" userId="866d4ef7-f65d-4e61-9597-0542b71a7f4d" providerId="ADAL" clId="{731FFF11-6A53-5520-B035-B81EF8E0644C}" dt="2026-01-27T07:18:10.227" v="77" actId="9405"/>
+          <ac:inkMkLst>
+            <pc:docMk/>
+            <pc:sldMk cId="1666210458" sldId="258"/>
+            <ac:inkMk id="37" creationId="{EF5D3CEF-7302-2697-2D1B-5474F51BCE8B}"/>
+          </ac:inkMkLst>
+        </pc:inkChg>
+        <pc:inkChg chg="add del mod">
+          <ac:chgData name="Hayer Florian" userId="866d4ef7-f65d-4e61-9597-0542b71a7f4d" providerId="ADAL" clId="{731FFF11-6A53-5520-B035-B81EF8E0644C}" dt="2026-01-27T07:18:09.196" v="76" actId="9405"/>
+          <ac:inkMkLst>
+            <pc:docMk/>
+            <pc:sldMk cId="1666210458" sldId="258"/>
+            <ac:inkMk id="38" creationId="{057E044E-BC86-79FA-6F8A-6B142DA5E105}"/>
+          </ac:inkMkLst>
+        </pc:inkChg>
+        <pc:inkChg chg="add del">
+          <ac:chgData name="Hayer Florian" userId="866d4ef7-f65d-4e61-9597-0542b71a7f4d" providerId="ADAL" clId="{731FFF11-6A53-5520-B035-B81EF8E0644C}" dt="2026-01-27T07:18:08.766" v="75" actId="9405"/>
+          <ac:inkMkLst>
+            <pc:docMk/>
+            <pc:sldMk cId="1666210458" sldId="258"/>
+            <ac:inkMk id="39" creationId="{AB48155B-39F1-D3F6-D780-A287513DFA5B}"/>
+          </ac:inkMkLst>
+        </pc:inkChg>
+        <pc:inkChg chg="add del">
+          <ac:chgData name="Hayer Florian" userId="866d4ef7-f65d-4e61-9597-0542b71a7f4d" providerId="ADAL" clId="{731FFF11-6A53-5520-B035-B81EF8E0644C}" dt="2026-01-27T07:18:08.269" v="74" actId="9405"/>
+          <ac:inkMkLst>
+            <pc:docMk/>
+            <pc:sldMk cId="1666210458" sldId="258"/>
+            <ac:inkMk id="40" creationId="{63CBDCEA-98A0-4F67-889F-5623EE456982}"/>
+          </ac:inkMkLst>
+        </pc:inkChg>
+        <pc:inkChg chg="add del mod">
+          <ac:chgData name="Hayer Florian" userId="866d4ef7-f65d-4e61-9597-0542b71a7f4d" providerId="ADAL" clId="{731FFF11-6A53-5520-B035-B81EF8E0644C}" dt="2026-01-27T07:18:07.892" v="73"/>
+          <ac:inkMkLst>
+            <pc:docMk/>
+            <pc:sldMk cId="1666210458" sldId="258"/>
+            <ac:inkMk id="41" creationId="{99763F8F-CECE-835C-BBE2-356B1D3A7238}"/>
+          </ac:inkMkLst>
+        </pc:inkChg>
+        <pc:inkChg chg="add mod">
+          <ac:chgData name="Hayer Florian" userId="866d4ef7-f65d-4e61-9597-0542b71a7f4d" providerId="ADAL" clId="{731FFF11-6A53-5520-B035-B81EF8E0644C}" dt="2026-01-27T07:18:37.954" v="113"/>
+          <ac:inkMkLst>
+            <pc:docMk/>
+            <pc:sldMk cId="1666210458" sldId="258"/>
+            <ac:inkMk id="44" creationId="{C36C7F9A-BDA1-365A-3C99-7F9082562A61}"/>
+          </ac:inkMkLst>
+        </pc:inkChg>
+        <pc:inkChg chg="add mod">
+          <ac:chgData name="Hayer Florian" userId="866d4ef7-f65d-4e61-9597-0542b71a7f4d" providerId="ADAL" clId="{731FFF11-6A53-5520-B035-B81EF8E0644C}" dt="2026-01-27T07:18:37.954" v="113"/>
+          <ac:inkMkLst>
+            <pc:docMk/>
+            <pc:sldMk cId="1666210458" sldId="258"/>
+            <ac:inkMk id="45" creationId="{226F7D5E-B9FD-56F4-5261-E40513EA4342}"/>
+          </ac:inkMkLst>
+        </pc:inkChg>
+        <pc:inkChg chg="add mod">
+          <ac:chgData name="Hayer Florian" userId="866d4ef7-f65d-4e61-9597-0542b71a7f4d" providerId="ADAL" clId="{731FFF11-6A53-5520-B035-B81EF8E0644C}" dt="2026-01-27T07:18:37.954" v="113"/>
+          <ac:inkMkLst>
+            <pc:docMk/>
+            <pc:sldMk cId="1666210458" sldId="258"/>
+            <ac:inkMk id="46" creationId="{3B5B7DD7-8836-0C4A-C34C-08B4F0CE1FED}"/>
+          </ac:inkMkLst>
+        </pc:inkChg>
+        <pc:inkChg chg="add mod">
+          <ac:chgData name="Hayer Florian" userId="866d4ef7-f65d-4e61-9597-0542b71a7f4d" providerId="ADAL" clId="{731FFF11-6A53-5520-B035-B81EF8E0644C}" dt="2026-01-27T07:18:37.954" v="113"/>
+          <ac:inkMkLst>
+            <pc:docMk/>
+            <pc:sldMk cId="1666210458" sldId="258"/>
+            <ac:inkMk id="49" creationId="{3089A0AB-AF79-4994-3E79-52B98E300EFE}"/>
+          </ac:inkMkLst>
+        </pc:inkChg>
+        <pc:inkChg chg="add del mod">
+          <ac:chgData name="Hayer Florian" userId="866d4ef7-f65d-4e61-9597-0542b71a7f4d" providerId="ADAL" clId="{731FFF11-6A53-5520-B035-B81EF8E0644C}" dt="2026-01-27T07:18:28.833" v="104"/>
+          <ac:inkMkLst>
+            <pc:docMk/>
+            <pc:sldMk cId="1666210458" sldId="258"/>
+            <ac:inkMk id="52" creationId="{15AFDD17-600A-1747-3916-9B9101D9A454}"/>
+          </ac:inkMkLst>
+        </pc:inkChg>
+        <pc:inkChg chg="add del mod">
+          <ac:chgData name="Hayer Florian" userId="866d4ef7-f65d-4e61-9597-0542b71a7f4d" providerId="ADAL" clId="{731FFF11-6A53-5520-B035-B81EF8E0644C}" dt="2026-01-27T07:18:28.566" v="102" actId="9405"/>
+          <ac:inkMkLst>
+            <pc:docMk/>
+            <pc:sldMk cId="1666210458" sldId="258"/>
+            <ac:inkMk id="55" creationId="{B187E852-4521-8C97-63D5-FC6E13E8B8BE}"/>
+          </ac:inkMkLst>
+        </pc:inkChg>
+        <pc:inkChg chg="add del mod">
+          <ac:chgData name="Hayer Florian" userId="866d4ef7-f65d-4e61-9597-0542b71a7f4d" providerId="ADAL" clId="{731FFF11-6A53-5520-B035-B81EF8E0644C}" dt="2026-01-27T07:18:28.303" v="101"/>
+          <ac:inkMkLst>
+            <pc:docMk/>
+            <pc:sldMk cId="1666210458" sldId="258"/>
+            <ac:inkMk id="56" creationId="{4FC463CB-9486-98E8-00DA-5A67C0469A08}"/>
+          </ac:inkMkLst>
+        </pc:inkChg>
+        <pc:inkChg chg="add del mod">
+          <ac:chgData name="Hayer Florian" userId="866d4ef7-f65d-4e61-9597-0542b71a7f4d" providerId="ADAL" clId="{731FFF11-6A53-5520-B035-B81EF8E0644C}" dt="2026-01-27T07:18:28.070" v="99"/>
+          <ac:inkMkLst>
+            <pc:docMk/>
+            <pc:sldMk cId="1666210458" sldId="258"/>
+            <ac:inkMk id="59" creationId="{3A526141-E63B-E3A0-5780-9A1C18946584}"/>
+          </ac:inkMkLst>
+        </pc:inkChg>
+        <pc:inkChg chg="add del">
+          <ac:chgData name="Hayer Florian" userId="866d4ef7-f65d-4e61-9597-0542b71a7f4d" providerId="ADAL" clId="{731FFF11-6A53-5520-B035-B81EF8E0644C}" dt="2026-01-27T07:18:27.794" v="97" actId="9405"/>
+          <ac:inkMkLst>
+            <pc:docMk/>
+            <pc:sldMk cId="1666210458" sldId="258"/>
+            <ac:inkMk id="62" creationId="{4667D993-868C-16A4-6962-AE8D390B1754}"/>
+          </ac:inkMkLst>
+        </pc:inkChg>
+        <pc:inkChg chg="add del">
+          <ac:chgData name="Hayer Florian" userId="866d4ef7-f65d-4e61-9597-0542b71a7f4d" providerId="ADAL" clId="{731FFF11-6A53-5520-B035-B81EF8E0644C}" dt="2026-01-27T07:18:27.582" v="95" actId="9405"/>
+          <ac:inkMkLst>
+            <pc:docMk/>
+            <pc:sldMk cId="1666210458" sldId="258"/>
+            <ac:inkMk id="63" creationId="{35C9D694-4468-95B2-C3BF-22A73986A3B8}"/>
+          </ac:inkMkLst>
+        </pc:inkChg>
+        <pc:inkChg chg="add del mod">
+          <ac:chgData name="Hayer Florian" userId="866d4ef7-f65d-4e61-9597-0542b71a7f4d" providerId="ADAL" clId="{731FFF11-6A53-5520-B035-B81EF8E0644C}" dt="2026-01-27T07:18:32.130" v="108"/>
+          <ac:inkMkLst>
+            <pc:docMk/>
+            <pc:sldMk cId="1666210458" sldId="258"/>
+            <ac:inkMk id="66" creationId="{A2DF5573-F304-1C62-EA2B-92384DC063E1}"/>
+          </ac:inkMkLst>
+        </pc:inkChg>
+        <pc:inkChg chg="add mod">
+          <ac:chgData name="Hayer Florian" userId="866d4ef7-f65d-4e61-9597-0542b71a7f4d" providerId="ADAL" clId="{731FFF11-6A53-5520-B035-B81EF8E0644C}" dt="2026-01-27T07:18:37.954" v="113"/>
+          <ac:inkMkLst>
+            <pc:docMk/>
+            <pc:sldMk cId="1666210458" sldId="258"/>
+            <ac:inkMk id="69" creationId="{30022A59-7FCB-13DC-8F7E-EC6C623D476B}"/>
+          </ac:inkMkLst>
+        </pc:inkChg>
+        <pc:inkChg chg="add mod">
+          <ac:chgData name="Hayer Florian" userId="866d4ef7-f65d-4e61-9597-0542b71a7f4d" providerId="ADAL" clId="{731FFF11-6A53-5520-B035-B81EF8E0644C}" dt="2026-01-27T07:18:37.954" v="113"/>
+          <ac:inkMkLst>
+            <pc:docMk/>
+            <pc:sldMk cId="1666210458" sldId="258"/>
+            <ac:inkMk id="72" creationId="{C741CA22-7527-0174-BADC-7F78F84876EA}"/>
+          </ac:inkMkLst>
+        </pc:inkChg>
+        <pc:inkChg chg="add mod">
+          <ac:chgData name="Hayer Florian" userId="866d4ef7-f65d-4e61-9597-0542b71a7f4d" providerId="ADAL" clId="{731FFF11-6A53-5520-B035-B81EF8E0644C}" dt="2026-01-27T07:18:37.954" v="113"/>
+          <ac:inkMkLst>
+            <pc:docMk/>
+            <pc:sldMk cId="1666210458" sldId="258"/>
+            <ac:inkMk id="73" creationId="{04C9C5B9-5DE4-D087-056F-8B6B97B2B38F}"/>
+          </ac:inkMkLst>
+        </pc:inkChg>
+        <pc:inkChg chg="add del">
+          <ac:chgData name="Hayer Florian" userId="866d4ef7-f65d-4e61-9597-0542b71a7f4d" providerId="ADAL" clId="{731FFF11-6A53-5520-B035-B81EF8E0644C}" dt="2026-01-27T07:19:49.778" v="131" actId="9405"/>
+          <ac:inkMkLst>
+            <pc:docMk/>
+            <pc:sldMk cId="1666210458" sldId="258"/>
+            <ac:inkMk id="80" creationId="{BCBF981F-6B01-81BB-FCD3-1F4F92162586}"/>
+          </ac:inkMkLst>
+        </pc:inkChg>
+        <pc:inkChg chg="add">
+          <ac:chgData name="Hayer Florian" userId="866d4ef7-f65d-4e61-9597-0542b71a7f4d" providerId="ADAL" clId="{731FFF11-6A53-5520-B035-B81EF8E0644C}" dt="2026-01-27T07:19:53.878" v="132" actId="9405"/>
+          <ac:inkMkLst>
+            <pc:docMk/>
+            <pc:sldMk cId="1666210458" sldId="258"/>
+            <ac:inkMk id="81" creationId="{62ED1FAF-2869-1F14-5F0A-B672D3C5F863}"/>
+          </ac:inkMkLst>
+        </pc:inkChg>
+        <pc:inkChg chg="add del mod">
+          <ac:chgData name="Hayer Florian" userId="866d4ef7-f65d-4e61-9597-0542b71a7f4d" providerId="ADAL" clId="{731FFF11-6A53-5520-B035-B81EF8E0644C}" dt="2026-01-27T07:20:02.053" v="144" actId="9405"/>
+          <ac:inkMkLst>
+            <pc:docMk/>
+            <pc:sldMk cId="1666210458" sldId="258"/>
+            <ac:inkMk id="82" creationId="{BE7E3283-E298-D9F4-6C52-42A9470CBC9B}"/>
+          </ac:inkMkLst>
+        </pc:inkChg>
+        <pc:inkChg chg="add del mod">
+          <ac:chgData name="Hayer Florian" userId="866d4ef7-f65d-4e61-9597-0542b71a7f4d" providerId="ADAL" clId="{731FFF11-6A53-5520-B035-B81EF8E0644C}" dt="2026-01-27T07:20:01.877" v="143" actId="9405"/>
+          <ac:inkMkLst>
+            <pc:docMk/>
+            <pc:sldMk cId="1666210458" sldId="258"/>
+            <ac:inkMk id="83" creationId="{BC3592AE-81E2-8BA0-AAE2-943E7CAE6B0A}"/>
+          </ac:inkMkLst>
+        </pc:inkChg>
+        <pc:inkChg chg="add del mod">
+          <ac:chgData name="Hayer Florian" userId="866d4ef7-f65d-4e61-9597-0542b71a7f4d" providerId="ADAL" clId="{731FFF11-6A53-5520-B035-B81EF8E0644C}" dt="2026-01-27T07:20:01.419" v="142"/>
+          <ac:inkMkLst>
+            <pc:docMk/>
+            <pc:sldMk cId="1666210458" sldId="258"/>
+            <ac:inkMk id="84" creationId="{4A137FB0-0ABE-A9E2-A242-AD0C316C2CCF}"/>
+          </ac:inkMkLst>
+        </pc:inkChg>
+        <pc:inkChg chg="add del mod">
+          <ac:chgData name="Hayer Florian" userId="866d4ef7-f65d-4e61-9597-0542b71a7f4d" providerId="ADAL" clId="{731FFF11-6A53-5520-B035-B81EF8E0644C}" dt="2026-01-27T07:20:01.281" v="140"/>
+          <ac:inkMkLst>
+            <pc:docMk/>
+            <pc:sldMk cId="1666210458" sldId="258"/>
+            <ac:inkMk id="87" creationId="{60165C8A-161D-E762-92C5-A3E13E975A68}"/>
+          </ac:inkMkLst>
+        </pc:inkChg>
+        <pc:inkChg chg="add">
+          <ac:chgData name="Hayer Florian" userId="866d4ef7-f65d-4e61-9597-0542b71a7f4d" providerId="ADAL" clId="{731FFF11-6A53-5520-B035-B81EF8E0644C}" dt="2026-01-27T07:20:04.354" v="145" actId="9405"/>
+          <ac:inkMkLst>
+            <pc:docMk/>
+            <pc:sldMk cId="1666210458" sldId="258"/>
+            <ac:inkMk id="90" creationId="{0266F723-2273-D654-5ABE-E25DCA81DE69}"/>
+          </ac:inkMkLst>
+        </pc:inkChg>
+        <pc:inkChg chg="add mod">
+          <ac:chgData name="Hayer Florian" userId="866d4ef7-f65d-4e61-9597-0542b71a7f4d" providerId="ADAL" clId="{731FFF11-6A53-5520-B035-B81EF8E0644C}" dt="2026-01-27T07:20:26.580" v="160"/>
+          <ac:inkMkLst>
+            <pc:docMk/>
+            <pc:sldMk cId="1666210458" sldId="258"/>
+            <ac:inkMk id="91" creationId="{CA0F6732-4B7E-A709-EF83-1EA63A202130}"/>
+          </ac:inkMkLst>
+        </pc:inkChg>
+        <pc:inkChg chg="add mod">
+          <ac:chgData name="Hayer Florian" userId="866d4ef7-f65d-4e61-9597-0542b71a7f4d" providerId="ADAL" clId="{731FFF11-6A53-5520-B035-B81EF8E0644C}" dt="2026-01-27T07:20:26.580" v="160"/>
+          <ac:inkMkLst>
+            <pc:docMk/>
+            <pc:sldMk cId="1666210458" sldId="258"/>
+            <ac:inkMk id="92" creationId="{00828DCE-660C-CCED-D7A3-3533D0EDC635}"/>
+          </ac:inkMkLst>
+        </pc:inkChg>
+        <pc:inkChg chg="add mod">
+          <ac:chgData name="Hayer Florian" userId="866d4ef7-f65d-4e61-9597-0542b71a7f4d" providerId="ADAL" clId="{731FFF11-6A53-5520-B035-B81EF8E0644C}" dt="2026-01-27T07:20:26.580" v="160"/>
+          <ac:inkMkLst>
+            <pc:docMk/>
+            <pc:sldMk cId="1666210458" sldId="258"/>
+            <ac:inkMk id="93" creationId="{C25059D0-2A11-BFB7-BDA4-4A48EE263F04}"/>
+          </ac:inkMkLst>
+        </pc:inkChg>
+        <pc:inkChg chg="add mod">
+          <ac:chgData name="Hayer Florian" userId="866d4ef7-f65d-4e61-9597-0542b71a7f4d" providerId="ADAL" clId="{731FFF11-6A53-5520-B035-B81EF8E0644C}" dt="2026-01-27T07:20:26.580" v="160"/>
+          <ac:inkMkLst>
+            <pc:docMk/>
+            <pc:sldMk cId="1666210458" sldId="258"/>
+            <ac:inkMk id="94" creationId="{81A98502-F31F-5B53-460D-2584CFBE7F34}"/>
+          </ac:inkMkLst>
+        </pc:inkChg>
+        <pc:inkChg chg="add mod">
+          <ac:chgData name="Hayer Florian" userId="866d4ef7-f65d-4e61-9597-0542b71a7f4d" providerId="ADAL" clId="{731FFF11-6A53-5520-B035-B81EF8E0644C}" dt="2026-01-27T07:20:26.580" v="160"/>
+          <ac:inkMkLst>
+            <pc:docMk/>
+            <pc:sldMk cId="1666210458" sldId="258"/>
+            <ac:inkMk id="95" creationId="{5719E9D1-0D3B-D393-14B2-F5561CBC7198}"/>
+          </ac:inkMkLst>
+        </pc:inkChg>
+        <pc:inkChg chg="add mod">
+          <ac:chgData name="Hayer Florian" userId="866d4ef7-f65d-4e61-9597-0542b71a7f4d" providerId="ADAL" clId="{731FFF11-6A53-5520-B035-B81EF8E0644C}" dt="2026-01-27T07:20:26.580" v="160"/>
+          <ac:inkMkLst>
+            <pc:docMk/>
+            <pc:sldMk cId="1666210458" sldId="258"/>
+            <ac:inkMk id="96" creationId="{98484805-1288-ECB1-34A0-789EA6769E81}"/>
+          </ac:inkMkLst>
+        </pc:inkChg>
+        <pc:inkChg chg="add mod">
+          <ac:chgData name="Hayer Florian" userId="866d4ef7-f65d-4e61-9597-0542b71a7f4d" providerId="ADAL" clId="{731FFF11-6A53-5520-B035-B81EF8E0644C}" dt="2026-01-27T07:20:26.580" v="160"/>
+          <ac:inkMkLst>
+            <pc:docMk/>
+            <pc:sldMk cId="1666210458" sldId="258"/>
+            <ac:inkMk id="97" creationId="{10C93463-0503-48EF-A682-1E61C743EA28}"/>
+          </ac:inkMkLst>
+        </pc:inkChg>
+        <pc:inkChg chg="add del mod">
+          <ac:chgData name="Hayer Florian" userId="866d4ef7-f65d-4e61-9597-0542b71a7f4d" providerId="ADAL" clId="{731FFF11-6A53-5520-B035-B81EF8E0644C}" dt="2026-01-27T07:20:26.580" v="160"/>
+          <ac:inkMkLst>
+            <pc:docMk/>
+            <pc:sldMk cId="1666210458" sldId="258"/>
+            <ac:inkMk id="98" creationId="{58C42EDF-6527-C00C-D7E3-16E0AEC7735B}"/>
+          </ac:inkMkLst>
+        </pc:inkChg>
+        <pc:inkChg chg="add del">
+          <ac:chgData name="Hayer Florian" userId="866d4ef7-f65d-4e61-9597-0542b71a7f4d" providerId="ADAL" clId="{731FFF11-6A53-5520-B035-B81EF8E0644C}" dt="2026-01-27T07:20:26.447" v="157" actId="9405"/>
+          <ac:inkMkLst>
+            <pc:docMk/>
+            <pc:sldMk cId="1666210458" sldId="258"/>
+            <ac:inkMk id="101" creationId="{DDA6DFC2-8FE4-F6F1-A083-CA8AEDE81B34}"/>
+          </ac:inkMkLst>
+        </pc:inkChg>
+        <pc:inkChg chg="add mod">
+          <ac:chgData name="Hayer Florian" userId="866d4ef7-f65d-4e61-9597-0542b71a7f4d" providerId="ADAL" clId="{731FFF11-6A53-5520-B035-B81EF8E0644C}" dt="2026-01-27T07:20:36.991" v="164"/>
+          <ac:inkMkLst>
+            <pc:docMk/>
+            <pc:sldMk cId="1666210458" sldId="258"/>
+            <ac:inkMk id="104" creationId="{AF09E127-53B9-245E-1EB4-9FAD20F65108}"/>
+          </ac:inkMkLst>
+        </pc:inkChg>
+        <pc:inkChg chg="add mod">
+          <ac:chgData name="Hayer Florian" userId="866d4ef7-f65d-4e61-9597-0542b71a7f4d" providerId="ADAL" clId="{731FFF11-6A53-5520-B035-B81EF8E0644C}" dt="2026-01-27T07:20:36.991" v="164"/>
+          <ac:inkMkLst>
+            <pc:docMk/>
+            <pc:sldMk cId="1666210458" sldId="258"/>
+            <ac:inkMk id="105" creationId="{BA8EC8A7-202A-53EE-CD86-70854F0F491B}"/>
+          </ac:inkMkLst>
+        </pc:inkChg>
+        <pc:inkChg chg="add mod">
+          <ac:chgData name="Hayer Florian" userId="866d4ef7-f65d-4e61-9597-0542b71a7f4d" providerId="ADAL" clId="{731FFF11-6A53-5520-B035-B81EF8E0644C}" dt="2026-01-27T07:20:36.991" v="164"/>
+          <ac:inkMkLst>
+            <pc:docMk/>
+            <pc:sldMk cId="1666210458" sldId="258"/>
+            <ac:inkMk id="106" creationId="{A6C9A09F-A7CD-B1D7-D321-152DFA2AAE63}"/>
+          </ac:inkMkLst>
+        </pc:inkChg>
+        <pc:inkChg chg="add del mod">
+          <ac:chgData name="Hayer Florian" userId="866d4ef7-f65d-4e61-9597-0542b71a7f4d" providerId="ADAL" clId="{731FFF11-6A53-5520-B035-B81EF8E0644C}" dt="2026-01-27T07:22:10.585" v="191" actId="1076"/>
+          <ac:inkMkLst>
+            <pc:docMk/>
+            <pc:sldMk cId="1666210458" sldId="258"/>
+            <ac:inkMk id="109" creationId="{5B081E15-5BA6-70EB-1081-4992E5EB59C4}"/>
+          </ac:inkMkLst>
+        </pc:inkChg>
+        <pc:inkChg chg="add">
+          <ac:chgData name="Hayer Florian" userId="866d4ef7-f65d-4e61-9597-0542b71a7f4d" providerId="ADAL" clId="{731FFF11-6A53-5520-B035-B81EF8E0644C}" dt="2026-01-27T07:20:46.106" v="166" actId="9405"/>
+          <ac:inkMkLst>
+            <pc:docMk/>
+            <pc:sldMk cId="1666210458" sldId="258"/>
+            <ac:inkMk id="110" creationId="{D41BA41F-78E8-7AB9-069B-D226A873CC17}"/>
+          </ac:inkMkLst>
+        </pc:inkChg>
+        <pc:inkChg chg="add">
+          <ac:chgData name="Hayer Florian" userId="866d4ef7-f65d-4e61-9597-0542b71a7f4d" providerId="ADAL" clId="{731FFF11-6A53-5520-B035-B81EF8E0644C}" dt="2026-01-27T07:20:46.877" v="167" actId="9405"/>
+          <ac:inkMkLst>
+            <pc:docMk/>
+            <pc:sldMk cId="1666210458" sldId="258"/>
+            <ac:inkMk id="111" creationId="{2AB6F74A-5AD7-520E-A296-6E26238EAB39}"/>
+          </ac:inkMkLst>
+        </pc:inkChg>
+        <pc:inkChg chg="add">
+          <ac:chgData name="Hayer Florian" userId="866d4ef7-f65d-4e61-9597-0542b71a7f4d" providerId="ADAL" clId="{731FFF11-6A53-5520-B035-B81EF8E0644C}" dt="2026-01-27T07:20:46.931" v="168" actId="9405"/>
+          <ac:inkMkLst>
+            <pc:docMk/>
+            <pc:sldMk cId="1666210458" sldId="258"/>
+            <ac:inkMk id="112" creationId="{539C92A3-434C-889A-992D-42A7A42E17C9}"/>
+          </ac:inkMkLst>
+        </pc:inkChg>
+        <pc:inkChg chg="add">
+          <ac:chgData name="Hayer Florian" userId="866d4ef7-f65d-4e61-9597-0542b71a7f4d" providerId="ADAL" clId="{731FFF11-6A53-5520-B035-B81EF8E0644C}" dt="2026-01-27T07:20:47.464" v="169" actId="9405"/>
+          <ac:inkMkLst>
+            <pc:docMk/>
+            <pc:sldMk cId="1666210458" sldId="258"/>
+            <ac:inkMk id="113" creationId="{D68BD456-D12B-84AE-0CD4-AA2B92CA6C8B}"/>
+          </ac:inkMkLst>
+        </pc:inkChg>
+        <pc:inkChg chg="add mod">
+          <ac:chgData name="Hayer Florian" userId="866d4ef7-f65d-4e61-9597-0542b71a7f4d" providerId="ADAL" clId="{731FFF11-6A53-5520-B035-B81EF8E0644C}" dt="2026-01-27T07:21:03.112" v="179"/>
+          <ac:inkMkLst>
+            <pc:docMk/>
+            <pc:sldMk cId="1666210458" sldId="258"/>
+            <ac:inkMk id="114" creationId="{859BD01C-050B-FB60-2A0D-AD62C9BEB684}"/>
+          </ac:inkMkLst>
+        </pc:inkChg>
+        <pc:inkChg chg="add mod">
+          <ac:chgData name="Hayer Florian" userId="866d4ef7-f65d-4e61-9597-0542b71a7f4d" providerId="ADAL" clId="{731FFF11-6A53-5520-B035-B81EF8E0644C}" dt="2026-01-27T07:21:03.112" v="179"/>
+          <ac:inkMkLst>
+            <pc:docMk/>
+            <pc:sldMk cId="1666210458" sldId="258"/>
+            <ac:inkMk id="115" creationId="{A406C5AF-9791-7301-E493-CD5FDED10205}"/>
+          </ac:inkMkLst>
+        </pc:inkChg>
+        <pc:inkChg chg="add mod">
+          <ac:chgData name="Hayer Florian" userId="866d4ef7-f65d-4e61-9597-0542b71a7f4d" providerId="ADAL" clId="{731FFF11-6A53-5520-B035-B81EF8E0644C}" dt="2026-01-27T07:21:03.112" v="179"/>
+          <ac:inkMkLst>
+            <pc:docMk/>
+            <pc:sldMk cId="1666210458" sldId="258"/>
+            <ac:inkMk id="116" creationId="{D4BF3DA7-5173-8F8D-EEB4-D86ABAD57DFF}"/>
+          </ac:inkMkLst>
+        </pc:inkChg>
+        <pc:inkChg chg="add mod">
+          <ac:chgData name="Hayer Florian" userId="866d4ef7-f65d-4e61-9597-0542b71a7f4d" providerId="ADAL" clId="{731FFF11-6A53-5520-B035-B81EF8E0644C}" dt="2026-01-27T07:21:03.112" v="179"/>
+          <ac:inkMkLst>
+            <pc:docMk/>
+            <pc:sldMk cId="1666210458" sldId="258"/>
+            <ac:inkMk id="117" creationId="{2636F2CF-7E4E-4FEA-414D-D8C6BAF7B8FE}"/>
+          </ac:inkMkLst>
+        </pc:inkChg>
+        <pc:inkChg chg="add mod">
+          <ac:chgData name="Hayer Florian" userId="866d4ef7-f65d-4e61-9597-0542b71a7f4d" providerId="ADAL" clId="{731FFF11-6A53-5520-B035-B81EF8E0644C}" dt="2026-01-27T07:21:03.112" v="179"/>
+          <ac:inkMkLst>
+            <pc:docMk/>
+            <pc:sldMk cId="1666210458" sldId="258"/>
+            <ac:inkMk id="118" creationId="{AD8B394F-C7EB-BB70-E962-7DC83FC0C93A}"/>
+          </ac:inkMkLst>
+        </pc:inkChg>
+        <pc:inkChg chg="add mod">
+          <ac:chgData name="Hayer Florian" userId="866d4ef7-f65d-4e61-9597-0542b71a7f4d" providerId="ADAL" clId="{731FFF11-6A53-5520-B035-B81EF8E0644C}" dt="2026-01-27T07:21:03.112" v="179"/>
+          <ac:inkMkLst>
+            <pc:docMk/>
+            <pc:sldMk cId="1666210458" sldId="258"/>
+            <ac:inkMk id="119" creationId="{BD4B25F0-30E6-8331-F701-79B0B312CB75}"/>
+          </ac:inkMkLst>
+        </pc:inkChg>
+        <pc:inkChg chg="add">
+          <ac:chgData name="Hayer Florian" userId="866d4ef7-f65d-4e61-9597-0542b71a7f4d" providerId="ADAL" clId="{731FFF11-6A53-5520-B035-B81EF8E0644C}" dt="2026-01-27T07:20:57.644" v="176" actId="9405"/>
+          <ac:inkMkLst>
+            <pc:docMk/>
+            <pc:sldMk cId="1666210458" sldId="258"/>
+            <ac:inkMk id="120" creationId="{6A6F629C-3B86-C479-63CE-5957A778CEA4}"/>
+          </ac:inkMkLst>
+        </pc:inkChg>
+        <pc:inkChg chg="add mod">
+          <ac:chgData name="Hayer Florian" userId="866d4ef7-f65d-4e61-9597-0542b71a7f4d" providerId="ADAL" clId="{731FFF11-6A53-5520-B035-B81EF8E0644C}" dt="2026-01-27T07:21:03.112" v="179"/>
+          <ac:inkMkLst>
+            <pc:docMk/>
+            <pc:sldMk cId="1666210458" sldId="258"/>
+            <ac:inkMk id="121" creationId="{20CFFDAF-C740-B991-6341-6F50C5F26AEA}"/>
+          </ac:inkMkLst>
+        </pc:inkChg>
+        <pc:inkChg chg="add mod">
+          <ac:chgData name="Hayer Florian" userId="866d4ef7-f65d-4e61-9597-0542b71a7f4d" providerId="ADAL" clId="{731FFF11-6A53-5520-B035-B81EF8E0644C}" dt="2026-01-27T07:21:03.112" v="179"/>
+          <ac:inkMkLst>
+            <pc:docMk/>
+            <pc:sldMk cId="1666210458" sldId="258"/>
+            <ac:inkMk id="122" creationId="{7745EA82-DFAD-10B7-00BC-85667ED06801}"/>
+          </ac:inkMkLst>
+        </pc:inkChg>
+        <pc:inkChg chg="add del">
+          <ac:chgData name="Hayer Florian" userId="866d4ef7-f65d-4e61-9597-0542b71a7f4d" providerId="ADAL" clId="{731FFF11-6A53-5520-B035-B81EF8E0644C}" dt="2026-01-27T07:38:51.071" v="402" actId="9405"/>
+          <ac:inkMkLst>
+            <pc:docMk/>
+            <pc:sldMk cId="1666210458" sldId="258"/>
+            <ac:inkMk id="129" creationId="{0A4106CA-1DB5-852F-7224-E17B2908F373}"/>
+          </ac:inkMkLst>
+        </pc:inkChg>
+        <pc:inkChg chg="add del">
+          <ac:chgData name="Hayer Florian" userId="866d4ef7-f65d-4e61-9597-0542b71a7f4d" providerId="ADAL" clId="{731FFF11-6A53-5520-B035-B81EF8E0644C}" dt="2026-01-27T07:38:54.182" v="404" actId="9405"/>
+          <ac:inkMkLst>
+            <pc:docMk/>
+            <pc:sldMk cId="1666210458" sldId="258"/>
+            <ac:inkMk id="130" creationId="{FFD6C681-5CDC-A601-F8D9-957B75C178E2}"/>
+          </ac:inkMkLst>
+        </pc:inkChg>
+        <pc:inkChg chg="add del">
+          <ac:chgData name="Hayer Florian" userId="866d4ef7-f65d-4e61-9597-0542b71a7f4d" providerId="ADAL" clId="{731FFF11-6A53-5520-B035-B81EF8E0644C}" dt="2026-01-27T07:39:03.626" v="416" actId="9405"/>
+          <ac:inkMkLst>
+            <pc:docMk/>
+            <pc:sldMk cId="1666210458" sldId="258"/>
+            <ac:inkMk id="131" creationId="{98A940D8-E7DE-BE5B-671D-35DB49560805}"/>
+          </ac:inkMkLst>
+        </pc:inkChg>
+        <pc:inkChg chg="add del">
+          <ac:chgData name="Hayer Florian" userId="866d4ef7-f65d-4e61-9597-0542b71a7f4d" providerId="ADAL" clId="{731FFF11-6A53-5520-B035-B81EF8E0644C}" dt="2026-01-27T07:38:57.136" v="407" actId="9405"/>
+          <ac:inkMkLst>
+            <pc:docMk/>
+            <pc:sldMk cId="1666210458" sldId="258"/>
+            <ac:inkMk id="132" creationId="{6F742562-B53D-AB32-BF63-127A6BC27A5C}"/>
+          </ac:inkMkLst>
+        </pc:inkChg>
+        <pc:inkChg chg="add del mod">
+          <ac:chgData name="Hayer Florian" userId="866d4ef7-f65d-4e61-9597-0542b71a7f4d" providerId="ADAL" clId="{731FFF11-6A53-5520-B035-B81EF8E0644C}" dt="2026-01-27T07:39:03.238" v="415" actId="9405"/>
+          <ac:inkMkLst>
+            <pc:docMk/>
+            <pc:sldMk cId="1666210458" sldId="258"/>
+            <ac:inkMk id="133" creationId="{638C219B-DB1D-D55B-CD7D-DDF74919360B}"/>
+          </ac:inkMkLst>
+        </pc:inkChg>
+        <pc:inkChg chg="add del mod">
+          <ac:chgData name="Hayer Florian" userId="866d4ef7-f65d-4e61-9597-0542b71a7f4d" providerId="ADAL" clId="{731FFF11-6A53-5520-B035-B81EF8E0644C}" dt="2026-01-27T07:39:02.746" v="414" actId="9405"/>
+          <ac:inkMkLst>
+            <pc:docMk/>
+            <pc:sldMk cId="1666210458" sldId="258"/>
+            <ac:inkMk id="134" creationId="{142D92CF-6B21-0AF4-7FD6-2A8CAC062C48}"/>
+          </ac:inkMkLst>
+        </pc:inkChg>
+        <pc:inkChg chg="add del mod">
+          <ac:chgData name="Hayer Florian" userId="866d4ef7-f65d-4e61-9597-0542b71a7f4d" providerId="ADAL" clId="{731FFF11-6A53-5520-B035-B81EF8E0644C}" dt="2026-01-27T07:39:02.150" v="413"/>
+          <ac:inkMkLst>
+            <pc:docMk/>
+            <pc:sldMk cId="1666210458" sldId="258"/>
+            <ac:inkMk id="135" creationId="{D9FB1113-FA97-1EA4-6F7E-5FADC396B500}"/>
+          </ac:inkMkLst>
+        </pc:inkChg>
+        <pc:inkChg chg="add del mod">
+          <ac:chgData name="Hayer Florian" userId="866d4ef7-f65d-4e61-9597-0542b71a7f4d" providerId="ADAL" clId="{731FFF11-6A53-5520-B035-B81EF8E0644C}" dt="2026-01-27T07:39:21.280" v="442" actId="9405"/>
+          <ac:inkMkLst>
+            <pc:docMk/>
+            <pc:sldMk cId="1666210458" sldId="258"/>
+            <ac:inkMk id="138" creationId="{951AFA8D-75DF-47DD-4A77-9AB5691CBB94}"/>
+          </ac:inkMkLst>
+        </pc:inkChg>
+        <pc:inkChg chg="add del mod">
+          <ac:chgData name="Hayer Florian" userId="866d4ef7-f65d-4e61-9597-0542b71a7f4d" providerId="ADAL" clId="{731FFF11-6A53-5520-B035-B81EF8E0644C}" dt="2026-01-27T07:39:21.027" v="441"/>
+          <ac:inkMkLst>
+            <pc:docMk/>
+            <pc:sldMk cId="1666210458" sldId="258"/>
+            <ac:inkMk id="139" creationId="{AB444F1B-22AC-7867-51B6-515FBBB9C7F3}"/>
+          </ac:inkMkLst>
+        </pc:inkChg>
+        <pc:inkChg chg="add del mod">
+          <ac:chgData name="Hayer Florian" userId="866d4ef7-f65d-4e61-9597-0542b71a7f4d" providerId="ADAL" clId="{731FFF11-6A53-5520-B035-B81EF8E0644C}" dt="2026-01-27T07:39:20.762" v="439"/>
+          <ac:inkMkLst>
+            <pc:docMk/>
+            <pc:sldMk cId="1666210458" sldId="258"/>
+            <ac:inkMk id="142" creationId="{2F5A1454-294C-A6DA-DCED-8E471B2ABEA8}"/>
+          </ac:inkMkLst>
+        </pc:inkChg>
+        <pc:inkChg chg="add del mod">
+          <ac:chgData name="Hayer Florian" userId="866d4ef7-f65d-4e61-9597-0542b71a7f4d" providerId="ADAL" clId="{731FFF11-6A53-5520-B035-B81EF8E0644C}" dt="2026-01-27T07:39:09.154" v="425"/>
+          <ac:inkMkLst>
+            <pc:docMk/>
+            <pc:sldMk cId="1666210458" sldId="258"/>
+            <ac:inkMk id="145" creationId="{BA0389B4-641A-AE02-45C3-7EC777BA2949}"/>
+          </ac:inkMkLst>
+        </pc:inkChg>
+        <pc:inkChg chg="add del mod">
+          <ac:chgData name="Hayer Florian" userId="866d4ef7-f65d-4e61-9597-0542b71a7f4d" providerId="ADAL" clId="{731FFF11-6A53-5520-B035-B81EF8E0644C}" dt="2026-01-27T07:39:20.596" v="437"/>
+          <ac:inkMkLst>
+            <pc:docMk/>
+            <pc:sldMk cId="1666210458" sldId="258"/>
+            <ac:inkMk id="148" creationId="{AAF2AB8D-C679-3E75-11DD-D3A6B4DEDF82}"/>
+          </ac:inkMkLst>
+        </pc:inkChg>
+        <pc:inkChg chg="add del">
+          <ac:chgData name="Hayer Florian" userId="866d4ef7-f65d-4e61-9597-0542b71a7f4d" providerId="ADAL" clId="{731FFF11-6A53-5520-B035-B81EF8E0644C}" dt="2026-01-27T07:39:15.196" v="429" actId="9405"/>
+          <ac:inkMkLst>
+            <pc:docMk/>
+            <pc:sldMk cId="1666210458" sldId="258"/>
+            <ac:inkMk id="151" creationId="{802B5AF3-0E4A-ABDA-91FF-D2AFB8C043E3}"/>
+          </ac:inkMkLst>
+        </pc:inkChg>
+        <pc:inkChg chg="add del mod">
+          <ac:chgData name="Hayer Florian" userId="866d4ef7-f65d-4e61-9597-0542b71a7f4d" providerId="ADAL" clId="{731FFF11-6A53-5520-B035-B81EF8E0644C}" dt="2026-01-27T07:39:20.427" v="435" actId="9405"/>
+          <ac:inkMkLst>
+            <pc:docMk/>
+            <pc:sldMk cId="1666210458" sldId="258"/>
+            <ac:inkMk id="152" creationId="{9B20B902-7FE9-016F-0691-D359BB70DE8C}"/>
+          </ac:inkMkLst>
+        </pc:inkChg>
+        <pc:inkChg chg="add del mod">
+          <ac:chgData name="Hayer Florian" userId="866d4ef7-f65d-4e61-9597-0542b71a7f4d" providerId="ADAL" clId="{731FFF11-6A53-5520-B035-B81EF8E0644C}" dt="2026-01-27T07:39:20.297" v="434"/>
+          <ac:inkMkLst>
+            <pc:docMk/>
+            <pc:sldMk cId="1666210458" sldId="258"/>
+            <ac:inkMk id="153" creationId="{45B140A0-CFE4-F50E-DABD-4D2552610046}"/>
+          </ac:inkMkLst>
+        </pc:inkChg>
+        <pc:inkChg chg="add mod">
+          <ac:chgData name="Hayer Florian" userId="866d4ef7-f65d-4e61-9597-0542b71a7f4d" providerId="ADAL" clId="{731FFF11-6A53-5520-B035-B81EF8E0644C}" dt="2026-01-27T07:39:31.813" v="447"/>
+          <ac:inkMkLst>
+            <pc:docMk/>
+            <pc:sldMk cId="1666210458" sldId="258"/>
+            <ac:inkMk id="156" creationId="{3EDA205D-A24C-7D52-69D7-CAAD852301E7}"/>
+          </ac:inkMkLst>
+        </pc:inkChg>
+        <pc:inkChg chg="add mod">
+          <ac:chgData name="Hayer Florian" userId="866d4ef7-f65d-4e61-9597-0542b71a7f4d" providerId="ADAL" clId="{731FFF11-6A53-5520-B035-B81EF8E0644C}" dt="2026-01-27T07:39:31.813" v="447"/>
+          <ac:inkMkLst>
+            <pc:docMk/>
+            <pc:sldMk cId="1666210458" sldId="258"/>
+            <ac:inkMk id="157" creationId="{EE66DBF7-4AC0-0C21-44AB-6DCA49BC0FC9}"/>
+          </ac:inkMkLst>
+        </pc:inkChg>
+        <pc:inkChg chg="add mod">
+          <ac:chgData name="Hayer Florian" userId="866d4ef7-f65d-4e61-9597-0542b71a7f4d" providerId="ADAL" clId="{731FFF11-6A53-5520-B035-B81EF8E0644C}" dt="2026-01-27T07:39:31.813" v="447"/>
+          <ac:inkMkLst>
+            <pc:docMk/>
+            <pc:sldMk cId="1666210458" sldId="258"/>
+            <ac:inkMk id="158" creationId="{E6A81457-5D9C-04F3-B0F1-E33CDC923934}"/>
+          </ac:inkMkLst>
+        </pc:inkChg>
+        <pc:inkChg chg="add mod">
+          <ac:chgData name="Hayer Florian" userId="866d4ef7-f65d-4e61-9597-0542b71a7f4d" providerId="ADAL" clId="{731FFF11-6A53-5520-B035-B81EF8E0644C}" dt="2026-01-27T07:39:31.813" v="447"/>
+          <ac:inkMkLst>
+            <pc:docMk/>
+            <pc:sldMk cId="1666210458" sldId="258"/>
+            <ac:inkMk id="159" creationId="{F08FDF23-3DE1-749F-2CD1-A1EDBD1F348D}"/>
+          </ac:inkMkLst>
+        </pc:inkChg>
+        <pc:inkChg chg="add mod">
+          <ac:chgData name="Hayer Florian" userId="866d4ef7-f65d-4e61-9597-0542b71a7f4d" providerId="ADAL" clId="{731FFF11-6A53-5520-B035-B81EF8E0644C}" dt="2026-01-27T07:41:20.353" v="477"/>
+          <ac:inkMkLst>
+            <pc:docMk/>
+            <pc:sldMk cId="1666210458" sldId="258"/>
+            <ac:inkMk id="164" creationId="{F08E1EF5-2D3F-A650-DE2F-D6DF15E51F45}"/>
+          </ac:inkMkLst>
+        </pc:inkChg>
+        <pc:inkChg chg="add mod">
+          <ac:chgData name="Hayer Florian" userId="866d4ef7-f65d-4e61-9597-0542b71a7f4d" providerId="ADAL" clId="{731FFF11-6A53-5520-B035-B81EF8E0644C}" dt="2026-01-27T07:41:14.904" v="473"/>
+          <ac:inkMkLst>
+            <pc:docMk/>
+            <pc:sldMk cId="1666210458" sldId="258"/>
+            <ac:inkMk id="165" creationId="{AA9DD760-15C9-D297-C79E-712D1E249DA8}"/>
+          </ac:inkMkLst>
+        </pc:inkChg>
+        <pc:inkChg chg="add mod">
+          <ac:chgData name="Hayer Florian" userId="866d4ef7-f65d-4e61-9597-0542b71a7f4d" providerId="ADAL" clId="{731FFF11-6A53-5520-B035-B81EF8E0644C}" dt="2026-01-27T07:41:20.353" v="477"/>
+          <ac:inkMkLst>
+            <pc:docMk/>
+            <pc:sldMk cId="1666210458" sldId="258"/>
+            <ac:inkMk id="168" creationId="{E07E9193-BAE9-5435-8EC8-32ED64F27AF6}"/>
+          </ac:inkMkLst>
+        </pc:inkChg>
+        <pc:inkChg chg="add del">
+          <ac:chgData name="Hayer Florian" userId="866d4ef7-f65d-4e61-9597-0542b71a7f4d" providerId="ADAL" clId="{731FFF11-6A53-5520-B035-B81EF8E0644C}" dt="2026-01-27T07:39:48.735" v="454" actId="9405"/>
+          <ac:inkMkLst>
+            <pc:docMk/>
+            <pc:sldMk cId="1666210458" sldId="258"/>
+            <ac:inkMk id="171" creationId="{9CEC72B1-97AB-04AF-6765-E3DDADB00FB9}"/>
+          </ac:inkMkLst>
+        </pc:inkChg>
+        <pc:inkChg chg="add del">
+          <ac:chgData name="Hayer Florian" userId="866d4ef7-f65d-4e61-9597-0542b71a7f4d" providerId="ADAL" clId="{731FFF11-6A53-5520-B035-B81EF8E0644C}" dt="2026-01-27T07:39:51.880" v="456" actId="9405"/>
+          <ac:inkMkLst>
+            <pc:docMk/>
+            <pc:sldMk cId="1666210458" sldId="258"/>
+            <ac:inkMk id="172" creationId="{C9019602-3C02-7BB2-AE01-98E3D1E0327F}"/>
+          </ac:inkMkLst>
+        </pc:inkChg>
+        <pc:inkChg chg="add mod">
+          <ac:chgData name="Hayer Florian" userId="866d4ef7-f65d-4e61-9597-0542b71a7f4d" providerId="ADAL" clId="{731FFF11-6A53-5520-B035-B81EF8E0644C}" dt="2026-01-27T07:41:20.353" v="477"/>
+          <ac:inkMkLst>
+            <pc:docMk/>
+            <pc:sldMk cId="1666210458" sldId="258"/>
+            <ac:inkMk id="173" creationId="{81E48A53-0DD6-988C-6774-1494056B8108}"/>
+          </ac:inkMkLst>
+        </pc:inkChg>
+        <pc:inkChg chg="add mod">
+          <ac:chgData name="Hayer Florian" userId="866d4ef7-f65d-4e61-9597-0542b71a7f4d" providerId="ADAL" clId="{731FFF11-6A53-5520-B035-B81EF8E0644C}" dt="2026-01-27T07:41:14.904" v="473"/>
+          <ac:inkMkLst>
+            <pc:docMk/>
+            <pc:sldMk cId="1666210458" sldId="258"/>
+            <ac:inkMk id="174" creationId="{97C298C3-1912-B141-26F8-FB9F7D4E2A87}"/>
+          </ac:inkMkLst>
+        </pc:inkChg>
+        <pc:inkChg chg="add mod">
+          <ac:chgData name="Hayer Florian" userId="866d4ef7-f65d-4e61-9597-0542b71a7f4d" providerId="ADAL" clId="{731FFF11-6A53-5520-B035-B81EF8E0644C}" dt="2026-01-27T07:41:12.952" v="471"/>
+          <ac:inkMkLst>
+            <pc:docMk/>
+            <pc:sldMk cId="1666210458" sldId="258"/>
+            <ac:inkMk id="177" creationId="{65AB7AEC-86C8-6F97-E126-632480DCAA8E}"/>
+          </ac:inkMkLst>
+        </pc:inkChg>
+        <pc:inkChg chg="add del">
+          <ac:chgData name="Hayer Florian" userId="866d4ef7-f65d-4e61-9597-0542b71a7f4d" providerId="ADAL" clId="{731FFF11-6A53-5520-B035-B81EF8E0644C}" dt="2026-01-27T07:40:18.516" v="463" actId="9405"/>
+          <ac:inkMkLst>
+            <pc:docMk/>
+            <pc:sldMk cId="1666210458" sldId="258"/>
+            <ac:inkMk id="180" creationId="{B958C8BB-0C58-6EC5-65DE-00CDE826603E}"/>
+          </ac:inkMkLst>
+        </pc:inkChg>
+        <pc:inkChg chg="add del">
+          <ac:chgData name="Hayer Florian" userId="866d4ef7-f65d-4e61-9597-0542b71a7f4d" providerId="ADAL" clId="{731FFF11-6A53-5520-B035-B81EF8E0644C}" dt="2026-01-27T07:40:28.832" v="465" actId="9405"/>
+          <ac:inkMkLst>
+            <pc:docMk/>
+            <pc:sldMk cId="1666210458" sldId="258"/>
+            <ac:inkMk id="181" creationId="{B7D53EAC-A234-D966-C7DF-A4C9D7D9EDA6}"/>
+          </ac:inkMkLst>
+        </pc:inkChg>
+        <pc:inkChg chg="add del">
+          <ac:chgData name="Hayer Florian" userId="866d4ef7-f65d-4e61-9597-0542b71a7f4d" providerId="ADAL" clId="{731FFF11-6A53-5520-B035-B81EF8E0644C}" dt="2026-01-27T07:40:36.376" v="467" actId="9405"/>
+          <ac:inkMkLst>
+            <pc:docMk/>
+            <pc:sldMk cId="1666210458" sldId="258"/>
+            <ac:inkMk id="182" creationId="{4444042C-E00C-EBA8-98C9-8F1651203E9B}"/>
+          </ac:inkMkLst>
+        </pc:inkChg>
+        <pc:inkChg chg="add del">
+          <ac:chgData name="Hayer Florian" userId="866d4ef7-f65d-4e61-9597-0542b71a7f4d" providerId="ADAL" clId="{731FFF11-6A53-5520-B035-B81EF8E0644C}" dt="2026-01-27T07:40:42.955" v="469" actId="9405"/>
+          <ac:inkMkLst>
+            <pc:docMk/>
+            <pc:sldMk cId="1666210458" sldId="258"/>
+            <ac:inkMk id="183" creationId="{03B03EFA-B304-06C9-CBAF-0236560B4466}"/>
+          </ac:inkMkLst>
+        </pc:inkChg>
+        <pc:inkChg chg="add mod">
+          <ac:chgData name="Hayer Florian" userId="866d4ef7-f65d-4e61-9597-0542b71a7f4d" providerId="ADAL" clId="{731FFF11-6A53-5520-B035-B81EF8E0644C}" dt="2026-01-27T07:41:20.353" v="477"/>
+          <ac:inkMkLst>
+            <pc:docMk/>
+            <pc:sldMk cId="1666210458" sldId="258"/>
+            <ac:inkMk id="184" creationId="{554ED66A-9B1B-39F0-D457-185A51F65A0B}"/>
+          </ac:inkMkLst>
+        </pc:inkChg>
+        <pc:inkChg chg="add mod">
+          <ac:chgData name="Hayer Florian" userId="866d4ef7-f65d-4e61-9597-0542b71a7f4d" providerId="ADAL" clId="{731FFF11-6A53-5520-B035-B81EF8E0644C}" dt="2026-01-27T07:41:20.353" v="477"/>
+          <ac:inkMkLst>
+            <pc:docMk/>
+            <pc:sldMk cId="1666210458" sldId="258"/>
+            <ac:inkMk id="187" creationId="{DF3AF05A-A65D-D7E9-598C-11FDF0E6A1E2}"/>
+          </ac:inkMkLst>
+        </pc:inkChg>
+        <pc:inkChg chg="add mod">
+          <ac:chgData name="Hayer Florian" userId="866d4ef7-f65d-4e61-9597-0542b71a7f4d" providerId="ADAL" clId="{731FFF11-6A53-5520-B035-B81EF8E0644C}" dt="2026-01-27T07:41:20.353" v="477"/>
+          <ac:inkMkLst>
+            <pc:docMk/>
+            <pc:sldMk cId="1666210458" sldId="258"/>
+            <ac:inkMk id="190" creationId="{ECF0A9D7-6A59-74FE-29BB-FD156C59D01F}"/>
+          </ac:inkMkLst>
+        </pc:inkChg>
+        <pc:inkChg chg="add">
+          <ac:chgData name="Hayer Florian" userId="866d4ef7-f65d-4e61-9597-0542b71a7f4d" providerId="ADAL" clId="{731FFF11-6A53-5520-B035-B81EF8E0644C}" dt="2026-01-27T07:41:18.462" v="475" actId="9405"/>
+          <ac:inkMkLst>
+            <pc:docMk/>
+            <pc:sldMk cId="1666210458" sldId="258"/>
+            <ac:inkMk id="191" creationId="{3EA47FBD-8F12-F01A-9D01-D4E362EC222A}"/>
+          </ac:inkMkLst>
+        </pc:inkChg>
+        <pc:inkChg chg="add mod">
+          <ac:chgData name="Hayer Florian" userId="866d4ef7-f65d-4e61-9597-0542b71a7f4d" providerId="ADAL" clId="{731FFF11-6A53-5520-B035-B81EF8E0644C}" dt="2026-01-27T07:41:20.353" v="477"/>
+          <ac:inkMkLst>
+            <pc:docMk/>
+            <pc:sldMk cId="1666210458" sldId="258"/>
+            <ac:inkMk id="1024" creationId="{4183ECC9-39F0-BFA4-5625-1083B30C3123}"/>
+          </ac:inkMkLst>
+        </pc:inkChg>
+        <pc:inkChg chg="add del mod">
+          <ac:chgData name="Hayer Florian" userId="866d4ef7-f65d-4e61-9597-0542b71a7f4d" providerId="ADAL" clId="{731FFF11-6A53-5520-B035-B81EF8E0644C}" dt="2026-01-27T07:41:56.003" v="495" actId="9405"/>
+          <ac:inkMkLst>
+            <pc:docMk/>
+            <pc:sldMk cId="1666210458" sldId="258"/>
+            <ac:inkMk id="1029" creationId="{2FC5CB6F-48ED-6081-3C30-41931EC89516}"/>
+          </ac:inkMkLst>
+        </pc:inkChg>
+        <pc:inkChg chg="add del mod">
+          <ac:chgData name="Hayer Florian" userId="866d4ef7-f65d-4e61-9597-0542b71a7f4d" providerId="ADAL" clId="{731FFF11-6A53-5520-B035-B81EF8E0644C}" dt="2026-01-27T07:41:55.658" v="494" actId="9405"/>
+          <ac:inkMkLst>
+            <pc:docMk/>
+            <pc:sldMk cId="1666210458" sldId="258"/>
+            <ac:inkMk id="1031" creationId="{0D3FEDE2-489D-4854-C2F7-3A1859E6E9BA}"/>
+          </ac:inkMkLst>
+        </pc:inkChg>
+        <pc:inkChg chg="add del mod">
+          <ac:chgData name="Hayer Florian" userId="866d4ef7-f65d-4e61-9597-0542b71a7f4d" providerId="ADAL" clId="{731FFF11-6A53-5520-B035-B81EF8E0644C}" dt="2026-01-27T07:41:55.276" v="493" actId="9405"/>
+          <ac:inkMkLst>
+            <pc:docMk/>
+            <pc:sldMk cId="1666210458" sldId="258"/>
+            <ac:inkMk id="1032" creationId="{3EE64855-6AAC-5D30-00B4-BE3CC2BD488C}"/>
+          </ac:inkMkLst>
+        </pc:inkChg>
+        <pc:inkChg chg="add del mod">
+          <ac:chgData name="Hayer Florian" userId="866d4ef7-f65d-4e61-9597-0542b71a7f4d" providerId="ADAL" clId="{731FFF11-6A53-5520-B035-B81EF8E0644C}" dt="2026-01-27T07:41:55.110" v="492" actId="9405"/>
+          <ac:inkMkLst>
+            <pc:docMk/>
+            <pc:sldMk cId="1666210458" sldId="258"/>
+            <ac:inkMk id="1033" creationId="{B377DCBE-D185-B1BB-F866-A7314A2BF215}"/>
+          </ac:inkMkLst>
+        </pc:inkChg>
+        <pc:inkChg chg="add del mod">
+          <ac:chgData name="Hayer Florian" userId="866d4ef7-f65d-4e61-9597-0542b71a7f4d" providerId="ADAL" clId="{731FFF11-6A53-5520-B035-B81EF8E0644C}" dt="2026-01-27T07:41:54.980" v="491" actId="9405"/>
+          <ac:inkMkLst>
+            <pc:docMk/>
+            <pc:sldMk cId="1666210458" sldId="258"/>
+            <ac:inkMk id="1034" creationId="{7B9C0D3F-1549-6A2E-AAB5-BF4C26FD9638}"/>
+          </ac:inkMkLst>
+        </pc:inkChg>
+        <pc:inkChg chg="add del mod">
+          <ac:chgData name="Hayer Florian" userId="866d4ef7-f65d-4e61-9597-0542b71a7f4d" providerId="ADAL" clId="{731FFF11-6A53-5520-B035-B81EF8E0644C}" dt="2026-01-27T07:41:54.796" v="490" actId="9405"/>
+          <ac:inkMkLst>
+            <pc:docMk/>
+            <pc:sldMk cId="1666210458" sldId="258"/>
+            <ac:inkMk id="1035" creationId="{3A3272E8-62A9-B2A3-AC6D-5BF4D245FCC9}"/>
+          </ac:inkMkLst>
+        </pc:inkChg>
+        <pc:inkChg chg="add del mod">
+          <ac:chgData name="Hayer Florian" userId="866d4ef7-f65d-4e61-9597-0542b71a7f4d" providerId="ADAL" clId="{731FFF11-6A53-5520-B035-B81EF8E0644C}" dt="2026-01-27T07:41:54.651" v="489" actId="9405"/>
+          <ac:inkMkLst>
+            <pc:docMk/>
+            <pc:sldMk cId="1666210458" sldId="258"/>
+            <ac:inkMk id="1036" creationId="{62145D0D-53E9-5A94-C6C9-E5CD4BF7D0AB}"/>
+          </ac:inkMkLst>
+        </pc:inkChg>
+        <pc:inkChg chg="add del mod">
+          <ac:chgData name="Hayer Florian" userId="866d4ef7-f65d-4e61-9597-0542b71a7f4d" providerId="ADAL" clId="{731FFF11-6A53-5520-B035-B81EF8E0644C}" dt="2026-01-27T07:41:54.508" v="488"/>
+          <ac:inkMkLst>
+            <pc:docMk/>
+            <pc:sldMk cId="1666210458" sldId="258"/>
+            <ac:inkMk id="1037" creationId="{5FF7BD3E-FA34-2096-3102-904A06D77459}"/>
+          </ac:inkMkLst>
+        </pc:inkChg>
+        <pc:inkChg chg="add">
+          <ac:chgData name="Hayer Florian" userId="866d4ef7-f65d-4e61-9597-0542b71a7f4d" providerId="ADAL" clId="{731FFF11-6A53-5520-B035-B81EF8E0644C}" dt="2026-01-27T07:42:01.551" v="496" actId="9405"/>
+          <ac:inkMkLst>
+            <pc:docMk/>
+            <pc:sldMk cId="1666210458" sldId="258"/>
+            <ac:inkMk id="1040" creationId="{7DFC7F9A-1743-DBFD-17AD-94ED8EEDC4A6}"/>
+          </ac:inkMkLst>
+        </pc:inkChg>
+        <pc:inkChg chg="add">
+          <ac:chgData name="Hayer Florian" userId="866d4ef7-f65d-4e61-9597-0542b71a7f4d" providerId="ADAL" clId="{731FFF11-6A53-5520-B035-B81EF8E0644C}" dt="2026-01-27T07:42:03.392" v="497" actId="9405"/>
+          <ac:inkMkLst>
+            <pc:docMk/>
+            <pc:sldMk cId="1666210458" sldId="258"/>
+            <ac:inkMk id="1041" creationId="{25310946-C81C-2682-16EF-33115941E3EA}"/>
+          </ac:inkMkLst>
+        </pc:inkChg>
+        <pc:inkChg chg="add">
+          <ac:chgData name="Hayer Florian" userId="866d4ef7-f65d-4e61-9597-0542b71a7f4d" providerId="ADAL" clId="{731FFF11-6A53-5520-B035-B81EF8E0644C}" dt="2026-01-27T07:42:05.615" v="498" actId="9405"/>
+          <ac:inkMkLst>
+            <pc:docMk/>
+            <pc:sldMk cId="1666210458" sldId="258"/>
+            <ac:inkMk id="1042" creationId="{37425DBC-39A0-78A1-A07D-AA6E440348BD}"/>
+          </ac:inkMkLst>
+        </pc:inkChg>
+        <pc:inkChg chg="add">
+          <ac:chgData name="Hayer Florian" userId="866d4ef7-f65d-4e61-9597-0542b71a7f4d" providerId="ADAL" clId="{731FFF11-6A53-5520-B035-B81EF8E0644C}" dt="2026-01-27T07:42:07.996" v="499" actId="9405"/>
+          <ac:inkMkLst>
+            <pc:docMk/>
+            <pc:sldMk cId="1666210458" sldId="258"/>
+            <ac:inkMk id="1043" creationId="{633997FC-F788-12F0-4FEC-13741FF62467}"/>
+          </ac:inkMkLst>
+        </pc:inkChg>
+        <pc:inkChg chg="add mod">
+          <ac:chgData name="Hayer Florian" userId="866d4ef7-f65d-4e61-9597-0542b71a7f4d" providerId="ADAL" clId="{731FFF11-6A53-5520-B035-B81EF8E0644C}" dt="2026-01-27T07:42:25.608" v="509"/>
+          <ac:inkMkLst>
+            <pc:docMk/>
+            <pc:sldMk cId="1666210458" sldId="258"/>
+            <ac:inkMk id="1044" creationId="{5EBFABBB-3894-BACC-74E8-F83369CF0AC4}"/>
+          </ac:inkMkLst>
+        </pc:inkChg>
+        <pc:inkChg chg="add mod">
+          <ac:chgData name="Hayer Florian" userId="866d4ef7-f65d-4e61-9597-0542b71a7f4d" providerId="ADAL" clId="{731FFF11-6A53-5520-B035-B81EF8E0644C}" dt="2026-01-27T07:42:25.608" v="509"/>
+          <ac:inkMkLst>
+            <pc:docMk/>
+            <pc:sldMk cId="1666210458" sldId="258"/>
+            <ac:inkMk id="1045" creationId="{58C191FF-3DB5-1B44-930C-6EE32C75D50A}"/>
+          </ac:inkMkLst>
+        </pc:inkChg>
+        <pc:inkChg chg="add mod">
+          <ac:chgData name="Hayer Florian" userId="866d4ef7-f65d-4e61-9597-0542b71a7f4d" providerId="ADAL" clId="{731FFF11-6A53-5520-B035-B81EF8E0644C}" dt="2026-01-27T07:42:25.608" v="509"/>
+          <ac:inkMkLst>
+            <pc:docMk/>
+            <pc:sldMk cId="1666210458" sldId="258"/>
+            <ac:inkMk id="1046" creationId="{B000C7E1-0FF1-3E6E-D6B6-35415506DF9B}"/>
+          </ac:inkMkLst>
+        </pc:inkChg>
+        <pc:inkChg chg="add">
+          <ac:chgData name="Hayer Florian" userId="866d4ef7-f65d-4e61-9597-0542b71a7f4d" providerId="ADAL" clId="{731FFF11-6A53-5520-B035-B81EF8E0644C}" dt="2026-01-27T07:42:17.158" v="503" actId="9405"/>
+          <ac:inkMkLst>
+            <pc:docMk/>
+            <pc:sldMk cId="1666210458" sldId="258"/>
+            <ac:inkMk id="1047" creationId="{E908164B-4684-276D-1B2B-CCFF8B82302C}"/>
+          </ac:inkMkLst>
+        </pc:inkChg>
+        <pc:inkChg chg="add">
+          <ac:chgData name="Hayer Florian" userId="866d4ef7-f65d-4e61-9597-0542b71a7f4d" providerId="ADAL" clId="{731FFF11-6A53-5520-B035-B81EF8E0644C}" dt="2026-01-27T07:42:17.653" v="504" actId="9405"/>
+          <ac:inkMkLst>
+            <pc:docMk/>
+            <pc:sldMk cId="1666210458" sldId="258"/>
+            <ac:inkMk id="1048" creationId="{AB3B3E62-3C4B-E458-137C-F55208037684}"/>
+          </ac:inkMkLst>
+        </pc:inkChg>
+        <pc:inkChg chg="add mod">
+          <ac:chgData name="Hayer Florian" userId="866d4ef7-f65d-4e61-9597-0542b71a7f4d" providerId="ADAL" clId="{731FFF11-6A53-5520-B035-B81EF8E0644C}" dt="2026-01-27T07:42:25.608" v="509"/>
+          <ac:inkMkLst>
+            <pc:docMk/>
+            <pc:sldMk cId="1666210458" sldId="258"/>
+            <ac:inkMk id="1049" creationId="{59277A28-3ED3-4427-0AEB-4DA17B1D64C2}"/>
+          </ac:inkMkLst>
+        </pc:inkChg>
+        <pc:inkChg chg="add mod">
+          <ac:chgData name="Hayer Florian" userId="866d4ef7-f65d-4e61-9597-0542b71a7f4d" providerId="ADAL" clId="{731FFF11-6A53-5520-B035-B81EF8E0644C}" dt="2026-01-27T07:42:25.608" v="509"/>
+          <ac:inkMkLst>
+            <pc:docMk/>
+            <pc:sldMk cId="1666210458" sldId="258"/>
+            <ac:inkMk id="1050" creationId="{0A09A3E0-AB2B-9AF6-C73C-9F80AE8AED2C}"/>
+          </ac:inkMkLst>
+        </pc:inkChg>
+        <pc:inkChg chg="add">
+          <ac:chgData name="Hayer Florian" userId="866d4ef7-f65d-4e61-9597-0542b71a7f4d" providerId="ADAL" clId="{731FFF11-6A53-5520-B035-B81EF8E0644C}" dt="2026-01-27T07:42:23.365" v="507" actId="9405"/>
+          <ac:inkMkLst>
+            <pc:docMk/>
+            <pc:sldMk cId="1666210458" sldId="258"/>
+            <ac:inkMk id="1051" creationId="{EB8E96C1-39E6-EA0A-A480-CE5020C7E143}"/>
+          </ac:inkMkLst>
+        </pc:inkChg>
+        <pc:inkChg chg="add mod">
+          <ac:chgData name="Hayer Florian" userId="866d4ef7-f65d-4e61-9597-0542b71a7f4d" providerId="ADAL" clId="{731FFF11-6A53-5520-B035-B81EF8E0644C}" dt="2026-01-27T07:42:25.608" v="509"/>
+          <ac:inkMkLst>
+            <pc:docMk/>
+            <pc:sldMk cId="1666210458" sldId="258"/>
+            <ac:inkMk id="1052" creationId="{2D0D5C24-DA94-D66F-3671-BB12E38E1B1B}"/>
+          </ac:inkMkLst>
+        </pc:inkChg>
+        <pc:inkChg chg="add">
+          <ac:chgData name="Hayer Florian" userId="866d4ef7-f65d-4e61-9597-0542b71a7f4d" providerId="ADAL" clId="{731FFF11-6A53-5520-B035-B81EF8E0644C}" dt="2026-01-27T07:42:39.644" v="510" actId="9405"/>
+          <ac:inkMkLst>
+            <pc:docMk/>
+            <pc:sldMk cId="1666210458" sldId="258"/>
+            <ac:inkMk id="1057" creationId="{8FE9497E-79CD-0965-1BE1-29DA674C8A2F}"/>
           </ac:inkMkLst>
         </pc:inkChg>
       </pc:sldChg>
@@ -162,15 +1982,306 @@
           <inkml:channelProperty channel="F" name="resolution" value="0" units="1/dev"/>
         </inkml:channelProperties>
       </inkml:inkSource>
-      <inkml:timestamp xml:id="ts0" timeString="2026-01-13T08:33:48.176"/>
+      <inkml:timestamp xml:id="ts0" timeString="2026-01-27T07:17:33.900"/>
     </inkml:context>
     <inkml:brush xml:id="br0">
-      <inkml:brushProperty name="width" value="0.05" units="cm"/>
-      <inkml:brushProperty name="height" value="0.05" units="cm"/>
+      <inkml:brushProperty name="width" value="0.2" units="cm"/>
+      <inkml:brushProperty name="height" value="1.2" units="cm"/>
       <inkml:brushProperty name="color" value="#FFFFFF"/>
+      <inkml:brushProperty name="inkEffects" value="pencil"/>
     </inkml:brush>
   </inkml:definitions>
-  <inkml:trace contextRef="#ctx0" brushRef="#br0">0 1 24575,'0'0'0</inkml:trace>
+  <inkml:trace contextRef="#ctx0" brushRef="#br0">205 1 16383,'-4'38'0,"1"-13"0,-6 44 0,3-28 0,-11 27 0,2 14 0,-2-27 0,2 3 0,0 5 0,5-14 0,-1 1 0,-7 11 0,1 3 0,5 9 0,2-2 0,1-20 0,2-1 0,1 6 0,2-4 0,4 6 0,0-13 0,0-17 0,0-12 0,0-7 0,0-6 0,0-2 0</inkml:trace>
+</inkml:ink>
+</file>
+
+<file path=ppt/ink/ink10.xml><?xml version="1.0" encoding="utf-8"?>
+<inkml:ink xmlns:inkml="http://www.w3.org/2003/InkML">
+  <inkml:definitions>
+    <inkml:context xml:id="ctx0">
+      <inkml:inkSource xml:id="inkSrc0">
+        <inkml:traceFormat>
+          <inkml:channel name="X" type="integer" min="-2.14748E9" max="2.14748E9" units="cm"/>
+          <inkml:channel name="Y" type="integer" min="-2.14748E9" max="2.14748E9" units="cm"/>
+          <inkml:channel name="F" type="integer" max="32767" units="dev"/>
+        </inkml:traceFormat>
+        <inkml:channelProperties>
+          <inkml:channelProperty channel="X" name="resolution" value="1000" units="1/cm"/>
+          <inkml:channelProperty channel="Y" name="resolution" value="1000" units="1/cm"/>
+          <inkml:channelProperty channel="F" name="resolution" value="0" units="1/dev"/>
+        </inkml:channelProperties>
+      </inkml:inkSource>
+      <inkml:timestamp xml:id="ts0" timeString="2026-01-27T07:18:37.027"/>
+    </inkml:context>
+    <inkml:brush xml:id="br0">
+      <inkml:brushProperty name="width" value="0.2" units="cm"/>
+      <inkml:brushProperty name="height" value="1.2" units="cm"/>
+      <inkml:brushProperty name="color" value="#FFFFFF"/>
+      <inkml:brushProperty name="inkEffects" value="pencil"/>
+    </inkml:brush>
+  </inkml:definitions>
+  <inkml:trace contextRef="#ctx0" brushRef="#br0">0 55 16383,'62'-8'0,"3"4"0,-13 1 0,5 1 0,-4 2 0,2 0 0,11 0 0,2 0 0,1 0 0,0 0 0,-1 1 0,1-2 0,-1-1 0,-1 0 0,-7 2 0,-2-1 0,-2-4 0,0 1 0,6 1 0,-3 0 0,24-3 0,-5-2 0,-48 8 0,-15-3 0,-11 3 0,-2 0 0</inkml:trace>
+</inkml:ink>
+</file>
+
+<file path=ppt/ink/ink11.xml><?xml version="1.0" encoding="utf-8"?>
+<inkml:ink xmlns:inkml="http://www.w3.org/2003/InkML">
+  <inkml:definitions>
+    <inkml:context xml:id="ctx0">
+      <inkml:inkSource xml:id="inkSrc0">
+        <inkml:traceFormat>
+          <inkml:channel name="X" type="integer" min="-2.14748E9" max="2.14748E9" units="cm"/>
+          <inkml:channel name="Y" type="integer" min="-2.14748E9" max="2.14748E9" units="cm"/>
+          <inkml:channel name="F" type="integer" max="32767" units="dev"/>
+        </inkml:traceFormat>
+        <inkml:channelProperties>
+          <inkml:channelProperty channel="X" name="resolution" value="1000" units="1/cm"/>
+          <inkml:channelProperty channel="Y" name="resolution" value="1000" units="1/cm"/>
+          <inkml:channelProperty channel="F" name="resolution" value="0" units="1/dev"/>
+        </inkml:channelProperties>
+      </inkml:inkSource>
+      <inkml:timestamp xml:id="ts0" timeString="2026-01-27T07:19:53.875"/>
+    </inkml:context>
+    <inkml:brush xml:id="br0">
+      <inkml:brushProperty name="width" value="0.2" units="cm"/>
+      <inkml:brushProperty name="height" value="1.2" units="cm"/>
+      <inkml:brushProperty name="color" value="#FFFFFF"/>
+      <inkml:brushProperty name="inkEffects" value="pencil"/>
+    </inkml:brush>
+  </inkml:definitions>
+  <inkml:trace contextRef="#ctx0" brushRef="#br0">381 0 16383,'32'67'0,"-2"-2"0,-11-31 0,1 6 0,0-1 0,-1-4 0,-4 3 0,0-4 0,1 6 0,15 27 0,-10-15 0,10 17 0,-14-24 0,-1-5 0,-4-1 0,3 6 0,-2-4 0,10 36 0,-6-29 0,6 24 0,-8-32 0,8 26 0,-6-20 0,2 21 0,11 0 0,-13-15 0,4-4 0,0-1 0,-2 5 0,0-5 0,-1-1 0,1 1 0,13 35 0,-19-43 0,14 42 0,-14-40 0,16 52 0,-1-20 0,-3 0 0,-7-26 0,1-1 0,10 28 0,-11-23 0,0 3 0,1-4 0,1 1 0,-4 2 0,-1-1 0,0-1 0,0-2 0,9 46 0,-14-46 0,0 0 0,9 40 0,-9-40 0,0 1 0,4 0 0,1 0 0,-2 0 0,1 1 0,3 2 0,1-1 0,-1-1 0,0-2 0,1 1 0,-1 0 0,1-2 0,0-1 0,1 2 0,0 0 0,12 46 0,-1-1 0,-17-44 0,-2-1 0,9 40 0,-10-35 0,0 1 0,-2-3 0,-1-1 0,1 4 0,-1 2 0,1 6 0,-1 0 0,-2-10 0,1 0 0,4 7 0,-1 1 0,-3-11 0,-1 0 0,5 0 0,-1 0 0,2 44 0,4 5 0,-10-10 0,-1 4 0,-1-41 0,-1 0 0,-1 45 0,1-41 0,1-1 0,-3 45 0,0-6 0,0 5 0,4 1 0,-3-4 0,2-44 0,-1 0 0,-2 37 0,0-35 0,0 1 0,0 42 0,0-33 0,0-1 0,0 30 0,-1-39 0,2 0 0,3 28 0,-3 6 0,4-5 0,-5 3 0,0-9 0,0-1 0,0-1 0,0-10 0,0 4 0,0 0 0,-5-4 0,0 4 0,0-5 0,-3-5 0,7 3 0,-7-4 0,4 1 0,-5-2 0,-4 0 0,3-4 0,-7 9 0,3-8 0,-4 8 0,0-4 0,-3 1 0,2-2 0,-2 0 0,3-4 0,1 4 0,3-5 0,-2 0 0,3-6 0,-5 10 0,-1-14 0,0 14 0,0-15 0,5 9 0,-1-9 0,1 20 0,-3-12 0,3 8 0,-5-11 0,6-7 0,-6 1 0,-2 5 0,4-4 0,-4 9 0,0 2 0,2 6 0,-7 6 0,3-5 0,-3-2 0,3 0 0,-2-4 0,3 4 0,-5 0 0,0 2 0,1-1 0,-2 4 0,2-9 0,3 5 0,-1-7 0,5 6 0,-2-4 0,-1 4 0,4-5 0,-3-5 0,5-2 0,-5 0 0,4-4 0,-2-2 0,4-6 0,-3-3 0,6-2 0,-10 3 0,13 3 0,-10 2 0,3 4 0,0-1 0,-14 22 0,8-16 0,-14 18 0,11-27 0,-3 5 0,10-16 0,-11 28 0,14-25 0,-15 32 0,11-25 0,-2 5 0,-1-2 0,5 2 0,-11 3 0,6 2 0,-6-4 0,-1 0 0,4 0 0,-4-4 0,1 4 0,6-5 0,-10 7 0,10-3 0,-6-2 0,8-5 0,-6-2 0,12-8 0,-8 5 0,14-14 0,-3 3 0,6-5 0,-1-5 0,-1 4 0,3-4 0,-3 1 0,3 1 0,-1 3 0,1-3 0,-1 6 0,-2-6 0,2 1 0,-1-4 0,2 0 0,-1 1 0,1 2 0,0-1 0,1-1 0,-1-1 0,2-4 0,-2 2 0,-1-2 0</inkml:trace>
+</inkml:ink>
+</file>
+
+<file path=ppt/ink/ink12.xml><?xml version="1.0" encoding="utf-8"?>
+<inkml:ink xmlns:inkml="http://www.w3.org/2003/InkML">
+  <inkml:definitions>
+    <inkml:context xml:id="ctx0">
+      <inkml:inkSource xml:id="inkSrc0">
+        <inkml:traceFormat>
+          <inkml:channel name="X" type="integer" min="-2.14748E9" max="2.14748E9" units="cm"/>
+          <inkml:channel name="Y" type="integer" min="-2.14748E9" max="2.14748E9" units="cm"/>
+          <inkml:channel name="F" type="integer" max="32767" units="dev"/>
+        </inkml:traceFormat>
+        <inkml:channelProperties>
+          <inkml:channelProperty channel="X" name="resolution" value="1000" units="1/cm"/>
+          <inkml:channelProperty channel="Y" name="resolution" value="1000" units="1/cm"/>
+          <inkml:channelProperty channel="F" name="resolution" value="0" units="1/dev"/>
+        </inkml:channelProperties>
+      </inkml:inkSource>
+      <inkml:timestamp xml:id="ts0" timeString="2026-01-27T07:20:04.354"/>
+    </inkml:context>
+    <inkml:brush xml:id="br0">
+      <inkml:brushProperty name="width" value="0.2" units="cm"/>
+      <inkml:brushProperty name="height" value="1.2" units="cm"/>
+      <inkml:brushProperty name="color" value="#FFFFFF"/>
+      <inkml:brushProperty name="inkEffects" value="pencil"/>
+    </inkml:brush>
+  </inkml:definitions>
+  <inkml:trace contextRef="#ctx0" brushRef="#br0">48 1 16383,'3'27'0,"0"8"0,-3-6 0,0 10 0,0 1 0,0 0 0,0-1 0,-4 1 0,3 0 0,-5-6 0,5 10 0,-6-8 0,2 14 0,-3-4 0,3 27 0,1-21 0,4 15 0,0-33 0,0-1 0,0 5 0,0-16 0,0 4 0,0-18 0,-1-3 0,0 1 0,-1 0 0,2-1 0,0 3 0,0-3 0,0 5 0,0-5 0,0 3 0,0-4 0,0 0 0,0 4 0,0-2 0,0 2 0,0-4 0,0 0 0,0 2 0,0 1 0,0 1 0,0-1 0,0-1 0,0-2 0,0 3 0,0-1 0,0 3 0,0-3 0,0 1 0,0-3 0,0 2 0,0-1 0,0 1 0,-2 2 0,0-5 0,-2 3 0</inkml:trace>
+</inkml:ink>
+</file>
+
+<file path=ppt/ink/ink13.xml><?xml version="1.0" encoding="utf-8"?>
+<inkml:ink xmlns:inkml="http://www.w3.org/2003/InkML">
+  <inkml:definitions>
+    <inkml:context xml:id="ctx0">
+      <inkml:inkSource xml:id="inkSrc0">
+        <inkml:traceFormat>
+          <inkml:channel name="X" type="integer" min="-2.14748E9" max="2.14748E9" units="cm"/>
+          <inkml:channel name="Y" type="integer" min="-2.14748E9" max="2.14748E9" units="cm"/>
+          <inkml:channel name="F" type="integer" max="32767" units="dev"/>
+        </inkml:traceFormat>
+        <inkml:channelProperties>
+          <inkml:channelProperty channel="X" name="resolution" value="1000" units="1/cm"/>
+          <inkml:channelProperty channel="Y" name="resolution" value="1000" units="1/cm"/>
+          <inkml:channelProperty channel="F" name="resolution" value="0" units="1/dev"/>
+        </inkml:channelProperties>
+      </inkml:inkSource>
+      <inkml:timestamp xml:id="ts0" timeString="2026-01-27T07:20:07.722"/>
+    </inkml:context>
+    <inkml:brush xml:id="br0">
+      <inkml:brushProperty name="width" value="0.2" units="cm"/>
+      <inkml:brushProperty name="height" value="1.2" units="cm"/>
+      <inkml:brushProperty name="color" value="#FFFFFF"/>
+      <inkml:brushProperty name="inkEffects" value="pencil"/>
+    </inkml:brush>
+  </inkml:definitions>
+  <inkml:trace contextRef="#ctx0" brushRef="#br0">1 170 16383,'11'-7'0,"-1"-1"0,-4 6 0,-1-3 0,3-1 0,2-1 0,-1 0 0,6-3 0,-6 5 0,3-4 0,-6 4 0,1-1 0,-3 2 0,0 1 0,0-1 0,1 2 0,1-2 0,0-1 0,1 1 0,1 0 0,-3-1 0,1 3 0,2-2 0,2 1 0,5 1 0,27-9 0,2 9 0,3-6 0,12-1 0,-28 7 0,14-9 0,-20 10 0,-10-2 0,-9 3 0,-2 0 0,3 0 0,-3 0 0,2 4 0,-1-1 0,-1 5 0,-2-1 0,2-3 0,-3 7 0,2-5 0,-2 3 0,4 8 0,-3-10 0,2 9 0,0-6 0,-1 0 0,3-1 0,-1 2 0,0-5 0,-3 5 0,0-6 0,-2 3 0,2-3 0,-2 3 0,0-2 0,0 1 0,0-1 0,0-2 0,0 8 0,0-6 0,0 7 0,-2-9 0,0 5 0,-3-3 0,-8 17 0,7-11 0,-7 13 0,10-16 0,-1 3 0,0 5 0,2-8 0,-3 7 0,4-11 0,-3 3 0,2-1 0,-1 0 0,0-1 0,2-2 0,-1 2 0,2-1 0,-2 3 0,2-1 0,-4-3 0,2 4 0,-1-3 0,-1 1 0,2 2 0,-3 2 0,1-2 0,-1 3 0,1-5 0,-1 1 0,-1 1 0,1-3 0,-1 1 0,2 0 0,0-1 0,-1 1 0,3-2 0,-4-1 0,1-1 0,-1-2 0,-1 0 0,3 0 0,-2 0 0,1 0 0,-1-2 0,1-1 0,1 1 0,0-2 0,-2 2 0,-1-3 0,0 3 0,-1-2 0,1 4 0,-1-4 0,-3 3 0,8-1 0,25 7 0,-1 0 0,22 3 0,-10 0 0,1 3 0,6-6 0,-1 5 0,-4-9 0,-11 5 0,-9-6 0,-7 2 0,-1 0 0,0 0 0,1 3 0,-3-1 0,1 0 0,-2 2 0,0-1 0,-1 1 0,-2-2 0,1 1 0,-1 1 0,1-2 0,-2 3 0,0-1 0,0-1 0,0 1 0,0 0 0,0-1 0,0 6 0,0-4 0,-4 19 0,3-14 0,-5 19 0,3-21 0,-5 10 0,5-10 0,-4 5 0,4-6 0,-2 3 0,1-4 0,-2 1 0,1-3 0,-1 2 0,0-1 0,1 0 0,-3 1 0,-6 9 0,6-6 0,-8 11 0,11-13 0,-2 3 0,1-4 0,1-1 0,-3 1 0,1-1 0,0-1 0,-1 3 0,3-3 0,-3 1 0,4 1 0,-5-3 0,-8 9 0,8-7 0,-13 4 0,15-7 0,-5-4 0,4 2 0,1 0 0,1-2 0,1 2 0,-1-2 0,-1 0 0,-1 0 0,-4 0 0,3 0 0,-6 0 0,7 0 0,-3 0 0,6 0 0,-1 0 0,0-2 0,-1 2 0,0-2 0,-1 0 0,1 2 0,1-4 0,-3 3 0,3-1 0,-3 2 0,0 0 0,1 0 0,1 0 0,-1-2 0,3 2 0,-1-2 0,0 0 0,1 0 0,-3-1 0,-2-1 0,-3 4 0,-2-5 0,2 4 0,3-1 0,4 2 0,4-2 0,0 0 0</inkml:trace>
+</inkml:ink>
+</file>
+
+<file path=ppt/ink/ink14.xml><?xml version="1.0" encoding="utf-8"?>
+<inkml:ink xmlns:inkml="http://www.w3.org/2003/InkML">
+  <inkml:definitions>
+    <inkml:context xml:id="ctx0">
+      <inkml:inkSource xml:id="inkSrc0">
+        <inkml:traceFormat>
+          <inkml:channel name="X" type="integer" min="-2.14748E9" max="2.14748E9" units="cm"/>
+          <inkml:channel name="Y" type="integer" min="-2.14748E9" max="2.14748E9" units="cm"/>
+          <inkml:channel name="F" type="integer" max="32767" units="dev"/>
+        </inkml:traceFormat>
+        <inkml:channelProperties>
+          <inkml:channelProperty channel="X" name="resolution" value="1000" units="1/cm"/>
+          <inkml:channelProperty channel="Y" name="resolution" value="1000" units="1/cm"/>
+          <inkml:channelProperty channel="F" name="resolution" value="0" units="1/dev"/>
+        </inkml:channelProperties>
+      </inkml:inkSource>
+      <inkml:timestamp xml:id="ts0" timeString="2026-01-27T07:20:10.498"/>
+    </inkml:context>
+    <inkml:brush xml:id="br0">
+      <inkml:brushProperty name="width" value="0.2" units="cm"/>
+      <inkml:brushProperty name="height" value="1.2" units="cm"/>
+      <inkml:brushProperty name="color" value="#FFFFFF"/>
+      <inkml:brushProperty name="inkEffects" value="pencil"/>
+    </inkml:brush>
+  </inkml:definitions>
+  <inkml:trace contextRef="#ctx0" brushRef="#br0">7 621 16383,'5'16'0,"1"0"0,-6-11 0,4 3 0,-4-4 0,4 3 0,-4-1 0,4-2 0,-1 3 0,8 4 0,-3-3 0,9 5 0,-4-4 0,-1-2 0,3 1 0,-8-4 0,3 0 0,-6-5 0,2 0 0,4-6 0,2 0 0,1-3 0,2 2 0,-6 0 0,4-2 0,-5 0 0,0-2 0,2-5 0,-5 6 0,5-14 0,-7 14 0,2-6 0,-5 10 0,4 1 0,-4 2 0,2-1 0,-2-1 0,0 1 0,0-11 0,0 9 0,0-18 0,0 18 0,2-10 0,-1 7 0,2 1 0,0-6 0,2 6 0,-3-17 0,2 14 0,-3-24 0,0 23 0,-1-23 0,0 24 0,0-14 0,0 9 0,0 3 0,0-17 0,0 19 0,0-25 0,0 25 0,0-24 0,0 24 0,0-11 0,0 4 0,-2 8 0,2-6 0,-4 11 0,4 1 0,-4 1 0,1-2 0,-3-1 0,1 0 0,-1 3 0,2 0 0,-11 1 0,3 0 0,-9 0 0,5 3 0,-5 0 0,8 0 0,-3 0 0,10 0 0,2 0 0,0 8 0,1 0 0,1 9 0,0-2 0,-1 1 0,0-1 0,-2 1 0,3-4 0,-1 3 0,-3-5 0,3 4 0,-3-4 0,1 0 0,3-2 0,-2 2 0,3-2 0,-1 4 0,2-8 0,0 2 0,0 1 0,-2-3 0,0 2 0,0-1 0,0 1 0,0 0 0,1 1 0,-3 4 0,2-5 0,-1 5 0,-1-1 0,1-1 0,-2 6 0,0-3 0,0 1 0,0 2 0,3 3 0,-3-2 0,2 5 0,0-5 0,-1-5 0,3 0 0,0-6 0,-1 1 0,1-2 0,-1 2 0,2-1 0,0 3 0,0-3 0,0 3 0,0-4 0,0 2 0,2 3 0,0-4 0,1 3 0,1-2 0,-2 1 0,2 1 0,0-1 0,1 1 0,-1-3 0,-2 1 0,0-2 0,0 2 0,0-1 0,1 1 0,-1-2 0,0 0 0,-2 3 0,2-3 0,-2 4 0,0-3 0,0 1 0</inkml:trace>
+</inkml:ink>
+</file>
+
+<file path=ppt/ink/ink15.xml><?xml version="1.0" encoding="utf-8"?>
+<inkml:ink xmlns:inkml="http://www.w3.org/2003/InkML">
+  <inkml:definitions>
+    <inkml:context xml:id="ctx0">
+      <inkml:inkSource xml:id="inkSrc0">
+        <inkml:traceFormat>
+          <inkml:channel name="X" type="integer" min="-2.14748E9" max="2.14748E9" units="cm"/>
+          <inkml:channel name="Y" type="integer" min="-2.14748E9" max="2.14748E9" units="cm"/>
+          <inkml:channel name="F" type="integer" max="32767" units="dev"/>
+        </inkml:traceFormat>
+        <inkml:channelProperties>
+          <inkml:channelProperty channel="X" name="resolution" value="1000" units="1/cm"/>
+          <inkml:channelProperty channel="Y" name="resolution" value="1000" units="1/cm"/>
+          <inkml:channelProperty channel="F" name="resolution" value="0" units="1/dev"/>
+        </inkml:channelProperties>
+      </inkml:inkSource>
+      <inkml:timestamp xml:id="ts0" timeString="2026-01-27T07:20:11.763"/>
+    </inkml:context>
+    <inkml:brush xml:id="br0">
+      <inkml:brushProperty name="width" value="0.2" units="cm"/>
+      <inkml:brushProperty name="height" value="1.2" units="cm"/>
+      <inkml:brushProperty name="color" value="#FFFFFF"/>
+      <inkml:brushProperty name="inkEffects" value="pencil"/>
+    </inkml:brush>
+  </inkml:definitions>
+  <inkml:trace contextRef="#ctx0" brushRef="#br0">1 0 16383,'10'13'0,"1"-2"0,-7-2 0,3-1 0,-5-1 0,2-3 0,-2 4 0,0-3 0,0 14 0,-2-5 0,0 12 0,3-3 0,2 10 0,-1-4 0,-1 4 0,-1-11 0,-1-1 0,1-9 0,-2 0 0,0-4 0,0 1 0,0 3 0,2-3 0,-1 3 0,0-1 0,-1-1 0,3 5 0,-3-8 0,3 2 0,-3-4 0,0-1 0,0 2 0,1-1 0,0 3 0,1 2 0,0 2 0,1 0 0,-1 0 0,2-3 0,-3-3 0,2 1 0,0-1 0,-1-2 0,2 4 0,-4-3 0,4 1 0,-3 1 0,0-3 0,1 2 0,1-1 0,-1-1 0,2 2 0,-4-1 0,4 3 0,-3 2 0,0-3 0,1 4 0,-1-6 0,1 3 0,-2-1 0,0 1 0,0 4 0,0-3 0,2 3 0,-2-5 0,2-3 0,-2-2 0</inkml:trace>
+</inkml:ink>
+</file>
+
+<file path=ppt/ink/ink16.xml><?xml version="1.0" encoding="utf-8"?>
+<inkml:ink xmlns:inkml="http://www.w3.org/2003/InkML">
+  <inkml:definitions>
+    <inkml:context xml:id="ctx0">
+      <inkml:inkSource xml:id="inkSrc0">
+        <inkml:traceFormat>
+          <inkml:channel name="X" type="integer" min="-2.14748E9" max="2.14748E9" units="cm"/>
+          <inkml:channel name="Y" type="integer" min="-2.14748E9" max="2.14748E9" units="cm"/>
+          <inkml:channel name="F" type="integer" max="32767" units="dev"/>
+        </inkml:traceFormat>
+        <inkml:channelProperties>
+          <inkml:channelProperty channel="X" name="resolution" value="1000" units="1/cm"/>
+          <inkml:channelProperty channel="Y" name="resolution" value="1000" units="1/cm"/>
+          <inkml:channelProperty channel="F" name="resolution" value="0" units="1/dev"/>
+        </inkml:channelProperties>
+      </inkml:inkSource>
+      <inkml:timestamp xml:id="ts0" timeString="2026-01-27T07:20:13.378"/>
+    </inkml:context>
+    <inkml:brush xml:id="br0">
+      <inkml:brushProperty name="width" value="0.2" units="cm"/>
+      <inkml:brushProperty name="height" value="1.2" units="cm"/>
+      <inkml:brushProperty name="color" value="#FFFFFF"/>
+      <inkml:brushProperty name="inkEffects" value="pencil"/>
+    </inkml:brush>
+  </inkml:definitions>
+  <inkml:trace contextRef="#ctx0" brushRef="#br0">154 0 16383,'-14'5'0,"2"-3"0,8 2 0,0-4 0,-1 4 0,1-2 0,0 1 0,-1 2 0,1 0 0,0 0 0,-1 0 0,3-2 0,-2 3 0,0-1 0,-1 1 0,-3 0 0,3-1 0,-1 3 0,1 2 0,0 2 0,0 1 0,1-4 0,-1-1 0,1-1 0,-2 4 0,3-4 0,-3 3 0,4-4 0,-1 6 0,-1 0 0,4 4 0,-3-4 0,3 0 0,0-5 0,0-1 0,0-2 0,0 2 0,0-1 0,0 1 0,0 2 0,0-3 0,0 5 0,0-5 0,0 3 0,2-1 0,-1 1 0,1-1 0,-1 1 0,0-1 0,3-1 0,-2 2 0,0-3 0,0 3 0,0-3 0,-1 1 0,2 0 0,0-1 0,-1 1 0,5 3 0,-6-3 0,5 3 0,-3-5 0,-1 1 0,2 1 0,-2 1 0,3 4 0,2 2 0,1 2 0,2 1 0,1-1 0,-2-2 0,-1-1 0,-2-6 0,-2 0 0,0-1 0,0-1 0,1 0 0,-1 0 0,2 3 0,1-1 0,-1 3 0,6 0 0,-7 0 0,6 0 0,-6-2 0,1-1 0,-2-2 0,1-1 0,1 0 0,-1-2 0,3 3 0,-2-2 0,1 0 0,-1 0 0,-2-2 0,7 3 0,6-3 0,7 2 0,-2-2 0,-1 0 0,-8 0 0,-3 0 0,-4 2 0,-4-1 0,0 1 0</inkml:trace>
+</inkml:ink>
+</file>
+
+<file path=ppt/ink/ink17.xml><?xml version="1.0" encoding="utf-8"?>
+<inkml:ink xmlns:inkml="http://www.w3.org/2003/InkML">
+  <inkml:definitions>
+    <inkml:context xml:id="ctx0">
+      <inkml:inkSource xml:id="inkSrc0">
+        <inkml:traceFormat>
+          <inkml:channel name="X" type="integer" min="-2.14748E9" max="2.14748E9" units="cm"/>
+          <inkml:channel name="Y" type="integer" min="-2.14748E9" max="2.14748E9" units="cm"/>
+          <inkml:channel name="F" type="integer" max="32767" units="dev"/>
+        </inkml:traceFormat>
+        <inkml:channelProperties>
+          <inkml:channelProperty channel="X" name="resolution" value="1000" units="1/cm"/>
+          <inkml:channelProperty channel="Y" name="resolution" value="1000" units="1/cm"/>
+          <inkml:channelProperty channel="F" name="resolution" value="0" units="1/dev"/>
+        </inkml:channelProperties>
+      </inkml:inkSource>
+      <inkml:timestamp xml:id="ts0" timeString="2026-01-27T07:20:14.335"/>
+    </inkml:context>
+    <inkml:brush xml:id="br0">
+      <inkml:brushProperty name="width" value="0.2" units="cm"/>
+      <inkml:brushProperty name="height" value="1.2" units="cm"/>
+      <inkml:brushProperty name="color" value="#FFFFFF"/>
+      <inkml:brushProperty name="inkEffects" value="pencil"/>
+    </inkml:brush>
+  </inkml:definitions>
+  <inkml:trace contextRef="#ctx0" brushRef="#br0">1 0 16383,'6'27'0,"2"9"0,-3-7 0,2 10 0,-2 1 0,2 5 0,-6-9 0,7 34 0,-4-34 0,5 29 0,-5-31 0,4 33 0,-3-21 0,0 15 0,2-23 0,-6 18 0,5-16 0,-5 20 0,2-31 0,1 20 0,-3-23 0,3 16 0,-4-19 0,0 15 0,0-8 0,0 3 0,0 10 0,0-19 0,0 14 0,3-13 0,0-13 0,0 5 0,-1-11 0,-2 1 0,0-1 0,0 0 0,0-1 0,0 22 0,0-12 0,0 16 0,0-18 0,0-1 0,0-6 0,0-44 0,0 29 0,0-33 0</inkml:trace>
+</inkml:ink>
+</file>
+
+<file path=ppt/ink/ink18.xml><?xml version="1.0" encoding="utf-8"?>
+<inkml:ink xmlns:inkml="http://www.w3.org/2003/InkML">
+  <inkml:definitions>
+    <inkml:context xml:id="ctx0">
+      <inkml:inkSource xml:id="inkSrc0">
+        <inkml:traceFormat>
+          <inkml:channel name="X" type="integer" min="-2.14748E9" max="2.14748E9" units="cm"/>
+          <inkml:channel name="Y" type="integer" min="-2.14748E9" max="2.14748E9" units="cm"/>
+          <inkml:channel name="F" type="integer" max="32767" units="dev"/>
+        </inkml:traceFormat>
+        <inkml:channelProperties>
+          <inkml:channelProperty channel="X" name="resolution" value="1000" units="1/cm"/>
+          <inkml:channelProperty channel="Y" name="resolution" value="1000" units="1/cm"/>
+          <inkml:channelProperty channel="F" name="resolution" value="0" units="1/dev"/>
+        </inkml:channelProperties>
+      </inkml:inkSource>
+      <inkml:timestamp xml:id="ts0" timeString="2026-01-27T07:20:15.325"/>
+    </inkml:context>
+    <inkml:brush xml:id="br0">
+      <inkml:brushProperty name="width" value="0.2" units="cm"/>
+      <inkml:brushProperty name="height" value="1.2" units="cm"/>
+      <inkml:brushProperty name="color" value="#FFFFFF"/>
+      <inkml:brushProperty name="inkEffects" value="pencil"/>
+    </inkml:brush>
+  </inkml:definitions>
+  <inkml:trace contextRef="#ctx0" brushRef="#br0">213 1 16383,'-19'11'0,"0"2"0,4-5 0,-1 0 0,-5 3 0,4-2 0,-4 0 0,-7 12 0,13-13 0,-8 12 0,15-14 0,4-1 0,-1 1 0,3-4 0,6 4 0,16 12 0,3 0 0,17 11 0,-9-10 0,2 0 0,-11-7 0,-4-3 0,-6-2 0,-6-5 0,1 2 0,0 3 0,5 6 0,9 11 0,-2 1 0,10 6 0,0 0 0,-5-6 0,10 3 0,-24-17 0,7 2 0,-13-11 0,0 0 0,0 2 0,-1 1 0,-1 3 0</inkml:trace>
+</inkml:ink>
+</file>
+
+<file path=ppt/ink/ink19.xml><?xml version="1.0" encoding="utf-8"?>
+<inkml:ink xmlns:inkml="http://www.w3.org/2003/InkML">
+  <inkml:definitions>
+    <inkml:context xml:id="ctx0">
+      <inkml:inkSource xml:id="inkSrc0">
+        <inkml:traceFormat>
+          <inkml:channel name="X" type="integer" min="-2.14748E9" max="2.14748E9" units="cm"/>
+          <inkml:channel name="Y" type="integer" min="-2.14748E9" max="2.14748E9" units="cm"/>
+          <inkml:channel name="F" type="integer" max="32767" units="dev"/>
+        </inkml:traceFormat>
+        <inkml:channelProperties>
+          <inkml:channelProperty channel="X" name="resolution" value="1000" units="1/cm"/>
+          <inkml:channelProperty channel="Y" name="resolution" value="1000" units="1/cm"/>
+          <inkml:channelProperty channel="F" name="resolution" value="0" units="1/dev"/>
+        </inkml:channelProperties>
+      </inkml:inkSource>
+      <inkml:timestamp xml:id="ts0" timeString="2026-01-27T07:20:18.026"/>
+    </inkml:context>
+    <inkml:brush xml:id="br0">
+      <inkml:brushProperty name="width" value="0.2" units="cm"/>
+      <inkml:brushProperty name="height" value="1.2" units="cm"/>
+      <inkml:brushProperty name="color" value="#FFFFFF"/>
+      <inkml:brushProperty name="inkEffects" value="pencil"/>
+    </inkml:brush>
+  </inkml:definitions>
+  <inkml:trace contextRef="#ctx0" brushRef="#br0">83 287 16383,'16'-5'0,"1"-4"0,-8 8 0,3-3 0,-5 4 0,4 0 0,-1 0 0,3 0 0,-3 0 0,-6-2 0,-2-3 0,0 1 0,0-8 0,1 7 0,1-7 0,-2 8 0,1-3 0,-1 3 0,0 0 0,0-4 0,0 2 0,2-4 0,-2 5 0,1-3 0,-1 2 0,-2-1 0,2 1 0,-2 1 0,2-1 0,-2 1 0,0-1 0,-2 2 0,1-3 0,-2 3 0,0-4 0,1 3 0,-2-3 0,2 3 0,-1-3 0,-1 3 0,2-1 0,-2-1 0,-3 1 0,3-1 0,-3 1 0,3 1 0,0 3 0,-1-2 0,1 2 0,0-1 0,-1-1 0,1 2 0,0-2 0,-6-1 0,-1-1 0,0 2 0,-1 1 0,6 3 0,-1 0 0,1 0 0,1 0 0,-1 5 0,-1 0 0,3 6 0,-5 1 0,6 0 0,-7 11 0,4-9 0,-1 8 0,3-15 0,1 4 0,-1-6 0,3 1 0,-2-2 0,2 1 0,-3 1 0,4-2 0,-4 3 0,3-3 0,-2 0 0,2 2 0,-1-1 0,2 1 0,0 0 0,0 1 0,0 1 0,3 4 0,-3-3 0,5 6 0,-3-5 0,1 1 0,1-4 0,-4 1 0,4-1 0,-2 1 0,1-1 0,0 1 0,0-3 0,-1 3 0,2-2 0,-2 3 0,2-1 0,-1 1 0,2 0 0,-2-3 0,3 2 0,-1-3 0,-1 1 0,0-2 0,0 1 0,3-1 0,-3 0 0,2-2 0,1 4 0,-1-5 0,1 5 0,1-4 0,-3 2 0,3 1 0,-3-1 0,1-2 0,0 4 0,-1-5 0,3 6 0,-2-4 0,3 5 0,-3-3 0,3 1 0,-5-3 0,2-1 0,1-2 0,-1 0 0,1 0 0,1 0 0,-3 0 0,3 0 0,-4 0 0,3 0 0,-1 0 0,0-2 0,1-1 0,1 1 0,-5-2 0,3 3 0,-2 0 0,2 1 0,3 0 0,-2-2 0,-1 1 0,-2-1 0,4 2 0,2 0 0,10 0 0,8 0 0,1 0 0,-5 0 0,-9-2 0,-9 2 0,-3-4 0,-1 2 0</inkml:trace>
 </inkml:ink>
 </file>
 
@@ -190,16 +2301,306 @@
           <inkml:channelProperty channel="F" name="resolution" value="0" units="1/dev"/>
         </inkml:channelProperties>
       </inkml:inkSource>
-      <inkml:timestamp xml:id="ts0" timeString="2026-01-13T08:33:59.448"/>
+      <inkml:timestamp xml:id="ts0" timeString="2026-01-27T07:17:35.061"/>
     </inkml:context>
     <inkml:brush xml:id="br0">
-      <inkml:brushProperty name="width" value="0.1" units="cm"/>
-      <inkml:brushProperty name="height" value="0.6" units="cm"/>
+      <inkml:brushProperty name="width" value="0.2" units="cm"/>
+      <inkml:brushProperty name="height" value="1.2" units="cm"/>
       <inkml:brushProperty name="color" value="#FFFFFF"/>
       <inkml:brushProperty name="inkEffects" value="pencil"/>
     </inkml:brush>
   </inkml:definitions>
-  <inkml:trace contextRef="#ctx0" brushRef="#br0">77 0 16383,'-42'0'0,"8"0"0</inkml:trace>
+  <inkml:trace contextRef="#ctx0" brushRef="#br0">750 1 16383,'-24'13'0,"1"0"0,2-2 0,-13 16 0,6-7 0,-5 15 0,18-16 0,5 2 0,2 0 0,5-4 0,0 9 0,3 2 0,0 1 0,3 4 0,4-5 0,0-1 0,11 3 0,20 21 0,-10-19 0,11 9 0,-21-27 0,-11-7 0,2 2 0,-6-4 0,0 1 0,-2 0 0,1 1 0,0 12 0,-1-5 0,1 8 0,-2-6 0,0-1 0,-4 17 0,3-15 0,-7 10 0,4-18 0,-6 3 0,1-3 0,-5 8 0,4-7 0,-8 5 0,9-6 0,-3-2 0,4 1 0,-4-3 0,-1 2 0,-8-4 0,-28 3 0,15-5 0,-32 4 0,25-5 0,0 0 0,-3 0 0,-1-4 0,14-2 0,-6-2 0,24-1 0,-9-5 0,5-1 0,-8-7 0,4 1 0,-15-11 0,11 8 0,-1 2 0,16 12 0</inkml:trace>
+</inkml:ink>
+</file>
+
+<file path=ppt/ink/ink20.xml><?xml version="1.0" encoding="utf-8"?>
+<inkml:ink xmlns:inkml="http://www.w3.org/2003/InkML">
+  <inkml:definitions>
+    <inkml:context xml:id="ctx0">
+      <inkml:inkSource xml:id="inkSrc0">
+        <inkml:traceFormat>
+          <inkml:channel name="X" type="integer" min="-2.14748E9" max="2.14748E9" units="cm"/>
+          <inkml:channel name="Y" type="integer" min="-2.14748E9" max="2.14748E9" units="cm"/>
+          <inkml:channel name="F" type="integer" max="32767" units="dev"/>
+        </inkml:traceFormat>
+        <inkml:channelProperties>
+          <inkml:channelProperty channel="X" name="resolution" value="1000" units="1/cm"/>
+          <inkml:channelProperty channel="Y" name="resolution" value="1000" units="1/cm"/>
+          <inkml:channelProperty channel="F" name="resolution" value="0" units="1/dev"/>
+        </inkml:channelProperties>
+      </inkml:inkSource>
+      <inkml:timestamp xml:id="ts0" timeString="2026-01-27T07:20:32.403"/>
+    </inkml:context>
+    <inkml:brush xml:id="br0">
+      <inkml:brushProperty name="width" value="0.2" units="cm"/>
+      <inkml:brushProperty name="height" value="1.2" units="cm"/>
+      <inkml:brushProperty name="color" value="#FFFFFF"/>
+      <inkml:brushProperty name="inkEffects" value="pencil"/>
+    </inkml:brush>
+  </inkml:definitions>
+  <inkml:trace contextRef="#ctx0" brushRef="#br0">1 470 16383,'7'-11'0,"0"1"0,-6 5 0,3 3 0,-4-6 0,2 5 0,0-5 0,-2 3 0,2 1 0,0-2 0,-1 1 0,2-3 0,0-2 0,2 3 0,-3-5 0,2 9 0,-3-2 0,2 0 0,-2 1 0,1-3 0,-2 1 0,0 1 0,0-1 0,0 0 0,0-1 0,0 0 0,0 1 0,0 2 0,2-2 0,-2 1 0,2-1 0,-2-1 0,0 3 0,0-3 0,0 1 0,0 1 0,0-1 0,0-2 0,0 3 0,0-9 0,0 9 0,0-5 0,0 6 0,0-2 0,0 1 0,0-1 0,0 0 0,0 1 0,0-1 0,0-1 0,2 3 0,-2-3 0,2 1 0,-2 1 0,0-3 0,0 3 0,0-1 0,0 0 0,0 1 0,0-1 0,0 0 0,0 1 0,0-1 0,0-1 0,0 3 0,0-3 0,0 1 0,0 1 0,0-1 0,0 0 0,0 1 0,0-1 0,0 0 0,0 1 0,0-1 0,2 1 0,-1-1 0,4 20 0,-4-10 0,3 17 0,-4-13 0,0 1 0,0-1 0,0 1 0,0 0 0,0-1 0,0 1 0,0-1 0,0 4 0,0-3 0,0 3 0,0 0 0,0-3 0,0 3 0,-2-4 0,1 1 0,0-1 0,-1 1 0,1-1 0,-1 4 0,0-3 0,2 3 0,-4 0 0,1-3 0,-2 6 0,1-6 0,1 3 0,-1-3 0,2-3 0,-1 2 0,1-1 0,0 0 0,2-1 0,-2-2 0,0 0 0,2 2 0,-2-1 0,0 1 0,-1-1 0,1-1 0,0 2 0,2-1 0,0 1 0,7-21 0,-3 8 0,6-15 0,-3 1 0,-2 10 0,1-10 0,-4 14 0,-2-1 0,2 3 0,-2-1 0,4 2 0,-4-1 0,4-1 0,-3 1 0,2-3 0,0 1 0,1-1 0,0-1 0,0 2 0,1-1 0,-1 3 0,-2-1 0,2 2 0,-2 0 0,3-1 0,1-3 0,-1 3 0,-1-3 0,0 3 0,-4 1 0,4 0 0,-2-3 0,2 5 0,1-6 0,1 7 0,-2-5 0,3 4 0,-1-3 0,-1 1 0,1 2 0,-2-2 0,0 1 0,2-1 0,-1 0 0,1 1 0,-2 2 0,3 1 0,-3 0 0,2 0 0,0 0 0,1 0 0,0 0 0,1 0 0,-2 0 0,1 0 0,1 0 0,-3 0 0,3 0 0,-3 0 0,1 0 0,0 0 0,-1 0 0,1 0 0,0 1 0,1 2 0,-1-1 0,0 2 0,-1-4 0,-1 4 0,2-3 0,-1 2 0,1-2 0,-2 5 0,0-5 0,0 6 0,-1-4 0,1 3 0,-2 0 0,2-1 0,-1 1 0,0-2 0,0 0 0,1 1 0,0-1 0,-1 0 0,2 0 0,-4 1 0,5-1 0,-4 0 0,1 0 0,0 1 0,-2 1 0,3-2 0,-4 3 0,4-3 0,-4 2 0,4-1 0,-4 1 0,2-2 0,-2 2 0,0 1 0,0-1 0,0 3 0,0-3 0,0 1 0,0 1 0,0-1 0,0-1 0,0 0 0,0-1 0,0 1 0,0-2 0,0 3 0,0-1 0,0-2 0,-2 3 0,2-1 0,-4-1 0,4 1 0,-4 0 0,3 0 0,-3 1 0,2 1 0,-2-3 0,-1 1 0,1-2 0,0 2 0,1-1 0,0 1 0,0-1 0,1-1 0,-2 0 0,2 0 0,-1 2 0,-1-3 0,2 5 0,0-5 0,-2 3 0,3 2 0,1-5 0,3 5 0,1-6 0</inkml:trace>
+</inkml:ink>
+</file>
+
+<file path=ppt/ink/ink21.xml><?xml version="1.0" encoding="utf-8"?>
+<inkml:ink xmlns:inkml="http://www.w3.org/2003/InkML">
+  <inkml:definitions>
+    <inkml:context xml:id="ctx0">
+      <inkml:inkSource xml:id="inkSrc0">
+        <inkml:traceFormat>
+          <inkml:channel name="X" type="integer" min="-2.14748E9" max="2.14748E9" units="cm"/>
+          <inkml:channel name="Y" type="integer" min="-2.14748E9" max="2.14748E9" units="cm"/>
+          <inkml:channel name="F" type="integer" max="32767" units="dev"/>
+        </inkml:traceFormat>
+        <inkml:channelProperties>
+          <inkml:channelProperty channel="X" name="resolution" value="1000" units="1/cm"/>
+          <inkml:channelProperty channel="Y" name="resolution" value="1000" units="1/cm"/>
+          <inkml:channelProperty channel="F" name="resolution" value="0" units="1/dev"/>
+        </inkml:channelProperties>
+      </inkml:inkSource>
+      <inkml:timestamp xml:id="ts0" timeString="2026-01-27T07:20:33.981"/>
+    </inkml:context>
+    <inkml:brush xml:id="br0">
+      <inkml:brushProperty name="width" value="0.2" units="cm"/>
+      <inkml:brushProperty name="height" value="1.2" units="cm"/>
+      <inkml:brushProperty name="color" value="#FFFFFF"/>
+      <inkml:brushProperty name="inkEffects" value="pencil"/>
+    </inkml:brush>
+  </inkml:definitions>
+  <inkml:trace contextRef="#ctx0" brushRef="#br0">252 14 16383,'-16'-5'0,"0"1"0,11 4 0,1-2 0,-2 2 0,1-2 0,-4 2 0,1 0 0,1 0 0,-4 0 0,5 0 0,-5 0 0,1 2 0,3-1 0,-5 1 0,7 0 0,-3-2 0,4 4 0,-3-3 0,1 2 0,1 0 0,-1 1 0,-3 1 0,3-1 0,-3-1 0,6 0 0,-1 0 0,2 3 0,-2-1 0,-1 3 0,3-4 0,-2 4 0,2-1 0,-1 0 0,-3 4 0,5-4 0,-4 5 0,5-3 0,-2-3 0,2 2 0,-2 7 0,2-6 0,0 8 0,0-13 0,0 3 0,-2 1 0,1-1 0,-1 1 0,2 0 0,0-1 0,0 2 0,-2-1 0,2 1 0,-2-5 0,2 0 0</inkml:trace>
+</inkml:ink>
+</file>
+
+<file path=ppt/ink/ink22.xml><?xml version="1.0" encoding="utf-8"?>
+<inkml:ink xmlns:inkml="http://www.w3.org/2003/InkML">
+  <inkml:definitions>
+    <inkml:context xml:id="ctx0">
+      <inkml:inkSource xml:id="inkSrc0">
+        <inkml:traceFormat>
+          <inkml:channel name="X" type="integer" min="-2.14748E9" max="2.14748E9" units="cm"/>
+          <inkml:channel name="Y" type="integer" min="-2.14748E9" max="2.14748E9" units="cm"/>
+          <inkml:channel name="F" type="integer" max="32767" units="dev"/>
+        </inkml:traceFormat>
+        <inkml:channelProperties>
+          <inkml:channelProperty channel="X" name="resolution" value="1000" units="1/cm"/>
+          <inkml:channelProperty channel="Y" name="resolution" value="1000" units="1/cm"/>
+          <inkml:channelProperty channel="F" name="resolution" value="0" units="1/dev"/>
+        </inkml:channelProperties>
+      </inkml:inkSource>
+      <inkml:timestamp xml:id="ts0" timeString="2026-01-27T07:20:36.199"/>
+    </inkml:context>
+    <inkml:brush xml:id="br0">
+      <inkml:brushProperty name="width" value="0.2" units="cm"/>
+      <inkml:brushProperty name="height" value="1.2" units="cm"/>
+      <inkml:brushProperty name="color" value="#FFFFFF"/>
+      <inkml:brushProperty name="inkEffects" value="pencil"/>
+    </inkml:brush>
+  </inkml:definitions>
+  <inkml:trace contextRef="#ctx0" brushRef="#br0">0 1132 16383,'0'16'0,"2"-4"0,-2-4 0,7 2 0,-6-1 0,6 1 0,-5-4 0,2-1 0,0-3 0,1 2 0,-1-2 0,2 4 0,-1-1 0,1 1 0,-2-2 0,0 1 0,1-1 0,-1 0 0,0 0 0,0-1 0,1 0 0,-1 0 0,2 1 0,1-2 0,-1 2 0,2-2 0,-1 1 0,2 1 0,-3-4 0,2 4 0,-3-2 0,3 1 0,-3 0 0,1-2 0,-2 1 0,4-2 0,-3 0 0,5 0 0,-5 0 0,1 0 0,0-2 0,-1 1 0,1-3 0,-1 2 0,-1-2 0,0-1 0,0 1 0,0 2 0,1-2 0,-1 1 0,0-1 0,0 0 0,1-1 0,-1-1 0,-2 1 0,2-1 0,-3 2 0,0 0 0,-1-3 0,2 1 0,1 1 0,-1-1 0,2 4 0,-2-3 0,0-1 0,0 1 0,-2-1 0,2 2 0,-1-2 0,1 1 0,-2-1 0,0-1 0,0 1 0,1-3 0,0 0 0,1 3 0,-2-1 0,0 1 0,0 1 0,0-3 0,2 3 0,-2-3 0,2 1 0,0-1 0,-2-1 0,2 1 0,-2 1 0,0-1 0,0 1 0,0 0 0,0-1 0,0 3 0,0-1 0,0 0 0,0 1 0,0-3 0,0 3 0,0-3 0,0-2 0,0 1 0,0-3 0,0 3 0,0 3 0,0-3 0,0 3 0,0-3 0,0 2 0,0-1 0,0 1 0,0-1 0,0-1 0,0 1 0,0-4 0,0-1 0,0 1 0,0-3 0,0 5 0,0-1 0,0-1 0,0 2 0,0-1 0,0 2 0,0 0 0,0 1 0,0-1 0,0-3 0,0 0 0,0-4 0,0 0 0,0 1 0,3-6 0,-2 4 0,2-4 0,-3 5 0,0 0 0,0 1 0,0-1 0,0 0 0,0 4 0,0-3 0,0 7 0,0-3 0,0 6 0,0-1 0,0 0 0,0-1 0,0 0 0,0 1 0,0 2 0,0-2 0,0-1 0,0 0 0,0 1 0,0 2 0,0-3 0,0 3 0,0-3 0,0 1 0,0-1 0,2 1 0,-1-11 0,0 10 0,-1-9 0,0 11 0,0-3 0,0 3 0,0-1 0,0-1 0,0 1 0,0-1 0,0-10 0,0 10 0,0-9 0,0 9 0,0-2 0,0 1 0,0 1 0,0 1 0,0 0 0,0 1 0,0-3 0,0 3 0,0-3 0,0 1 0,0 0 0,0-1 0,0 1 0,0 1 0,0-3 0,0 3 0,-1-1 0,0-1 0,-1 3 0,2-3 0,0 1 0,0-1 0,0-4 0,0 2 0,0-1 0,-2 4 0,2-1 0,-2 3 0,2-1 0,0 1 0</inkml:trace>
+</inkml:ink>
+</file>
+
+<file path=ppt/ink/ink23.xml><?xml version="1.0" encoding="utf-8"?>
+<inkml:ink xmlns:inkml="http://www.w3.org/2003/InkML">
+  <inkml:definitions>
+    <inkml:context xml:id="ctx0">
+      <inkml:inkSource xml:id="inkSrc0">
+        <inkml:traceFormat>
+          <inkml:channel name="X" type="integer" min="-2.14748E9" max="2.14748E9" units="cm"/>
+          <inkml:channel name="Y" type="integer" min="-2.14748E9" max="2.14748E9" units="cm"/>
+          <inkml:channel name="F" type="integer" max="32767" units="dev"/>
+        </inkml:traceFormat>
+        <inkml:channelProperties>
+          <inkml:channelProperty channel="X" name="resolution" value="1000" units="1/cm"/>
+          <inkml:channelProperty channel="Y" name="resolution" value="1000" units="1/cm"/>
+          <inkml:channelProperty channel="F" name="resolution" value="0" units="1/dev"/>
+        </inkml:channelProperties>
+      </inkml:inkSource>
+      <inkml:timestamp xml:id="ts0" timeString="2026-01-27T07:20:43.647"/>
+    </inkml:context>
+    <inkml:brush xml:id="br0">
+      <inkml:brushProperty name="width" value="0.2" units="cm"/>
+      <inkml:brushProperty name="height" value="1.2" units="cm"/>
+      <inkml:brushProperty name="color" value="#FFFFFF"/>
+      <inkml:brushProperty name="inkEffects" value="pencil"/>
+    </inkml:brush>
+  </inkml:definitions>
+  <inkml:trace contextRef="#ctx0" brushRef="#br0">1582 1 16383,'-14'34'0,"-2"4"0,-10 13 0,1-8 0,0-2 0,1-10 0,9-9 0,-7 11 0,7-11 0,-10 22 0,1-6 0,-6 13 0,0-8 0,-2 9 0,3-4 0,4-2 0,0-1 0,-10 12 0,3-11 0,-4 7 0,8-16 0,4-2 0,0 2 0,3 8 0,1-4 0,3 14 0,-4-7 0,2 20 0,-3-8 0,-1 19 0,-2-1 0,-4 15 0,-1 1 0,0 1 0,-4-2 0,4 0 0,-4-4 0,14-36 0,0-1 0,-7 39 0,5-42 0,1 1 0,-5 43 0,7-45 0,-1-1 0,-10 47 0,-4 0 0,8-1 0,-2-9 0,8 8 0,-8-5 0,7 3 0,-8 3 0,9-5 0,-9 5 0,8-4 0,7-40 0,0 1 0,-7 44 0,8-34 0,1 2 0,3-10 0,2 1 0,-1 10 0,1 0 0,1 33 0,-2 3 0,7-47 0,0 0 0,-7 40 0,5-38 0,0 1 0,-7 34 0,1 4 0,-1 0 0,4-3 0,-3 8 0,8-9 0,-3 5 0,4-1 0,0 1 0,2-36 0,0 0 0,4 41 0,-2-39 0,2 0 0,8 36 0,-8-44 0,0 1 0,8 41 0,-4 5 0,-1-10 0,1 4 0,-5-38 0,0 0 0,5 43 0,-5-40 0,0 0 0,0-8 0,0 0 0,2 0 0,1 0 0,-3 2 0,1 1 0,1-2 0,0-1 0,-2 3 0,0-1 0,0-1 0,0-2 0,0 1 0,0 0 0,0 0 0,0 0 0,0 45 0,4 3 0,-8-9 0,4 5 0,-3-35 0,0 2 0,1-11 0,0 1 0,0 12 0,0 0 0,6 32 0,-4 4 0,0-37 0,2-9 0,0 2 0,0 22 0,-2-24 0,0 1 0,4 37 0,-3-9 0,7-11 0,-3 9 0,4-9 0,-1-1 0,-2 5 0,6-5 0,-2 6 0,0 0 0,2-6 0,-6 5 0,2-10 0,-4 4 0,0-5 0,0-1 0,0-4 0,0-2 0,3-5 0,-3-6 0,7-1 0,-7-5 0,5-6 0,-6-1 0,2-5 0,-3-1 0,0 1 0,-4 0 0,4 5 0,0-4 0,1 4 0,5-6 0,-5 1 0,6 5 0,-6-4 0,2 4 0,-3-5 0,0-1 0,0 1 0,0 5 0,0-4 0,1 4 0,2-6 0,0 1 0,1 0 0,7 1 0,-7-1 0,8 2 0,-9-8 0,-1-1 0,0 0 0,-3-4 0,3 9 0,-3-9 0,4 9 0,-4-9 0,5 4 0,-1 0 0,2 2 0,-2-1 0,3 4 0,-7-9 0,3 4 0,0 0 0,-2 1 0,6 6 0,-7-6 0,4 5 0,-2-10 0,-1 9 0,3-9 0,-3 4 0,0-6 0,3 12 0,-4-9 0,4 8 0,-4-5 0,0-4 0,3 9 0,0-9 0,3 4 0,-4 0 0,2-4 0,-1 4 0,3 0 0,0 1 0,-1 6 0,3 5 0,1-2 0,2 8 0,6-3 0,-7-2 0,7 1 0,-4-5 0,0 0 0,3-4 0,-8 1 0,3-2 0,-3 2 0,4 3 0,-5-7 0,10 6 0,-10-6 0,5 7 0,1-1 0,-5-1 0,5 2 0,-1-1 0,0-4 0,1 4 0,-2-4 0,1 4 0,-3-1 0,14 19 0,-8-10 0,9 15 0,-6-16 0,-1-1 0,0-8 0,-1-2 0,-1-4 0,-8-5 0,1-2 0,-10-6 0,1 1 0,-2-1 0,-2-1 0,3 1 0,-4-1 0,4 1 0,-2 1 0,2-3 0,1 6 0,-1-5 0,1 3 0,0 1 0,1-4 0,2 8 0,-1-5 0,1 1 0,-5-4 0,3-1 0,-6-21 0,2 12 0,-2-15 0</inkml:trace>
+</inkml:ink>
+</file>
+
+<file path=ppt/ink/ink24.xml><?xml version="1.0" encoding="utf-8"?>
+<inkml:ink xmlns:inkml="http://www.w3.org/2003/InkML">
+  <inkml:definitions>
+    <inkml:context xml:id="ctx0">
+      <inkml:inkSource xml:id="inkSrc0">
+        <inkml:traceFormat>
+          <inkml:channel name="X" type="integer" min="-2.14748E9" max="2.14748E9" units="cm"/>
+          <inkml:channel name="Y" type="integer" min="-2.14748E9" max="2.14748E9" units="cm"/>
+          <inkml:channel name="F" type="integer" max="32767" units="dev"/>
+        </inkml:traceFormat>
+        <inkml:channelProperties>
+          <inkml:channelProperty channel="X" name="resolution" value="1000" units="1/cm"/>
+          <inkml:channelProperty channel="Y" name="resolution" value="1000" units="1/cm"/>
+          <inkml:channelProperty channel="F" name="resolution" value="0" units="1/dev"/>
+        </inkml:channelProperties>
+      </inkml:inkSource>
+      <inkml:timestamp xml:id="ts0" timeString="2026-01-27T07:20:46.106"/>
+    </inkml:context>
+    <inkml:brush xml:id="br0">
+      <inkml:brushProperty name="width" value="0.2" units="cm"/>
+      <inkml:brushProperty name="height" value="1.2" units="cm"/>
+      <inkml:brushProperty name="color" value="#FFFFFF"/>
+      <inkml:brushProperty name="inkEffects" value="pencil"/>
+    </inkml:brush>
+  </inkml:definitions>
+  <inkml:trace contextRef="#ctx0" brushRef="#br0">51 0 16383,'-4'57'0,"1"-10"0,1-30 0,2 2 0,0 14 0,0 28 0,0-25 0,0 44 0,0-37 0,0 27 0,0-12 0,0-1 0,4-5 0,-3-6 0,3-6 0,-4-2 0,-4 2 0,-1 6 0,0 6 0,-2 5 0,2-4 0,0 10 0,1-16 0,4 4 0,0-22 0,0 2 0,0-17 0,0 3 0,0-10 0,0 1 0,0-3 0,0 1 0,-5-18 0,2 6 0,-3-9 0,4 11 0</inkml:trace>
+</inkml:ink>
+</file>
+
+<file path=ppt/ink/ink25.xml><?xml version="1.0" encoding="utf-8"?>
+<inkml:ink xmlns:inkml="http://www.w3.org/2003/InkML">
+  <inkml:definitions>
+    <inkml:context xml:id="ctx0">
+      <inkml:inkSource xml:id="inkSrc0">
+        <inkml:traceFormat>
+          <inkml:channel name="X" type="integer" min="-2.14748E9" max="2.14748E9" units="cm"/>
+          <inkml:channel name="Y" type="integer" min="-2.14748E9" max="2.14748E9" units="cm"/>
+          <inkml:channel name="F" type="integer" max="32767" units="dev"/>
+        </inkml:traceFormat>
+        <inkml:channelProperties>
+          <inkml:channelProperty channel="X" name="resolution" value="1000" units="1/cm"/>
+          <inkml:channelProperty channel="Y" name="resolution" value="1000" units="1/cm"/>
+          <inkml:channelProperty channel="F" name="resolution" value="0" units="1/dev"/>
+        </inkml:channelProperties>
+      </inkml:inkSource>
+      <inkml:timestamp xml:id="ts0" timeString="2026-01-27T07:20:46.876"/>
+    </inkml:context>
+    <inkml:brush xml:id="br0">
+      <inkml:brushProperty name="width" value="0.2" units="cm"/>
+      <inkml:brushProperty name="height" value="1.2" units="cm"/>
+      <inkml:brushProperty name="color" value="#FFFFFF"/>
+      <inkml:brushProperty name="inkEffects" value="pencil"/>
+    </inkml:brush>
+  </inkml:definitions>
+  <inkml:trace contextRef="#ctx0" brushRef="#br0">1 105 16383,'20'4'0,"0"-1"0,1-1 0,-4-2 0,9 0 0,-4 0 0,33 0 0,-10 0 0,17 0 0,-12 0 0,-14 0 0,8 0 0,-15 0 0,25 0 0,-26 0 0,14 0 0,-21 0 0,1-3 0,44-2 0,-29 1 0,28-4 0,10-2 0,-3 0 0,-17 0 0,1 1 0,32-2 0,-13-7 0,-21 9 0,-16 0 0,-22 4 0,-9 4 0,-5-1 0</inkml:trace>
+</inkml:ink>
+</file>
+
+<file path=ppt/ink/ink26.xml><?xml version="1.0" encoding="utf-8"?>
+<inkml:ink xmlns:inkml="http://www.w3.org/2003/InkML">
+  <inkml:definitions>
+    <inkml:context xml:id="ctx0">
+      <inkml:inkSource xml:id="inkSrc0">
+        <inkml:traceFormat>
+          <inkml:channel name="X" type="integer" min="-2.14748E9" max="2.14748E9" units="cm"/>
+          <inkml:channel name="Y" type="integer" min="-2.14748E9" max="2.14748E9" units="cm"/>
+          <inkml:channel name="F" type="integer" max="32767" units="dev"/>
+        </inkml:traceFormat>
+        <inkml:channelProperties>
+          <inkml:channelProperty channel="X" name="resolution" value="1000" units="1/cm"/>
+          <inkml:channelProperty channel="Y" name="resolution" value="1000" units="1/cm"/>
+          <inkml:channelProperty channel="F" name="resolution" value="0" units="1/dev"/>
+        </inkml:channelProperties>
+      </inkml:inkSource>
+      <inkml:timestamp xml:id="ts0" timeString="2026-01-27T07:20:46.930"/>
+    </inkml:context>
+    <inkml:brush xml:id="br0">
+      <inkml:brushProperty name="width" value="0.2" units="cm"/>
+      <inkml:brushProperty name="height" value="1.2" units="cm"/>
+      <inkml:brushProperty name="color" value="#FFFFFF"/>
+      <inkml:brushProperty name="inkEffects" value="pencil"/>
+    </inkml:brush>
+  </inkml:definitions>
+  <inkml:trace contextRef="#ctx0" brushRef="#br0">0 0 16383,'0'0'0</inkml:trace>
+</inkml:ink>
+</file>
+
+<file path=ppt/ink/ink27.xml><?xml version="1.0" encoding="utf-8"?>
+<inkml:ink xmlns:inkml="http://www.w3.org/2003/InkML">
+  <inkml:definitions>
+    <inkml:context xml:id="ctx0">
+      <inkml:inkSource xml:id="inkSrc0">
+        <inkml:traceFormat>
+          <inkml:channel name="X" type="integer" min="-2.14748E9" max="2.14748E9" units="cm"/>
+          <inkml:channel name="Y" type="integer" min="-2.14748E9" max="2.14748E9" units="cm"/>
+          <inkml:channel name="F" type="integer" max="32767" units="dev"/>
+        </inkml:traceFormat>
+        <inkml:channelProperties>
+          <inkml:channelProperty channel="X" name="resolution" value="1000" units="1/cm"/>
+          <inkml:channelProperty channel="Y" name="resolution" value="1000" units="1/cm"/>
+          <inkml:channelProperty channel="F" name="resolution" value="0" units="1/dev"/>
+        </inkml:channelProperties>
+      </inkml:inkSource>
+      <inkml:timestamp xml:id="ts0" timeString="2026-01-27T07:20:47.462"/>
+    </inkml:context>
+    <inkml:brush xml:id="br0">
+      <inkml:brushProperty name="width" value="0.2" units="cm"/>
+      <inkml:brushProperty name="height" value="1.2" units="cm"/>
+      <inkml:brushProperty name="color" value="#FFFFFF"/>
+      <inkml:brushProperty name="inkEffects" value="pencil"/>
+    </inkml:brush>
+  </inkml:definitions>
+  <inkml:trace contextRef="#ctx0" brushRef="#br0">0 17 16383,'55'-9'0,"-6"4"0,-21 2 0,-1 3 0,-11 0 0,-4 0 0</inkml:trace>
+</inkml:ink>
+</file>
+
+<file path=ppt/ink/ink28.xml><?xml version="1.0" encoding="utf-8"?>
+<inkml:ink xmlns:inkml="http://www.w3.org/2003/InkML">
+  <inkml:definitions>
+    <inkml:context xml:id="ctx0">
+      <inkml:inkSource xml:id="inkSrc0">
+        <inkml:traceFormat>
+          <inkml:channel name="X" type="integer" min="-2.14748E9" max="2.14748E9" units="cm"/>
+          <inkml:channel name="Y" type="integer" min="-2.14748E9" max="2.14748E9" units="cm"/>
+          <inkml:channel name="F" type="integer" max="32767" units="dev"/>
+        </inkml:traceFormat>
+        <inkml:channelProperties>
+          <inkml:channelProperty channel="X" name="resolution" value="1000" units="1/cm"/>
+          <inkml:channelProperty channel="Y" name="resolution" value="1000" units="1/cm"/>
+          <inkml:channelProperty channel="F" name="resolution" value="0" units="1/dev"/>
+        </inkml:channelProperties>
+      </inkml:inkSource>
+      <inkml:timestamp xml:id="ts0" timeString="2026-01-27T07:20:47.770"/>
+    </inkml:context>
+    <inkml:brush xml:id="br0">
+      <inkml:brushProperty name="width" value="0.2" units="cm"/>
+      <inkml:brushProperty name="height" value="1.2" units="cm"/>
+      <inkml:brushProperty name="color" value="#FFFFFF"/>
+      <inkml:brushProperty name="inkEffects" value="pencil"/>
+    </inkml:brush>
+  </inkml:definitions>
+  <inkml:trace contextRef="#ctx0" brushRef="#br0">0 0 16383,'49'0'0,"-16"0"0,8 0 0,-21 0 0,-13 0 0,3 0 0,-4 2 0,9-1 0,-1 0 0,18-1 0,-3 0 0,37 0 0,-20 0 0,10 0 0,-19 0 0,-24 0 0,7 0 0,-17-1 0,-1 0 0,-2-1 0</inkml:trace>
+</inkml:ink>
+</file>
+
+<file path=ppt/ink/ink29.xml><?xml version="1.0" encoding="utf-8"?>
+<inkml:ink xmlns:inkml="http://www.w3.org/2003/InkML">
+  <inkml:definitions>
+    <inkml:context xml:id="ctx0">
+      <inkml:inkSource xml:id="inkSrc0">
+        <inkml:traceFormat>
+          <inkml:channel name="X" type="integer" min="-2.14748E9" max="2.14748E9" units="cm"/>
+          <inkml:channel name="Y" type="integer" min="-2.14748E9" max="2.14748E9" units="cm"/>
+          <inkml:channel name="F" type="integer" max="32767" units="dev"/>
+        </inkml:traceFormat>
+        <inkml:channelProperties>
+          <inkml:channelProperty channel="X" name="resolution" value="1000" units="1/cm"/>
+          <inkml:channelProperty channel="Y" name="resolution" value="1000" units="1/cm"/>
+          <inkml:channelProperty channel="F" name="resolution" value="0" units="1/dev"/>
+        </inkml:channelProperties>
+      </inkml:inkSource>
+      <inkml:timestamp xml:id="ts0" timeString="2026-01-27T07:20:48.906"/>
+    </inkml:context>
+    <inkml:brush xml:id="br0">
+      <inkml:brushProperty name="width" value="0.2" units="cm"/>
+      <inkml:brushProperty name="height" value="1.2" units="cm"/>
+      <inkml:brushProperty name="color" value="#FFFFFF"/>
+      <inkml:brushProperty name="inkEffects" value="pencil"/>
+    </inkml:brush>
+  </inkml:definitions>
+  <inkml:trace contextRef="#ctx0" brushRef="#br0">0 0 16383,'0'19'0,"0"-1"0,3-2 0,-3-1 0,2 6 0,1 2 0,-2-1 0,2 4 0,0-4 0,-2 1 0,2 3 0,-3-4 0,0 6 0,0-6 0,4 10 0,-3-8 0,2 9 0,-3-6 0,0-4 0,0-3 0,0-7 0,0-1 0,0-4 0,0-1 0,0-1 0,0-2 0,0 6 0,0-4 0,0-27 0,0 9 0,4-37 0,7-3 0,-1 7 0,9-18 0,-8 29 0,0 6 0,0 7 0,-7 5 0,2 4 0,-3 0 0,-1 5 0,2-1 0,5-4 0,-2-1 0,12-7 0,-2 4 0,4-4 0,3 2 0,-5 2 0,-5 4 0,-2 5 0,-7 2 0,0 3 0,0 0 0,1 2 0,3 0 0,-2 0 0,1 0 0,-4 0 0,2 0 0,1 0 0,-1 0 0</inkml:trace>
 </inkml:ink>
 </file>
 
@@ -219,7 +2620,7 @@
           <inkml:channelProperty channel="F" name="resolution" value="0" units="1/dev"/>
         </inkml:channelProperties>
       </inkml:inkSource>
-      <inkml:timestamp xml:id="ts0" timeString="2026-01-13T08:34:06.287"/>
+      <inkml:timestamp xml:id="ts0" timeString="2026-01-27T07:17:45.757"/>
     </inkml:context>
     <inkml:brush xml:id="br0">
       <inkml:brushProperty name="width" value="0.2" units="cm"/>
@@ -228,7 +2629,297 @@
       <inkml:brushProperty name="inkEffects" value="pencil"/>
     </inkml:brush>
   </inkml:definitions>
-  <inkml:trace contextRef="#ctx0" brushRef="#br0">0 1 16383,'0'0'0</inkml:trace>
+  <inkml:trace contextRef="#ctx0" brushRef="#br0">84 88 16383,'12'14'0,"0"-4"0,-10-6 0,4-2 0,-3 2 0,3-1 0,-2 1 0,2-4 0,-1 2 0,1-2 0,-1 0 0,1 0 0,0 0 0,-1 0 0,1-2 0,-4-9 0,0-1 0,-2-2 0,0 4 0,2 6 0,-2 0 0,2-3 0,-2 3 0,0-3 0,0 1 0,-2 1 0,2-1 0,-4 2 0,1-1 0,-1 1 0,0 0 0,0 0 0,-1-1 0,1 3 0,0-2 0,-3 3 0,1-2 0,-1 2 0,1-1 0,1 2 0,-1 0 0,1 2 0,-1-1 0,2 4 0,-2-2 0,1 5 0,-1-5 0,1 3 0,3-4 0,-4 2 0,3 2 0,-3 1 0,0 0 0,1 1 0,-3-2 0,1 3 0,0 0 0,1-3 0,2 0 0,-1-1 0,3-1 0,-2 2 0,4 1 0,-2-1 0,2 2 0,0 2 0,0-3 0,2 5 0,-2-8 0,2 3 0,2-3 0,-3 0 0,6 0 0,-2 1 0</inkml:trace>
+</inkml:ink>
+</file>
+
+<file path=ppt/ink/ink30.xml><?xml version="1.0" encoding="utf-8"?>
+<inkml:ink xmlns:inkml="http://www.w3.org/2003/InkML">
+  <inkml:definitions>
+    <inkml:context xml:id="ctx0">
+      <inkml:inkSource xml:id="inkSrc0">
+        <inkml:traceFormat>
+          <inkml:channel name="X" type="integer" min="-2.14748E9" max="2.14748E9" units="cm"/>
+          <inkml:channel name="Y" type="integer" min="-2.14748E9" max="2.14748E9" units="cm"/>
+          <inkml:channel name="F" type="integer" max="32767" units="dev"/>
+        </inkml:traceFormat>
+        <inkml:channelProperties>
+          <inkml:channelProperty channel="X" name="resolution" value="1000" units="1/cm"/>
+          <inkml:channelProperty channel="Y" name="resolution" value="1000" units="1/cm"/>
+          <inkml:channelProperty channel="F" name="resolution" value="0" units="1/dev"/>
+        </inkml:channelProperties>
+      </inkml:inkSource>
+      <inkml:timestamp xml:id="ts0" timeString="2026-01-27T07:20:50.954"/>
+    </inkml:context>
+    <inkml:brush xml:id="br0">
+      <inkml:brushProperty name="width" value="0.2" units="cm"/>
+      <inkml:brushProperty name="height" value="1.2" units="cm"/>
+      <inkml:brushProperty name="color" value="#FFFFFF"/>
+      <inkml:brushProperty name="inkEffects" value="pencil"/>
+    </inkml:brush>
+  </inkml:definitions>
+  <inkml:trace contextRef="#ctx0" brushRef="#br0">299 61 16383,'-11'-17'0,"2"6"0,3 7 0,2 1 0,-3-1 0,3 2 0,-3-2 0,3 1 0,0 1 0,-1-2 0,-1 4 0,1-4 0,-3 3 0,1-1 0,-4 2 0,1 0 0,-2 0 0,4 0 0,-1 4 0,1-3 0,-1 5 0,2-4 0,1 2 0,0 1 0,1-1 0,-3 2 0,3-1 0,-3 3 0,3-3 0,-3 3 0,1-2 0,-2 6 0,1 0 0,-1 1 0,1 2 0,1-3 0,-2 1 0,4-2 0,-1-2 0,1-1 0,1 1 0,2 0 0,-3 2 0,5 2 0,-3 2 0,3 1 0,0 5 0,0-4 0,0 4 0,3 0 0,3-4 0,0 4 0,3-9 0,-4 0 0,4-4 0,-3 1 0,3 0 0,-1-1 0,4-1 0,-3 1 0,3-3 0,-3 2 0,-1-5 0,1 2 0,-1-2 0,1 0 0,-1 2 0,1-1 0,-1 1 0,1 0 0,0 0 0,-1-1 0,1-1 0,-3-2 0,2 1 0,-3 0 0,6 1 0,-3-2 0,7-3 0,-6-1 0,6-2 0,-6-2 0,3 3 0,0-4 0,-5 2 0,4 0 0,-6-2 0,1 3 0,-2-3 0,1 0 0,-1 1 0,0-1 0,-2-3 0,2 3 0,-2-3 0,3 0 0,-1 3 0,-1-3 0,1 0 0,-1 3 0,0-6 0,-2 6 0,-1-1 0,3-1 0,-3 0 0,3-5 0,-3 4 0,0-3 0,-2 5 0,1-1 0,-1 4 0,-2 1 0,4 1 0,-8 1 0,5-2 0,-3 3 0,0-5 0,3 5 0,-3-1 0,2-2 0,-1 3 0,0-3 0,2 2 0,0 2 0,-1-4 0,0 5 0,-1-3 0,-1 2 0,1 2 0,-1-2 0,2 0 0,-1-1 0</inkml:trace>
+</inkml:ink>
+</file>
+
+<file path=ppt/ink/ink31.xml><?xml version="1.0" encoding="utf-8"?>
+<inkml:ink xmlns:inkml="http://www.w3.org/2003/InkML">
+  <inkml:definitions>
+    <inkml:context xml:id="ctx0">
+      <inkml:inkSource xml:id="inkSrc0">
+        <inkml:traceFormat>
+          <inkml:channel name="X" type="integer" min="-2.14748E9" max="2.14748E9" units="cm"/>
+          <inkml:channel name="Y" type="integer" min="-2.14748E9" max="2.14748E9" units="cm"/>
+          <inkml:channel name="F" type="integer" max="32767" units="dev"/>
+        </inkml:traceFormat>
+        <inkml:channelProperties>
+          <inkml:channelProperty channel="X" name="resolution" value="1000" units="1/cm"/>
+          <inkml:channelProperty channel="Y" name="resolution" value="1000" units="1/cm"/>
+          <inkml:channelProperty channel="F" name="resolution" value="0" units="1/dev"/>
+        </inkml:channelProperties>
+      </inkml:inkSource>
+      <inkml:timestamp xml:id="ts0" timeString="2026-01-27T07:20:52.818"/>
+    </inkml:context>
+    <inkml:brush xml:id="br0">
+      <inkml:brushProperty name="width" value="0.2" units="cm"/>
+      <inkml:brushProperty name="height" value="1.2" units="cm"/>
+      <inkml:brushProperty name="color" value="#FFFFFF"/>
+      <inkml:brushProperty name="inkEffects" value="pencil"/>
+    </inkml:brush>
+  </inkml:definitions>
+  <inkml:trace contextRef="#ctx0" brushRef="#br0">1 93 16383,'5'14'0,"-2"-1"0,-3-6 0,2 2 0,-1-1 0,1 1 0,0-1 0,2 15 0,-2-8 0,2 11 0,-2-13 0,-2 1 0,2 4 0,-2-1 0,0 4 0,0-5 0,0 5 0,0 1 0,-2 0 0,1 5 0,-1-11 0,2 5 0,0-5 0,0-4 0,0 0 0,0-5 0,0-1 0,0-2 0,2-21 0,0 7 0,1-24 0,2 12 0,3-11 0,1-7 0,3-12 0,-7-1 0,-1 7 0,-4 12 0,0 13 0,0 6 0,-3-1 0,3 4 0,-3 0 0,3 0 0,0 3 0,2-3 0,1 0 0,3 3 0,1-3 0,2 5 0,-2-1 0,-1 3 0,-2 1 0,0 2 0,2 2 0,4 4 0,-2-1 0,3 2 0,-7-3 0,3-1 0,-3 0 0,2 1 0,-1-2 0,1 0 0,0 2 0,1-2 0,1 4 0,9 3 0,-8-2 0,16 5 0,-16-6 0,6 0 0,-9-1 0,-4 0 0,2 1 0,-3 2 0,4 9 0,-3-4 0,4 6 0,-4-5 0,5 0 0,-6 4 0,5-6 0,-2 10 0,-2-11 0,1 8 0,-1-9 0,-1 4 0,1-3 0,-2 1 0,0-2 0,0-1 0,0-1 0,0 1 0,0-3 0,0 2 0,0 1 0,0-1 0,0 2 0,0 2 0,0-2 0,0 1 0,0-5 0,0 0 0,0 2 0,0-1 0,0 3 0,0-3 0,0 1 0,0 0 0,0-1 0,0 3 0,0-3 0,-2 3 0,1-2 0,-1 3 0,0 0 0,2-1 0,-2-3 0,2-1 0</inkml:trace>
+</inkml:ink>
+</file>
+
+<file path=ppt/ink/ink32.xml><?xml version="1.0" encoding="utf-8"?>
+<inkml:ink xmlns:inkml="http://www.w3.org/2003/InkML">
+  <inkml:definitions>
+    <inkml:context xml:id="ctx0">
+      <inkml:inkSource xml:id="inkSrc0">
+        <inkml:traceFormat>
+          <inkml:channel name="X" type="integer" min="-2.14748E9" max="2.14748E9" units="cm"/>
+          <inkml:channel name="Y" type="integer" min="-2.14748E9" max="2.14748E9" units="cm"/>
+          <inkml:channel name="F" type="integer" max="32767" units="dev"/>
+        </inkml:traceFormat>
+        <inkml:channelProperties>
+          <inkml:channelProperty channel="X" name="resolution" value="1000" units="1/cm"/>
+          <inkml:channelProperty channel="Y" name="resolution" value="1000" units="1/cm"/>
+          <inkml:channelProperty channel="F" name="resolution" value="0" units="1/dev"/>
+        </inkml:channelProperties>
+      </inkml:inkSource>
+      <inkml:timestamp xml:id="ts0" timeString="2026-01-27T07:20:54.131"/>
+    </inkml:context>
+    <inkml:brush xml:id="br0">
+      <inkml:brushProperty name="width" value="0.2" units="cm"/>
+      <inkml:brushProperty name="height" value="1.2" units="cm"/>
+      <inkml:brushProperty name="color" value="#FFFFFF"/>
+      <inkml:brushProperty name="inkEffects" value="pencil"/>
+    </inkml:brush>
+  </inkml:definitions>
+  <inkml:trace contextRef="#ctx0" brushRef="#br0">0 1 16383,'3'16'0,"-1"-1"0,-2-8 0,0 5 0,3 6 0,1 15 0,0-3 0,0 8 0,-4-15 0,3 3 0,-2-9 0,2 4 0,-3-6 0,0 1 0,0 0 0,0 5 0,0 1 0,0 5 0,0-4 0,0 3 0,0-9 0,0 1 0,0-8 0,0-2 0,0-2 0,0 3 0,0-3 0,0 1 0,0-1 0,0 0 0,0 3 0,-2 0 0,2 2 0,-2 2 0,2-1 0,0-2 0,0-2 0,0-1 0,-2 1 0,1-1 0,-1 1 0,2-1 0,0 1 0,4 15 0,0-3 0,2 5 0,0 0 0,1 5 0,2-5 0,-1 12 0,4-9 0,-5-5 0,3 4 0,-7-12 0,1-2 0,-3-2 0,0 1 0,-1 0 0,3 4 0,-3 0 0,3-1 0,-1 1 0,1 5 0,1-7 0,1 6 0,-3-13 0,1 4 0,-1-4 0,0 0 0,-2-1 0,2-2 0,-2 2 0,3 4 0,-3-3 0,2 5 0,-2-8 0,0 4 0,0-3 0,2 3 0,-1-3 0,1 1 0,-2-2 0</inkml:trace>
+</inkml:ink>
+</file>
+
+<file path=ppt/ink/ink33.xml><?xml version="1.0" encoding="utf-8"?>
+<inkml:ink xmlns:inkml="http://www.w3.org/2003/InkML">
+  <inkml:definitions>
+    <inkml:context xml:id="ctx0">
+      <inkml:inkSource xml:id="inkSrc0">
+        <inkml:traceFormat>
+          <inkml:channel name="X" type="integer" min="-2.14748E9" max="2.14748E9" units="cm"/>
+          <inkml:channel name="Y" type="integer" min="-2.14748E9" max="2.14748E9" units="cm"/>
+          <inkml:channel name="F" type="integer" max="32767" units="dev"/>
+        </inkml:traceFormat>
+        <inkml:channelProperties>
+          <inkml:channelProperty channel="X" name="resolution" value="1000" units="1/cm"/>
+          <inkml:channelProperty channel="Y" name="resolution" value="1000" units="1/cm"/>
+          <inkml:channelProperty channel="F" name="resolution" value="0" units="1/dev"/>
+        </inkml:channelProperties>
+      </inkml:inkSource>
+      <inkml:timestamp xml:id="ts0" timeString="2026-01-27T07:20:54.940"/>
+    </inkml:context>
+    <inkml:brush xml:id="br0">
+      <inkml:brushProperty name="width" value="0.2" units="cm"/>
+      <inkml:brushProperty name="height" value="1.2" units="cm"/>
+      <inkml:brushProperty name="color" value="#FFFFFF"/>
+      <inkml:brushProperty name="inkEffects" value="pencil"/>
+    </inkml:brush>
+  </inkml:definitions>
+  <inkml:trace contextRef="#ctx0" brushRef="#br0">1 0 16383,'18'3'0,"1"-1"0,-1-2 0,9 0 0,8 0 0,-1 0 0,4 3 0,18-2 0,-25 3 0,13-4 0,-36 0 0,-1 0 0,6 0 0,-7 0 0,7 0 0,-6 0 0,10 0 0,13 3 0,-5 1 0,3 0 0,-16-2 0,-3 0 0,-1-1 0,-1 2 0,-1-2 0,-2 1 0</inkml:trace>
+</inkml:ink>
+</file>
+
+<file path=ppt/ink/ink34.xml><?xml version="1.0" encoding="utf-8"?>
+<inkml:ink xmlns:inkml="http://www.w3.org/2003/InkML">
+  <inkml:definitions>
+    <inkml:context xml:id="ctx0">
+      <inkml:inkSource xml:id="inkSrc0">
+        <inkml:traceFormat>
+          <inkml:channel name="X" type="integer" min="-2.14748E9" max="2.14748E9" units="cm"/>
+          <inkml:channel name="Y" type="integer" min="-2.14748E9" max="2.14748E9" units="cm"/>
+          <inkml:channel name="F" type="integer" max="32767" units="dev"/>
+        </inkml:traceFormat>
+        <inkml:channelProperties>
+          <inkml:channelProperty channel="X" name="resolution" value="1000" units="1/cm"/>
+          <inkml:channelProperty channel="Y" name="resolution" value="1000" units="1/cm"/>
+          <inkml:channelProperty channel="F" name="resolution" value="0" units="1/dev"/>
+        </inkml:channelProperties>
+      </inkml:inkSource>
+      <inkml:timestamp xml:id="ts0" timeString="2026-01-27T07:20:57.643"/>
+    </inkml:context>
+    <inkml:brush xml:id="br0">
+      <inkml:brushProperty name="width" value="0.2" units="cm"/>
+      <inkml:brushProperty name="height" value="1.2" units="cm"/>
+      <inkml:brushProperty name="color" value="#FFFFFF"/>
+      <inkml:brushProperty name="inkEffects" value="pencil"/>
+    </inkml:brush>
+  </inkml:definitions>
+  <inkml:trace contextRef="#ctx0" brushRef="#br0">12 344 16383,'18'5'0,"1"-1"0,-11-1 0,6 1 0,-8-3 0,5 1 0,-4-2 0,1 0 0,1 0 0,-3-2 0,0 2 0,-1-2 0,-1 0 0,2 2 0,-1-2 0,1 2 0,2 0 0,-5-2 0,5 1 0,-4-3 0,1 2 0,1-2 0,-2-1 0,0 3 0,1-2 0,-1 0 0,0-1 0,-2-1 0,2 1 0,-1-1 0,3 1 0,-2-1 0,5 0 0,-5-1 0,4-1 0,-5 1 0,3 1 0,-4 1 0,1 1 0,0 0 0,0-1 0,-1 1 0,4 0 0,-5-1 0,4 1 0,-2 0 0,-1-1 0,2 1 0,-4-2 0,2 1 0,-2-12 0,0 11 0,0-11 0,0 10 0,0 0 0,0-1 0,0 2 0,0-1 0,0-1 0,0 1 0,-2-2 0,0 1 0,-1 1 0,0-1 0,-3-2 0,1 3 0,0-3 0,1 6 0,2-2 0,-2 3 0,1-3 0,0 4 0,0-3 0,-1 1 0,-1 2 0,-1-2 0,1 3 0,-1-1 0,2 0 0,0 2 0,-3-2 0,1 0 0,-1 0 0,-1-1 0,3 1 0,-1 2 0,-1 0 0,3 0 0,-3 0 0,-1 0 0,1 2 0,-3 1 0,1 1 0,-3 3 0,-4 2 0,2-1 0,-1 0 0,10-3 0,-1-1 0,6 0 0,-4 0 0,1 3 0,-1-3 0,0 2 0,-1 1 0,1 2 0,-1-1 0,0 6 0,1-6 0,-1 3 0,3 1 0,0-5 0,0 5 0,1-6 0,-1 6 0,2 6 0,3-1 0,7 27 0,-1-23 0,5 23 0,-6-22 0,-2-3 0,1 7 0,-3-17 0,0 5 0,-2-10 0,-2 3 0,0-3 0,0 4 0,0 2 0,2 3 0,3 2 0,1 1 0,1 0 0,0-4 0,-2 0 0,3-4 0,-3-1 0,1-1 0,-2 0 0,1 1 0,-1-1 0,0 3 0,0-3 0,3 1 0,2-1 0,4 1 0,-1-1 0,0-1 0,-3-1 0,-1-4 0,-1 2 0,-1-2 0,-2 0 0,2 0 0,1 2 0,-1 0 0,3 1 0,-5 0 0,2-2 0,-1 1 0,1-2 0,-1 0 0,3 0 0,-4 0 0,2 0 0,1 0 0,-3 0 0,2 0 0,1 0 0,-3 0 0,2 0 0,0 0 0,-1 0 0,1 0 0,0-2 0,4-1 0,3-4 0,13-4 0,-8 3 0,16-11 0,-10 0 0,3-4 0,1-17 0,-16 23 0,0-8 0,-12 23 0,0 0 0</inkml:trace>
+</inkml:ink>
+</file>
+
+<file path=ppt/ink/ink35.xml><?xml version="1.0" encoding="utf-8"?>
+<inkml:ink xmlns:inkml="http://www.w3.org/2003/InkML">
+  <inkml:definitions>
+    <inkml:context xml:id="ctx0">
+      <inkml:inkSource xml:id="inkSrc0">
+        <inkml:traceFormat>
+          <inkml:channel name="X" type="integer" min="-2.14748E9" max="2.14748E9" units="cm"/>
+          <inkml:channel name="Y" type="integer" min="-2.14748E9" max="2.14748E9" units="cm"/>
+          <inkml:channel name="F" type="integer" max="32767" units="dev"/>
+        </inkml:traceFormat>
+        <inkml:channelProperties>
+          <inkml:channelProperty channel="X" name="resolution" value="1000" units="1/cm"/>
+          <inkml:channelProperty channel="Y" name="resolution" value="1000" units="1/cm"/>
+          <inkml:channelProperty channel="F" name="resolution" value="0" units="1/dev"/>
+        </inkml:channelProperties>
+      </inkml:inkSource>
+      <inkml:timestamp xml:id="ts0" timeString="2026-01-27T07:21:00.306"/>
+    </inkml:context>
+    <inkml:brush xml:id="br0">
+      <inkml:brushProperty name="width" value="0.2" units="cm"/>
+      <inkml:brushProperty name="height" value="1.2" units="cm"/>
+      <inkml:brushProperty name="color" value="#FFFFFF"/>
+      <inkml:brushProperty name="inkEffects" value="pencil"/>
+    </inkml:brush>
+  </inkml:definitions>
+  <inkml:trace contextRef="#ctx0" brushRef="#br0">16 48 16383,'2'41'0,"1"-18"0,-3 13 0,0-22 0,0 13 0,0-5 0,0 0 0,0-1 0,0 0 0,0-7 0,0 6 0,0-11 0,0 1 0,0-2 0,0-1 0,-3 10 0,0-6 0,-3 4 0,4-7 0,0-2 0,0 1 0,2-1 0,-2-2 0,2 5 0,0-2 0,0 3 0,2-1 0,-2-3 0,4 0 0,-2 1 0,5 2 0,-4 1 0,4 1 0,-5-4 0,1 1 0,0-3 0,-2 1 0,1-2 0,-2 2 0,0 1 0,0 0 0,0-1 0,0-2 0,2 2 0,-2-1 0,2 6 0,-2-3 0,0 1 0,2-3 0,-4-28 0,3-5 0,-3-21 0,5 2 0,2 7 0,2 4 0,2-14 0,-5 23 0,2-8 0,-6 22 0,2 3 0,-2 1 0,0-4 0,2-1 0,-1-2 0,3-1 0,2 0 0,0-5 0,6-6 0,-7 6 0,4-1 0,-8 15 0,2 1 0,5 1 0,2-2 0,6-1 0,5-4 0,-7 2 0,3 1 0,-11 2 0,-1 3 0,-2 0 0,2 1 0,-1 1 0,4 2 0,-3 0 0,1 0 0,0-1 0,-1 0 0,1-1 0,-2 6 0,15 7 0,-6 0 0,8 5 0,-11-7 0,1 1 0,-5-3 0,3 0 0,-5-1 0,-1-2 0,-2 4 0,1-3 0,-1 1 0,1 1 0,0 1 0,0-1 0,0 12 0,0-7 0,-2 3 0,3 5 0,-2-11 0,4 6 0,-5-7 0,2-3 0,-2 1 0,0 2 0,0-3 0,3 8 0,-3-7 0,5 8 0,-5-8 0,7 10 0,-6-10 0,5 5 0,-6-7 0,2 0 0,0 3 0,-1 2 0,0 1 0,1-1 0,-1 8 0,1-10 0,-2 9 0,0-11 0,2 1 0,-2 0 0,2-1 0,-2 3 0,0-3 0,0 1 0,2 3 0,-1-3 0,1 3 0,-2-5 0,0 1 0,0 1 0,0 5 0,0-1 0,0 2 0,-2-4 0,2-3 0,-2 1 0,2-2 0</inkml:trace>
+</inkml:ink>
+</file>
+
+<file path=ppt/ink/ink36.xml><?xml version="1.0" encoding="utf-8"?>
+<inkml:ink xmlns:inkml="http://www.w3.org/2003/InkML">
+  <inkml:definitions>
+    <inkml:context xml:id="ctx0">
+      <inkml:inkSource xml:id="inkSrc0">
+        <inkml:traceFormat>
+          <inkml:channel name="X" type="integer" min="-2.14748E9" max="2.14748E9" units="cm"/>
+          <inkml:channel name="Y" type="integer" min="-2.14748E9" max="2.14748E9" units="cm"/>
+          <inkml:channel name="F" type="integer" max="32767" units="dev"/>
+        </inkml:traceFormat>
+        <inkml:channelProperties>
+          <inkml:channelProperty channel="X" name="resolution" value="1000" units="1/cm"/>
+          <inkml:channelProperty channel="Y" name="resolution" value="1000" units="1/cm"/>
+          <inkml:channelProperty channel="F" name="resolution" value="0" units="1/dev"/>
+        </inkml:channelProperties>
+      </inkml:inkSource>
+      <inkml:timestamp xml:id="ts0" timeString="2026-01-27T07:21:02.379"/>
+    </inkml:context>
+    <inkml:brush xml:id="br0">
+      <inkml:brushProperty name="width" value="0.2" units="cm"/>
+      <inkml:brushProperty name="height" value="1.2" units="cm"/>
+      <inkml:brushProperty name="color" value="#FFFFFF"/>
+      <inkml:brushProperty name="inkEffects" value="pencil"/>
+    </inkml:brush>
+  </inkml:definitions>
+  <inkml:trace contextRef="#ctx0" brushRef="#br0">293 540 16383,'-12'-4'0,"1"1"0,8 1 0,-1 2 0,-4 0 0,1 0 0,-2 0 0,3 0 0,0-1 0,-1 0 0,-2-1 0,3 2 0,-3 0 0,5 0 0,-3 0 0,1 0 0,1-2 0,-1 2 0,0-2 0,-1 2 0,-5 2 0,-7 1 0,2 2 0,-3 0 0,8-2 0,4 2 0,-1-2 0,0 3 0,1-1 0,1 1 0,-1-2 0,-1 13 0,1-10 0,2 13 0,4-13 0,2 5 0,0 0 0,0 1 0,0 8 0,0-4 0,0 4 0,0 0 0,0-4 0,0 9 0,0-9 0,0 10 0,3-5 0,2 0 0,2-1 0,0-5 0,-1 5 0,-1-7 0,1 3 0,-2-9 0,0 1 0,2-1 0,-1-1 0,1 1 0,-2-3 0,1 3 0,1-4 0,-1 3 0,1-3 0,0 0 0,-1-2 0,1 0 0,0 0 0,-1-1 0,1 1 0,2-2 0,-1 0 0,6 0 0,0 0 0,8 0 0,1-4 0,6 1 0,-6-4 0,-6 4 0,-7 0 0,-4 2 0,-1-2 0,2-1 0,1-1 0,-1 1 0,5-3 0,-3 0 0,3-2 0,-1-3 0,-3 3 0,2-6 0,-4 5 0,5-5 0,-5 3 0,0 1 0,0-3 0,-4 8 0,3-5 0,-4 6 0,2-1 0,-2 0 0,2 1 0,-2-3 0,2-2 0,-2 2 0,-3-11 0,3 10 0,-6-12 0,6 12 0,-3-6 0,3 6 0,-2-6 0,1 7 0,-1-17 0,0 15 0,-2-32 0,1 26 0,-9-32 0,7 23 0,-11-24 0,8 18 0,-8-23 0,10 28 0,-5-22 0,8 29 0,-5-23 0,4 25 0,-3-30 0,6 31 0,-7-27 0,7 28 0,-6-21 0,6 24 0,-5-19 0,3 20 0,-2-6 0,2 8 0,-1 3 0,4-1 0,-2 3 0,2 0 0</inkml:trace>
+</inkml:ink>
+</file>
+
+<file path=ppt/ink/ink37.xml><?xml version="1.0" encoding="utf-8"?>
+<inkml:ink xmlns:inkml="http://www.w3.org/2003/InkML">
+  <inkml:definitions>
+    <inkml:context xml:id="ctx0">
+      <inkml:inkSource xml:id="inkSrc0">
+        <inkml:traceFormat>
+          <inkml:channel name="X" type="integer" min="-2.14748E9" max="2.14748E9" units="cm"/>
+          <inkml:channel name="Y" type="integer" min="-2.14748E9" max="2.14748E9" units="cm"/>
+          <inkml:channel name="F" type="integer" max="32767" units="dev"/>
+        </inkml:traceFormat>
+        <inkml:channelProperties>
+          <inkml:channelProperty channel="X" name="resolution" value="1000" units="1/cm"/>
+          <inkml:channelProperty channel="Y" name="resolution" value="1000" units="1/cm"/>
+          <inkml:channelProperty channel="F" name="resolution" value="0" units="1/dev"/>
+        </inkml:channelProperties>
+      </inkml:inkSource>
+      <inkml:timestamp xml:id="ts0" timeString="2026-01-27T07:39:25.149"/>
+    </inkml:context>
+    <inkml:brush xml:id="br0">
+      <inkml:brushProperty name="width" value="0.2" units="cm"/>
+      <inkml:brushProperty name="height" value="1.2" units="cm"/>
+      <inkml:brushProperty name="color" value="#FFFFFF"/>
+      <inkml:brushProperty name="inkEffects" value="pencil"/>
+    </inkml:brush>
+  </inkml:definitions>
+  <inkml:trace contextRef="#ctx0" brushRef="#br0">1210 1 16383,'-23'6'0,"-5"2"0,-5-3 0,-23 2 0,-9 3 0,-14-1 0,-4 2 0,-1 0 0,-14-4 0,-1 3 0,6-4 0,41-3 0,1 0 0,-35 7 0,21-8 0,-12 3 0,32-1 0,-4-3 0,17 4 0,23-3 0,6 1 0,3 4 0,0-1 0,0 4 0,0-5 0,0 3 0,0 9 0,0-6 0,0 20 0,0-19 0,0 9 0,4-1 0,-3-7 0,3 24 0,-4-22 0,0 15 0,9 5 0,-7-12 0,17 41 0,-16-39 0,6 26 0,-9-5 0,0-14 0,0 19 0,0-31 0,0 2 0,0 8 0,0-15 0,0 12 0,0 0 0,0-9 0,0 33 0,0-28 0,0 15 0,0 0 0,0-14 0,0 20 0,0-27 0,0 3 0,0 1 0,0-4 0,0 14 0,0-17 0,0 6 0,0-8 0,0-1 0,0 7 0,0-9 0,0 5 0,0-3 0,0-2 0,0 15 0,0-14 0,0 11 0,0-1 0,0-9 0,0 9 0,0-8 0,0-4 0,-2 6 0,1-6 0,-1 6 0,2-3 0,0 3 0,0-3 0,0 15 0,0-7 0,0 8 0,0-12 0,0-7 0,0-1 0,0-2 0,0 0 0,-2 0 0,1 13 0,-3-8 0,3 15 0,-1-14 0,2 3 0,-3 0 0,2-5 0,-4 0 0,5-5 0,-3-1 0,8 4 0,-2-3 0,2 3 0,0-7 0,-5 7 0,3-1 0,-3 2 0,0-1 0,0-2 0,0 0 0,0 0 0,0 0 0,-3 0 0,12-2 0,-7 0 0,12-3 0,-8 0 0,4 0 0,1 0 0,11 0 0,-2 0 0,12 0 0,1 0 0,8 0 0,1 0 0,4 0 0,27-6 0,-17 5 0,24-4 0,-46 5 0,-2-3 0,-19 2 0,4-2 0,-10 3 0,4 0 0,0 3 0,8 1 0,21 9 0,3-7 0,-6 6 0,-10-12 0,-19 2 0,2-2 0,8 0 0,-5 0 0,30 0 0,-27 0 0,15 0 0,-23 0 0,-3 0 0,0 0 0,0 0 0,0-2 0,0-1 0</inkml:trace>
+</inkml:ink>
+</file>
+
+<file path=ppt/ink/ink38.xml><?xml version="1.0" encoding="utf-8"?>
+<inkml:ink xmlns:inkml="http://www.w3.org/2003/InkML">
+  <inkml:definitions>
+    <inkml:context xml:id="ctx0">
+      <inkml:inkSource xml:id="inkSrc0">
+        <inkml:traceFormat>
+          <inkml:channel name="X" type="integer" min="-2.14748E9" max="2.14748E9" units="cm"/>
+          <inkml:channel name="Y" type="integer" min="-2.14748E9" max="2.14748E9" units="cm"/>
+          <inkml:channel name="F" type="integer" max="32767" units="dev"/>
+        </inkml:traceFormat>
+        <inkml:channelProperties>
+          <inkml:channelProperty channel="X" name="resolution" value="1000" units="1/cm"/>
+          <inkml:channelProperty channel="Y" name="resolution" value="1000" units="1/cm"/>
+          <inkml:channelProperty channel="F" name="resolution" value="0" units="1/dev"/>
+        </inkml:channelProperties>
+      </inkml:inkSource>
+      <inkml:timestamp xml:id="ts0" timeString="2026-01-27T07:39:26.798"/>
+    </inkml:context>
+    <inkml:brush xml:id="br0">
+      <inkml:brushProperty name="width" value="0.2" units="cm"/>
+      <inkml:brushProperty name="height" value="1.2" units="cm"/>
+      <inkml:brushProperty name="color" value="#FFFFFF"/>
+      <inkml:brushProperty name="inkEffects" value="pencil"/>
+    </inkml:brush>
+  </inkml:definitions>
+  <inkml:trace contextRef="#ctx0" brushRef="#br0">0 1 16383,'26'0'0,"2"0"0,11 0 0,-4 0 0,-2 0 0,-1 0 0,-12 0 0,12 0 0,1 0 0,2 4 0,11-3 0,-5 6 0,1-2 0,-3 0 0,-11-1 0,-6-4 0,-10 0 0,-2 0 0,-4 0 0,1 0 0,-2 0 0,0 0 0,0 0 0,0 0 0,0 0 0,1 0 0,-1 0 0,0 2 0,0-1 0,0 1 0,0-2 0,0 0 0,0 0 0,0 0 0,0 0 0,1 0 0,3 2 0,4 1 0,1 0 0,1-1 0,-7-2 0,-1 0 0,1 0 0,-3 0 0,3 0 0,-3 0 0</inkml:trace>
+</inkml:ink>
+</file>
+
+<file path=ppt/ink/ink39.xml><?xml version="1.0" encoding="utf-8"?>
+<inkml:ink xmlns:inkml="http://www.w3.org/2003/InkML">
+  <inkml:definitions>
+    <inkml:context xml:id="ctx0">
+      <inkml:inkSource xml:id="inkSrc0">
+        <inkml:traceFormat>
+          <inkml:channel name="X" type="integer" min="-2.14748E9" max="2.14748E9" units="cm"/>
+          <inkml:channel name="Y" type="integer" min="-2.14748E9" max="2.14748E9" units="cm"/>
+          <inkml:channel name="F" type="integer" max="32767" units="dev"/>
+        </inkml:traceFormat>
+        <inkml:channelProperties>
+          <inkml:channelProperty channel="X" name="resolution" value="1000" units="1/cm"/>
+          <inkml:channelProperty channel="Y" name="resolution" value="1000" units="1/cm"/>
+          <inkml:channelProperty channel="F" name="resolution" value="0" units="1/dev"/>
+        </inkml:channelProperties>
+      </inkml:inkSource>
+      <inkml:timestamp xml:id="ts0" timeString="2026-01-27T07:39:28.373"/>
+    </inkml:context>
+    <inkml:brush xml:id="br0">
+      <inkml:brushProperty name="width" value="0.2" units="cm"/>
+      <inkml:brushProperty name="height" value="1.2" units="cm"/>
+      <inkml:brushProperty name="color" value="#FFFFFF"/>
+      <inkml:brushProperty name="inkEffects" value="pencil"/>
+    </inkml:brush>
+  </inkml:definitions>
+  <inkml:trace contextRef="#ctx0" brushRef="#br0">47 1 16383,'3'13'0,"-1"2"0,-2-7 0,0 0 0,3 5 0,-2 13 0,1 15 0,-2 21 0,0-17 0,0 25 0,-5-6 0,4-4 0,-4 25 0,0-34 0,4 24 0,-4-24 0,5 40 0,0-16 0,0-16 0,0 0 0,0 16 0,0-22 0,0-2 0,0 10 0,-4 16 0,0-30 0,-1-19 0,-1-4 0,2-7 0,-1 19 0,3-14 0,2 14 0,0-3 0,0-8 0,0 5 0,-3-18 0,3 2 0,-3-6 0,6-1 0,-3-2 0,3 0 0,-3 0 0,0 3 0,0-3 0,0 9 0,0-8 0,0 8 0,0-8 0,0-4 0,0-2 0</inkml:trace>
 </inkml:ink>
 </file>
 
@@ -248,7 +2939,7 @@
           <inkml:channelProperty channel="F" name="resolution" value="0" units="1/dev"/>
         </inkml:channelProperties>
       </inkml:inkSource>
-      <inkml:timestamp xml:id="ts0" timeString="2026-01-13T08:34:20.840"/>
+      <inkml:timestamp xml:id="ts0" timeString="2026-01-27T07:18:14.100"/>
     </inkml:context>
     <inkml:brush xml:id="br0">
       <inkml:brushProperty name="width" value="0.2" units="cm"/>
@@ -257,7 +2948,297 @@
       <inkml:brushProperty name="inkEffects" value="pencil"/>
     </inkml:brush>
   </inkml:definitions>
-  <inkml:trace contextRef="#ctx0" brushRef="#br0">15021 1 16383,'-3'24'0,"2"-1"0,-3 1 0,1 0 0,2 0 0,-3 8 0,1-7 0,2 7 0,-3-8 0,4 8 0,-3-6 0,-3 14 0,1-14 0,-5 22 0,4-12 0,-11 22 0,5-14 0,-11 15 0,11-15 0,-11 14 0,5-5 0,-6 7 0,7-6 0,0 1 0,-11 26 0,13-24 0,1-2 0,-10 13 0,11-7 0,-4-9 0,5 6 0,-1 19 0,2-18 0,-1 7 0,2-26 0,2-14 0,-16 39 0,10-17 0,-11 20 0,8-9 0,-2 1 0,-1-9 0,-1 2 0,-8 25 0,10-28 0,-2 2 0,-4 4 0,1-2 0,-12 19 0,0 3 0,-1 0 0,1-5 0,1 3 0,-2 5 0,14-21 0,0-2 0,-6 3 0,0 2 0,-1 11 0,1-2 0,5-14 0,-2 0 0,-3 15 0,-2 2 0,1-2 0,0 0 0,0-7 0,1-3 0,7-11 0,1 0 0,-7 5 0,2-1 0,-10 29 0,4-23 0,0 3 0,8-8 0,1 0 0,-6 4 0,1-2 0,-5 24 0,-7 10 0,9-26 0,-4 22 0,9-8 0,3-17 0,10-4 0,0-28 0,0 0 0,4-2 0,-6-3 0,1 7 0,-1-13 0,-3 12 0,-6 1 0,-5 19 0,-15 6 0,-3 14 0,14-22 0,-17 28 0,15-20 0,6-16 0,-3 1 0,-24 34 0,25-36 0,0 1 0,-29 35 0,18-11 0,10-26 0,0 0 0,-16 26 0,15-24 0,-3 2 0,-4 4 0,1-2 0,-16 18 0,14-15 0,0 0 0,-22 16 0,19-14 0,-1 2 0,5-8 0,1-1 0,-5 4 0,2 0 0,5-4 0,2-2 0,-25 21 0,-5 9 0,19-20 0,-12 8 0,8-8 0,1-4 0,1-9 0,15-7 0,-4 1 0,6-7 0,-2 7 0,-7 2 0,17-11 0,4-5 0,7-5 0,2-6 0,-3 5 0,0-5 0,2 3 0,-1-1 0,-11 0 0,6 4 0,-22 2 0,18 1 0,-22 11 0,24-13 0,-14 10 0,9-11 0,-5 11 0,-12-2 0,-5 11 0,-6-9 0,7 1 0,-19 5 0,17-8 0,-13 8 0,7-1 0,23-13 0,1 7 0,11-12 0,3 3 0,-7 1 0,3 0 0,-13 3 0,-5 13 0,7-14 0,-15 22 0,13-16 0,-17 13 0,1 0 0,-1 0 0,16-10 0,0-1 0,3-2 0,3-5 0,-19 16 0,25-20 0,-13 10 0,4-3 0,-13 6 0,-20 11 0,-8 0 0,-10 8 0,18-18 0,20-2 0,-1 0 0,-23 10 0,22-13 0,1 3 0,-24 24 0,6-11 0,30-7 0,6-12 0,13-8 0,3-4 0,-3 4 0,0-5 0,0 3 0,2-4 0,-6 1 0,6 0 0,-12 0 0,4 4 0,3-3 0,-6 7 0,6-3 0,-16 6 0,-11 7 0,-9 5 0,-33 9 0,-6 1 0,0-10 0,32-7 0,0 1 0,9-9 0,-1 1 0,-23 13 0,-3 1 0,8-6 0,0-1 0,-6 3 0,0 0 0,8-4 0,0 0 0,0 1 0,0-1 0,0 1 0,0-1 0,4-4 0,1 1 0,-4 2 0,0 1 0,3-3 0,0-1 0,-4 1 0,0 0 0,0 3 0,0-1 0,0-2 0,0 0 0,0 3 0,0 1 0,-4-1 0,0 1 0,3-1 0,0 0 0,-2 1 0,-2-1 0,-15 5 0,-1 0 0,11-7 0,2 0 0,7 1 0,0-1 0,-11-1 0,2-1 0,15 0 0,0 0 0,-16 4 0,0 1 0,6-1 0,4 0 0,13-4 0,4 1 0,-38 20 0,10-12 0,11 4 0,7-12 0,0-2 0,9-1 0,-6-3 0,5 3 0,-7-4 0,7-1 0,-5 1 0,13-6 0,3 3 0,2-3 0,6-2 0,-8 1 0,-9 0 0,-1-3 0,-17 9 0,-2-4 0,-8 0 0,-8 5 0,-2-10 0,-8 10 0,0-4 0,8-1 0,2 5 0,8-4 0,-8 5 0,-11-6 0,-1-1 0,47-2 0,-1-1 0,-16-3 0,0 1 0,15 5 0,0 0 0,-19-4 0,0-2 0,-26 6 0,18-6 0,26 3 0,2 1 0,-7-3 0,-33 6 0,48-7 0,10 0 0,17 0 0,5 0 0,0 0 0,0 0 0,-5 0 0,-18 0 0,-16 0 0,-19 0 0,-8 0 0,-16 0 0,4 0 0,39 3 0,-2 0 0,-2-3 0,-1 2 0,-2 4 0,0 0 0,-4-5 0,0 0 0,1 5 0,1 1 0,1-6 0,4 0 0,-27 5 0,-16 0 0,26-4 0,-16 4 0,18-2 0,13-2 0,15 2 0,17-4 0,4 3 0,18-2 0,1 2 0</inkml:trace>
+  <inkml:trace contextRef="#ctx0" brushRef="#br0">27 1 16383,'-3'15'0,"0"-1"0,2-2 0,-1-2 0,0 4 0,1-4 0,-1 5 0,0-6 0,2 6 0,-2-3 0,2 1 0,0-2 0,0-2 0,-2-1 0,1 1 0,-1 0 0,0-1 0,2 4 0,-2 0 0,2 4 0,0-1 0,0 6 0,0 2 0,0-1 0,0-1 0,0-5 0,0 5 0,0-5 0,0 11 0,0 0 0,0 8 0,0-1 0,0 4 0,0-3 0,2-6 0,-1 2 0,1-14 0,-2 10 0,0-10 0,0 4 0,0-1 0,0-3 0,0 4 0,2-5 0,-1-4 0,3 0 0,-3-3 0,3 2 0,-2-1 0,1 5 0,3-6 0,-3 3 0,5-4 0,-2 1 0,1-5 0,-1 2 0,3-5 0,-1 1 0,4-2 0,-4 0 0,4 0 0,0 0 0,1 0 0,-2 0 0,-4 0 0,-1 0 0,-2 0 0,3 1 0,-1 0 0,3 1 0,-3-2 0,0 0 0,-1 0 0,1-4 0,0-1 0,8-9 0,12-7 0,12-9 0,12-5 0,-16 10 0,9-2 0,-26 11 0,17-8 0,-17 6 0,1-2 0,-11 10 0,-2-5 0,-1 8 0,4-8 0,-2-3 0,9-1 0,0-10 0,1 12 0,5-7 0,-10 11 0,1-5 0,-4 2 0,-4 4 0,-1 2 0,-1-2 0,0 2 0,4-6 0,-1 0 0,1-5 0,-2 4 0,-3 1 0,4-3 0,-4 7 0,2-20 0,-3 14 0,0-9 0,-3 6 0,2-7 0,-2-1 0,3-4 0,-3 6 0,2 7 0,-2 3 0,1 5 0,-1 3 0,0-1 0,-1 4 0,4 4 0,-2 0 0</inkml:trace>
+</inkml:ink>
+</file>
+
+<file path=ppt/ink/ink40.xml><?xml version="1.0" encoding="utf-8"?>
+<inkml:ink xmlns:inkml="http://www.w3.org/2003/InkML">
+  <inkml:definitions>
+    <inkml:context xml:id="ctx0">
+      <inkml:inkSource xml:id="inkSrc0">
+        <inkml:traceFormat>
+          <inkml:channel name="X" type="integer" min="-2.14748E9" max="2.14748E9" units="cm"/>
+          <inkml:channel name="Y" type="integer" min="-2.14748E9" max="2.14748E9" units="cm"/>
+          <inkml:channel name="F" type="integer" max="32767" units="dev"/>
+        </inkml:traceFormat>
+        <inkml:channelProperties>
+          <inkml:channelProperty channel="X" name="resolution" value="1000" units="1/cm"/>
+          <inkml:channelProperty channel="Y" name="resolution" value="1000" units="1/cm"/>
+          <inkml:channelProperty channel="F" name="resolution" value="0" units="1/dev"/>
+        </inkml:channelProperties>
+      </inkml:inkSource>
+      <inkml:timestamp xml:id="ts0" timeString="2026-01-27T07:39:30.933"/>
+    </inkml:context>
+    <inkml:brush xml:id="br0">
+      <inkml:brushProperty name="width" value="0.2" units="cm"/>
+      <inkml:brushProperty name="height" value="1.2" units="cm"/>
+      <inkml:brushProperty name="color" value="#FFFFFF"/>
+      <inkml:brushProperty name="inkEffects" value="pencil"/>
+    </inkml:brush>
+  </inkml:definitions>
+  <inkml:trace contextRef="#ctx0" brushRef="#br0">1 81 16383,'13'0'0,"2"0"0,-7-2 0,0 1 0,1-3 0,-3 1 0,7-3 0,-4 1 0,9-1 0,-3 0 0,4 0 0,0-4 0,-1 4 0,-3-1 0,-3 4 0,-4 3 0,-3 0 0,0-2 0,2 2 0,1-3 0,0 1 0,2 1 0,-4-3 0,1 3 0,-2-1 0,0 2 0,0 0 0,3 0 0,0 0 0,2 2 0,0 1 0,0 0 0,1 1 0,-3-3 0,-1 3 0,1-1 0,-3 2 0,5 0 0,-2 3 0,2-2 0,0 3 0,1-3 0,1 8 0,-1-7 0,8 14 0,-9-14 0,6 9 0,-10-10 0,3 4 0,-3-2 0,4 0 0,-4 1 0,3-3 0,-3 1 0,1-1 0,-2-1 0,0 0 0,1 0 0,-1 2 0,2 1 0,1 3 0,0-1 0,-1-2 0,-1-1 0,-1-2 0,0 0 0,-2 0 0,1 1 0,-1-1 0,2 0 0,-2 2 0,1-1 0,-1 4 0,2-2 0,0 0 0,-2 1 0,2-3 0,-5 1 0,3-2 0,-3 3 0,0 0 0,0 2 0,2 0 0,-2 4 0,3 1 0,-3 4 0,0 0 0,0-4 0,0-1 0,0-6 0,0-1 0,0 1 0,0-3 0,0 5 0,0-2 0,-3 6 0,-1 1 0,1 0 0,-2-1 0,4-4 0,-3 1 0,3-3 0,-1-1 0,-1-2 0,1 0 0,-1 0 0,-2 3 0,2 0 0,-2 2 0,0 0 0,0 1 0,-1-3 0,1-1 0,0-2 0,2 0 0,-1-2 0,1 2 0,-5-3 0,2 4 0,-1 1 0,-1-1 0,3 1 0,-3-2 0,1 0 0,1 3 0,-4-5 0,2 4 0,0-4 0,-2 2 0,2 0 0,-2-2 0,-4 2 0,2-2 0,-6 3 0,3-3 0,3 2 0,-2-5 0,8 3 0,-4-3 0,5 2 0,-3-2 0,1 5 0,-1-5 0,0 5 0,-2-2 0,4 0 0,-4-1 0,4-2 0,-1 2 0,2-1 0,0 1 0,-1-2 0,1 0 0,0 0 0,-3 0 0,3 0 0,-5 0 0,4 0 0,-1 0 0,1 0 0,1 0 0,0 0 0,0 0 0,0 0 0,-3 0 0,5 2 0,-4-1 0,2 1 0,-1-2 0,-2 0 0,3 0 0,-2 0 0,1 0 0,-4 0 0,4 0 0,-3 0 0,3 0 0,-2 0 0,3 0 0,0-2 0,0 1 0,0-1 0</inkml:trace>
+</inkml:ink>
+</file>
+
+<file path=ppt/ink/ink41.xml><?xml version="1.0" encoding="utf-8"?>
+<inkml:ink xmlns:inkml="http://www.w3.org/2003/InkML">
+  <inkml:definitions>
+    <inkml:context xml:id="ctx0">
+      <inkml:inkSource xml:id="inkSrc0">
+        <inkml:traceFormat>
+          <inkml:channel name="X" type="integer" min="-2.14748E9" max="2.14748E9" units="cm"/>
+          <inkml:channel name="Y" type="integer" min="-2.14748E9" max="2.14748E9" units="cm"/>
+          <inkml:channel name="F" type="integer" max="32767" units="dev"/>
+        </inkml:traceFormat>
+        <inkml:channelProperties>
+          <inkml:channelProperty channel="X" name="resolution" value="1000" units="1/cm"/>
+          <inkml:channelProperty channel="Y" name="resolution" value="1000" units="1/cm"/>
+          <inkml:channelProperty channel="F" name="resolution" value="0" units="1/dev"/>
+        </inkml:channelProperties>
+      </inkml:inkSource>
+      <inkml:timestamp xml:id="ts0" timeString="2026-01-27T07:39:41.157"/>
+    </inkml:context>
+    <inkml:brush xml:id="br0">
+      <inkml:brushProperty name="width" value="0.2" units="cm"/>
+      <inkml:brushProperty name="height" value="1.2" units="cm"/>
+      <inkml:brushProperty name="color" value="#FFFFFF"/>
+      <inkml:brushProperty name="inkEffects" value="pencil"/>
+    </inkml:brush>
+  </inkml:definitions>
+  <inkml:trace contextRef="#ctx0" brushRef="#br0">1526 1 16383,'-2'16'0,"-1"1"0,1-14 0,1 6 0,-3-5 0,3 3 0,-1-2 0,2 0 0,0 1 0,-5 5 0,4-5 0,-5 5 0,4-5 0,2-1 0,-3 2 0,3-1 0,-2 1 0,1 1 0,-3-3 0,1 3 0,0-3 0,1 0 0,-1 0 0,0 6 0,0-2 0,-2 3 0,4-3 0,-3-1 0,3 3 0,-3-1 0,1-2 0,0 2 0,-2-2 0,2 0 0,-2 1 0,0-3 0,0 4 0,-1-2 0,4 0 0,-3 1 0,2-3 0,0 1 0,-1-1 0,3-1 0,-4 0 0,5 0 0,-5 0 0,5 0 0,-5 0 0,2 0 0,-2 0 0,2 0 0,-2 1 0,3-1 0,-4 0 0,4 0 0,-3 2 0,2-1 0,0 1 0,-1-2 0,3 1 0,-4-1 0,2 0 0,1 2 0,-3-3 0,4 2 0,-3 0 0,1-1 0,0 3 0,-2-6 0,5 5 0,-5-3 0,2 3 0,0-2 0,-1 0 0,3 0 0,-3 0 0,3 1 0,-4 1 0,3-1 0,-4 1 0,4-2 0,-3 0 0,4 0 0,-3 0 0,1 1 0,-2-1 0,2 0 0,-2 0 0,5 0 0,-5 0 0,2-2 0,-2 4 0,0-6 0,0 8 0,-3-3 0,2 2 0,-1 1 0,-1-3 0,3 4 0,-3-5 0,2 9 0,1-7 0,-1 4 0,1-6 0,0-2 0,2 3 0,-2-4 0,3 7 0,-4-6 0,4 5 0,-3-6 0,2 3 0,-2-2 0,-3 4 0,3-1 0,-3-1 0,3-1 0,0-1 0,0 2 0,-3 3 0,2-3 0,-1 5 0,-1-2 0,3 0 0,-3 0 0,3-3 0,-3 0 0,3-2 0,-3 1 0,3-1 0,0 0 0,0 1 0,-1-1 0,1 0 0,0 2 0,-3-5 0,3 5 0,-3-3 0,3 1 0,-2 2 0,1-5 0,-2 5 0,3-5 0,0 5 0,2-2 0,-2 2 0,2-2 0,-2 1 0,-2-1 0,1 0 0,-4 1 0,4-3 0,-1 4 0,-1-3 0,3 1 0,-3 2 0,3-2 0,0-1 0,-3 3 0,0-4 0,0 3 0,-2-3 0,2 1 0,-2 0 0,-4-1 0,-1 4 0,0-5 0,-3 3 0,6-3 0,-2 0 0,4 0 0,0 0 0,-1 0 0,-3 0 0,-1 0 0,-10 0 0,4 0 0,-10 0 0,10 0 0,-4 0 0,10 0 0,1 0 0,3 0 0,1 0 0,2 0 0,-2 0 0,2 0 0,-2 0 0,-1 0 0,1 0 0,-1-2 0,1 1 0,0-1 0,2 2 0,-6 0 0,7-2 0,-6 1 0,5-3 0,-6 0 0,2 1 0,-6-2 0,7 4 0,-3-4 0,3 4 0,1-3 0,2 3 0,1-4 0,-1 2 0,2-2 0,-1 0 0,-5-3 0,6 2 0,-8-3 0,6 2 0,0 3 0,-2-5 0,5 8 0,-3-6 0,5 4 0,-1-2 0,1-3 0,0 3 0,-4-3 0,3 1 0,-3-1 0,-1-1 0,3 0 0,-5 1 0,4 0 0,1-2 0,0 4 0,2-2 0,1 3 0,-3 0 0,4 0 0,-3 0 0,1-3 0,-5 2 0,3-3 0,-3 1 0,3 0 0,-3-2 0,3 4 0,-1-2 0,2 3 0,3 0 0,-1 0 0,0 0 0,-1 0 0</inkml:trace>
+</inkml:ink>
+</file>
+
+<file path=ppt/ink/ink42.xml><?xml version="1.0" encoding="utf-8"?>
+<inkml:ink xmlns:inkml="http://www.w3.org/2003/InkML">
+  <inkml:definitions>
+    <inkml:context xml:id="ctx0">
+      <inkml:inkSource xml:id="inkSrc0">
+        <inkml:traceFormat>
+          <inkml:channel name="X" type="integer" min="-2.14748E9" max="2.14748E9" units="cm"/>
+          <inkml:channel name="Y" type="integer" min="-2.14748E9" max="2.14748E9" units="cm"/>
+          <inkml:channel name="F" type="integer" max="32767" units="dev"/>
+        </inkml:traceFormat>
+        <inkml:channelProperties>
+          <inkml:channelProperty channel="X" name="resolution" value="1000" units="1/cm"/>
+          <inkml:channelProperty channel="Y" name="resolution" value="1000" units="1/cm"/>
+          <inkml:channelProperty channel="F" name="resolution" value="0" units="1/dev"/>
+        </inkml:channelProperties>
+      </inkml:inkSource>
+      <inkml:timestamp xml:id="ts0" timeString="2026-01-27T07:39:42.076"/>
+    </inkml:context>
+    <inkml:brush xml:id="br0">
+      <inkml:brushProperty name="width" value="0.2" units="cm"/>
+      <inkml:brushProperty name="height" value="1.2" units="cm"/>
+      <inkml:brushProperty name="color" value="#FFFFFF"/>
+      <inkml:brushProperty name="inkEffects" value="pencil"/>
+    </inkml:brush>
+  </inkml:definitions>
+  <inkml:trace contextRef="#ctx0" brushRef="#br0">0 243 16383,'11'-11'0,"1"2"0,-4 3 0,0-1 0,2 1 0,-2-1 0,0 1 0,2-1 0,-2 1 0,2-4 0,-2 2 0,2 0 0,-3-2 0,4 2 0,-1 0 0,-2 1 0,-1-1 0,-1 3 0,1-3 0,-1 3 0,3-3 0,-3 3 0,4-3 0,-5 1 0,5 1 0,-4-4 0,1 4 0,1-4 0,-2-1 0,1 2 0,-3-3 0,-2 12 0,-2 0 0</inkml:trace>
+</inkml:ink>
+</file>
+
+<file path=ppt/ink/ink43.xml><?xml version="1.0" encoding="utf-8"?>
+<inkml:ink xmlns:inkml="http://www.w3.org/2003/InkML">
+  <inkml:definitions>
+    <inkml:context xml:id="ctx0">
+      <inkml:inkSource xml:id="inkSrc0">
+        <inkml:traceFormat>
+          <inkml:channel name="X" type="integer" min="-2.14748E9" max="2.14748E9" units="cm"/>
+          <inkml:channel name="Y" type="integer" min="-2.14748E9" max="2.14748E9" units="cm"/>
+          <inkml:channel name="F" type="integer" max="32767" units="dev"/>
+        </inkml:traceFormat>
+        <inkml:channelProperties>
+          <inkml:channelProperty channel="X" name="resolution" value="1000" units="1/cm"/>
+          <inkml:channelProperty channel="Y" name="resolution" value="1000" units="1/cm"/>
+          <inkml:channelProperty channel="F" name="resolution" value="0" units="1/dev"/>
+        </inkml:channelProperties>
+      </inkml:inkSource>
+      <inkml:timestamp xml:id="ts0" timeString="2026-01-27T07:39:43.229"/>
+    </inkml:context>
+    <inkml:brush xml:id="br0">
+      <inkml:brushProperty name="width" value="0.2" units="cm"/>
+      <inkml:brushProperty name="height" value="1.2" units="cm"/>
+      <inkml:brushProperty name="color" value="#FFFFFF"/>
+      <inkml:brushProperty name="inkEffects" value="pencil"/>
+    </inkml:brush>
+  </inkml:definitions>
+  <inkml:trace contextRef="#ctx0" brushRef="#br0">0 1 16383,'0'29'0,"3"-2"0,1-2 0,0-5 0,3 12 0,-6-12 0,3 5 0,-1-6 0,-3-4 0,3-1 0,-1-3 0,-1 3 0,3-3 0,1 13 0,2-1 0,0 4 0,0-2 0,-1-6 0,0-4 0,-3-3 0,0-3 0,-3-3 0,0 1 0,0-2 0,0 1 0,0-1 0</inkml:trace>
+</inkml:ink>
+</file>
+
+<file path=ppt/ink/ink44.xml><?xml version="1.0" encoding="utf-8"?>
+<inkml:ink xmlns:inkml="http://www.w3.org/2003/InkML">
+  <inkml:definitions>
+    <inkml:context xml:id="ctx0">
+      <inkml:inkSource xml:id="inkSrc0">
+        <inkml:traceFormat>
+          <inkml:channel name="X" type="integer" min="-2.14748E9" max="2.14748E9" units="cm"/>
+          <inkml:channel name="Y" type="integer" min="-2.14748E9" max="2.14748E9" units="cm"/>
+          <inkml:channel name="F" type="integer" max="32767" units="dev"/>
+        </inkml:traceFormat>
+        <inkml:channelProperties>
+          <inkml:channelProperty channel="X" name="resolution" value="1000" units="1/cm"/>
+          <inkml:channelProperty channel="Y" name="resolution" value="1000" units="1/cm"/>
+          <inkml:channelProperty channel="F" name="resolution" value="0" units="1/dev"/>
+        </inkml:channelProperties>
+      </inkml:inkSource>
+      <inkml:timestamp xml:id="ts0" timeString="2026-01-27T07:39:55.860"/>
+    </inkml:context>
+    <inkml:brush xml:id="br0">
+      <inkml:brushProperty name="width" value="0.2" units="cm"/>
+      <inkml:brushProperty name="height" value="1.2" units="cm"/>
+      <inkml:brushProperty name="color" value="#FFFFFF"/>
+      <inkml:brushProperty name="inkEffects" value="pencil"/>
+    </inkml:brush>
+  </inkml:definitions>
+  <inkml:trace contextRef="#ctx0" brushRef="#br0">0 590 16383,'5'-19'0,"0"4"0,1 5 0,-1 4 0,-3-4 0,3 5 0,-2-5 0,2 4 0,2-4 0,-1 4 0,1-3 0,1 1 0,-2-1 0,3 0 0,-5 3 0,2-2 0,-3 3 0,0 0 0,2-2 0,-3 1 0,4-4 0,1 2 0,7-9 0,24-21 0,24-13 0,-10 2 0,-2 12 0,-36 20 0,-6 12 0,-6-3 0,3 5 0,-2-1 0,2 1 0,0-2 0,2-1 0,-1 1 0,2 0 0,-3 0 0,0 2 0,0-2 0,6 2 0,2-6 0,5 0 0,8-2 0,0-3 0,8 1 0,-1-4 0,-6 5 0,-2 1 0,-13 6 0,2-1 0,-8 3 0,1 1 0,-2 2 0,3-3 0,-3 3 0,3-2 0,-3 2 0,0 0 0,0 0 0,2 0 0,1 0 0,0 0 0,12 0 0,1 0 0,6 0 0,-2 0 0,-6 0 0,-7 0 0,-1 0 0,-5 0 0,-1 0 0,0 0 0,0 0 0,0 0 0,2 0 0,1-3 0,3 3 0,-1-3 0,-2 1 0,2 1 0,-2-1 0,0 0 0,1 1 0,-1-1 0,3 2 0,3 0 0,-5 0 0,4 0 0,-5 0 0,0 0 0,-1 0 0,-2 0 0,1 0 0,1 0 0,5 0 0,3 0 0,3 0 0,-3 0 0,-1 0 0,-3 0 0,-3 0 0,-1 0 0,-2 0 0,0 0 0,0 2 0,3-1 0,0 3 0,2-3 0,4 4 0,-3-4 0,3 4 0,-6-5 0,0 2 0,-3-2 0,0 0 0,0 3 0,6 0 0,-2 2 0,9-1 0,-9 0 0,2-3 0,-8 3 0,1-3 0,2 6 0,-1-4 0,3 4 0,-3-2 0,0 1 0,-2-1 0,1-3 0,-1 3 0,9 2 0,1 3 0,6 1 0,0 1 0,-4-6 0,-1 2 0,-6-2 0,-3-1 0,0-3 0,-2 1 0,2-1 0,2 1 0,-1 0 0,1 4 0,-2-4 0,3 4 0,-3-2 0,1 1 0,-2-4 0,-1 5 0,2-6 0,0 6 0,0-4 0,0 2 0,0-2 0,-2 1 0,2-1 0,-2 2 0,2-2 0,-2 2 0,-1-3 0</inkml:trace>
+</inkml:ink>
+</file>
+
+<file path=ppt/ink/ink45.xml><?xml version="1.0" encoding="utf-8"?>
+<inkml:ink xmlns:inkml="http://www.w3.org/2003/InkML">
+  <inkml:definitions>
+    <inkml:context xml:id="ctx0">
+      <inkml:inkSource xml:id="inkSrc0">
+        <inkml:traceFormat>
+          <inkml:channel name="X" type="integer" min="-2.14748E9" max="2.14748E9" units="cm"/>
+          <inkml:channel name="Y" type="integer" min="-2.14748E9" max="2.14748E9" units="cm"/>
+          <inkml:channel name="F" type="integer" max="32767" units="dev"/>
+        </inkml:traceFormat>
+        <inkml:channelProperties>
+          <inkml:channelProperty channel="X" name="resolution" value="1000" units="1/cm"/>
+          <inkml:channelProperty channel="Y" name="resolution" value="1000" units="1/cm"/>
+          <inkml:channelProperty channel="F" name="resolution" value="0" units="1/dev"/>
+        </inkml:channelProperties>
+      </inkml:inkSource>
+      <inkml:timestamp xml:id="ts0" timeString="2026-01-27T07:39:56.821"/>
+    </inkml:context>
+    <inkml:brush xml:id="br0">
+      <inkml:brushProperty name="width" value="0.2" units="cm"/>
+      <inkml:brushProperty name="height" value="1.2" units="cm"/>
+      <inkml:brushProperty name="color" value="#FFFFFF"/>
+      <inkml:brushProperty name="inkEffects" value="pencil"/>
+    </inkml:brush>
+  </inkml:definitions>
+  <inkml:trace contextRef="#ctx0" brushRef="#br0">1 416 16383,'11'-21'0,"-4"1"0,-5 0 0,0 5 0,-1 1 0,1 4 0,-2-4 0,3 2 0,-3-6 0,2 3 0,-2-4 0,0 1 0,4-8 0,-3 6 0,3-5 0,-4 10 0,0 0 0,0 5 0,0 0 0,0 2 0,0-2 0,-3 4 0,3-4 0,-2 2 0,2 0 0,0-2 0,0 5 0,0-5 0,0 4 0,0-2 0,2 3 0,1 0 0</inkml:trace>
+</inkml:ink>
+</file>
+
+<file path=ppt/ink/ink46.xml><?xml version="1.0" encoding="utf-8"?>
+<inkml:ink xmlns:inkml="http://www.w3.org/2003/InkML">
+  <inkml:definitions>
+    <inkml:context xml:id="ctx0">
+      <inkml:inkSource xml:id="inkSrc0">
+        <inkml:traceFormat>
+          <inkml:channel name="X" type="integer" min="-2.14748E9" max="2.14748E9" units="cm"/>
+          <inkml:channel name="Y" type="integer" min="-2.14748E9" max="2.14748E9" units="cm"/>
+          <inkml:channel name="F" type="integer" max="32767" units="dev"/>
+        </inkml:traceFormat>
+        <inkml:channelProperties>
+          <inkml:channelProperty channel="X" name="resolution" value="1000" units="1/cm"/>
+          <inkml:channelProperty channel="Y" name="resolution" value="1000" units="1/cm"/>
+          <inkml:channelProperty channel="F" name="resolution" value="0" units="1/dev"/>
+        </inkml:channelProperties>
+      </inkml:inkSource>
+      <inkml:timestamp xml:id="ts0" timeString="2026-01-27T07:39:57.985"/>
+    </inkml:context>
+    <inkml:brush xml:id="br0">
+      <inkml:brushProperty name="width" value="0.2" units="cm"/>
+      <inkml:brushProperty name="height" value="1.2" units="cm"/>
+      <inkml:brushProperty name="color" value="#FFFFFF"/>
+      <inkml:brushProperty name="inkEffects" value="pencil"/>
+    </inkml:brush>
+  </inkml:definitions>
+  <inkml:trace contextRef="#ctx0" brushRef="#br0">608 1 16383,'-17'7'0,"2"-1"0,1 4 0,-7 1 0,-13 9 0,6-6 0,-31 19 0,14-11 0,-25 15 0,24-8 0,2-2 0,-5 2 0,-17 17 0,51-37 0,3 2 0,2-3 0,-8 1 0,7-4 0,-6-1 0,11-2 0,1-1 0,0 1 0</inkml:trace>
+</inkml:ink>
+</file>
+
+<file path=ppt/ink/ink47.xml><?xml version="1.0" encoding="utf-8"?>
+<inkml:ink xmlns:inkml="http://www.w3.org/2003/InkML">
+  <inkml:definitions>
+    <inkml:context xml:id="ctx0">
+      <inkml:inkSource xml:id="inkSrc0">
+        <inkml:traceFormat>
+          <inkml:channel name="X" type="integer" min="-2.14748E9" max="2.14748E9" units="cm"/>
+          <inkml:channel name="Y" type="integer" min="-2.14748E9" max="2.14748E9" units="cm"/>
+          <inkml:channel name="F" type="integer" max="32767" units="dev"/>
+        </inkml:traceFormat>
+        <inkml:channelProperties>
+          <inkml:channelProperty channel="X" name="resolution" value="1000" units="1/cm"/>
+          <inkml:channelProperty channel="Y" name="resolution" value="1000" units="1/cm"/>
+          <inkml:channelProperty channel="F" name="resolution" value="0" units="1/dev"/>
+        </inkml:channelProperties>
+      </inkml:inkSource>
+      <inkml:timestamp xml:id="ts0" timeString="2026-01-27T07:41:12.444"/>
+    </inkml:context>
+    <inkml:brush xml:id="br0">
+      <inkml:brushProperty name="width" value="0.2" units="cm"/>
+      <inkml:brushProperty name="height" value="1.2" units="cm"/>
+      <inkml:brushProperty name="color" value="#FFFFFF"/>
+      <inkml:brushProperty name="inkEffects" value="pencil"/>
+    </inkml:brush>
+  </inkml:definitions>
+  <inkml:trace contextRef="#ctx0" brushRef="#br0">5966 2079 16383,'-10'-35'0,"2"11"0,4-5 0,-1 14 0,2 5 0,-3-4 0,0-1 0,0-4 0,0 0 0,2 4 0,-1-3 0,0-3 0,1 0 0,1-11 0,3 12 0,-4-12 0,3 12 0,-9-20 0,1 11 0,-3-13 0,-9 2 0,10 5 0,-5 6 0,9 5 0,0 2 0,1 2 0,1-6 0,-3 7 0,4 1 0,-6-8 0,0 6 0,0-5 0,-3 6 0,1 0 0,-1 0 0,0 0 0,4 0 0,0 7 0,3-6 0,-3 6 0,0-7 0,-10-3 0,-2-6 0,-4 1 0,-8-5 0,7 7 0,-11-4 0,16 7 0,-8-4 0,16 12 0,-8-3 0,10 9 0,-7-5 0,-4 0 0,-5 2 0,-6-1 0,0 3 0,6 2 0,-5-1 0,12 4 0,-6 0 0,8 1 0,3 3 0,0-3 0,5 3 0,0 0 0,-1 0 0,1 0 0,-1 2 0,3-1 0,-5 4 0,0-2 0,-6 6 0,-6-1 0,11-2 0,-10 1 0,17-4 0,-2-2 0,7-6 0,2-2 0,0-3 0,0 5 0,-2-2 0,1 1 0,-4-4 0,5 4 0,-5-3 0,5 3 0,-3-4 0,1 2 0,-1-6 0,-3 3 0,-1-14 0,-10-11 0,6 0 0,-6-4 0,7 15 0,1 10 0,-1-3 0,-1 3 0,2-4 0,-4 0 0,2 4 0,-15-18 0,6 12 0,-21-22 0,17 22 0,-12-4 0,15 12 0,-4-2 0,10 6 0,3-2 0,2 6 0,2-5 0,-25-7 0,16 4 0,-16-4 0,19 6 0,-1 4 0,-4-5 0,0 3 0,0-1 0,0-2 0,1 5 0,-8-7 0,-13-4 0,8 4 0,-7-3 0,19 8 0,-6 1 0,5-1 0,-12 0 0,5 2 0,0 0 0,-4 2 0,-35-8 0,23 6 0,-29-4 0,39 7 0,10 4 0,-2-3 0,14 2 0,-3-1 0,-19 2 0,13 0 0,-19 0 0,21 0 0,-1 0 0,-6 0 0,8 0 0,-8 0 0,14 0 0,-20 0 0,17 0 0,-17 2 0,22-1 0,-8 7 0,8-6 0,-9 9 0,3-7 0,-30 12 0,20-8 0,-20 8 0,27-9 0,-1 2 0,0-3 0,4 2 0,-3-1 0,-17 12 0,12-10 0,-12 7 0,18-7 0,1-2 0,-2 2 0,-1 0 0,0-3 0,-6 8 0,8-7 0,-1 3 0,10-7 0,5 1 0,-1-1 0,1 2 0,-5 0 0,3 1 0,-3-4 0,3 3 0,0-2 0,-3 0 0,5 1 0,-4-1 0,4 2 0,-2 0 0,0 3 0,-1-3 0,1 5 0,-9 4 0,4-2 0,-4 5 0,4-9 0,4 0 0,-1-3 0,2 0 0,-1 0 0,4 0 0,-1 0 0,1 0 0,1 0 0,-6 0 0,6 0 0,-3 3 0,1-5 0,3 6 0,-5-5 0,2 3 0,0-2 0,1 0 0,0 0 0,1 1 0,-6-4 0,4 1 0,-19-1 0,13 1 0,-13 5 0,4 3 0,1 1 0,-8-1 0,0 3 0,4-7 0,-10 5 0,-3-8 0,-7 4 0,-7-7 0,0 3 0,-6-4 0,5 0 0,-6 4 0,8-3 0,12 3 0,-3-4 0,17 0 0,-4 0 0,6 0 0,-6 0 0,4 0 0,-4 0 0,6 0 0,0 3 0,0-2 0,-6 2 0,9-3 0,-9 0 0,14 2 0,-13 2 0,7 2 0,-8-2 0,9 1 0,-1-1 0,5 3 0,-6 0 0,-3 6 0,4-7 0,-7 5 0,9-5 0,0-1 0,-3 4 0,-4-1 0,6 3 0,-9-4 0,10 1 0,-4-2 0,0 1 0,1 2 0,-1-2 0,4 1 0,-3-2 0,6 2 0,-2 0 0,4 2 0,-4 2 0,3-4 0,-10 9 0,9-7 0,-9 7 0,6-5 0,0-3 0,1 2 0,0-2 0,2 1 0,-2 2 0,0-1 0,3-1 0,-3 2 0,3-2 0,0 4 0,0-3 0,0 3 0,3-4 0,0 1 0,1-1 0,1 0 0,-1-2 0,2 2 0,-1-2 0,-1 0 0,3-1 0,-3 1 0,5-5 0,-1 4 0,-2-2 0,5 1 0,-3 3 0,1-3 0,1 2 0,-3-3 0,3 0 0,-1 0 0,-3-2 0,4 4 0,-6-6 0,4 6 0,-4-5 0,1 3 0,-4 1 0,2-1 0,-2 0 0,-1 0 0,3 2 0,-2-1 0,2 1 0,0-2 0,-1 3 0,-6 6 0,3-2 0,-3 3 0,6-6 0,0 3 0,-2-1 0,-1 7 0,1-7 0,-4 4 0,-5 8 0,7-11 0,-3 8 0,11-12 0,0-3 0,2 3 0,-2-3 0,2 0 0,-2 0 0,0 0 0,2 0 0,-2 0 0,0 3 0,-1-3 0,-1 5 0,2-2 0,-3 2 0,2 1 0,-3-1 0,1 0 0,-4 4 0,4-3 0,-3 3 0,5-3 0,-3-1 0,2 4 0,-1 1 0,-1 4 0,-2 6 0,0-5 0,-8 8 0,8-8 0,-7 1 0,3 4 0,2-4 0,-1 4 0,4-6 0,0 6 0,3 2 0,-3 0 0,1 4 0,0-14 0,1 13 0,-1-13 0,1 8 0,-1-6 0,3 0 0,-1 6 0,-3-5 0,1 12 0,0-12 0,5 5 0,-3 1 0,6 0 0,-6 8 0,6-1 0,-7 0 0,4 0 0,-1 0 0,-2 1 0,2-1 0,0 0 0,-2 0 0,6-6 0,-3 5 0,4-12 0,0 12 0,0-5 0,0-1 0,0 0 0,0-1 0,0-5 0,0 12 0,0-12 0,0 12 0,0-6 0,0 14 0,0-5 0,0 5 0,0-7 0,0 0 0,0 0 0,0-6 0,3-2 0,-2 0 0,4-4 0,1 23 0,7 6 0,-3-6 0,3 1 0,-6-20 0,0-5 0,-3 5 0,1-6 0,-4 0 0,5 0 0,-6-4 0,3-1 0,0 0 0,0 1 0,3 0 0,0 2 0,-1-5 0,1 5 0,0-5 0,-1-1 0,0-1 0,-2-4 0,-1 1 0,-2-2 0,3 0 0,-3 0 0,5 1 0,-5-1 0,3 0 0,-10 0 0,3 0 0,-6 0 0,5 2 0,-1-1 0,1 4 0,-2-4 0,1 3 0,-4-3 0,4 4 0,-3-2 0,3 0 0,-6 6 0,5-5 0,-6 10 0,7-8 0,-5 7 0,4-3 0,-7 10 0,4-5 0,-6 12 0,1-5 0,-2 6 0,1 0 0,-1 0 0,4 7 0,0 1 0,8 7 0,-4 0 0,8-1 0,-7-5 0,3 4 0,-8-5 0,2 7 0,-6-7 0,2 5 0,-9 15 0,8-15 0,0 13 0,12-26 0,4 0 0,0 0 0,3-6 0,-3-2 0,6-6 0,-6-4 0,5-3 0,-4-3 0,1-3 0,-2 1 0,0 1 0,0-2 0,0 1 0,3 0 0,-3 1 0,5 3 0,-3-1 0,4 0 0,-1-2 0,0 2 0,0-4 0,0 1 0,0-4 0,0 1 0,0-3 0,0 3 0,-2-1 0,2 2 0,-2 3 0,2-5 0,-3 6 0,3-5 0,-4 3 0,3-2 0,-1 0 0,2 0 0,2 1 0,-1-1 0,2 0 0,-3 0 0,0 0 0,0 0 0,-2 0 0,3 5 0,0-4 0,2 4 0,-1-3 0,1-3 0,-2 5 0,1-6 0,-2 4 0,2-1 0,-3-1 0,5 0 0,-6 2 0,5 1 0,-1 0 0,-1 2 0,4-5 0,-5 3 0,3-3 0,-3-2 0,-2 1 0,1-1 0,1 2 0,-1 0 0,3 0 0,-2 1 0,0-1 0,3-2 0,-3 1 0,0-3 0,2 3 0,-1-3 0,1 3 0,-1-3 0,1 3 0,1-1 0,2 2 0,0 0 0,5 1 0,12 10 0,-8-8 0,7 7 0,-15-10 0,-1 1 0,-2-1 0,2-3 0,-2 3 0,2-2 0,0 0 0,4 2 0,1-5 0,0 3 0,3 0 0,-7-2 0,1 1 0,-2-2 0,-5 0 0,5 0 0,-4 0 0,1 0 0,-2 3 0,0-3 0,1 2 0,1-2 0,5 0 0,-2 0 0,2 5 0,-7 1 0,3 8 0,1 1 0,3 0 0,-3 3 0,-1-3 0,0-1 0,-1 4 0,0-6 0,-1 5 0,1 5 0,-1-2 0,3 12 0,2-5 0,-2 6 0,3 0 0,-5-6 0,1 4 0,-4-10 0,3 10 0,-6-10 0,3 0 0,-4-3 0,0-7 0,0 13 0,3-7 0,-3 8 0,8-6 0,-2 6 0,4 2 0,-3 0 0,0-2 0,-1-10 0,-1-1 0,3-4 0,0 1 0,0-1 0,-1-2 0,1 1 0,-3-3 0,3 2 0,-1-1 0,-3-1 0,8 4 0,-7-1 0,6 0 0,-4-2 0,1 0 0,0-3 0,2 5 0,-2-6 0,2 5 0,1-1 0,-3-1 0,5 4 0,-4-4 0,17 13 0,-8-8 0,5 3 0,-9-6 0,0-5 0,-5 0 0,2 0 0,-6-1 0,3-1 0,-3 1 0,5 0 0,-2-1 0,2 4 0,1-3 0,-1 3 0,4 1 0,-3-3 0,14 3 0,-15-2 0,20 4 0,-19-5 0,13 3 0,-15-5 0,4 2 0,-1-3 0,-1 0 0,14 0 0,-9 0 0,6 0 0,15 0 0,-18 0 0,32 0 0,-32 0 0,18 0 0,-27 0 0,20 0 0,-19 0 0,26 0 0,-23 0 0,17 0 0,3-5 0,-10 4 0,27-8 0,-33 8 0,19-3 0,-24 1 0,18 3 0,-18-5 0,11 5 0,4-7 0,-6 3 0,35-1 0,-32 0 0,39-1 0,-41 0 0,28-4 0,-29 3 0,10 0 0,-7-1 0,-8 2 0,13-5 0,-19 7 0,13-9 0,-18 11 0,8-3 0,-11 2 0,2 5 0,-3 3 0,1 4 0,0 5 0,-1-3 0,0-1 0,-1-2 0,3-1 0,-3-1 0,3 1 0,-3 1 0,3-3 0,-3 3 0,1-3 0,-2 0 0,0 0 0,0 0 0,0 3 0,0-3 0,0 3 0,3 3 0,-2-5 0,1 6 0,-2-5 0,3 1 0,-3 5 0,5-3 0,-5 3 0,3-5 0,-3-1 0,2 5 0,-1-6 0,4 5 0,-2-3 0,2-3 0,0 3 0,0-1 0,0-1 0,-2 1 0,2 1 0,-5 0 0,5 2 0,-2 0 0,2-2 0,0 2 0,-2-4 0,2 7 0,-5-4 0,5 3 0,0 8 0,0-10 0,2 11 0,-5-13 0,4 12 0,-2-10 0,2 8 0,-1-8 0,1 2 0,-1-3 0,1 4 0,-1-5 0,5 13 0,-4-9 0,7 9 0,-6-1 0,1-7 0,-2 8 0,-1-11 0,0-2 0,5 12 0,-3-12 0,3 12 0,-3-14 0,10 16 0,-7-14 0,7 15 0,-2-9 0,-5-2 0,6 2 0,-11-4 0,12 5 0,-8-6 0,6 5 0,-6-6 0,-1-3 0,0 3 0,0-5 0,-5 1 0,1-3 0,1 3 0,1-1 0,1 0 0,-2-1 0,3 0 0,-3 1 0,5 0 0,-4 2 0,7-5 0,-4 5 0,5-3 0,-4 4 0,-2-1 0,2-3 0,-4 3 0,1-4 0,-2 3 0,0-1 0,1 0 0,-1 1 0,2-1 0,-1 2 0,3-2 0,-3-1 0,4 1 0,-5-3 0,3 5 0,-3-5 0,2 3 0,-1-1 0,1-2 0,-1 5 0,-1-5 0,0 5 0,0-2 0,2 2 0,-1 0 0,1-2 0,-2 1 0,1-1 0,-1 0 0,0 2 0,0-5 0,0 5 0,2-3 0,1 4 0,3-1 0,-3-2 0,1 1 0,-1-3 0,0 1 0,0 0 0,-1-1 0,-1 1 0,3-2 0,3 6 0,-3-3 0,5 6 0,-6-4 0,2 0 0,0 2 0,0-1 0,3 1 0,-2-4 0,-1 2 0,-3-5 0,-2 2 0,1 1 0,-1-3 0,2 5 0,1-2 0,0 2 0,2-2 0,-7 1 0,4-3 0,-20 3 0,9-3 0,-13 1 0,12-2 0,0 0 0,0 0 0,0 2 0,0-1 0,-1 1 0,1-2 0,0 0 0,0 0 0,0 0 0,-1 0 0,1 2 0,0-1 0,0 3 0,0-1 0,-1 2 0,1-2 0,0 2 0,0-5 0,-3 5 0,3 0 0,-5 1 0,2 1 0,-3-2 0,1 3 0,0-3 0,-1 3 0,1-1 0,0-1 0,-1 1 0,-3 2 0,-1-3 0,0 5 0,-3-5 0,3 5 0,0-4 0,-3 4 0,3-4 0,0 3 0,-12 0 0,14-2 0,-9 3 0,11-6 0,-3 3 0,3-3 0,-3 3 0,3 0 0,1 0 0,-1 2 0,1-4 0,0 3 0,-1-3 0,1 1 0,0-1 0,1-1 0,2 0 0,2-2 0,0 1 0,-1-1 0,4 2 0,-3 0 0,2-2 0,-2 4 0,0-1 0,-1 2 0,1-1 0,-2-2 0,1 2 0,-1-1 0,-1 1 0,-1 5 0,1-6 0,-1 5 0,4-5 0,0-1 0,0 0 0,-1 0 0,1 0 0,0-2 0,0 1 0,0-3 0,-1 3 0,-1 2 0,1-1 0,-4 3 0,5-1 0,-5 1 0,4 0 0,-1 2 0,1-5 0,4 3 0,-3-6 0,2 3 0,-2 0 0,0 1 0,-1 3 0,4-3 0,-3-1 0,2 2 0,-2-3 0,0 3 0,-3 0 0,2 1 0,-3 3 0,0 3 0,0-3 0,-2 7 0,2-7 0,-5 11 0,2-9 0,1 3 0,1-6 0,5-2 0,-3 0 0,1 1 0,1-1 0,-5 6 0,5-5 0,-2 5 0,5-6 0,-2 2 0,2-2 0,0-1 0,1-1 0,0-1 0,1 0 0,-1 0 0,2 0 0,0 0 0,0 0 0,0 0 0,0 0 0,-7-2 0,5 2 0,-7-5 0,6 2 0,-2-2 0,-5 0 0,4 3 0,-6-3 0,6 5 0,-4-5 0,4 7 0,-4-3 0,2 3 0,-2-2 0,2 0 0,-2 0 0,4 3 0,-1-3 0,-1 3 0,3-1 0,-3 1 0,1 0 0,1 2 0,-4-4 0,4 3 0,-4-1 0,5 0 0,-5 2 0,4-2 0,-4 2 0,2-2 0,-2 2 0,0-2 0,-1 2 0,1 0 0,-1 1 0,-3-3 0,5 2 0,-4-1 0,4 5 0,0-3 0,-1 3 0,4-4 0,-4-2 0,4 2 0,-4-2 0,5 0 0,-3 1 0,3-1 0,-3 0 0,3 2 0,-3-4 0,3 4 0,0-5 0,0 3 0,-1-1 0,1-4 0,0 4 0,0-2 0,0 1 0,0 4 0,-1-5 0,-1 3 0,1-1 0,-4 1 0,5 0 0,-3 2 0,-8 15 0,9-11 0,-11 13 0,11-13 0,-3 1 0,3 4 0,-5-1 0,0 8 0,-15 15 0,9-11 0,-5 10 0,11-21 0,5-1 0,-2 1 0,5-4 0,1 3 0,1-3 0,1 4 0,-4-7 0,2 2 0,0-6 0,-2 2 0,3-2 0,-1 2 0,0-2 0,1 2 0,1 0 0,-1 1 0,2-1 0,0-2 0,0 2 0,0-5 0,0 3 0,0-1 0,2 1 0,-1 0 0,4 2 0,-3-2 0,1 2 0,2 0 0,-5 1 0,5-1 0,-5 0 0,5 4 0,-4-3 0,2 1 0,-3-2 0,2-4 0,-1 3 0,3-1 0,1 0 0,1 2 0,1-2 0,-1 0 0,-1-1 0,-3 1 0,3-3 0,-4 3 0,1-3 0,0 2 0,1-1 0,0 1 0,1 1 0,-1 0 0,2 0 0,0 1 0,-2-3 0,2 2 0,-2-3 0,2 0 0,0 0 0,0-2 0,0 1 0,0-1 0,0 0 0,0 1 0,0-3 0,0 3 0,-4 4 0,-2 4 0,-7 2 0,2-3 0,1-3 0,0-1 0,2 1 0,-4 2 0,-2 5 0,0-4 0,1 3 0,2 0 0,0 1 0,0 4 0,0-4 0,0 2 0,0-2 0,1 0 0,-4 3 0,-1-3 0,3 0 0,-6 9 0,8-1 0,-6 0 0,4 2 0,0-4 0,1-4 0,2 13 0,-2-7 0,1 17 0,-2-15 0,2 12 0,3-24 0,-3 24 0,4-6 0,-3 0 0,4 12 0,0-18 0,0 21 0,0-17 0,0 15 0,0-3 0,-3-4 0,3 20 0,-3-14 0,3-4 0,4 11 0,1-19 0,1 0 0,2 13 0,-3-20 0,3 10 0,-4-9 0,2 0 0,-2-5 0,3 2 0,2-4 0,-3-3 0,2 0 0,7 5 0,-5-4 0,5 2 0,-3-1 0,3 1 0,-5-5 0,9 14 0,-10-17 0,4 11 0,-2-7 0,3-2 0,-1 2 0,-2-5 0,-3 1 0,-3-4 0,2 1 0,1 1 0,0-3 0,2 3 0,-4-3 0,3 2 0,-1 1 0,0-2 0,2 3 0,-4-6 0,7 5 0,0 1 0,6-2 0,12 3 0,10-2 0,9-2 0,30 4 0,-26-9 0,45 9 0,-19-3 0,-7-1 0,18 4 0,-25-8 0,18 12 0,-26-11 0,12 11 0,-32-8 0,16 0 0,-1 3 0,-4-4 0,-6 1 0,14-1 0,-20-1 0,4-3 0,-9 3 0,-17-4 0,-4 0 0,-3 0 0,-3 0 0,0 5 0,0-2 0,-2 4 0,1-2 0,-1 5 0,2-1 0,0 1 0,0-3 0,1 1 0,-1 0 0,0 0 0,0-1 0,0 0 0,0-1 0,0 4 0,-2-5 0,4 3 0,-6-3 0,6 0 0,-4 0 0,2 0 0,2 3 0,-1-5 0,1 4 0,-2-4 0,3 4 0,0 1 0,0 0 0,5 3 0,-6-5 0,4 2 0,-6-3 0,2 3 0,-1 0 0,4 0 0,10 14 0,-6-14 0,8 12 0,-12-12 0,5 1 0,-4-1 0,3 0 0,-4-3 0,4 4 0,-5-3 0,5 2 0,-6-5 0,2 4 0,0-6 0,-2 6 0,12 1 0,-10-2 0,11 4 0,-11-5 0,17 2 0,-12-1 0,15-1 0,-18-1 0,25-3 0,-21 3 0,21-3 0,-9 5 0,0-5 0,5 3 0,-1 0 0,27 2 0,-11 3 0,25 2 0,7 5 0,-31-6 0,17 5 0,-16-6 0,-24-5 0,37 1 0,-43-3 0,14-1 0,-8 1 0,-11-2 0,35-5 0,-30 4 0,43-4 0,-37 5 0,44-4 0,-45 2 0,32-7 0,-35 8 0,6-3 0,-10 1 0,-7 0 0,7-3 0,-9 3 0,8-5 0,-8 6 0,9-9 0,-9 10 0,4-7 0,-1 4 0,-3-1 0,8-1 0,-10 1 0,10-4 0,-10 3 0,10-6 0,-8 6 0,9-6 0,-7 6 0,3-2 0,6-3 0,-7 5 0,12-8 0,-17 8 0,18-13 0,-17 9 0,11-6 0,-6 0 0,-5 8 0,16-20 0,-12 16 0,12-17 0,-14 20 0,13-14 0,-12 13 0,2-7 0,2 0 0,-6 5 0,8-8 0,-10 8 0,4-6 0,-6 7 0,5-7 0,-5 7 0,3-3 0,6-9 0,-7 9 0,18-21 0,-19 22 0,10-20 0,-9 20 0,0-11 0,0 9 0,-5-1 0,7-8 0,-8 11 0,13-18 0,-11 19 0,12-26 0,-11 24 0,5-13 0,-2 6 0,-4 8 0,11-18 0,-13 19 0,8-13 0,-9 14 0,4-7 0,-4 9 0,5-8 0,-6 8 0,3-3 0,-3-2 0,0 5 0,0-9 0,0 7 0,0-7 0,0 9 0,0-15 0,0 16 0,0-12 0,0 8 0,0 1 0,0-7 0,0 7 0,0-14 0,0 15 0,-3-14 0,2 15 0,-4-5 0,5 6 0,-5 0 0,5 1 0,-3 1 0,3-4 0,0 2 0,0 0 0,-2-2 0,1 4 0,-1-3 0,2 3 0,0-2 0,0 3 0,9 11 0,-2-1 0,8 8 0,-5-6 0,0-2 0,1 2 0,3 2 0,1 0 0,10 5 0,2-6 0,6 8 0,-6-8 0,4 7 0,-10-7 0,4 5 0,-6-6 0,-1 2 0,-3-3 0,3 0 0,-3 0 0,4 0 0,-4-3 0,-1 2 0,0-4 0,1 1 0,4-2 0,-4 0 0,9 0 0,-1 0 0,4 0 0,-2 0 0,-6 0 0,6 0 0,-5-3 0,12 3 0,-12-3 0,12 3 0,-12 0 0,12-4 0,-12 3 0,12-6 0,-5 6 0,12-3 0,-4 0 0,11 3 0,-4-7 0,-8 7 0,-2-3 0,-13 4 0,-1 0 0,-3 0 0,0 0 0,-8 0 0,1 0 0,-3-2 0,2 1 0,1-3 0,3 1 0,-1-2 0,0-1 0,1 1 0,-1 0 0,4-1 0,1 0 0,4-3 0,-1 2 0,1-2 0,0 0 0,-4 5 0,-1-6 0,-4 6 0,0-3 0,1-1 0,-1 3 0,0-5 0,1 2 0,3-1 0,1-2 0,0 3 0,9-7 0,-8 3 0,16-4 0,1-4 0,2 2 0,-2-2 0,-1 4 0,-9-3 0,-1 4 0,-5-2 0,-7 7 0,-2 0 0,2-1 0,-4-3 0,5-1 0,-2 0 0,8-6 0,-4 6 0,11-10 0,-10 6 0,4-3 0,-6 3 0,0 4 0,8-22 0,-4 11 0,2-14 0,-4 15 0,-8 6 0,6 0 0,-4-6 0,4 4 0,-4-4 0,4 6 0,-5-6 0,4-2 0,1-6 0,-7-7 0,7-8 0,-11-1 0,8-6 0,-4 8 0,0-1 0,0 0 0,-5 7 0,0 1 0,0 7 0,-5-14 0,0 11 0,-3-4 0,-6-4 0,7 24 0,-3-14 0,5 26 0,5-2 0,-3 5 0,1-3 0,2 3 0,-3 0 0,20 10 0,2 2 0,10 6 0,0 0 0,-9-3 0,4-1 0,-9-3 0,-1-1 0,-4-4 0,9 4 0,-3-5 0,7 3 0,2-3 0,-4-3 0,4 0 0,-7-3 0,1-3 0,6 1 0,-4-4 0,0 4 0,-3-4 0,-3 3 0,4-1 0,6-3 0,4-5 0,5 0 0,1-4 0,-8 10 0,-6 0 0,-3 5 0,-7-1 0,3 3 0,-3-1 0,-1 1 0,0 0 0,4-1 0,-3 1 0,4-1 0,-5 1 0,0 0 0,0 0 0,1 0 0,-1-1 0,0-1 0,1-1 0,-3-3 0,1 1 0,-3 2 0,7-3 0,0 2 0,9-9 0,0-2 0,9-6 0,-5 0 0,6-6 0,0 4 0,-10-1 0,2 6 0,-6 1 0,-7 6 0,11-7 0,0 3 0,11-11 0,5 1 0,0-7 0,4 7 0,-3-7 0,4 3 0,-5-4 0,-4-1 0,3 1 0,-15 9 0,4-5 0,-13 13 0,-2 0 0,1 3 0,-6 3 0,8-11 0,-7 10 0,3-9 0,-4 10 0,0 0 0,0-3 0,-1 7 0,1-7 0,2 3 0,-1 0 0,3-9 0,-5 13 0,-1-19 0,1 15 0,-2-6 0,3 3 0,-3 3 0,4-10 0,-6 4 0,5-4 0,-2 6 0,3-6 0,-4 10 0,4-8 0,-4 10 0,1-2 0,1 1 0,-5 3 0,5 3 0,-5-2 0,3 5 0,-3-5 0,0 4 0,2-1 0,-2 1 0,3 1 0,4 5 0,5 9 0,19 4 0,-10 3 0,10-4 0,-20-7 0,36 12 0,-28-11 0,28 10 0,-25-8 0,-2 0 0,-1 0 0,13 2 0,-15-6 0,10 4 0,-10-5 0,-8-3 0,11 0 0,-3-2 0,0 1 0,-4-1 0,-4 2 0,-3-2 0,1 1 0,1-1 0,-5 0 0,4 1 0,-4-4 0,4 2 0,-3-2 0,3 2 0,1-4 0,-1 5 0,17-11 0,-16 9 0,22-11 0,-22 10 0,16-8 0,-17 10 0,6-6 0,-5 2 0,0 1 0,2-4 0,-5 4 0,12-10 0,-10 9 0,9-7 0,-1 0 0,-3 4 0,4-5 0,7-7 0,-10 13 0,18-25 0,-18 25 0,5-13 0,0 1 0,-5 8 0,17-22 0,-12 20 0,5-8 0,4 4 0,-14 9 0,22-21 0,-24 20 0,9-9 0,-6 3 0,-7 8 0,10-12 0,-11 12 0,5-4 0,5-8 0,-6 8 0,20-23 0,-21 23 0,13-10 0,-6 1 0,-6 8 0,11-19 0,-15 22 0,4-9 0,1 2 0,-5 5 0,2-7 0,7-7 0,-7 12 0,19-35 0,-13 30 0,4-18 0,1 6 0,-11 14 0,14-26 0,-15 26 0,2-14 0,-2 1 0,-3 9 0,5-29 0,-2 27 0,1-14 0,4 0 0,-4 14 0,2-21 0,-3 12 0,-3 5 0,1-23 0,0 27 0,-4-14 0,2 0 0,-3 14 0,0-40 0,0 39 0,0-26 0,-5 11 0,4 10 0,-8-27 0,5 37 0,-1-14 0,3 20 0,-1 3 0,3-3 0,-2 6 0,-1-2 0,0-2 0,-2 3 0,-4-8 0,5 10 0,-4-7 0,5 3 0,-3 2 0,1-5 0,-1 2 0,3 3 0,-3-8 0,3 10 0,0-6 0,-4 7 0,6-2 0,-6 3 0,7 0 0,-5 0 0,4-1 0,-1 1 0,0 0 0,1 0 0,-1-3 0,4 0 0,-1 0 0,1-2 0,0 5 0,-1-3 0,1 1 0,-2 1 0,2-4 0,-1 2 0,1-2 0,-2 2 0,0-6 0,0 5 0,0-9 0,0 7 0,3-7 0,-2 7 0,4-7 0,-4 9 0,4-9 0,-4 12 0,2-12 0,-3 9 0,2-9 0,-1 9 0,6-14 0,-7 12 0,4-20 0,-4 21 0,4-21 0,-3 21 0,2-21 0,-3 20 0,0-19 0,0 22 0,0-16 0,0 15 0,0-9 0,0 9 0,0-4 0,0 7 0,0-2 0,0 1 0,0 1 0,0-4 0,0 5 0,-2-5 0,2 4 0,-3-1 0,3-1 0,0 2 0,0-1 0,0-1 0,0-4 0,-2 1 0,1-3 0,-1 0 0,0 3 0,1-1 0,-1-8 0,2 9 0,0-7 0,-3 4 0,2 5 0,-1-5 0,2 0 0,-3 3 0,3-3 0,-5 5 0,2-4 0,0 4 0,-2-5 0,2 3 0,0 1 0,-2 2 0,2-2 0,0 4 0,-1 1 0,3 1 0,-3 1 0,1-5 0,0 2 0,-4-3 0,6 3 0,-6-2 0,4 1 0,-2-1 0,0 0 0,2 0 0,-2 3 0,5 0 0,-5 0 0,2-1 0,-2 1 0,0 0 0,-11-15 0,8 11 0,-10-13 0,13 14 0,-3 0 0,3 1 0,0 1 0,2 1 0,-2 2 0,2-4 0,-2 4 0,-2-5 0,1 3 0,-2 0 0,1 2 0,-1-4 0,-3 4 0,1-5 0,0 3 0,2 0 0,-2 2 0,4-2 0,-4 5 0,5-5 0,-3 5 0,1-5 0,1 4 0,-4-1 0,4 0 0,-4 1 0,5-1 0,-5 0 0,2 1 0,-3-4 0,1 5 0,2-5 0,0 5 0,3-3 0,0 1 0,0 2 0,0-3 0,0 3 0,-1 0 0,1 0 0,-2 0 0,-1 0 0,-3 0 0,1 0 0,-4 0 0,-1 0 0,-30 0 0,20 0 0,-20 0 0,26 0 0,0-3 0,1 3 0,-8-3 0,10 3 0,-9 0 0,10 0 0,-4 0 0,4 0 0,1 0 0,8-2 0,4-8 0,3 3 0,1-7 0,0 5 0,-1-1 0,1 0 0,-2 2 0,0-2 0,0 2 0,0 0 0,0 0 0,0 3 0,0 0 0,0 0 0,2-1 0,-1-1 0,1 1 0,0-4 0,-1 5 0,1-5 0,-2 2 0,0-3 0,0-3 0,0 5 0,0-4 0,0 5 0,0-3 0,0-3 0,0 5 0,0-5 0,0 3 0,0 2 0,0-9 0,0 12 0,0-8 0,0 2 0,-2 3 0,1-15 0,-3 16 0,3-12 0,-9 2 0,9 5 0,-11-18 0,9 18 0,-1-7 0,-2-1 0,3 8 0,-4-11 0,1 13 0,1-4 0,-1 1 0,3 3 0,-2-1 0,1-8 0,0 12 0,-7-22 0,9 21 0,-7-11 0,2 8 0,1 1 0,-11-10 0,10 9 0,-5-2 0,5 4 0,6 4 0,-6-1 0,4 2 0,0-1 0,-1 1 0,1 2 0,-2-4 0,-7 4 0,8-7 0,-9 6 0,10-3 0,-3 4 0,-1-2 0,4 2 0,-5-2 0,3 5 0,2-5 0,-4 2 0,2-2 0,-3 0 0,0 0 0,3-1 0,-3 1 0,3 2 0,-3-1 0,3 3 0,2-4 0,-4 5 0,4-5 0,-7 2 0,4-2 0,-4 0 0,2-2 0,-6-3 0,-1 2 0,-4-4 0,-6 0 0,-2-3 0,-6-1 0,6 1 0,-5-1 0,5 5 0,-6-5 0,6 7 0,-5-2 0,16 7 0,-9-3 0,10 7 0,-4-3 0,7 3 0,-2 0 0,6 0 0,-2 0 0,-1 0 0,1 0 0,0 0 0,1 0 0,-11 0 0,6 0 0,-11 3 0,10 0 0,1 0 0,3 1 0,-3-3 0,3 4 0,-3-5 0,6 2 0,-2 1 0,2-1 0,-6 1 0,2 2 0,-6-2 0,3 3 0,-4 0 0,1 0 0,-1 0 0,0 1 0,4-4 0,1 2 0,6-4 0,0 1 0,5 0 0,-4-1 0,4-1 0,-5-3 0,5-2 0,-1 2 0,1-2 0,-2 2 0,2-2 0,-2-6 0,2 4 0,-3-6 0,1 4 0,0 1 0,-9-8 0,6 6 0,-6-7 0,7 9 0,-2-5 0,0 6 0,1-4 0,5 6 0,-4 0 0,0-7 0,-5 3 0,2-3 0,-2 3 0,6 3 0,-1-2 0,1 1 0,1 1 0,-6-5 0,4 3 0,-6-1 0,7-1 0,-10-4 0,6 4 0,-7-6 0,7 10 0,-1-2 0,-12-7 0,10 7 0,-10-8 0,9 8 0,-20-5 0,10 2 0,-10-1 0,20 6 0,-7 3 0,8 1 0,-8 2 0,7 0 0,3-2 0,-26 1 0,17-1 0,-18 2 0,19 0 0,-19 0 0,14 0 0,-14 0 0,19 0 0,4 0 0,-16 4 0,17-3 0,-13 6 0,19-7 0,-2 5 0,-2-2 0,1 0 0,-3 2 0,6-2 0,-12 3 0,11 0 0,-11 0 0,12-3 0,-6 2 0,3-2 0,-3 3 0,5-1 0,2-2 0,-11 6 0,10-5 0,-12 7 0,12-6 0,-6 3 0,2-2 0,-2 2 0,6 0 0,-2-3 0,-1 6 0,-1-5 0,-2 2 0,4-3 0,-1 3 0,1-5 0,2 4 0,0-4 0,1 2 0,1 0 0,-1 0 0,-1 0 0,2 3 0,-7 1 0,4-1 0,-3 0 0,2-3 0,-2 4 0,1-3 0,-1 2 0,2-3 0,2 0 0,-9 9 0,8-7 0,-8 10 0,12-12 0,-5 5 0,-2-1 0,3 2 0,-5-2 0,6-2 0,-3 4 0,0-4 0,0 6 0,1-7 0,-7 10 0,5-9 0,-5 10 0,7-9 0,-1 2 0,-12 13 0,10-12 0,-16 17 0,17-20 0,-12 14 0,12-12 0,-2 4 0,6-6 0,3-3 0,0 0 0,2-18 0,-2 4 0,4-17 0,-2 7 0,3 6 0,0-4 0,-2 4 0,1-6 0,-4 4 0,4 1 0,-1 0 0,2 5 0,0-5 0,0 6 0,0-6 0,0-1 0,0-4 0,0 6 0,0-4 0,-3 4 0,2-6 0,-1 1 0,-1-1 0,2 6 0,-2-4 0,3 8 0,-2-9 0,1 3 0,-2-4 0,3 4 0,0 3 0,0-2 0,0 2 0,-3-7 0,3 0 0,-6 0 0,5 4 0,-4 1 0,1-7 0,-2 5 0,-1-10 0,0 7 0,4 7 0,-7-12 0,5 10 0,-9-12 0,7 7 0,-1 4 0,-1-3 0,-2-3 0,-2 0 0,-7-7 0,4 2 0,1 9 0,4-6 0,6 16 0,-3-7 0,1 3 0,0 4 0,-1-6 0,2 7 0,-1-2 0,1-2 0,-1 2 0,1 0 0,-4 1 0,7 1 0,-6-1 0,3 1 0,-2-1 0,-2 1 0,7 1 0,-7 0 0,5 0 0,-4 2 0,2-2 0,2 2 0,0-2 0,-1 2 0,1-1 0,0 1 0,0 0 0,0-2 0,-1 3 0,1-1 0,0-2 0,-6 2 0,2-3 0,-3 1 0,2-1 0,4 1 0,-14-1 0,12 2 0,-12-2 0,12 4 0,0-1 0,-12-7 0,9 6 0,-7-6 0,5 4 0,4 1 0,-6-1 0,-5-4 0,9 3 0,-9-1 0,14 6 0,1 0 0,-2 1 0,4-1 0,-7-1 0,4 3 0,-3-5 0,-3 2 0,3-3 0,-3 3 0,7-2 0,0 5 0,0-2 0,-3-1 0,0 0 0,0 1 0,-2-1 0,2 1 0,-2 1 0,-17-5 0,12 2 0,-12-3 0,13 4 0,3-1 0,-3 3 0,6-3 0,-12-1 0,9 0 0,-7-2 0,8 4 0,0-1 0,1 3 0,-7-7 0,7 7 0,-5-7 0,6 5 0,0 0 0,1 1 0,-5-1 0,1 0 0,-7 0 0,7 0 0,-4 1 0,5-1 0,0 0 0,-17-3 0,12 2 0,-12 0 0,13-2 0,-1 3 0,2-1 0,-17-3 0,18 6 0,-19-6 0,20 7 0,-3-3 0,-1 0 0,-13 2 0,6-1 0,-16-2 0,22 3 0,-9-3 0,16 4 0,-4 0 0,1 0 0,0 0 0,-2 0 0,6-2 0,-2 1 0,2-1 0,-12 2 0,9 0 0,-4-2 0,13 1 0,2-1 0</inkml:trace>
+</inkml:ink>
+</file>
+
+<file path=ppt/ink/ink48.xml><?xml version="1.0" encoding="utf-8"?>
+<inkml:ink xmlns:inkml="http://www.w3.org/2003/InkML">
+  <inkml:definitions>
+    <inkml:context xml:id="ctx0">
+      <inkml:inkSource xml:id="inkSrc0">
+        <inkml:traceFormat>
+          <inkml:channel name="X" type="integer" min="-2.14748E9" max="2.14748E9" units="cm"/>
+          <inkml:channel name="Y" type="integer" min="-2.14748E9" max="2.14748E9" units="cm"/>
+          <inkml:channel name="F" type="integer" max="32767" units="dev"/>
+        </inkml:traceFormat>
+        <inkml:channelProperties>
+          <inkml:channelProperty channel="X" name="resolution" value="1000" units="1/cm"/>
+          <inkml:channelProperty channel="Y" name="resolution" value="1000" units="1/cm"/>
+          <inkml:channelProperty channel="F" name="resolution" value="0" units="1/dev"/>
+        </inkml:channelProperties>
+      </inkml:inkSource>
+      <inkml:timestamp xml:id="ts0" timeString="2026-01-27T07:41:14.396"/>
+    </inkml:context>
+    <inkml:brush xml:id="br0">
+      <inkml:brushProperty name="width" value="0.2" units="cm"/>
+      <inkml:brushProperty name="height" value="1.2" units="cm"/>
+      <inkml:brushProperty name="color" value="#FFFFFF"/>
+      <inkml:brushProperty name="inkEffects" value="pencil"/>
+    </inkml:brush>
+  </inkml:definitions>
+  <inkml:trace contextRef="#ctx0" brushRef="#br0">169 1 16383,'-2'14'0,"-3"-2"0,4-7 0,-3 0 0,3 0 0,-3 2 0,1-1 0,0 4 0,-2-2 0,2 2 0,0-2 0,1-1 0,0-2 0,1 0 0,-6 3 0,4-2 0,-5 3 0,3-3 0,0 4 0,0-5 0,0 5 0,2-2 0,-4 2 0,6 1 0,-7 3 0,2 1 0,-1 0 0,-1-1 0,1-6 0,3 1 0,-3-3 0,4 1 0,0-2 0,-1 1 0,3 1 0,-1-1 0,0 1 0,1-2 0,-1 0 0,-1 3 0,3-3 0,-5 3 0,5-3 0,-5 0 0,4 2 0,-1-1 0,2 1 0,0-1 0</inkml:trace>
+</inkml:ink>
+</file>
+
+<file path=ppt/ink/ink49.xml><?xml version="1.0" encoding="utf-8"?>
+<inkml:ink xmlns:inkml="http://www.w3.org/2003/InkML">
+  <inkml:definitions>
+    <inkml:context xml:id="ctx0">
+      <inkml:inkSource xml:id="inkSrc0">
+        <inkml:traceFormat>
+          <inkml:channel name="X" type="integer" min="-2.14748E9" max="2.14748E9" units="cm"/>
+          <inkml:channel name="Y" type="integer" min="-2.14748E9" max="2.14748E9" units="cm"/>
+          <inkml:channel name="F" type="integer" max="32767" units="dev"/>
+        </inkml:traceFormat>
+        <inkml:channelProperties>
+          <inkml:channelProperty channel="X" name="resolution" value="1000" units="1/cm"/>
+          <inkml:channelProperty channel="Y" name="resolution" value="1000" units="1/cm"/>
+          <inkml:channelProperty channel="F" name="resolution" value="0" units="1/dev"/>
+        </inkml:channelProperties>
+      </inkml:inkSource>
+      <inkml:timestamp xml:id="ts0" timeString="2026-01-27T07:41:16.324"/>
+    </inkml:context>
+    <inkml:brush xml:id="br0">
+      <inkml:brushProperty name="width" value="0.2" units="cm"/>
+      <inkml:brushProperty name="height" value="1.2" units="cm"/>
+      <inkml:brushProperty name="color" value="#FFFFFF"/>
+      <inkml:brushProperty name="inkEffects" value="pencil"/>
+    </inkml:brush>
+  </inkml:definitions>
+  <inkml:trace contextRef="#ctx0" brushRef="#br0">0 1 16383,'0'0'0</inkml:trace>
 </inkml:ink>
 </file>
 
@@ -277,7 +3258,7 @@
           <inkml:channelProperty channel="F" name="resolution" value="0" units="1/dev"/>
         </inkml:channelProperties>
       </inkml:inkSource>
-      <inkml:timestamp xml:id="ts0" timeString="2026-01-13T08:34:25.392"/>
+      <inkml:timestamp xml:id="ts0" timeString="2026-01-27T07:18:16.869"/>
     </inkml:context>
     <inkml:brush xml:id="br0">
       <inkml:brushProperty name="width" value="0.2" units="cm"/>
@@ -286,7 +3267,297 @@
       <inkml:brushProperty name="inkEffects" value="pencil"/>
     </inkml:brush>
   </inkml:definitions>
-  <inkml:trace contextRef="#ctx0" brushRef="#br0">14571 1 16383,'-17'10'0,"-44"15"0,15-12 0,-39 19 0,-8-5 0,24-6 0,10 0 0,1-1 0,-1-5 0,9 4 0,1 0 0,0-5 0,-42 25 0,51-27 0,-49 20 0,49-21 0,-35 8 0,-10-6 0,35-7 0,-1 1 0,-43 6 0,11 0 0,57-8 0,4 0 0,9-5 0,-27 12 0,-13-4 0,-25 11 0,15-7 0,-4 0 0,7-6 0,-19 12 0,-18-8 0,40 3 0,-2 1 0,-7-6 0,-2 0 0,-4 3 0,0 0 0,0-4 0,0 1 0,-8 2 0,1 2 0,11-1 0,-2 1 0,-22 6 0,2 2 0,25-5 0,4 1 0,-7 2 0,6-1 0,1 1 0,13 3 0,14-10 0,0-1 0,2-2 0,0 3 0,11-5 0,-2 6 0,10-9 0,6 1 0,-6 2 0,3-3 0,0 1 0,0-1 0,4 0 0,-4 0 0,-45 26 0,-32 1 0,41-10 0,-3 1 0,-22 1 0,0 0 0,23-2 0,1 1 0,-20 2 0,2 0 0,-10 11 0,22-14 0,1-1 0,-15 8 0,7-5 0,-2 0 0,-15 6 0,16-8 0,-1 0 0,-32 10 0,27-11 0,0 0 0,-26 8 0,31-9 0,0-1 0,-23 5 0,27-1 0,1 0 0,-24 1 0,6 8 0,31-13 0,-7 5 0,9-1 0,16-9 0,-4 1 0,13-9 0,1 3 0,2-3 0,7 2 0,1-5 0,-8 5 0,-11-5 0,7 3 0,-28 6 0,1-1 0,-1 3 0,-52 7 0,48-11 0,-1 1 0,0 2 0,-3 0 0,-21 3 0,-1 0 0,21-3 0,-1 1 0,-32 6 0,-1 2 0,21-2 0,2 1 0,-9-1 0,4 2 0,-18 19 0,41-21 0,1-1 0,-34 17 0,-6-1 0,16-7 0,23-6 0,3-1 0,-5 2 0,-23 15 0,39-21 0,-19 20 0,16-16 0,-2 16 0,13-15 0,-6 10 0,-9 4 0,-15 9 0,5-4 0,-19 5 0,13-7 0,-28 3 0,4-1 0,33-18 0,-1 0 0,-4 4 0,1-1 0,1-6 0,2 1 0,-40 26 0,20-20 0,16 10 0,19-15 0,-1 5 0,7-2 0,-5-3 0,-7 12 0,-13 5 0,2 1 0,-18 7 0,11-9 0,3 0 0,14-9 0,13-5 0,12-7 0,2-4 0,4-1 0,3-4 0,0 1 0,-1 2 0,-5 2 0,-6 4 0,3 0 0,-17 9 0,-2 2 0,1-3 0,-21 10 0,21-10 0,-5 0 0,-13 17 0,10-8 0,-1 3 0,-24 21 0,13-4 0,5-13 0,-3 3 0,12-7 0,-1 2 0,-19 10 0,-4 0 0,7-8 0,1-1 0,6-1 0,-1 1 0,-20 6 0,-1-2 0,18-10 0,0-3 0,-18 6 0,-2 0 0,6-2 0,1-1 0,7-6 0,3 0 0,7-1 0,2-1 0,-33 17 0,10 2 0,10-10 0,-2 11 0,-15 1 0,13-6 0,-14 7 0,8-2 0,24-18 0,2 0 0,-1-1 0,1 1 0,-22 11 0,37-16 0,12-11 0,5-3 0,3 2 0,0-4 0,4 6 0,-4-4 0,3 4 0,-10 2 0,-3 6 0,-16 13 0,-5 3 0,8-6 0,-4 2 0,22-19 0,-15 17 0,18-19 0,-8 9 0,5-10 0,-1 9 0,-18 8 0,19-9 0,-29 16 0,14-10 0,-3 0 0,-19 17 0,12-15 0,-23 19 0,-6-7 0,23-9 0,-29 16 0,17 7 0,11-14 0,1 0 0,-15 19 0,20-17 0,2 0 0,-3 7 0,-16 14 0,24-21 0,-11 0 0,20-14 0,-22 16 0,14-9 0,2-6 0,1 3 0,-1-3 0,9-2 0,-17 20 0,16-10 0,-20 27 0,4-10 0,6-11 0,-1 10 0,1-8 0,-20 23 0,16-23 0,-11 12 0,9-20 0,1 8 0,0-10 0,15-5 0,1-5 0,6-2 0,-14 9 0,18-16 0,-9 7 0,11-10 0,-3 3 0,0-3 0,5 0 0,0-4 0,4 1 0,-6 2 0,6-2 0,-9 10 0,8-5 0,-9 10 0,3-10 0,0 2 0,-2-5 0,6-2 0,-6 3 0,3-4 0,0-2 0,3 1 0,1-4 0,3 8 0,-4-8 0,1 5 0,-1 0 0,-2-2 0,-2 3 0,1 1 0,1-6 0,2 7 0,3-9 0,1 3 0</inkml:trace>
+  <inkml:trace contextRef="#ctx0" brushRef="#br0">29 134 16383,'0'53'0,"0"4"0,0-11 0,0 16 0,0 9 0,0 6 0,-4 9 0,-2-8 0,1 3 0,-3-16 0,7-3 0,-3-26 0,4-4 0,0-22 0,0-6 0,0-36 0,3 2 0,-2-19 0,3 11 0,-4-29 0,0 25 0,0-29 0,0 26 0,3 8 0,-2-1 0,2 17 0,0-11 0,-2 12 0,6-17 0,-6 4 0,4 8 0,-1-12 0,-1 4 0,0 11 0,-1-6 0,-1 19 0,0-12 0,1 10 0,2-19 0,1 16 0,0-3 0,12-6 0,-10 12 0,10-8 0,-10 8 0,-2 1 0,0 0 0,-3 4 0,0-3 0,1 5 0,-1-5 0,6 9 0,-3-2 0,6 4 0,0 0 0,-1 3 0,1-3 0,-4 0 0,-1-2 0,0 2 0,-1 1 0,1 1 0,-2-2 0,2 2 0,-1-2 0,6 1 0,0 1 0,5-1 0,-4 1 0,0-1 0,-6 1 0,1-2 0,-3 3 0,0-1 0,0 2 0,2 1 0,1-1 0,0 2 0,1-3 0,-4 3 0,3-3 0,-3 1 0,0-2 0,-2 1 0,2-1 0,1 2 0,-1-1 0,1 1 0,-2-2 0,0 0 0,1 0 0,0 1 0,-2-1 0,2 0 0,-1 2 0,1-1 0,2 3 0,-1-3 0,1 3 0,-2-3 0,0 1 0,1-4 0,-1 4 0,-2-3 0,2 3 0,1 3 0,0-2 0,4 5 0,-4-3 0,1-3 0,-2 1 0,0-1 0,-1-2 0,-2 3 0,1-3 0,-1 2 0,3 1 0,1 4 0,0 2 0,5 2 0,-4 1 0,1 0 0,-2-4 0,-1-2 0,1-2 0,-3-3 0,0 1 0,-2 0 0,0 1 0,0 4 0,0 2 0,2 2 0,2 6 0,1-7 0,-2 3 0,-1-8 0,0-3 0,-1 2 0,0-1 0,-1 0 0,0 4 0,0-1 0,0 3 0,0 2 0,0-6 0,0 1 0,0-2 0,0-3 0,0 3 0,0-2 0,3 6 0,-3 0 0,3 4 0,-3 0 0,0-1 0,-3 13 0,0-9 0,-2 9 0,2-13 0,1 1 0,0 0 0,1-1 0,-1 1 0,2-4 0,0-2 0,0-2 0,0-3 0,-2 1 0,1 2 0,-3-3 0,4 5 0,-2-5 0,2 1 0,-2-2 0,2 2 0,-2 1 0</inkml:trace>
+</inkml:ink>
+</file>
+
+<file path=ppt/ink/ink50.xml><?xml version="1.0" encoding="utf-8"?>
+<inkml:ink xmlns:inkml="http://www.w3.org/2003/InkML">
+  <inkml:definitions>
+    <inkml:context xml:id="ctx0">
+      <inkml:inkSource xml:id="inkSrc0">
+        <inkml:traceFormat>
+          <inkml:channel name="X" type="integer" min="-2.14748E9" max="2.14748E9" units="cm"/>
+          <inkml:channel name="Y" type="integer" min="-2.14748E9" max="2.14748E9" units="cm"/>
+          <inkml:channel name="F" type="integer" max="32767" units="dev"/>
+        </inkml:traceFormat>
+        <inkml:channelProperties>
+          <inkml:channelProperty channel="X" name="resolution" value="1000" units="1/cm"/>
+          <inkml:channelProperty channel="Y" name="resolution" value="1000" units="1/cm"/>
+          <inkml:channelProperty channel="F" name="resolution" value="0" units="1/dev"/>
+        </inkml:channelProperties>
+      </inkml:inkSource>
+      <inkml:timestamp xml:id="ts0" timeString="2026-01-27T07:41:18.460"/>
+    </inkml:context>
+    <inkml:brush xml:id="br0">
+      <inkml:brushProperty name="width" value="0.2" units="cm"/>
+      <inkml:brushProperty name="height" value="1.2" units="cm"/>
+      <inkml:brushProperty name="color" value="#FFFFFF"/>
+      <inkml:brushProperty name="inkEffects" value="pencil"/>
+    </inkml:brush>
+  </inkml:definitions>
+  <inkml:trace contextRef="#ctx0" brushRef="#br0">223 1 16383,'-3'15'0,"-1"0"0,1-4 0,0-1 0,-2 0 0,2 4 0,-3 1 0,0 4 0,0 0 0,2-1 0,-2 1 0,6-4 0,-5-1 0,4-6 0,-3 0 0,3-3 0,-4 2 0,0 1 0,-6 13 0,-1-5 0,1 9 0,2-6 0,2 0 0,1-4 0,3-3 0,-2-5 0,3-2 0,-4 0 0,1-2 0,2 2 0,-1-3 0,1 6 0,-2-3 0,-1 5 0,1-4 0,2 4 0,-1-5 0,3 5 0,-3-7 0,3 4 0,-4-4 0,5 2 0,-5 0 0,5 0 0,-3 0 0,1 3 0,1 0 0,-3 2 0,3-2 0,-1 2 0,-1 1 0,0-2 0,0 9 0,1-12 0,-1 3 0,13-38 0,-6 6 0,9-20 0,-6 23 0,-1 7 0,-4 7 0,1-1 0,-3 1 0,0 1 0,2-2 0,-1 1 0,1-2 0,0 6 0,-1-5 0,1 3 0,-2-3 0,2-1 0,-1 2 0,3-1 0,-3 2 0,3 0 0,-3-1 0,1 1 0,0 0 0,-1 0 0,4-3 0,-3 2 0,4-3 0,-4 1 0,3 0 0,-5 0 0,5 3 0,-4 0 0,1-1 0,0 1 0,-1 0 0,1 0 0,0 0 0,-1 0 0,1-1 0,-2 1 0,2 0 0,-1 0 0,1 0 0,-2-1 0,0-1 0,2-1 0,-1-3 0,1 3 0,-2-1 0,2 3 0,-1-2 0,1 3 0,-2 0 0,0-3 0,3 3 0,-3-3 0,2 3 0,-2 0 0,0 0 0,0-1 0</inkml:trace>
+</inkml:ink>
+</file>
+
+<file path=ppt/ink/ink51.xml><?xml version="1.0" encoding="utf-8"?>
+<inkml:ink xmlns:inkml="http://www.w3.org/2003/InkML">
+  <inkml:definitions>
+    <inkml:context xml:id="ctx0">
+      <inkml:inkSource xml:id="inkSrc0">
+        <inkml:traceFormat>
+          <inkml:channel name="X" type="integer" min="-2.14748E9" max="2.14748E9" units="cm"/>
+          <inkml:channel name="Y" type="integer" min="-2.14748E9" max="2.14748E9" units="cm"/>
+          <inkml:channel name="F" type="integer" max="32767" units="dev"/>
+        </inkml:traceFormat>
+        <inkml:channelProperties>
+          <inkml:channelProperty channel="X" name="resolution" value="1000" units="1/cm"/>
+          <inkml:channelProperty channel="Y" name="resolution" value="1000" units="1/cm"/>
+          <inkml:channelProperty channel="F" name="resolution" value="0" units="1/dev"/>
+        </inkml:channelProperties>
+      </inkml:inkSource>
+      <inkml:timestamp xml:id="ts0" timeString="2026-01-27T07:41:19.580"/>
+    </inkml:context>
+    <inkml:brush xml:id="br0">
+      <inkml:brushProperty name="width" value="0.2" units="cm"/>
+      <inkml:brushProperty name="height" value="1.2" units="cm"/>
+      <inkml:brushProperty name="color" value="#FFFFFF"/>
+      <inkml:brushProperty name="inkEffects" value="pencil"/>
+    </inkml:brush>
+  </inkml:definitions>
+  <inkml:trace contextRef="#ctx0" brushRef="#br0">131 0 16383,'0'17'0,"0"-3"0,0-6 0,0 3 0,-2-2 0,2 2 0,-3-3 0,3 0 0,0 0 0,0 2 0,-2-2 0,-1 2 0,0 0 0,-1-2 0,0 6 0,1-6 0,-2 4 0,5-4 0,-3-1 0,1-4 0,1 4 0,-3 1 0,1-2 0,0 4 0,-2-5 0,2 0 0,-2 2 0,0 1 0,0 0 0,0 0 0,2-3 0,-2 0 0,5 0 0,-5 0 0,4 0 0,-3 0 0,3 0 0,-1 0 0,2 0 0,-5 3 0,2 0 0,-5 0 0,3-1 0,0-2 0,2 0 0,1 1 0,0-1 0,-1 0 0</inkml:trace>
+</inkml:ink>
+</file>
+
+<file path=ppt/ink/ink52.xml><?xml version="1.0" encoding="utf-8"?>
+<inkml:ink xmlns:inkml="http://www.w3.org/2003/InkML">
+  <inkml:definitions>
+    <inkml:context xml:id="ctx0">
+      <inkml:inkSource xml:id="inkSrc0">
+        <inkml:traceFormat>
+          <inkml:channel name="X" type="integer" min="-2.14748E9" max="2.14748E9" units="cm"/>
+          <inkml:channel name="Y" type="integer" min="-2.14748E9" max="2.14748E9" units="cm"/>
+          <inkml:channel name="F" type="integer" max="32767" units="dev"/>
+        </inkml:traceFormat>
+        <inkml:channelProperties>
+          <inkml:channelProperty channel="X" name="resolution" value="1000" units="1/cm"/>
+          <inkml:channelProperty channel="Y" name="resolution" value="1000" units="1/cm"/>
+          <inkml:channelProperty channel="F" name="resolution" value="0" units="1/dev"/>
+        </inkml:channelProperties>
+      </inkml:inkSource>
+      <inkml:timestamp xml:id="ts0" timeString="2026-01-27T07:42:01.548"/>
+    </inkml:context>
+    <inkml:brush xml:id="br0">
+      <inkml:brushProperty name="width" value="0.2" units="cm"/>
+      <inkml:brushProperty name="height" value="1.2" units="cm"/>
+      <inkml:brushProperty name="color" value="#FFFFFF"/>
+      <inkml:brushProperty name="inkEffects" value="pencil"/>
+    </inkml:brush>
+  </inkml:definitions>
+  <inkml:trace contextRef="#ctx0" brushRef="#br0">6 0 16383,'-3'16'0,"3"-1"0,-3-1 0,3 1 0,0 4 0,0-1 0,4 8 0,1 0 0,8 14 0,-4-5 0,4 5 0,-5-14 0,-4 6 0,2-5 0,1 0 0,-2 4 0,3-10 0,-7 4 0,2-7 0,-1 1 0,3 6 0,2 2 0,0 0 0,1-2 0,-3-10 0,-1-3 0,-2-5 0,-2-2 0,0 1 0,0-1 0,0 0 0,0 0 0,0 0 0,0 0 0,0 0 0,-2 0 0,-1 0 0</inkml:trace>
+</inkml:ink>
+</file>
+
+<file path=ppt/ink/ink53.xml><?xml version="1.0" encoding="utf-8"?>
+<inkml:ink xmlns:inkml="http://www.w3.org/2003/InkML">
+  <inkml:definitions>
+    <inkml:context xml:id="ctx0">
+      <inkml:inkSource xml:id="inkSrc0">
+        <inkml:traceFormat>
+          <inkml:channel name="X" type="integer" min="-2.14748E9" max="2.14748E9" units="cm"/>
+          <inkml:channel name="Y" type="integer" min="-2.14748E9" max="2.14748E9" units="cm"/>
+          <inkml:channel name="F" type="integer" max="32767" units="dev"/>
+        </inkml:traceFormat>
+        <inkml:channelProperties>
+          <inkml:channelProperty channel="X" name="resolution" value="1000" units="1/cm"/>
+          <inkml:channelProperty channel="Y" name="resolution" value="1000" units="1/cm"/>
+          <inkml:channelProperty channel="F" name="resolution" value="0" units="1/dev"/>
+        </inkml:channelProperties>
+      </inkml:inkSource>
+      <inkml:timestamp xml:id="ts0" timeString="2026-01-27T07:42:03.391"/>
+    </inkml:context>
+    <inkml:brush xml:id="br0">
+      <inkml:brushProperty name="width" value="0.2" units="cm"/>
+      <inkml:brushProperty name="height" value="1.2" units="cm"/>
+      <inkml:brushProperty name="color" value="#FFFFFF"/>
+      <inkml:brushProperty name="inkEffects" value="pencil"/>
+    </inkml:brush>
+  </inkml:definitions>
+  <inkml:trace contextRef="#ctx0" brushRef="#br0">1 156 16383,'10'-11'0,"-2"1"0,-4 2 0,-1 3 0,2-5 0,3 2 0,2-5 0,-2 2 0,4 1 0,-6 5 0,4-2 0,-4 3 0,1-3 0,-2 1 0,0 1 0,0 2 0,0-1 0,0 1 0,0-2 0,1 0 0,-1 2 0,0 0 0,0 3 0,2 0 0,-1 0 0,20 0 0,-3 0 0,23 0 0,-5 0 0,7-4 0,-7 3 0,1-3 0,-21 4 0,1 0 0,-17 0 0,3 0 0,9 0 0,-3 0 0,12 0 0,-8 3 0,8-3 0,-6 6 0,1-3 0,-2 2 0,-10-2 0,5 2 0,-8-5 0,1 5 0,1-5 0,0 5 0,0-5 0,2 5 0,-5-5 0,5 5 0,-4-2 0,3 2 0,-3 2 0,1-1 0,1 4 0,0-5 0,2 5 0,13 10 0,-10-6 0,7 6 0,-12-10 0,-3-4 0,-2 1 0,1-2 0,-1 0 0,0 3 0,2 0 0,-5 2 0,5 0 0,-5 0 0,5 1 0,-5-1 0,3 4 0,-3-3 0,0 3 0,0 0 0,0-5 0,0 9 0,-3-6 0,2 3 0,-2 3 0,3-7 0,0 7 0,-2-7 0,1 3 0,-1-3 0,-1 3 0,3-5 0,-5 2 0,2-6 0,-3 0 0,4 0 0,-3 2 0,2 1 0,-2 0 0,0 2 0,-1-2 0,1 0 0,0 2 0,0-2 0,0 0 0,0 1 0,-1-3 0,-1 2 0,3-1 0,-3-4 0,5 6 0,-1-5 0,-2 3 0,2-2 0,-4 1 0,1-1 0,-2 0 0,1 0 0,1 2 0,-4-1 0,5 1 0,-5-2 0,2 3 0,-3-3 0,1 3 0,0-3 0,-1 0 0,1 0 0,0-2 0,-1 2 0,1-3 0,-1 3 0,1 3 0,0-5 0,-1 4 0,1-6 0,-4 4 0,-1-5 0,-4 6 0,4-3 0,1 0 0,6 2 0,0-5 0,3 2 0,0-2 0,-1 0 0,1 0 0,0 0 0,0 0 0,0 0 0,0 0 0</inkml:trace>
+</inkml:ink>
+</file>
+
+<file path=ppt/ink/ink54.xml><?xml version="1.0" encoding="utf-8"?>
+<inkml:ink xmlns:inkml="http://www.w3.org/2003/InkML">
+  <inkml:definitions>
+    <inkml:context xml:id="ctx0">
+      <inkml:inkSource xml:id="inkSrc0">
+        <inkml:traceFormat>
+          <inkml:channel name="X" type="integer" min="-2.14748E9" max="2.14748E9" units="cm"/>
+          <inkml:channel name="Y" type="integer" min="-2.14748E9" max="2.14748E9" units="cm"/>
+          <inkml:channel name="F" type="integer" max="32767" units="dev"/>
+        </inkml:traceFormat>
+        <inkml:channelProperties>
+          <inkml:channelProperty channel="X" name="resolution" value="1000" units="1/cm"/>
+          <inkml:channelProperty channel="Y" name="resolution" value="1000" units="1/cm"/>
+          <inkml:channelProperty channel="F" name="resolution" value="0" units="1/dev"/>
+        </inkml:channelProperties>
+      </inkml:inkSource>
+      <inkml:timestamp xml:id="ts0" timeString="2026-01-27T07:42:05.613"/>
+    </inkml:context>
+    <inkml:brush xml:id="br0">
+      <inkml:brushProperty name="width" value="0.2" units="cm"/>
+      <inkml:brushProperty name="height" value="1.2" units="cm"/>
+      <inkml:brushProperty name="color" value="#FFFFFF"/>
+      <inkml:brushProperty name="inkEffects" value="pencil"/>
+    </inkml:brush>
+  </inkml:definitions>
+  <inkml:trace contextRef="#ctx0" brushRef="#br0">143 252 16383,'16'-6'0,"-4"-1"0,-2 7 0,-4-5 0,3 4 0,-3-3 0,4 3 0,-5-3 0,5 1 0,-4 0 0,4-2 0,-2 5 0,2-5 0,4 2 0,1-3 0,0 0 0,-1 0 0,-6 3 0,-1 1 0,1 0 0,-3 1 0,3-3 0,-1 1 0,-1 0 0,1-2 0,-2 5 0,-2-5 0,2 2 0,-5-2 0,3-2 0,-3 1 0,0-2 0,0 3 0,0 0 0,-3-3 0,0 0 0,-2 0 0,0 3 0,2 0 0,-2 3 0,3-6 0,-4 2 0,4-1 0,-3 4 0,2-4 0,-2 4 0,0-5 0,-1 3 0,1 0 0,0 0 0,-2-1 0,1 1 0,-4 2 0,4-1 0,-4 3 0,5-4 0,-3 5 0,1-2 0,-1 2 0,-6 0 0,-2 0 0,-7 0 0,3 0 0,-3 2 0,7-1 0,5 2 0,1-1 0,4 1 0,-1 0 0,1 1 0,1-1 0,-2 2 0,-1 0 0,0 0 0,-2 3 0,4-3 0,-4 5 0,4-4 0,-1 4 0,2-2 0,0 2 0,2 0 0,-2-2 0,4 2 0,-3-2 0,3 2 0,-1 0 0,0 1 0,1-1 0,-1 0 0,-1 0 0,3 1 0,-2-3 0,2 1 0,0-1 0,0 3 0,0-3 0,0 1 0,0-3 0,0 4 0,0-5 0,0 5 0,0-4 0,2 4 0,1-2 0,0 0 0,1-1 0,-1 0 0,2-1 0,0 1 0,0-2 0,0 1 0,0-1 0,0-2 0,3 1 0,-2-1 0,3 4 0,3-1 0,-1 2 0,1-2 0,-2-4 0,-5 3 0,3-2 0,-1 2 0,-1-2 0,4-1 0,-5-2 0,3 2 0,-3-1 0,2 3 0,-1-3 0,3 1 0,-3-2 0,2 0 0,-1 2 0,7 1 0,-2 0 0,8-1 0,-5-2 0,4 0 0,-7 0 0,2 0 0,-9 0 0,3 0 0,-3 0 0,2-2 0,12-2 0,25-7 0,1-4 0,4 2 0,-17 1 0,-19 9 0,-5-2 0,-3 4 0,-2-1 0,11-3 0,-9 4 0,7-3 0</inkml:trace>
+</inkml:ink>
+</file>
+
+<file path=ppt/ink/ink55.xml><?xml version="1.0" encoding="utf-8"?>
+<inkml:ink xmlns:inkml="http://www.w3.org/2003/InkML">
+  <inkml:definitions>
+    <inkml:context xml:id="ctx0">
+      <inkml:inkSource xml:id="inkSrc0">
+        <inkml:traceFormat>
+          <inkml:channel name="X" type="integer" min="-2.14748E9" max="2.14748E9" units="cm"/>
+          <inkml:channel name="Y" type="integer" min="-2.14748E9" max="2.14748E9" units="cm"/>
+          <inkml:channel name="F" type="integer" max="32767" units="dev"/>
+        </inkml:traceFormat>
+        <inkml:channelProperties>
+          <inkml:channelProperty channel="X" name="resolution" value="1000" units="1/cm"/>
+          <inkml:channelProperty channel="Y" name="resolution" value="1000" units="1/cm"/>
+          <inkml:channelProperty channel="F" name="resolution" value="0" units="1/dev"/>
+        </inkml:channelProperties>
+      </inkml:inkSource>
+      <inkml:timestamp xml:id="ts0" timeString="2026-01-27T07:42:07.995"/>
+    </inkml:context>
+    <inkml:brush xml:id="br0">
+      <inkml:brushProperty name="width" value="0.2" units="cm"/>
+      <inkml:brushProperty name="height" value="1.2" units="cm"/>
+      <inkml:brushProperty name="color" value="#FFFFFF"/>
+      <inkml:brushProperty name="inkEffects" value="pencil"/>
+    </inkml:brush>
+  </inkml:definitions>
+  <inkml:trace contextRef="#ctx0" brushRef="#br0">52 62 16383,'-3'16'0,"1"3"0,2-4 0,0 10 0,0-5 0,0 12 0,-3-12 0,2 5 0,-2 1 0,1-6 0,1 12 0,-5-12 0,3 5 0,-1 0 0,-1-4 0,4 10 0,-2-10 0,0 10 0,-1-10 0,-1 10 0,3-4 0,2 0 0,0 4 0,0-10 0,0 10 0,0-14 0,0 1 0,0-8 0,0-4 0,0 1 0,0-2 0,0 0 0,0 0 0,0 0 0,0 0 0,0 1 0,2-21 0,1 8 0,0-20 0,-1 5 0,-2 2 0,3-12 0,-2 12 0,6-5 0,-6 6 0,1 4 0,-2 0 0,0 1 0,0-2 0,0-3 0,3 3 0,-3-1 0,6-5 0,-5 2 0,5-2 0,-6-2 0,5 8 0,-4-5 0,1 11 0,0 0 0,-1 4 0,3-1 0,-3-1 0,3 3 0,-3-5 0,1 2 0,0 0 0,-1-2 0,1 4 0,1-4 0,-3 5 0,5-5 0,-5 2 0,2-3 0,-2 1 0,0 0 0,3 1 0,-3 0 0,3 3 0,-3-2 0,2 3 0,-2 0 0,3 0 0,-3-3 0,2 3 0,1-3 0,0 1 0,1 1 0,-3-4 0,3 4 0,-3-1 0,1 2 0,0-1 0,1 1 0,0 0 0,1 0 0,-1 0 0,0-3 0,2 5 0,-2-7 0,2 7 0,-3-4 0,3 4 0,-4-2 0,5 4 0,-2-3 0,3 1 0,-2 0 0,0 1 0,3 2 0,0 0 0,0 0 0,5 0 0,0 0 0,12 0 0,-5 0 0,6 0 0,-14 0 0,2 0 0,-9 0 0,3 0 0,-3 2 0,0 1 0,0 2 0,-2 0 0,1 0 0,-1 0 0,0 0 0,2 0 0,-5 1 0,5 1 0,-5-1 0,3 1 0,-3 0 0,0 5 0,0-3 0,0 5 0,0-9 0,0 3 0,0 3 0,0-2 0,0 2 0,0-1 0,0-2 0,0 2 0,-3-2 0,0 0 0,0-3 0,1 0 0,0 0 0,-1 0 0,-2 0 0,2 0 0,-11 9 0,9-6 0,-9 8 0,7-10 0,-1 3 0,-3-1 0,3 0 0,-1 2 0,1-4 0,-3 3 0,1-3 0,-1 4 0,-6 4 0,5-4 0,-4 4 0,8-9 0,0-2 0,1-1 0,3 0 0,-3-1 0,2 1 0,-1-2 0,-1 0 0,2 0 0,-1 0 0,1 0 0,0 0 0,-3 0 0,-3-3 0,-1 3 0,-2-6 0,4 6 0,2-2 0,-2 2 0,4 0 0,-1 0 0,1 0 0,1 0 0,0 0 0</inkml:trace>
+</inkml:ink>
+</file>
+
+<file path=ppt/ink/ink56.xml><?xml version="1.0" encoding="utf-8"?>
+<inkml:ink xmlns:inkml="http://www.w3.org/2003/InkML">
+  <inkml:definitions>
+    <inkml:context xml:id="ctx0">
+      <inkml:inkSource xml:id="inkSrc0">
+        <inkml:traceFormat>
+          <inkml:channel name="X" type="integer" min="-2.14748E9" max="2.14748E9" units="cm"/>
+          <inkml:channel name="Y" type="integer" min="-2.14748E9" max="2.14748E9" units="cm"/>
+          <inkml:channel name="F" type="integer" max="32767" units="dev"/>
+        </inkml:traceFormat>
+        <inkml:channelProperties>
+          <inkml:channelProperty channel="X" name="resolution" value="1000" units="1/cm"/>
+          <inkml:channelProperty channel="Y" name="resolution" value="1000" units="1/cm"/>
+          <inkml:channelProperty channel="F" name="resolution" value="0" units="1/dev"/>
+        </inkml:channelProperties>
+      </inkml:inkSource>
+      <inkml:timestamp xml:id="ts0" timeString="2026-01-27T07:42:09.579"/>
+    </inkml:context>
+    <inkml:brush xml:id="br0">
+      <inkml:brushProperty name="width" value="0.2" units="cm"/>
+      <inkml:brushProperty name="height" value="1.2" units="cm"/>
+      <inkml:brushProperty name="color" value="#FFFFFF"/>
+      <inkml:brushProperty name="inkEffects" value="pencil"/>
+    </inkml:brush>
+  </inkml:definitions>
+  <inkml:trace contextRef="#ctx0" brushRef="#br0">108 1 16383,'-9'20'0,"-2"3"0,5-8 0,-8 10 0,7-5 0,-9 12 0,9-12 0,-4 5 0,7 1 0,-1-6 0,4 5 0,-6 0 0,6-8 0,-2 3 0,3-6 0,-3-2 0,3 2 0,-2-4 0,2 0 0,0 1 0,0-3 0,0 1 0,0-1 0,0 0 0,0 2 0,0-2 0,0 0 0,0 2 0,2-2 0,-2 6 0,5 1 0,-4 0 0,4-1 0,-4-4 0,4 4 0,-2-3 0,0 3 0,2-3 0,-3 3 0,3-2 0,1 3 0,-1-5 0,-3-2 0,1 2 0,-1-5 0,1 3 0,2-3 0,0 2 0,0-1 0,0 1 0,0 1 0,0 0 0,1 0 0,-1-1 0,0 0 0,0-1 0,0-1 0,0 0 0,0-2 0,3 2 0,-1-2 0,1-1 0,2 0 0,-2-1 0,0 1 0,0-2 0,-3 0 0,0 0 0,0 0 0,0 0 0,6 0 0,-2 0 0,5 0 0,-4 0 0,1 0 0,-3 0 0,-1 0 0,-2 0 0,0 0 0,0 0 0,0 0 0,1 0 0,-1 0 0,0-2 0,0 1 0,0-1 0,0-1 0,0 3 0,0-9 0,0 5 0,-2-8 0,-1 6 0,1-4 0,-1 2 0,1 0 0,0 3 0,-3 2 0</inkml:trace>
+</inkml:ink>
+</file>
+
+<file path=ppt/ink/ink57.xml><?xml version="1.0" encoding="utf-8"?>
+<inkml:ink xmlns:inkml="http://www.w3.org/2003/InkML">
+  <inkml:definitions>
+    <inkml:context xml:id="ctx0">
+      <inkml:inkSource xml:id="inkSrc0">
+        <inkml:traceFormat>
+          <inkml:channel name="X" type="integer" min="-2.14748E9" max="2.14748E9" units="cm"/>
+          <inkml:channel name="Y" type="integer" min="-2.14748E9" max="2.14748E9" units="cm"/>
+          <inkml:channel name="F" type="integer" max="32767" units="dev"/>
+        </inkml:traceFormat>
+        <inkml:channelProperties>
+          <inkml:channelProperty channel="X" name="resolution" value="1000" units="1/cm"/>
+          <inkml:channelProperty channel="Y" name="resolution" value="1000" units="1/cm"/>
+          <inkml:channelProperty channel="F" name="resolution" value="0" units="1/dev"/>
+        </inkml:channelProperties>
+      </inkml:inkSource>
+      <inkml:timestamp xml:id="ts0" timeString="2026-01-27T07:42:12.095"/>
+    </inkml:context>
+    <inkml:brush xml:id="br0">
+      <inkml:brushProperty name="width" value="0.2" units="cm"/>
+      <inkml:brushProperty name="height" value="1.2" units="cm"/>
+      <inkml:brushProperty name="color" value="#FFFFFF"/>
+      <inkml:brushProperty name="inkEffects" value="pencil"/>
+    </inkml:brush>
+  </inkml:definitions>
+  <inkml:trace contextRef="#ctx0" brushRef="#br0">354 37 16383,'-11'-9'0,"4"0"0,2 9 0,2-3 0,-4 1 0,1-1 0,-2 0 0,3 1 0,2 0 0,-4 1 0,4-1 0,-5 2 0,1 0 0,1 0 0,-4 0 0,2 0 0,-2 0 0,2 0 0,0 0 0,3 0 0,0 0 0,0 0 0,-3 2 0,2 1 0,-7 0 0,4 1 0,-9-1 0,9 3 0,-5 2 0,11-3 0,-4 5 0,4 2 0,-3-1 0,0 7 0,1-9 0,-11 16 0,6-16 0,-9 13 0,11-16 0,1-1 0,-1 0 0,5-3 0,-4 1 0,4 2 0,0 0 0,-2 3 0,2 0 0,-2-1 0,2-2 0,1 1 0,2-1 0,0 0 0,3 6 0,0-2 0,2 5 0,0-6 0,3 2 0,-2-2 0,3 2 0,-1-2 0,3 2 0,-1-5 0,4 6 0,-5-5 0,2 0 0,-6-2 0,0-3 0,0 1 0,0 1 0,3-1 0,3 4 0,4-3 0,4 0 0,0-3 0,0 2 0,-4-1 0,9 2 0,-14-3 0,8 0 0,-13 0 0,0 0 0,0-2 0,0-1 0,1-3 0,-1 1 0,2 0 0,-1 2 0,-1-1 0,-1 1 0,-1 0 0,0-4 0,2 3 0,-3-3 0,4-1 0,-4 0 0,3 0 0,-2-1 0,0 3 0,1-2 0,-3 3 0,1 0 0,-2 0 0,0 0 0,0-1 0,0 1 0,-2 0 0,1 0 0,-1-3 0,2 2 0,0-3 0,-3 3 0,1-2 0,-1 1 0,0 1 0,1-1 0,1 1 0,-1 1 0,0 0 0,1 0 0,-1 0 0,2 0 0,-2-1 0,1 1 0,-1 0 0,2 0 0,-3 0 0,3-1 0,-2 1 0,-1 0 0,0 0 0,1 0 0,-1-1 0,1-1 0,1 1 0,-3-1 0,3 2 0,-3-1 0,1-1 0,0 1 0,-2 1 0,5 0 0,-5 0 0,4-1 0,-1-1 0,2 2 0,0-1 0</inkml:trace>
+</inkml:ink>
+</file>
+
+<file path=ppt/ink/ink58.xml><?xml version="1.0" encoding="utf-8"?>
+<inkml:ink xmlns:inkml="http://www.w3.org/2003/InkML">
+  <inkml:definitions>
+    <inkml:context xml:id="ctx0">
+      <inkml:inkSource xml:id="inkSrc0">
+        <inkml:traceFormat>
+          <inkml:channel name="X" type="integer" min="-2.14748E9" max="2.14748E9" units="cm"/>
+          <inkml:channel name="Y" type="integer" min="-2.14748E9" max="2.14748E9" units="cm"/>
+          <inkml:channel name="F" type="integer" max="32767" units="dev"/>
+        </inkml:traceFormat>
+        <inkml:channelProperties>
+          <inkml:channelProperty channel="X" name="resolution" value="1000" units="1/cm"/>
+          <inkml:channelProperty channel="Y" name="resolution" value="1000" units="1/cm"/>
+          <inkml:channelProperty channel="F" name="resolution" value="0" units="1/dev"/>
+        </inkml:channelProperties>
+      </inkml:inkSource>
+      <inkml:timestamp xml:id="ts0" timeString="2026-01-27T07:42:14.133"/>
+    </inkml:context>
+    <inkml:brush xml:id="br0">
+      <inkml:brushProperty name="width" value="0.2" units="cm"/>
+      <inkml:brushProperty name="height" value="1.2" units="cm"/>
+      <inkml:brushProperty name="color" value="#FFFFFF"/>
+      <inkml:brushProperty name="inkEffects" value="pencil"/>
+    </inkml:brush>
+  </inkml:definitions>
+  <inkml:trace contextRef="#ctx0" brushRef="#br0">33 0 16383,'5'14'0,"-2"-2"0,2-7 0,-5 2 0,5-1 0,-5 1 0,5 1 0,-5 0 0,5 0 0,-4 1 0,3-1 0,-1 3 0,0-1 0,1 0 0,-1 0 0,3 4 0,-1-2 0,1 6 0,-1-7 0,1 3 0,-1-4 0,0 0 0,-2-2 0,1 2 0,-3-4 0,3 1 0,-3-2 0,1 0 0,1 0 0,-3 1 0,7 1 0,-6-1 0,6-1 0,-4 2 0,2-4 0,-2 4 0,1-2 0,-3 1 0,1-1 0,0 0 0,-1 2 0,1-1 0,-2 4 0,2-2 0,-1 2 0,4-2 0,-5 2 0,5-3 0,-3 4 0,1-1 0,0-2 0,-1-1 0,-2-1 0,5-4 0,0 1 0,1-6 0,3-2 0,-1-1 0,6-4 0,10-7 0,5-9 0,4-2 0,3-4 0,-9 6 0,-2 2 0,-8 7 0,-8 2 0,-2 5 0,-1 0 0,-1 2 0,0-6 0,3 5 0,-2-9 0,5 3 0,-3-10 0,4 4 0,-4-4 0,0 10 0,-2 3 0,-3 5 0,-1 1 0,-12 21 0,-5 4 0,-12 20 0,6-10 0,1-1 0,0-1 0,6-6 0,-7 13 0,-11 7 0,7-8 0,-19 12 0,12-18 0,-7 6 0,-3-4 0,3 4 0,0 0 0,15-12 0,4 6 0,10-16 0,0 7 0,5-9 0,0 4 0,4-7 0,-4-1 0,3 4 0,-1-5 0,-2 6 0,5-3 0,-5-3 0,4 2 0,-1-3 0</inkml:trace>
+</inkml:ink>
+</file>
+
+<file path=ppt/ink/ink59.xml><?xml version="1.0" encoding="utf-8"?>
+<inkml:ink xmlns:inkml="http://www.w3.org/2003/InkML">
+  <inkml:definitions>
+    <inkml:context xml:id="ctx0">
+      <inkml:inkSource xml:id="inkSrc0">
+        <inkml:traceFormat>
+          <inkml:channel name="X" type="integer" min="-2.14748E9" max="2.14748E9" units="cm"/>
+          <inkml:channel name="Y" type="integer" min="-2.14748E9" max="2.14748E9" units="cm"/>
+          <inkml:channel name="F" type="integer" max="32767" units="dev"/>
+        </inkml:traceFormat>
+        <inkml:channelProperties>
+          <inkml:channelProperty channel="X" name="resolution" value="1000" units="1/cm"/>
+          <inkml:channelProperty channel="Y" name="resolution" value="1000" units="1/cm"/>
+          <inkml:channelProperty channel="F" name="resolution" value="0" units="1/dev"/>
+        </inkml:channelProperties>
+      </inkml:inkSource>
+      <inkml:timestamp xml:id="ts0" timeString="2026-01-27T07:42:17.156"/>
+    </inkml:context>
+    <inkml:brush xml:id="br0">
+      <inkml:brushProperty name="width" value="0.2" units="cm"/>
+      <inkml:brushProperty name="height" value="1.2" units="cm"/>
+      <inkml:brushProperty name="color" value="#FFFFFF"/>
+      <inkml:brushProperty name="inkEffects" value="pencil"/>
+    </inkml:brush>
+  </inkml:definitions>
+  <inkml:trace contextRef="#ctx0" brushRef="#br0">12 136 16383,'0'14'0,"-2"0"0,4-6 0,0 2 0,-1-2 0,1 2 0,-2-2 0,2 2 0,-1-2 0,1 2 0,1-4 0,-3 7 0,2 0 0,1 6 0,-2-4 0,2 9 0,-3-1 0,0 4 0,2-6 0,-2-3 0,5-7 0,-4 1 0,1-2 0,-2-5 0,0 3 0,0-1 0,0 1 0,2 2 0,-1 1 0,1-3 0,-2-1 0,0-2 0,0 0 0,0 0 0,0 0 0,-2-20 0,-1 10 0,-3-22 0,0 14 0,0-6 0,0 0 0,-1 0 0,1 1 0,3-8 0,0 6 0,3-5 0,0-9 0,0 5 0,4-19 0,-3 13 0,7-11 0,-4 17 0,1-9 0,-2 18 0,-1-2 0,-1 10 0,3 5 0,-1 4 0,2 1 0,3 4 0,-3 1 0,5 0 0,-4 1 0,1-1 0,0 2 0,-1 0 0,4 0 0,-5-2 0,3 2 0,-3-5 0,-2 5 0,4-5 0,-4 5 0,7-2 0,-5 2 0,3-2 0,-3 1 0,2-3 0,-1 3 0,1-1 0,-2 2 0,1-2 0,-4 2 0,5-3 0,-3 3 0,5 3 0,-3-2 0,1 3 0,1-3 0,-5 4 0,4-5 0,-7 5 0,3-4 0,-1-1 0,1 2 0,0-4 0,-1 7 0,0-5 0,2 9 0,1-7 0,-2 4 0,-1-4 0,1-1 0,-3 1 0,2-2 0,-2 0 0,0 3 0,0 0 0,0 2 0,0-2 0,0 2 0,0-2 0,0 0 0,0 1 0,3-3 0,-3 1 0,3 1 0,-3-2 0,0 1 0,0-2 0,0 0 0,0 0 0,0 0 0,0 3 0,0 0 0,0 0 0,0-1 0,0-2 0,2-23 0,-2 13 0,3-21 0,-3 18 0,0-2 0,0-4 0,0-2 0,0 4 0,2-6 0,-1-1 0,4 5 0,-2-10 0,3 11 0,-2 0 0,1 2 0,-5 4 0,5 1 0,-5-2 0,2 1 0,1 1 0,0-1 0,2-1 0,0 2 0,2-3 0,5 0 0,-3-2 0,11-7 0,-13 8 0,7-4 0,-9 12 0,-2-3 0,4 2 0,-4 0 0,5 1 0,-3 2 0,0 0 0,2 0 0,-1 2 0,4 1 0,14 8 0,-6-4 0,8 5 0,-13-7 0,-7-2 0,1 2 0,1-2 0,-2 2 0,1 0 0,-2 2 0,2-1 0,1 4 0,0-5 0,-2 3 0,0-3 0,-2 0 0,1 0 0,-3 0 0,0 2 0,1 1 0,0 0 0,2 2 0,-5-2 0,5 2 0,-5 1 0,5-3 0,-5-1 0,3-2 0,-3 0 0,0 0 0,0 3 0,0 0 0,-3 0 0,3 1 0,-3-1 0,3 3 0,0-3 0,-2 1 0,-1-5 0,0 3 0,-1-5 0,3 3 0,-3 3 0,1-2 0,-2 1 0,-1-2 0,1 0 0,0 0 0,-3 3 0,3 0 0,-3 2 0,5 10 0,-2-3 0,2 4 0,-2-7 0,2-6 0,3-2 0,2-4 0</inkml:trace>
 </inkml:ink>
 </file>
 
@@ -306,7 +3577,7 @@
           <inkml:channelProperty channel="F" name="resolution" value="0" units="1/dev"/>
         </inkml:channelProperties>
       </inkml:inkSource>
-      <inkml:timestamp xml:id="ts0" timeString="2026-01-13T08:34:33.939"/>
+      <inkml:timestamp xml:id="ts0" timeString="2026-01-27T07:18:17.804"/>
     </inkml:context>
     <inkml:brush xml:id="br0">
       <inkml:brushProperty name="width" value="0.2" units="cm"/>
@@ -315,7 +3586,181 @@
       <inkml:brushProperty name="inkEffects" value="pencil"/>
     </inkml:brush>
   </inkml:definitions>
-  <inkml:trace contextRef="#ctx0" brushRef="#br0">1008 210 16383,'-18'8'0,"3"-1"0,8-2 0,0-1 0,0 1 0,1 0 0,0-1 0,1 1 0,-2 1 0,0-1 0,-1 0 0,0-1 0,0 0 0,-2 0 0,-1 0 0,1 2 0,0-1 0,2 1 0,-1 0 0,-1-1 0,0-1 0,2 0 0,0-1 0,1-1 0,-2 1 0,1 0 0,0-1 0,0 0 0,1 2 0,-1-2 0,0 0 0,0 2 0,0-2 0,-2 0 0,0-1 0,0-1 0,2 2 0,1-1 0,-2 1 0,-1 0 0,0-2 0,0 1 0,0-1 0,-1 0 0,-1 0 0,-1 0 0,2 0 0,-1 0 0,1 0 0,1 0 0,0 0 0,3 0 0,0 0 0,0 0 0,0 0 0,0 0 0,-1 0 0,0 0 0,0 0 0,0 0 0,0 0 0,0 0 0,0 0 0,0 0 0,0 0 0,0 0 0,0 0 0,0 0 0,0 0 0,1 0 0,0 0 0,0 0 0,2-2 0,-1 0 0,0-1 0,0-1 0,-2 0 0,1 0 0,-1 0 0,0 1 0,2-1 0,1 0 0,-1 1 0,1 1 0,-2-2 0,0 0 0,-1-1 0,0 0 0,1 3 0,0-2 0,2 2 0,-1-1 0,0-3 0,-1 0 0,-1 1 0,3 0 0,0 1 0,0 2 0,0-1 0,0 0 0,-1-1 0,0 0 0,0 1 0,1-3 0,0 1 0,-1-1 0,0 2 0,1-1 0,0 1 0,2 0 0,-1 0 0,0-1 0,-2-1 0,0-2 0,-2 1 0,1-1 0,-1 0 0,2 0 0,1 2 0,1 1 0,1 2 0,-1-1 0,1-1 0,1-1 0,2-2 0,0 2 0,-2 0 0,0 1 0,-1 0 0,-3 0 0,2 0 0,0-1 0,2-2 0,2-1 0,0 0 0,0 0 0,0 5 0,0 18 0,0-4 0,0 17 0,0-14 0,-2 1 0,0-2 0,-2-1 0,1 0 0,-1 0 0,0 0 0,0 0 0,0 1 0,1-1 0,-1-1 0,2 1 0,0-1 0,-2 1 0,2-1 0,-1 0 0,2-2 0,-1 2 0,-1 0 0,1-1 0,0 0 0,2-2 0,-1-2 0,7-24 0,-2 10 0,5-18 0,-5 18 0,0 0 0,-1-1 0,1 1 0,-1-1 0,-2 3 0,-1-1 0,0 0 0,0 1 0,0-1 0,0 0 0,0 1 0,0 0 0,0 0 0,0 0 0,0-1 0,0 1 0,0-1 0,0 1 0,0-1 0,0 1 0,2 0 0,1 2 0,1-1 0,1 2 0,0 2 0,0 0 0,2 2 0,1 0 0,-1 0 0,0 0 0,1 0 0,0 0 0,-1 0 0,1 0 0,-1 0 0,1 0 0,-2 0 0,1 0 0,0 0 0,0 0 0,1 0 0,-1 0 0,1 0 0,0 0 0,0 0 0,2-1 0,1-2 0,-1-1 0,0 0 0,-2 2 0,-1-2 0,1 2 0,-1 0 0,-1 0 0,1 2 0,-1-1 0,0-1 0,0 0 0,0-1 0,1-1 0,1 0 0,-1 0 0,-1 0 0,0 1 0,-2 0 0,-1-1 0,1-3 0,-2 1 0,0-2 0,-2 4 0,0 0 0</inkml:trace>
+  <inkml:trace contextRef="#ctx0" brushRef="#br0">203 0 16383,'0'37'0,"0"-14"0,0 9 0,0 3 0,0-14 0,0 30 0,0-26 0,0 30 0,0-24 0,0 13 0,-4 16 0,3-19 0,-4 25 0,1 6 0,-1-24 0,-9 45 0,5-48 0,-5 32 0,7-44 0,-2 42 0,2-46 0,2 52 0,-2-41 0,2 47 0,-3-40 0,-2 41 0,6-43 0,-9 27 0,11-19 0,-8-11 0,9 16 0,-3-37 0,3 38 0,-4-38 0,-3 32 0,1-34 0,-5 29 0,4-28 0,3 8 0,-1-18 0,5-6 0,-1-2 0</inkml:trace>
+</inkml:ink>
+</file>
+
+<file path=ppt/ink/ink60.xml><?xml version="1.0" encoding="utf-8"?>
+<inkml:ink xmlns:inkml="http://www.w3.org/2003/InkML">
+  <inkml:definitions>
+    <inkml:context xml:id="ctx0">
+      <inkml:inkSource xml:id="inkSrc0">
+        <inkml:traceFormat>
+          <inkml:channel name="X" type="integer" min="-2.14748E9" max="2.14748E9" units="cm"/>
+          <inkml:channel name="Y" type="integer" min="-2.14748E9" max="2.14748E9" units="cm"/>
+          <inkml:channel name="F" type="integer" max="32767" units="dev"/>
+        </inkml:traceFormat>
+        <inkml:channelProperties>
+          <inkml:channelProperty channel="X" name="resolution" value="1000" units="1/cm"/>
+          <inkml:channelProperty channel="Y" name="resolution" value="1000" units="1/cm"/>
+          <inkml:channelProperty channel="F" name="resolution" value="0" units="1/dev"/>
+        </inkml:channelProperties>
+      </inkml:inkSource>
+      <inkml:timestamp xml:id="ts0" timeString="2026-01-27T07:42:17.651"/>
+    </inkml:context>
+    <inkml:brush xml:id="br0">
+      <inkml:brushProperty name="width" value="0.2" units="cm"/>
+      <inkml:brushProperty name="height" value="1.2" units="cm"/>
+      <inkml:brushProperty name="color" value="#FFFFFF"/>
+      <inkml:brushProperty name="inkEffects" value="pencil"/>
+    </inkml:brush>
+  </inkml:definitions>
+  <inkml:trace contextRef="#ctx0" brushRef="#br0">0 1 16383,'16'5'0,"-3"0"0,-3-5 0,-7 0 0,2 0 0</inkml:trace>
+</inkml:ink>
+</file>
+
+<file path=ppt/ink/ink61.xml><?xml version="1.0" encoding="utf-8"?>
+<inkml:ink xmlns:inkml="http://www.w3.org/2003/InkML">
+  <inkml:definitions>
+    <inkml:context xml:id="ctx0">
+      <inkml:inkSource xml:id="inkSrc0">
+        <inkml:traceFormat>
+          <inkml:channel name="X" type="integer" min="-2.14748E9" max="2.14748E9" units="cm"/>
+          <inkml:channel name="Y" type="integer" min="-2.14748E9" max="2.14748E9" units="cm"/>
+          <inkml:channel name="F" type="integer" max="32767" units="dev"/>
+        </inkml:traceFormat>
+        <inkml:channelProperties>
+          <inkml:channelProperty channel="X" name="resolution" value="1000" units="1/cm"/>
+          <inkml:channelProperty channel="Y" name="resolution" value="1000" units="1/cm"/>
+          <inkml:channelProperty channel="F" name="resolution" value="0" units="1/dev"/>
+        </inkml:channelProperties>
+      </inkml:inkSource>
+      <inkml:timestamp xml:id="ts0" timeString="2026-01-27T07:42:19.901"/>
+    </inkml:context>
+    <inkml:brush xml:id="br0">
+      <inkml:brushProperty name="width" value="0.2" units="cm"/>
+      <inkml:brushProperty name="height" value="1.2" units="cm"/>
+      <inkml:brushProperty name="color" value="#FFFFFF"/>
+      <inkml:brushProperty name="inkEffects" value="pencil"/>
+    </inkml:brush>
+  </inkml:definitions>
+  <inkml:trace contextRef="#ctx0" brushRef="#br0">22 327 16383,'16'0'0,"-2"0"0,-6 0 0,0 0 0,-3 0 0,0 0 0,0 0 0,2 0 0,-1 0 0,4 0 0,-2-2 0,2-1 0,0 0 0,1-2 0,-3 5 0,-1-5 0,-2 2 0,-2-2 0,1 2 0,-1-2 0,2 5 0,0-7 0,1 4 0,-1-3 0,0 2 0,0 1 0,-2-2 0,1-1 0,-1 4 0,0-5 0,1 6 0,-1-9 0,2 7 0,0-7 0,3 4 0,-2-4 0,1 2 0,-4 0 0,1-1 0,-3 3 0,3-4 0,-3 4 0,1-1 0,-2 2 0,0-1 0,0-1 0,0 1 0,2-4 0,-1 5 0,1-3 0,-2 3 0,0 0 0,0-3 0,0 0 0,0 0 0,-2 1 0,1 1 0,-3 1 0,1 0 0,-2 0 0,0 2 0,-1-2 0,3 2 0,-1-2 0,1 2 0,-2-1 0,0 3 0,-3-6 0,2 4 0,-3-2 0,0 0 0,1 4 0,-1-1 0,3 2 0,-2 0 0,3 0 0,-2 0 0,-1 0 0,-3 2 0,-9 3 0,7 2 0,-8 0 0,11 1 0,2-3 0,3 0 0,2 0 0,1 0 0,1 0 0,-3 0 0,1 3 0,-5-3 0,3 3 0,-3-3 0,3 2 0,2-1 0,-2 4 0,5-5 0,-2 3 0,2-3 0,0 0 0,-3 0 0,3 0 0,-5 0 0,4 0 0,-1 1 0,2-1 0,0 2 0,0 1 0,2 0 0,1 2 0,0-5 0,2 5 0,-3-4 0,4 3 0,-1-1 0,2 0 0,-1 2 0,1-4 0,-2 4 0,0-3 0,0-1 0,-2 1 0,0-4 0,-1 2 0,-2 2 0,3 1 0,-3 3 0,2-1 0,1-2 0,0 2 0,1-5 0,-3 3 0,3-3 0,-3 0 0,3 0 0,-1 0 0,2 0 0,-2 3 0,2-3 0,-3 3 0,3-3 0,1 0 0,-1 0 0,0-2 0,0 1 0,0-3 0,0 1 0,0-2 0,0 0 0,0 0 0,0 0 0,1 0 0,-1 0 0,0 0 0,0 0 0,0 0 0,0 0 0,0 0 0,3 0 0,0 2 0,2-1 0,-2 1 0,1-2 0,-3 0 0,2 0 0,-3 0 0,0 0 0,0 0 0,0 0 0,0 0 0,0 0 0,0 0 0,0 0 0,0 0 0,1 0 0,-1 0 0,0 0 0,0 0 0,0 0 0,0 0 0,0 0 0,0 0 0,0 0 0,3 0 0,0 0 0,2-2 0,-2 1 0,-1-1 0,-2 2 0,1 0 0,-1-7 0,-2 5 0,-1-5 0</inkml:trace>
+</inkml:ink>
+</file>
+
+<file path=ppt/ink/ink62.xml><?xml version="1.0" encoding="utf-8"?>
+<inkml:ink xmlns:inkml="http://www.w3.org/2003/InkML">
+  <inkml:definitions>
+    <inkml:context xml:id="ctx0">
+      <inkml:inkSource xml:id="inkSrc0">
+        <inkml:traceFormat>
+          <inkml:channel name="X" type="integer" min="-2.14748E9" max="2.14748E9" units="cm"/>
+          <inkml:channel name="Y" type="integer" min="-2.14748E9" max="2.14748E9" units="cm"/>
+          <inkml:channel name="F" type="integer" max="32767" units="dev"/>
+        </inkml:traceFormat>
+        <inkml:channelProperties>
+          <inkml:channelProperty channel="X" name="resolution" value="1000" units="1/cm"/>
+          <inkml:channelProperty channel="Y" name="resolution" value="1000" units="1/cm"/>
+          <inkml:channelProperty channel="F" name="resolution" value="0" units="1/dev"/>
+        </inkml:channelProperties>
+      </inkml:inkSource>
+      <inkml:timestamp xml:id="ts0" timeString="2026-01-27T07:42:22.084"/>
+    </inkml:context>
+    <inkml:brush xml:id="br0">
+      <inkml:brushProperty name="width" value="0.2" units="cm"/>
+      <inkml:brushProperty name="height" value="1.2" units="cm"/>
+      <inkml:brushProperty name="color" value="#FFFFFF"/>
+      <inkml:brushProperty name="inkEffects" value="pencil"/>
+    </inkml:brush>
+  </inkml:definitions>
+  <inkml:trace contextRef="#ctx0" brushRef="#br0">0 0 16383,'14'17'0,"-3"-3"0,-3 0 0,-5-4 0,1-2 0,-3 2 0,3-2 0,-3 2 0,1 0 0,1 4 0,-2-2 0,5 12 0,-3-11 0,2 11 0,0-9 0,-5 10 0,3-8 0,-3 3 0,0-6 0,0-2 0,0 2 0,0 0 0,0-3 0,0 3 0,0-4 0,0 0 0,0-2 0,0 2 0,0-2 0,0 0 0,0 2 0,0-2 0,0 12 0,-2-7 0,1 11 0,-1-12 0,2 2 0,0-6 0,0-1 0,0-2 0,-8-17 0,7 5 0,-7-14 0,5 7 0,-1-7 0,-3 0 0,3-4 0,-2 0 0,2 4 0,-1-10 0,0 10 0,4-4 0,-2 10 0,3 1 0,-3 0 0,3-2 0,-3-2 0,3 3 0,0 0 0,0 1 0,0 5 0,2-2 0,1 6 0,0 0 0,1 2 0,2 0 0,6-1 0,-1 0 0,4-3 0,-4 2 0,9-2 0,-7 4 0,7-3 0,-12 5 0,0-1 0,-5 0 0,3 1 0,-2-1 0,3 2 0,-2 0 0,3 0 0,-3 0 0,3 0 0,-3 0 0,0 0 0,2 0 0,10 0 0,-5 0 0,7 0 0,-9 0 0,-2 0 0,2 0 0,-5 0 0,5 2 0,-4 3 0,3-1 0,-3 0 0,4 1 0,-5-4 0,3 3 0,-1-4 0,-3 3 0,3-3 0,-5 5 0,3-2 0,1 2 0,1 0 0,-1 0 0,1 0 0,0 0 0,-1 0 0,-1 0 0,2 0 0,-3 3 0,3-3 0,-2 3 0,0-1 0,0 1 0,3 3 0,-3-4 0,3 3 0,-3-4 0,-2 4 0,1-5 0,-3 3 0,1-3 0,-2 0 0,0 0 0,0 2 0,0-1 0,0 4 0,2-2 0,-1 2 0,1 0 0,-2-2 0,0 0 0,0-3 0,0 0 0,0 0 0,0 0 0,-2 0 0,1 0 0,-1 0 0,0 3 0,1-3 0,-1 3 0,-1-3 0,3 2 0,-5-3 0,5 5 0,-5-8 0,4 8 0,-3-5 0,3 3 0,-1-2 0,2 0 0,0 0 0,-2 0 0,1 0 0,-1 1 0,-1-1 0,1 0 0</inkml:trace>
+</inkml:ink>
+</file>
+
+<file path=ppt/ink/ink63.xml><?xml version="1.0" encoding="utf-8"?>
+<inkml:ink xmlns:inkml="http://www.w3.org/2003/InkML">
+  <inkml:definitions>
+    <inkml:context xml:id="ctx0">
+      <inkml:inkSource xml:id="inkSrc0">
+        <inkml:traceFormat>
+          <inkml:channel name="X" type="integer" min="-2.14748E9" max="2.14748E9" units="cm"/>
+          <inkml:channel name="Y" type="integer" min="-2.14748E9" max="2.14748E9" units="cm"/>
+          <inkml:channel name="F" type="integer" max="32767" units="dev"/>
+        </inkml:traceFormat>
+        <inkml:channelProperties>
+          <inkml:channelProperty channel="X" name="resolution" value="1000" units="1/cm"/>
+          <inkml:channelProperty channel="Y" name="resolution" value="1000" units="1/cm"/>
+          <inkml:channelProperty channel="F" name="resolution" value="0" units="1/dev"/>
+        </inkml:channelProperties>
+      </inkml:inkSource>
+      <inkml:timestamp xml:id="ts0" timeString="2026-01-27T07:42:23.364"/>
+    </inkml:context>
+    <inkml:brush xml:id="br0">
+      <inkml:brushProperty name="width" value="0.2" units="cm"/>
+      <inkml:brushProperty name="height" value="1.2" units="cm"/>
+      <inkml:brushProperty name="color" value="#FFFFFF"/>
+      <inkml:brushProperty name="inkEffects" value="pencil"/>
+    </inkml:brush>
+  </inkml:definitions>
+  <inkml:trace contextRef="#ctx0" brushRef="#br0">75 0 16383,'0'16'0,"-2"-1"0,1-5 0,-1 0 0,2 11 0,0-4 0,0 8 0,-4 0 0,3-9 0,-3 15 0,2-14 0,1 29 0,-5-22 0,6 16 0,-3-21 0,3-4 0,0-1 0,-2-4 0,1 0 0,-4 1 0,5 3 0,-3 7 0,1 0 0,1 10 0,-2-10 0,3 0 0,0-7 0,0-4 0,0-2 0,0 2 0,0-4 0,0 1 0,0 1 0,0-3 0,0 5 0,0 2 0,0-1 0,0 7 0,0-7 0,0 1 0,0-3 0,0-3 0,0 1 0,0-1 0,0-1 0,0 0 0,0 2 0,0 1 0,0 0 0,0 6 0,0-6 0,0 23 0,2-16 0,-1 9 0,1-16 0,-2-3 0,0 0 0,-7-2 0,3-1 0,-8-2 0,6-2 0,1 1 0,3-1 0</inkml:trace>
+</inkml:ink>
+</file>
+
+<file path=ppt/ink/ink64.xml><?xml version="1.0" encoding="utf-8"?>
+<inkml:ink xmlns:inkml="http://www.w3.org/2003/InkML">
+  <inkml:definitions>
+    <inkml:context xml:id="ctx0">
+      <inkml:inkSource xml:id="inkSrc0">
+        <inkml:traceFormat>
+          <inkml:channel name="X" type="integer" min="-2.14748E9" max="2.14748E9" units="cm"/>
+          <inkml:channel name="Y" type="integer" min="-2.14748E9" max="2.14748E9" units="cm"/>
+          <inkml:channel name="F" type="integer" max="32767" units="dev"/>
+        </inkml:traceFormat>
+        <inkml:channelProperties>
+          <inkml:channelProperty channel="X" name="resolution" value="1000" units="1/cm"/>
+          <inkml:channelProperty channel="Y" name="resolution" value="1000" units="1/cm"/>
+          <inkml:channelProperty channel="F" name="resolution" value="0" units="1/dev"/>
+        </inkml:channelProperties>
+      </inkml:inkSource>
+      <inkml:timestamp xml:id="ts0" timeString="2026-01-27T07:42:24.664"/>
+    </inkml:context>
+    <inkml:brush xml:id="br0">
+      <inkml:brushProperty name="width" value="0.2" units="cm"/>
+      <inkml:brushProperty name="height" value="1.2" units="cm"/>
+      <inkml:brushProperty name="color" value="#FFFFFF"/>
+      <inkml:brushProperty name="inkEffects" value="pencil"/>
+    </inkml:brush>
+  </inkml:definitions>
+  <inkml:trace contextRef="#ctx0" brushRef="#br0">1 32 16383,'13'0'0,"-1"0"0,-7 0 0,1 0 0,-1 0 0,0 0 0,2-3 0,-1 3 0,1-2 0,-2 2 0,0 0 0,0 0 0,1 0 0,-1 0 0,0 0 0,0 0 0,2 0 0,-1-3 0,1 3 0,-2-3 0,1 3 0,-1 0 0,0 0 0,2 0 0,-1 0 0,4-2 0,-5 1 0,5-1 0,-2 2 0,0 0 0,2 0 0,-2 0 0,0 0 0,-1-2 0,-2 1 0,2-1 0,-1 2 0,2 0 0,-3-2 0,0 1 0,0-1 0,0 2 0,0 0 0,0 0 0,0 0 0,0 0 0,0 0 0,1 0 0,-1 0 0,0 0 0,0-3 0,0 3 0,0-2 0,0 2 0,5 0 0,-4 0 0,6 0 0,-6 0 0,1 0 0,-2 0 0,0 0 0</inkml:trace>
+</inkml:ink>
+</file>
+
+<file path=ppt/ink/ink65.xml><?xml version="1.0" encoding="utf-8"?>
+<inkml:ink xmlns:inkml="http://www.w3.org/2003/InkML">
+  <inkml:definitions>
+    <inkml:context xml:id="ctx0">
+      <inkml:inkSource xml:id="inkSrc0">
+        <inkml:traceFormat>
+          <inkml:channel name="X" type="integer" min="-2.14748E9" max="2.14748E9" units="cm"/>
+          <inkml:channel name="Y" type="integer" min="-2.14748E9" max="2.14748E9" units="cm"/>
+          <inkml:channel name="F" type="integer" max="32767" units="dev"/>
+        </inkml:traceFormat>
+        <inkml:channelProperties>
+          <inkml:channelProperty channel="X" name="resolution" value="1000" units="1/cm"/>
+          <inkml:channelProperty channel="Y" name="resolution" value="1000" units="1/cm"/>
+          <inkml:channelProperty channel="F" name="resolution" value="0" units="1/dev"/>
+        </inkml:channelProperties>
+      </inkml:inkSource>
+      <inkml:timestamp xml:id="ts0" timeString="2026-01-27T07:42:39.643"/>
+    </inkml:context>
+    <inkml:brush xml:id="br0">
+      <inkml:brushProperty name="width" value="0.2" units="cm"/>
+      <inkml:brushProperty name="height" value="1.2" units="cm"/>
+      <inkml:brushProperty name="color" value="#FFFFFF"/>
+      <inkml:brushProperty name="inkEffects" value="pencil"/>
+    </inkml:brush>
+  </inkml:definitions>
+  <inkml:trace contextRef="#ctx0" brushRef="#br0">1 0 16383,'0'0'0</inkml:trace>
 </inkml:ink>
 </file>
 
@@ -335,7 +3780,7 @@
           <inkml:channelProperty channel="F" name="resolution" value="0" units="1/dev"/>
         </inkml:channelProperties>
       </inkml:inkSource>
-      <inkml:timestamp xml:id="ts0" timeString="2026-01-13T08:34:38.980"/>
+      <inkml:timestamp xml:id="ts0" timeString="2026-01-27T07:18:18.675"/>
     </inkml:context>
     <inkml:brush xml:id="br0">
       <inkml:brushProperty name="width" value="0.2" units="cm"/>
@@ -344,7 +3789,7 @@
       <inkml:brushProperty name="inkEffects" value="pencil"/>
     </inkml:brush>
   </inkml:definitions>
-  <inkml:trace contextRef="#ctx0" brushRef="#br0">1 1 16383,'17'0'0,"-2"0"0,-7 0 0,0 0 0,-1 0 0,1 0 0,0 0 0,-1 1 0,0 2 0,0 0 0,0 2 0,0 0 0,1 1 0,-1-1 0,1 1 0,0-2 0,0 2 0,0-1 0,-1 0 0,1 0 0,0 1 0,2-2 0,0 2 0,0-1 0,0 0 0,-1 0 0,2-2 0,0 0 0,0 1 0,-1 0 0,-1 1 0,-1-1 0,0 2 0,0 0 0,0 0 0,0 1 0,0 1 0,0 0 0,-1 0 0,3 0 0,0-1 0,1 1 0,0-1 0,-3-1 0,2 2 0,-1 0 0,-1 0 0,0 0 0,-1-1 0,1 1 0,0-1 0,0 1 0,0 0 0,0 0 0,0 2 0,0 3 0,1 2 0,1 1 0,1 1 0,-1-1 0,-1-3 0,-2-2 0,0-2 0,-1-1 0,0 1 0,0-1 0,0 2 0,2 0 0,2 3 0,1 1 0,0-1 0,-1 2 0,-2-3 0,0-2 0,-2-1 0,-2-2 0,-3 0 0,-1-1 0,0 2 0,0 0 0,0 0 0,0 0 0,0 0 0,0 0 0,0-1 0,0 1 0,0-1 0,0 1 0,0 0 0,2 2 0,0 3 0,1 2 0,1 2 0,-1-1 0,1-3 0,-2-2 0,0-2 0,0-1 0,-2 0 0,0 0 0,0-3 0,-11-12 0,5 2 0,-9-8 0,8 11 0,1 0 0,-1 1 0,-1-1 0,0 0 0,-1 0 0,-2 2 0,1-2 0,-2 0 0,1 0 0,0 0 0,1 2 0,1 0 0,2-2 0,-3-2 0,-2-2 0,1-1 0,0 0 0,3 0 0,0 0 0,0 0 0,0 1 0,0 0 0,0 0 0,0 0 0,0 0 0,0 2 0,0 0 0,0 0 0,0 2 0,0-2 0,0 2 0,1 0 0,-1-1 0,-3 0 0,0 1 0,-1 0 0,1 2 0,3-1 0,0 1 0,0 0 0,0 0 0,0 0 0,1 0 0,0 0 0,2 1 0,1 3 0,1 1 0,8 2 0,-1 1 0,6-2 0,-4-2 0,1 0 0,1-1 0,3 2 0,3 1 0,2 3 0,3-1 0,1 1 0,2-2 0,3 0 0,1 0 0,3-2 0,-3 2 0,-2-2 0,-4-1 0,-2 2 0,-3 1 0,-3-1 0,0 0 0,-3-1 0,0-1 0,0 1 0,-3 0 0,0 1 0,-1 1 0,2 1 0,-1 0 0,0-2 0,-1-2 0,-1-3 0,0-12 0,-2 1 0,-2-7 0,0 3 0,3-3 0,3-1 0,3 1 0,0 2 0,-1 4 0,0 1 0,0 1 0,-1-1 0,0-1 0,0-3 0,0-1 0,2-6 0,2-1 0,0 1 0,0 2 0,-1 3 0,-1 2 0,-1 3 0,0 1 0,0 3 0,-1 1 0,-4 0 0,-1 3 0,-2 0 0</inkml:trace>
+  <inkml:trace contextRef="#ctx0" brushRef="#br0">0 0 16383,'35'33'0,"13"22"0,1 14 0,1-3 0,-16-20 0,0-1 0,25 21 0,-7-2 0,12 0 0,-27-23 0,-5-9 0,-2-2 0,-22-22 0,2 6 0,-2-7 0,-7 1 0,4-5 0,-2 1 0</inkml:trace>
 </inkml:ink>
 </file>
 
@@ -364,7 +3809,7 @@
           <inkml:channelProperty channel="F" name="resolution" value="0" units="1/dev"/>
         </inkml:channelProperties>
       </inkml:inkSource>
-      <inkml:timestamp xml:id="ts0" timeString="2026-01-13T08:35:44.901"/>
+      <inkml:timestamp xml:id="ts0" timeString="2026-01-27T07:18:34.312"/>
     </inkml:context>
     <inkml:brush xml:id="br0">
       <inkml:brushProperty name="width" value="0.2" units="cm"/>
@@ -373,7 +3818,36 @@
       <inkml:brushProperty name="inkEffects" value="pencil"/>
     </inkml:brush>
   </inkml:definitions>
-  <inkml:trace contextRef="#ctx0" brushRef="#br0">1 0 16383,'0'0'0</inkml:trace>
+  <inkml:trace contextRef="#ctx0" brushRef="#br0">1 173 16383,'21'0'0,"-1"0"0,6 0 0,3 0 0,16 0 0,7 0 0,1-8 0,-1 6 0,35-19 0,-36 10 0,26-8 0,-44 9 0,-5 3 0,-11 1 0,-2 2 0,-11 2 0,-2 0 0,6 0 0,-3-4 0,5 3 0,-5-3 0,1 6 0,-4-4 0,7-1 0,7-5 0,6 1 0,6-1 0,0 0 0,-6 5 0,-1-3 0,-10 7 0,-4-1 0,-5 2 0</inkml:trace>
+</inkml:ink>
+</file>
+
+<file path=ppt/ink/ink9.xml><?xml version="1.0" encoding="utf-8"?>
+<inkml:ink xmlns:inkml="http://www.w3.org/2003/InkML">
+  <inkml:definitions>
+    <inkml:context xml:id="ctx0">
+      <inkml:inkSource xml:id="inkSrc0">
+        <inkml:traceFormat>
+          <inkml:channel name="X" type="integer" min="-2.14748E9" max="2.14748E9" units="cm"/>
+          <inkml:channel name="Y" type="integer" min="-2.14748E9" max="2.14748E9" units="cm"/>
+          <inkml:channel name="F" type="integer" max="32767" units="dev"/>
+        </inkml:traceFormat>
+        <inkml:channelProperties>
+          <inkml:channelProperty channel="X" name="resolution" value="1000" units="1/cm"/>
+          <inkml:channelProperty channel="Y" name="resolution" value="1000" units="1/cm"/>
+          <inkml:channelProperty channel="F" name="resolution" value="0" units="1/dev"/>
+        </inkml:channelProperties>
+      </inkml:inkSource>
+      <inkml:timestamp xml:id="ts0" timeString="2026-01-27T07:18:36.450"/>
+    </inkml:context>
+    <inkml:brush xml:id="br0">
+      <inkml:brushProperty name="width" value="0.2" units="cm"/>
+      <inkml:brushProperty name="height" value="1.2" units="cm"/>
+      <inkml:brushProperty name="color" value="#FFFFFF"/>
+      <inkml:brushProperty name="inkEffects" value="pencil"/>
+    </inkml:brush>
+  </inkml:definitions>
+  <inkml:trace contextRef="#ctx0" brushRef="#br0">0 0 16383,'12'30'0,"-2"0"0,-3-2 0,5 10 0,-4-2 0,8 14 0,-10-14 0,5 7 0,-6-3 0,3 7 0,-3-6 0,2 2 0,-6-14 0,2 10 0,0-10 0,-2 9 0,2-4 0,1 6 0,-3 0 0,2-6 0,-3 4 0,0-9 0,0 4 0,0 0 0,0-4 0,0 4 0,4 0 0,-4 2 0,4 4 0,-4 1 0,3 0 0,-2-6 0,3-1 0,-4 0 0,0-9 0,0 7 0,0-14 0,0 4 0,0-5 0,0-4 0,0 3 0,0 8 0,0-8 0,0 11 0,0-14 0,-3 9 0,2 2 0,-4-1 0,4 4 0,-3-14 0,3 3 0,-1-11 0,2 0 0,0 4 0,0-3 0,0 5 0,-2-5 0,2 1 0,-2 0 0,0-1 0,0 1 0,-1-1 0,-1 1 0,4-2 0,-2 3 0</inkml:trace>
 </inkml:ink>
 </file>
 
@@ -459,7 +3933,7 @@
           <a:p>
             <a:fld id="{86832960-581F-B54D-B2E3-BC5EB6C2DE50}" type="datetimeFigureOut">
               <a:rPr lang="en-US" smtClean="0"/>
-              <a:t>1/13/26</a:t>
+              <a:t>1/27/26</a:t>
             </a:fld>
             <a:endParaRPr lang="en-US"/>
           </a:p>
@@ -726,90 +4200,6 @@
 </p:notesMaster>
 </file>
 
-<file path=ppt/notesSlides/notesSlide1.xml><?xml version="1.0" encoding="utf-8"?>
-<p:notes xmlns:a="http://schemas.openxmlformats.org/drawingml/2006/main" xmlns:r="http://schemas.openxmlformats.org/officeDocument/2006/relationships" xmlns:p="http://schemas.openxmlformats.org/presentationml/2006/main">
-  <p:cSld>
-    <p:spTree>
-      <p:nvGrpSpPr>
-        <p:cNvPr id="1" name=""/>
-        <p:cNvGrpSpPr/>
-        <p:nvPr/>
-      </p:nvGrpSpPr>
-      <p:grpSpPr>
-        <a:xfrm>
-          <a:off x="0" y="0"/>
-          <a:ext cx="0" cy="0"/>
-          <a:chOff x="0" y="0"/>
-          <a:chExt cx="0" cy="0"/>
-        </a:xfrm>
-      </p:grpSpPr>
-      <p:sp>
-        <p:nvSpPr>
-          <p:cNvPr id="2" name="Slide Image Placeholder 1"/>
-          <p:cNvSpPr>
-            <a:spLocks noGrp="1" noRot="1" noChangeAspect="1"/>
-          </p:cNvSpPr>
-          <p:nvPr>
-            <p:ph type="sldImg"/>
-          </p:nvPr>
-        </p:nvSpPr>
-        <p:spPr/>
-      </p:sp>
-      <p:sp>
-        <p:nvSpPr>
-          <p:cNvPr id="3" name="Notes Placeholder 2"/>
-          <p:cNvSpPr>
-            <a:spLocks noGrp="1"/>
-          </p:cNvSpPr>
-          <p:nvPr>
-            <p:ph type="body" idx="1"/>
-          </p:nvPr>
-        </p:nvSpPr>
-        <p:spPr/>
-        <p:txBody>
-          <a:bodyPr/>
-          <a:lstStyle/>
-          <a:p>
-            <a:endParaRPr lang="en-US" dirty="0"/>
-          </a:p>
-        </p:txBody>
-      </p:sp>
-      <p:sp>
-        <p:nvSpPr>
-          <p:cNvPr id="4" name="Slide Number Placeholder 3"/>
-          <p:cNvSpPr>
-            <a:spLocks noGrp="1"/>
-          </p:cNvSpPr>
-          <p:nvPr>
-            <p:ph type="sldNum" sz="quarter" idx="5"/>
-          </p:nvPr>
-        </p:nvSpPr>
-        <p:spPr/>
-        <p:txBody>
-          <a:bodyPr/>
-          <a:lstStyle/>
-          <a:p>
-            <a:fld id="{E8DC9F01-16E9-4D4E-B437-1643331BDE5B}" type="slidenum">
-              <a:rPr lang="en-US" smtClean="0"/>
-              <a:t>1</a:t>
-            </a:fld>
-            <a:endParaRPr lang="en-US"/>
-          </a:p>
-        </p:txBody>
-      </p:sp>
-    </p:spTree>
-    <p:extLst>
-      <p:ext uri="{BB962C8B-B14F-4D97-AF65-F5344CB8AC3E}">
-        <p14:creationId xmlns:p14="http://schemas.microsoft.com/office/powerpoint/2010/main" val="585087066"/>
-      </p:ext>
-    </p:extLst>
-  </p:cSld>
-  <p:clrMapOvr>
-    <a:masterClrMapping/>
-  </p:clrMapOvr>
-</p:notes>
-</file>
-
 <file path=ppt/slideLayouts/slideLayout1.xml><?xml version="1.0" encoding="utf-8"?>
 <p:sldLayout xmlns:a="http://schemas.openxmlformats.org/drawingml/2006/main" xmlns:r="http://schemas.openxmlformats.org/officeDocument/2006/relationships" xmlns:p="http://schemas.openxmlformats.org/presentationml/2006/main" type="title" preserve="1">
   <p:cSld name="Title Slide">
@@ -995,7 +4385,7 @@
           <a:p>
             <a:fld id="{88D38747-4367-4BD2-8D51-C97E202738E2}" type="datetime1">
               <a:rPr lang="en-US" smtClean="0"/>
-              <a:t>1/13/26</a:t>
+              <a:t>1/27/26</a:t>
             </a:fld>
             <a:endParaRPr lang="en-US" dirty="0"/>
           </a:p>
@@ -1300,7 +4690,7 @@
           <a:p>
             <a:fld id="{11F1B079-7EF0-44EE-B798-BCC497C9F3B2}" type="datetime1">
               <a:rPr lang="en-US" smtClean="0"/>
-              <a:t>1/13/26</a:t>
+              <a:t>1/27/26</a:t>
             </a:fld>
             <a:endParaRPr lang="en-US" dirty="0"/>
           </a:p>
@@ -1494,7 +4884,7 @@
           <a:p>
             <a:fld id="{28FF70A8-1D13-4657-95F0-A9EA54967B8D}" type="datetime1">
               <a:rPr lang="en-US" smtClean="0"/>
-              <a:t>1/13/26</a:t>
+              <a:t>1/27/26</a:t>
             </a:fld>
             <a:endParaRPr lang="en-US" dirty="0"/>
           </a:p>
@@ -1757,7 +5147,7 @@
           <a:p>
             <a:fld id="{21EB90AC-71BD-4C7F-8ACA-7B3F18292E63}" type="datetime1">
               <a:rPr lang="en-US" smtClean="0"/>
-              <a:t>1/13/26</a:t>
+              <a:t>1/27/26</a:t>
             </a:fld>
             <a:endParaRPr lang="en-US" dirty="0"/>
           </a:p>
@@ -2193,7 +5583,7 @@
           <a:p>
             <a:fld id="{4E6EFC2C-8905-46F0-B443-CE905B76BA01}" type="datetime1">
               <a:rPr lang="en-US" smtClean="0"/>
-              <a:t>1/13/26</a:t>
+              <a:t>1/27/26</a:t>
             </a:fld>
             <a:endParaRPr lang="en-US" dirty="0"/>
           </a:p>
@@ -2730,7 +6120,7 @@
           <a:p>
             <a:fld id="{D9079DC3-C9B5-499E-9140-0DC28B7074E2}" type="datetime1">
               <a:rPr lang="en-US" smtClean="0"/>
-              <a:t>1/13/26</a:t>
+              <a:t>1/27/26</a:t>
             </a:fld>
             <a:endParaRPr lang="en-US" dirty="0"/>
           </a:p>
@@ -3612,7 +7002,7 @@
           <a:p>
             <a:fld id="{30BB33EA-E472-4D22-9C03-A9C14AA21CED}" type="datetime1">
               <a:rPr lang="en-US" smtClean="0"/>
-              <a:t>1/13/26</a:t>
+              <a:t>1/27/26</a:t>
             </a:fld>
             <a:endParaRPr lang="en-US" dirty="0"/>
           </a:p>
@@ -3782,7 +7172,7 @@
           <a:p>
             <a:fld id="{217E833E-1B6D-415F-AD29-75AE8C43BD0D}" type="datetime1">
               <a:rPr lang="en-US" smtClean="0"/>
-              <a:t>1/13/26</a:t>
+              <a:t>1/27/26</a:t>
             </a:fld>
             <a:endParaRPr lang="en-US" dirty="0"/>
           </a:p>
@@ -3966,7 +7356,7 @@
           <a:p>
             <a:fld id="{8452596F-08A7-4B70-989A-F2B1CF31E66B}" type="datetime1">
               <a:rPr lang="en-US" smtClean="0"/>
-              <a:t>1/13/26</a:t>
+              <a:t>1/27/26</a:t>
             </a:fld>
             <a:endParaRPr lang="en-US" dirty="0"/>
           </a:p>
@@ -4136,7 +7526,7 @@
           <a:p>
             <a:fld id="{73C55A3C-5767-4844-A0A3-83778C2E5409}" type="datetime1">
               <a:rPr lang="en-US" smtClean="0"/>
-              <a:t>1/13/26</a:t>
+              <a:t>1/27/26</a:t>
             </a:fld>
             <a:endParaRPr lang="en-US" dirty="0"/>
           </a:p>
@@ -4380,7 +7770,7 @@
           <a:p>
             <a:fld id="{CAE507A8-A5CF-4D38-AB86-7EDDA87A85D4}" type="datetime1">
               <a:rPr lang="en-US" smtClean="0"/>
-              <a:t>1/13/26</a:t>
+              <a:t>1/27/26</a:t>
             </a:fld>
             <a:endParaRPr lang="en-US" dirty="0"/>
           </a:p>
@@ -4622,7 +8012,7 @@
           <a:p>
             <a:fld id="{BDFCD27C-8599-43EF-BA1D-14DDC1946E06}" type="datetime1">
               <a:rPr lang="en-US" smtClean="0"/>
-              <a:t>1/13/26</a:t>
+              <a:t>1/27/26</a:t>
             </a:fld>
             <a:endParaRPr lang="en-US" dirty="0"/>
           </a:p>
@@ -5103,7 +8493,7 @@
           <a:p>
             <a:fld id="{49343D99-809A-49C0-96E5-4250D0B498EE}" type="datetime1">
               <a:rPr lang="en-US" smtClean="0"/>
-              <a:t>1/13/26</a:t>
+              <a:t>1/27/26</a:t>
             </a:fld>
             <a:endParaRPr lang="en-US" dirty="0"/>
           </a:p>
@@ -5221,7 +8611,7 @@
           <a:p>
             <a:fld id="{A143DE9B-B678-4EFB-BB7D-A4370204A0B0}" type="datetime1">
               <a:rPr lang="en-US" smtClean="0"/>
-              <a:t>1/13/26</a:t>
+              <a:t>1/27/26</a:t>
             </a:fld>
             <a:endParaRPr lang="en-US" dirty="0"/>
           </a:p>
@@ -5316,7 +8706,7 @@
           <a:p>
             <a:fld id="{E68812DA-F765-4142-A6A3-A8ED7235E082}" type="datetime1">
               <a:rPr lang="en-US" smtClean="0"/>
-              <a:t>1/13/26</a:t>
+              <a:t>1/27/26</a:t>
             </a:fld>
             <a:endParaRPr lang="en-US" dirty="0"/>
           </a:p>
@@ -5571,7 +8961,7 @@
           <a:p>
             <a:fld id="{3E0277FD-7DE6-41D4-930D-AC99F5AFE54E}" type="datetime1">
               <a:rPr lang="en-US" smtClean="0"/>
-              <a:t>1/13/26</a:t>
+              <a:t>1/27/26</a:t>
             </a:fld>
             <a:endParaRPr lang="en-US" dirty="0"/>
           </a:p>
@@ -5878,7 +9268,7 @@
           <a:p>
             <a:fld id="{9EA15526-7079-4B7B-987C-1B5FAE11A0FF}" type="datetime1">
               <a:rPr lang="en-US" smtClean="0"/>
-              <a:t>1/13/26</a:t>
+              <a:t>1/27/26</a:t>
             </a:fld>
             <a:endParaRPr lang="en-US" dirty="0"/>
           </a:p>
@@ -6113,7 +9503,7 @@
           <a:p>
             <a:fld id="{073ED0CC-082F-4160-86E5-0D6041F12778}" type="datetime1">
               <a:rPr lang="en-US" smtClean="0"/>
-              <a:t>1/13/26</a:t>
+              <a:t>1/27/26</a:t>
             </a:fld>
             <a:endParaRPr lang="en-US" dirty="0"/>
           </a:p>
@@ -6806,12 +10196,564 @@
           <a:chExt cx="0" cy="0"/>
         </a:xfrm>
       </p:grpSpPr>
+      <p:grpSp>
+        <p:nvGrpSpPr>
+          <p:cNvPr id="34" name="Group 33">
+            <a:extLst>
+              <a:ext uri="{FF2B5EF4-FFF2-40B4-BE49-F238E27FC236}">
+                <a16:creationId xmlns:a16="http://schemas.microsoft.com/office/drawing/2014/main" id="{AECC04E8-2031-95D1-4E64-5761A4B20C77}"/>
+              </a:ext>
+            </a:extLst>
+          </p:cNvPr>
+          <p:cNvGrpSpPr/>
+          <p:nvPr/>
+        </p:nvGrpSpPr>
+        <p:grpSpPr>
+          <a:xfrm>
+            <a:off x="4609740" y="563636"/>
+            <a:ext cx="474480" cy="662760"/>
+            <a:chOff x="3520836" y="486855"/>
+            <a:chExt cx="474480" cy="662760"/>
+          </a:xfrm>
+        </p:grpSpPr>
+        <mc:AlternateContent xmlns:mc="http://schemas.openxmlformats.org/markup-compatibility/2006">
+          <mc:Choice xmlns:p14="http://schemas.microsoft.com/office/powerpoint/2010/main" xmlns:aink="http://schemas.microsoft.com/office/drawing/2016/ink" Requires="p14 aink">
+            <p:contentPart p14:bwMode="auto" r:id="rId2">
+              <p14:nvContentPartPr>
+                <p14:cNvPr id="24" name="Ink 23">
+                  <a:extLst>
+                    <a:ext uri="{FF2B5EF4-FFF2-40B4-BE49-F238E27FC236}">
+                      <a16:creationId xmlns:a16="http://schemas.microsoft.com/office/drawing/2014/main" id="{0DF00B21-2AB9-ABBE-76F0-512DEC20237D}"/>
+                    </a:ext>
+                  </a:extLst>
+                </p14:cNvPr>
+                <p14:cNvContentPartPr/>
+                <p14:nvPr/>
+              </p14:nvContentPartPr>
+              <p14:xfrm>
+                <a:off x="3520836" y="703935"/>
+                <a:ext cx="73800" cy="445680"/>
+              </p14:xfrm>
+            </p:contentPart>
+          </mc:Choice>
+          <mc:Fallback>
+            <p:pic>
+              <p:nvPicPr>
+                <p:cNvPr id="24" name="Ink 23">
+                  <a:extLst>
+                    <a:ext uri="{FF2B5EF4-FFF2-40B4-BE49-F238E27FC236}">
+                      <a16:creationId xmlns:a16="http://schemas.microsoft.com/office/drawing/2014/main" id="{0DF00B21-2AB9-ABBE-76F0-512DEC20237D}"/>
+                    </a:ext>
+                  </a:extLst>
+                </p:cNvPr>
+                <p:cNvPicPr/>
+                <p:nvPr/>
+              </p:nvPicPr>
+              <p:blipFill>
+                <a:blip r:embed="rId3"/>
+                <a:stretch>
+                  <a:fillRect/>
+                </a:stretch>
+              </p:blipFill>
+              <p:spPr>
+                <a:xfrm>
+                  <a:off x="3484836" y="488295"/>
+                  <a:ext cx="145440" cy="877320"/>
+                </a:xfrm>
+                <a:prstGeom prst="rect">
+                  <a:avLst/>
+                </a:prstGeom>
+              </p:spPr>
+            </p:pic>
+          </mc:Fallback>
+        </mc:AlternateContent>
+        <mc:AlternateContent xmlns:mc="http://schemas.openxmlformats.org/markup-compatibility/2006">
+          <mc:Choice xmlns:p14="http://schemas.microsoft.com/office/powerpoint/2010/main" xmlns:aink="http://schemas.microsoft.com/office/drawing/2016/ink" Requires="p14 aink">
+            <p:contentPart p14:bwMode="auto" r:id="rId4">
+              <p14:nvContentPartPr>
+                <p14:cNvPr id="25" name="Ink 24">
+                  <a:extLst>
+                    <a:ext uri="{FF2B5EF4-FFF2-40B4-BE49-F238E27FC236}">
+                      <a16:creationId xmlns:a16="http://schemas.microsoft.com/office/drawing/2014/main" id="{8C5B5E56-E822-AF6A-E46E-B708DB506B86}"/>
+                    </a:ext>
+                  </a:extLst>
+                </p14:cNvPr>
+                <p14:cNvContentPartPr/>
+                <p14:nvPr/>
+              </p14:nvContentPartPr>
+              <p14:xfrm>
+                <a:off x="3724956" y="774855"/>
+                <a:ext cx="270360" cy="310320"/>
+              </p14:xfrm>
+            </p:contentPart>
+          </mc:Choice>
+          <mc:Fallback>
+            <p:pic>
+              <p:nvPicPr>
+                <p:cNvPr id="25" name="Ink 24">
+                  <a:extLst>
+                    <a:ext uri="{FF2B5EF4-FFF2-40B4-BE49-F238E27FC236}">
+                      <a16:creationId xmlns:a16="http://schemas.microsoft.com/office/drawing/2014/main" id="{8C5B5E56-E822-AF6A-E46E-B708DB506B86}"/>
+                    </a:ext>
+                  </a:extLst>
+                </p:cNvPr>
+                <p:cNvPicPr/>
+                <p:nvPr/>
+              </p:nvPicPr>
+              <p:blipFill>
+                <a:blip r:embed="rId5"/>
+                <a:stretch>
+                  <a:fillRect/>
+                </a:stretch>
+              </p:blipFill>
+              <p:spPr>
+                <a:xfrm>
+                  <a:off x="3688956" y="559215"/>
+                  <a:ext cx="342000" cy="741960"/>
+                </a:xfrm>
+                <a:prstGeom prst="rect">
+                  <a:avLst/>
+                </a:prstGeom>
+              </p:spPr>
+            </p:pic>
+          </mc:Fallback>
+        </mc:AlternateContent>
+        <mc:AlternateContent xmlns:mc="http://schemas.openxmlformats.org/markup-compatibility/2006">
+          <mc:Choice xmlns:p14="http://schemas.microsoft.com/office/powerpoint/2010/main" xmlns:aink="http://schemas.microsoft.com/office/drawing/2016/ink" Requires="p14 aink">
+            <p:contentPart p14:bwMode="auto" r:id="rId6">
+              <p14:nvContentPartPr>
+                <p14:cNvPr id="32" name="Ink 31">
+                  <a:extLst>
+                    <a:ext uri="{FF2B5EF4-FFF2-40B4-BE49-F238E27FC236}">
+                      <a16:creationId xmlns:a16="http://schemas.microsoft.com/office/drawing/2014/main" id="{9D94B8ED-0013-3518-DB5C-8E1D9DDA8E91}"/>
+                    </a:ext>
+                  </a:extLst>
+                </p14:cNvPr>
+                <p14:cNvContentPartPr/>
+                <p14:nvPr/>
+              </p14:nvContentPartPr>
+              <p14:xfrm>
+                <a:off x="3630996" y="486855"/>
+                <a:ext cx="65520" cy="68760"/>
+              </p14:xfrm>
+            </p:contentPart>
+          </mc:Choice>
+          <mc:Fallback>
+            <p:pic>
+              <p:nvPicPr>
+                <p:cNvPr id="32" name="Ink 31">
+                  <a:extLst>
+                    <a:ext uri="{FF2B5EF4-FFF2-40B4-BE49-F238E27FC236}">
+                      <a16:creationId xmlns:a16="http://schemas.microsoft.com/office/drawing/2014/main" id="{9D94B8ED-0013-3518-DB5C-8E1D9DDA8E91}"/>
+                    </a:ext>
+                  </a:extLst>
+                </p:cNvPr>
+                <p:cNvPicPr/>
+                <p:nvPr/>
+              </p:nvPicPr>
+              <p:blipFill>
+                <a:blip r:embed="rId7"/>
+                <a:stretch>
+                  <a:fillRect/>
+                </a:stretch>
+              </p:blipFill>
+              <p:spPr>
+                <a:xfrm>
+                  <a:off x="3595356" y="270855"/>
+                  <a:ext cx="137160" cy="500400"/>
+                </a:xfrm>
+                <a:prstGeom prst="rect">
+                  <a:avLst/>
+                </a:prstGeom>
+              </p:spPr>
+            </p:pic>
+          </mc:Fallback>
+        </mc:AlternateContent>
+      </p:grpSp>
+      <p:grpSp>
+        <p:nvGrpSpPr>
+          <p:cNvPr id="75" name="Group 74">
+            <a:extLst>
+              <a:ext uri="{FF2B5EF4-FFF2-40B4-BE49-F238E27FC236}">
+                <a16:creationId xmlns:a16="http://schemas.microsoft.com/office/drawing/2014/main" id="{D1640733-2305-F5A5-B94B-9C1A5F99A0F7}"/>
+              </a:ext>
+            </a:extLst>
+          </p:cNvPr>
+          <p:cNvGrpSpPr/>
+          <p:nvPr/>
+        </p:nvGrpSpPr>
+        <p:grpSpPr>
+          <a:xfrm>
+            <a:off x="5728980" y="528356"/>
+            <a:ext cx="1753920" cy="681120"/>
+            <a:chOff x="4640076" y="451575"/>
+            <a:chExt cx="1753920" cy="681120"/>
+          </a:xfrm>
+        </p:grpSpPr>
+        <mc:AlternateContent xmlns:mc="http://schemas.openxmlformats.org/markup-compatibility/2006">
+          <mc:Choice xmlns:p14="http://schemas.microsoft.com/office/powerpoint/2010/main" xmlns:aink="http://schemas.microsoft.com/office/drawing/2016/ink" Requires="p14 aink">
+            <p:contentPart p14:bwMode="auto" r:id="rId8">
+              <p14:nvContentPartPr>
+                <p14:cNvPr id="44" name="Ink 43">
+                  <a:extLst>
+                    <a:ext uri="{FF2B5EF4-FFF2-40B4-BE49-F238E27FC236}">
+                      <a16:creationId xmlns:a16="http://schemas.microsoft.com/office/drawing/2014/main" id="{C36C7F9A-BDA1-365A-3C99-7F9082562A61}"/>
+                    </a:ext>
+                  </a:extLst>
+                </p14:cNvPr>
+                <p14:cNvContentPartPr/>
+                <p14:nvPr/>
+              </p14:nvContentPartPr>
+              <p14:xfrm>
+                <a:off x="4640076" y="764775"/>
+                <a:ext cx="242280" cy="333000"/>
+              </p14:xfrm>
+            </p:contentPart>
+          </mc:Choice>
+          <mc:Fallback>
+            <p:pic>
+              <p:nvPicPr>
+                <p:cNvPr id="44" name="Ink 43">
+                  <a:extLst>
+                    <a:ext uri="{FF2B5EF4-FFF2-40B4-BE49-F238E27FC236}">
+                      <a16:creationId xmlns:a16="http://schemas.microsoft.com/office/drawing/2014/main" id="{C36C7F9A-BDA1-365A-3C99-7F9082562A61}"/>
+                    </a:ext>
+                  </a:extLst>
+                </p:cNvPr>
+                <p:cNvPicPr/>
+                <p:nvPr/>
+              </p:nvPicPr>
+              <p:blipFill>
+                <a:blip r:embed="rId9"/>
+                <a:stretch>
+                  <a:fillRect/>
+                </a:stretch>
+              </p:blipFill>
+              <p:spPr>
+                <a:xfrm>
+                  <a:off x="4604076" y="549135"/>
+                  <a:ext cx="313920" cy="764640"/>
+                </a:xfrm>
+                <a:prstGeom prst="rect">
+                  <a:avLst/>
+                </a:prstGeom>
+              </p:spPr>
+            </p:pic>
+          </mc:Fallback>
+        </mc:AlternateContent>
+        <mc:AlternateContent xmlns:mc="http://schemas.openxmlformats.org/markup-compatibility/2006">
+          <mc:Choice xmlns:p14="http://schemas.microsoft.com/office/powerpoint/2010/main" xmlns:aink="http://schemas.microsoft.com/office/drawing/2016/ink" Requires="p14 aink">
+            <p:contentPart p14:bwMode="auto" r:id="rId10">
+              <p14:nvContentPartPr>
+                <p14:cNvPr id="45" name="Ink 44">
+                  <a:extLst>
+                    <a:ext uri="{FF2B5EF4-FFF2-40B4-BE49-F238E27FC236}">
+                      <a16:creationId xmlns:a16="http://schemas.microsoft.com/office/drawing/2014/main" id="{226F7D5E-B9FD-56F4-5261-E40513EA4342}"/>
+                    </a:ext>
+                  </a:extLst>
+                </p14:cNvPr>
+                <p14:cNvContentPartPr/>
+                <p14:nvPr/>
+              </p14:nvContentPartPr>
+              <p14:xfrm>
+                <a:off x="5073156" y="764775"/>
+                <a:ext cx="208080" cy="351720"/>
+              </p14:xfrm>
+            </p:contentPart>
+          </mc:Choice>
+          <mc:Fallback>
+            <p:pic>
+              <p:nvPicPr>
+                <p:cNvPr id="45" name="Ink 44">
+                  <a:extLst>
+                    <a:ext uri="{FF2B5EF4-FFF2-40B4-BE49-F238E27FC236}">
+                      <a16:creationId xmlns:a16="http://schemas.microsoft.com/office/drawing/2014/main" id="{226F7D5E-B9FD-56F4-5261-E40513EA4342}"/>
+                    </a:ext>
+                  </a:extLst>
+                </p:cNvPr>
+                <p:cNvPicPr/>
+                <p:nvPr/>
+              </p:nvPicPr>
+              <p:blipFill>
+                <a:blip r:embed="rId11"/>
+                <a:stretch>
+                  <a:fillRect/>
+                </a:stretch>
+              </p:blipFill>
+              <p:spPr>
+                <a:xfrm>
+                  <a:off x="5037516" y="549135"/>
+                  <a:ext cx="279720" cy="783360"/>
+                </a:xfrm>
+                <a:prstGeom prst="rect">
+                  <a:avLst/>
+                </a:prstGeom>
+              </p:spPr>
+            </p:pic>
+          </mc:Fallback>
+        </mc:AlternateContent>
+        <mc:AlternateContent xmlns:mc="http://schemas.openxmlformats.org/markup-compatibility/2006">
+          <mc:Choice xmlns:p14="http://schemas.microsoft.com/office/powerpoint/2010/main" xmlns:aink="http://schemas.microsoft.com/office/drawing/2016/ink" Requires="p14 aink">
+            <p:contentPart p14:bwMode="auto" r:id="rId12">
+              <p14:nvContentPartPr>
+                <p14:cNvPr id="46" name="Ink 45">
+                  <a:extLst>
+                    <a:ext uri="{FF2B5EF4-FFF2-40B4-BE49-F238E27FC236}">
+                      <a16:creationId xmlns:a16="http://schemas.microsoft.com/office/drawing/2014/main" id="{3B5B7DD7-8836-0C4A-C34C-08B4F0CE1FED}"/>
+                    </a:ext>
+                  </a:extLst>
+                </p14:cNvPr>
+                <p14:cNvContentPartPr/>
+                <p14:nvPr/>
+              </p14:nvContentPartPr>
+              <p14:xfrm>
+                <a:off x="5396796" y="451575"/>
+                <a:ext cx="73440" cy="681120"/>
+              </p14:xfrm>
+            </p:contentPart>
+          </mc:Choice>
+          <mc:Fallback>
+            <p:pic>
+              <p:nvPicPr>
+                <p:cNvPr id="46" name="Ink 45">
+                  <a:extLst>
+                    <a:ext uri="{FF2B5EF4-FFF2-40B4-BE49-F238E27FC236}">
+                      <a16:creationId xmlns:a16="http://schemas.microsoft.com/office/drawing/2014/main" id="{3B5B7DD7-8836-0C4A-C34C-08B4F0CE1FED}"/>
+                    </a:ext>
+                  </a:extLst>
+                </p:cNvPr>
+                <p:cNvPicPr/>
+                <p:nvPr/>
+              </p:nvPicPr>
+              <p:blipFill>
+                <a:blip r:embed="rId13"/>
+                <a:stretch>
+                  <a:fillRect/>
+                </a:stretch>
+              </p:blipFill>
+              <p:spPr>
+                <a:xfrm>
+                  <a:off x="5360796" y="235575"/>
+                  <a:ext cx="145080" cy="1112760"/>
+                </a:xfrm>
+                <a:prstGeom prst="rect">
+                  <a:avLst/>
+                </a:prstGeom>
+              </p:spPr>
+            </p:pic>
+          </mc:Fallback>
+        </mc:AlternateContent>
+        <mc:AlternateContent xmlns:mc="http://schemas.openxmlformats.org/markup-compatibility/2006">
+          <mc:Choice xmlns:p14="http://schemas.microsoft.com/office/powerpoint/2010/main" xmlns:aink="http://schemas.microsoft.com/office/drawing/2016/ink" Requires="p14 aink">
+            <p:contentPart p14:bwMode="auto" r:id="rId14">
+              <p14:nvContentPartPr>
+                <p14:cNvPr id="49" name="Ink 48">
+                  <a:extLst>
+                    <a:ext uri="{FF2B5EF4-FFF2-40B4-BE49-F238E27FC236}">
+                      <a16:creationId xmlns:a16="http://schemas.microsoft.com/office/drawing/2014/main" id="{3089A0AB-AF79-4994-3E79-52B98E300EFE}"/>
+                    </a:ext>
+                  </a:extLst>
+                </p14:cNvPr>
+                <p14:cNvContentPartPr/>
+                <p14:nvPr/>
+              </p14:nvContentPartPr>
+              <p14:xfrm>
+                <a:off x="5443236" y="893295"/>
+                <a:ext cx="201600" cy="235800"/>
+              </p14:xfrm>
+            </p:contentPart>
+          </mc:Choice>
+          <mc:Fallback>
+            <p:pic>
+              <p:nvPicPr>
+                <p:cNvPr id="49" name="Ink 48">
+                  <a:extLst>
+                    <a:ext uri="{FF2B5EF4-FFF2-40B4-BE49-F238E27FC236}">
+                      <a16:creationId xmlns:a16="http://schemas.microsoft.com/office/drawing/2014/main" id="{3089A0AB-AF79-4994-3E79-52B98E300EFE}"/>
+                    </a:ext>
+                  </a:extLst>
+                </p:cNvPr>
+                <p:cNvPicPr/>
+                <p:nvPr/>
+              </p:nvPicPr>
+              <p:blipFill>
+                <a:blip r:embed="rId15"/>
+                <a:stretch>
+                  <a:fillRect/>
+                </a:stretch>
+              </p:blipFill>
+              <p:spPr>
+                <a:xfrm>
+                  <a:off x="5407236" y="677295"/>
+                  <a:ext cx="273240" cy="667440"/>
+                </a:xfrm>
+                <a:prstGeom prst="rect">
+                  <a:avLst/>
+                </a:prstGeom>
+              </p:spPr>
+            </p:pic>
+          </mc:Fallback>
+        </mc:AlternateContent>
+        <mc:AlternateContent xmlns:mc="http://schemas.openxmlformats.org/markup-compatibility/2006">
+          <mc:Choice xmlns:p14="http://schemas.microsoft.com/office/powerpoint/2010/main" xmlns:aink="http://schemas.microsoft.com/office/drawing/2016/ink" Requires="p14 aink">
+            <p:contentPart p14:bwMode="auto" r:id="rId16">
+              <p14:nvContentPartPr>
+                <p14:cNvPr id="69" name="Ink 68">
+                  <a:extLst>
+                    <a:ext uri="{FF2B5EF4-FFF2-40B4-BE49-F238E27FC236}">
+                      <a16:creationId xmlns:a16="http://schemas.microsoft.com/office/drawing/2014/main" id="{30022A59-7FCB-13DC-8F7E-EC6C623D476B}"/>
+                    </a:ext>
+                  </a:extLst>
+                </p14:cNvPr>
+                <p14:cNvContentPartPr/>
+                <p14:nvPr/>
+              </p14:nvContentPartPr>
+              <p14:xfrm>
+                <a:off x="5439996" y="823815"/>
+                <a:ext cx="293400" cy="62640"/>
+              </p14:xfrm>
+            </p:contentPart>
+          </mc:Choice>
+          <mc:Fallback>
+            <p:pic>
+              <p:nvPicPr>
+                <p:cNvPr id="69" name="Ink 68">
+                  <a:extLst>
+                    <a:ext uri="{FF2B5EF4-FFF2-40B4-BE49-F238E27FC236}">
+                      <a16:creationId xmlns:a16="http://schemas.microsoft.com/office/drawing/2014/main" id="{30022A59-7FCB-13DC-8F7E-EC6C623D476B}"/>
+                    </a:ext>
+                  </a:extLst>
+                </p:cNvPr>
+                <p:cNvPicPr/>
+                <p:nvPr/>
+              </p:nvPicPr>
+              <p:blipFill>
+                <a:blip r:embed="rId17"/>
+                <a:stretch>
+                  <a:fillRect/>
+                </a:stretch>
+              </p:blipFill>
+              <p:spPr>
+                <a:xfrm>
+                  <a:off x="5404356" y="607815"/>
+                  <a:ext cx="365040" cy="494280"/>
+                </a:xfrm>
+                <a:prstGeom prst="rect">
+                  <a:avLst/>
+                </a:prstGeom>
+              </p:spPr>
+            </p:pic>
+          </mc:Fallback>
+        </mc:AlternateContent>
+        <mc:AlternateContent xmlns:mc="http://schemas.openxmlformats.org/markup-compatibility/2006">
+          <mc:Choice xmlns:p14="http://schemas.microsoft.com/office/powerpoint/2010/main" xmlns:aink="http://schemas.microsoft.com/office/drawing/2016/ink" Requires="p14 aink">
+            <p:contentPart p14:bwMode="auto" r:id="rId18">
+              <p14:nvContentPartPr>
+                <p14:cNvPr id="72" name="Ink 71">
+                  <a:extLst>
+                    <a:ext uri="{FF2B5EF4-FFF2-40B4-BE49-F238E27FC236}">
+                      <a16:creationId xmlns:a16="http://schemas.microsoft.com/office/drawing/2014/main" id="{C741CA22-7527-0174-BADC-7F78F84876EA}"/>
+                    </a:ext>
+                  </a:extLst>
+                </p14:cNvPr>
+                <p14:cNvContentPartPr/>
+                <p14:nvPr/>
+              </p14:nvContentPartPr>
+              <p14:xfrm>
+                <a:off x="5925276" y="522135"/>
+                <a:ext cx="51480" cy="590040"/>
+              </p14:xfrm>
+            </p:contentPart>
+          </mc:Choice>
+          <mc:Fallback>
+            <p:pic>
+              <p:nvPicPr>
+                <p:cNvPr id="72" name="Ink 71">
+                  <a:extLst>
+                    <a:ext uri="{FF2B5EF4-FFF2-40B4-BE49-F238E27FC236}">
+                      <a16:creationId xmlns:a16="http://schemas.microsoft.com/office/drawing/2014/main" id="{C741CA22-7527-0174-BADC-7F78F84876EA}"/>
+                    </a:ext>
+                  </a:extLst>
+                </p:cNvPr>
+                <p:cNvPicPr/>
+                <p:nvPr/>
+              </p:nvPicPr>
+              <p:blipFill>
+                <a:blip r:embed="rId19"/>
+                <a:stretch>
+                  <a:fillRect/>
+                </a:stretch>
+              </p:blipFill>
+              <p:spPr>
+                <a:xfrm>
+                  <a:off x="5889276" y="306135"/>
+                  <a:ext cx="123120" cy="1021680"/>
+                </a:xfrm>
+                <a:prstGeom prst="rect">
+                  <a:avLst/>
+                </a:prstGeom>
+              </p:spPr>
+            </p:pic>
+          </mc:Fallback>
+        </mc:AlternateContent>
+        <mc:AlternateContent xmlns:mc="http://schemas.openxmlformats.org/markup-compatibility/2006">
+          <mc:Choice xmlns:p14="http://schemas.microsoft.com/office/powerpoint/2010/main" xmlns:aink="http://schemas.microsoft.com/office/drawing/2016/ink" Requires="p14 aink">
+            <p:contentPart p14:bwMode="auto" r:id="rId20">
+              <p14:nvContentPartPr>
+                <p14:cNvPr id="73" name="Ink 72">
+                  <a:extLst>
+                    <a:ext uri="{FF2B5EF4-FFF2-40B4-BE49-F238E27FC236}">
+                      <a16:creationId xmlns:a16="http://schemas.microsoft.com/office/drawing/2014/main" id="{04C9C5B9-5DE4-D087-056F-8B6B97B2B38F}"/>
+                    </a:ext>
+                  </a:extLst>
+                </p14:cNvPr>
+                <p14:cNvContentPartPr/>
+                <p14:nvPr/>
+              </p14:nvContentPartPr>
+              <p14:xfrm>
+                <a:off x="5871276" y="935055"/>
+                <a:ext cx="522720" cy="20160"/>
+              </p14:xfrm>
+            </p:contentPart>
+          </mc:Choice>
+          <mc:Fallback>
+            <p:pic>
+              <p:nvPicPr>
+                <p:cNvPr id="73" name="Ink 72">
+                  <a:extLst>
+                    <a:ext uri="{FF2B5EF4-FFF2-40B4-BE49-F238E27FC236}">
+                      <a16:creationId xmlns:a16="http://schemas.microsoft.com/office/drawing/2014/main" id="{04C9C5B9-5DE4-D087-056F-8B6B97B2B38F}"/>
+                    </a:ext>
+                  </a:extLst>
+                </p:cNvPr>
+                <p:cNvPicPr/>
+                <p:nvPr/>
+              </p:nvPicPr>
+              <p:blipFill>
+                <a:blip r:embed="rId21"/>
+                <a:stretch>
+                  <a:fillRect/>
+                </a:stretch>
+              </p:blipFill>
+              <p:spPr>
+                <a:xfrm>
+                  <a:off x="5835276" y="719415"/>
+                  <a:ext cx="594360" cy="451800"/>
+                </a:xfrm>
+                <a:prstGeom prst="rect">
+                  <a:avLst/>
+                </a:prstGeom>
+              </p:spPr>
+            </p:pic>
+          </mc:Fallback>
+        </mc:AlternateContent>
+      </p:grpSp>
       <p:pic>
         <p:nvPicPr>
-          <p:cNvPr id="7" name="Graphic 6">
+          <p:cNvPr id="76" name="Graphic 75">
             <a:extLst>
               <a:ext uri="{FF2B5EF4-FFF2-40B4-BE49-F238E27FC236}">
-                <a16:creationId xmlns:a16="http://schemas.microsoft.com/office/drawing/2014/main" id="{1D1B6B97-1173-ECBF-4863-F756A249105B}"/>
+                <a16:creationId xmlns:a16="http://schemas.microsoft.com/office/drawing/2014/main" id="{1919C9A6-D75B-1B15-EBF6-8ECC0BE444E3}"/>
               </a:ext>
             </a:extLst>
           </p:cNvPr>
@@ -6821,10 +10763,10 @@
           <p:nvPr/>
         </p:nvPicPr>
         <p:blipFill>
-          <a:blip r:embed="rId3">
+          <a:blip r:embed="rId22">
             <a:extLst>
               <a:ext uri="{96DAC541-7B7A-43D3-8B79-37D633B846F1}">
-                <asvg:svgBlip xmlns:asvg="http://schemas.microsoft.com/office/drawing/2016/SVG/main" r:embed="rId4"/>
+                <asvg:svgBlip xmlns:asvg="http://schemas.microsoft.com/office/drawing/2016/SVG/main" r:embed="rId23"/>
               </a:ext>
             </a:extLst>
           </a:blip>
@@ -6834,8 +10776,8 @@
         </p:blipFill>
         <p:spPr>
           <a:xfrm>
-            <a:off x="244390" y="320466"/>
-            <a:ext cx="1371600" cy="2600012"/>
+            <a:off x="391982" y="2685068"/>
+            <a:ext cx="1143000" cy="2166677"/>
           </a:xfrm>
           <a:prstGeom prst="rect">
             <a:avLst/>
@@ -6844,10 +10786,10 @@
       </p:pic>
       <p:pic>
         <p:nvPicPr>
-          <p:cNvPr id="1034" name="Picture 10" descr="Quarkus Brand - Quarkus">
+          <p:cNvPr id="77" name="Picture 10" descr="Quarkus Brand - Quarkus">
             <a:extLst>
               <a:ext uri="{FF2B5EF4-FFF2-40B4-BE49-F238E27FC236}">
-                <a16:creationId xmlns:a16="http://schemas.microsoft.com/office/drawing/2014/main" id="{251E851B-E5B3-DDCB-B159-039116C6AFE1}"/>
+                <a16:creationId xmlns:a16="http://schemas.microsoft.com/office/drawing/2014/main" id="{9A1967BB-EE9B-6A08-6574-9AF557C9012F}"/>
               </a:ext>
             </a:extLst>
           </p:cNvPr>
@@ -6857,7 +10799,7 @@
           <p:nvPr/>
         </p:nvPicPr>
         <p:blipFill>
-          <a:blip r:embed="rId5">
+          <a:blip r:embed="rId24">
             <a:extLst>
               <a:ext uri="{28A0092B-C50C-407E-A947-70E740481C1C}">
                 <a14:useLocalDpi xmlns:a14="http://schemas.microsoft.com/office/drawing/2010/main" val="0"/>
@@ -6871,8 +10813,8 @@
         </p:blipFill>
         <p:spPr bwMode="auto">
           <a:xfrm>
-            <a:off x="2177020" y="248872"/>
-            <a:ext cx="1371600" cy="1371600"/>
+            <a:off x="1958668" y="2286000"/>
+            <a:ext cx="1143000" cy="1143000"/>
           </a:xfrm>
           <a:prstGeom prst="rect">
             <a:avLst/>
@@ -6891,10 +10833,10 @@
       </p:pic>
       <p:pic>
         <p:nvPicPr>
-          <p:cNvPr id="1036" name="Picture 12">
+          <p:cNvPr id="78" name="Picture 12">
             <a:extLst>
               <a:ext uri="{FF2B5EF4-FFF2-40B4-BE49-F238E27FC236}">
-                <a16:creationId xmlns:a16="http://schemas.microsoft.com/office/drawing/2014/main" id="{8075FC0A-C73C-8CF6-ED3C-9C0ECEFBA6E5}"/>
+                <a16:creationId xmlns:a16="http://schemas.microsoft.com/office/drawing/2014/main" id="{DB3140C8-04E7-ECF9-D427-6418FE46FE4F}"/>
               </a:ext>
             </a:extLst>
           </p:cNvPr>
@@ -6904,7 +10846,7 @@
           <p:nvPr/>
         </p:nvPicPr>
         <p:blipFill>
-          <a:blip r:embed="rId6">
+          <a:blip r:embed="rId25">
             <a:extLst>
               <a:ext uri="{28A0092B-C50C-407E-A947-70E740481C1C}">
                 <a14:useLocalDpi xmlns:a14="http://schemas.microsoft.com/office/drawing/2010/main" val="0"/>
@@ -6918,8 +10860,8 @@
         </p:blipFill>
         <p:spPr bwMode="auto">
           <a:xfrm>
-            <a:off x="4109650" y="248872"/>
-            <a:ext cx="1371600" cy="1371600"/>
+            <a:off x="480980" y="5413474"/>
+            <a:ext cx="1143000" cy="1143000"/>
           </a:xfrm>
           <a:prstGeom prst="rect">
             <a:avLst/>
@@ -6938,10 +10880,10 @@
       </p:pic>
       <p:pic>
         <p:nvPicPr>
-          <p:cNvPr id="10" name="Graphic 9">
+          <p:cNvPr id="79" name="Graphic 78">
             <a:extLst>
               <a:ext uri="{FF2B5EF4-FFF2-40B4-BE49-F238E27FC236}">
-                <a16:creationId xmlns:a16="http://schemas.microsoft.com/office/drawing/2014/main" id="{FDC75085-43D0-B61C-53E3-B382E0116A43}"/>
+                <a16:creationId xmlns:a16="http://schemas.microsoft.com/office/drawing/2014/main" id="{B3C35A43-E160-3629-AA21-70B07E3C4908}"/>
               </a:ext>
             </a:extLst>
           </p:cNvPr>
@@ -6951,10 +10893,10 @@
           <p:nvPr/>
         </p:nvPicPr>
         <p:blipFill>
-          <a:blip r:embed="rId7">
+          <a:blip r:embed="rId26">
             <a:extLst>
               <a:ext uri="{96DAC541-7B7A-43D3-8B79-37D633B846F1}">
-                <asvg:svgBlip xmlns:asvg="http://schemas.microsoft.com/office/drawing/2016/SVG/main" r:embed="rId8"/>
+                <asvg:svgBlip xmlns:asvg="http://schemas.microsoft.com/office/drawing/2016/SVG/main" r:embed="rId27"/>
               </a:ext>
             </a:extLst>
           </a:blip>
@@ -6964,20 +10906,1388 @@
         </p:blipFill>
         <p:spPr>
           <a:xfrm>
-            <a:off x="1942172" y="2214040"/>
-            <a:ext cx="1371600" cy="1412876"/>
+            <a:off x="1925462" y="4053465"/>
+            <a:ext cx="1143000" cy="1177397"/>
           </a:xfrm>
           <a:prstGeom prst="rect">
             <a:avLst/>
           </a:prstGeom>
         </p:spPr>
       </p:pic>
+      <mc:AlternateContent xmlns:mc="http://schemas.openxmlformats.org/markup-compatibility/2006">
+        <mc:Choice xmlns:p14="http://schemas.microsoft.com/office/powerpoint/2010/main" xmlns:aink="http://schemas.microsoft.com/office/drawing/2016/ink" Requires="p14 aink">
+          <p:contentPart p14:bwMode="auto" r:id="rId28">
+            <p14:nvContentPartPr>
+              <p14:cNvPr id="81" name="Ink 80">
+                <a:extLst>
+                  <a:ext uri="{FF2B5EF4-FFF2-40B4-BE49-F238E27FC236}">
+                    <a16:creationId xmlns:a16="http://schemas.microsoft.com/office/drawing/2014/main" id="{62ED1FAF-2869-1F14-5F0A-B672D3C5F863}"/>
+                  </a:ext>
+                </a:extLst>
+              </p14:cNvPr>
+              <p14:cNvContentPartPr/>
+              <p14:nvPr/>
+            </p14:nvContentPartPr>
+            <p14:xfrm>
+              <a:off x="3139596" y="2055375"/>
+              <a:ext cx="722160" cy="4518360"/>
+            </p14:xfrm>
+          </p:contentPart>
+        </mc:Choice>
+        <mc:Fallback>
+          <p:pic>
+            <p:nvPicPr>
+              <p:cNvPr id="81" name="Ink 80">
+                <a:extLst>
+                  <a:ext uri="{FF2B5EF4-FFF2-40B4-BE49-F238E27FC236}">
+                    <a16:creationId xmlns:a16="http://schemas.microsoft.com/office/drawing/2014/main" id="{62ED1FAF-2869-1F14-5F0A-B672D3C5F863}"/>
+                  </a:ext>
+                </a:extLst>
+              </p:cNvPr>
+              <p:cNvPicPr/>
+              <p:nvPr/>
+            </p:nvPicPr>
+            <p:blipFill>
+              <a:blip r:embed="rId29"/>
+              <a:stretch>
+                <a:fillRect/>
+              </a:stretch>
+            </p:blipFill>
+            <p:spPr>
+              <a:xfrm>
+                <a:off x="3103596" y="1839375"/>
+                <a:ext cx="793800" cy="4950000"/>
+              </a:xfrm>
+              <a:prstGeom prst="rect">
+                <a:avLst/>
+              </a:prstGeom>
+            </p:spPr>
+          </p:pic>
+        </mc:Fallback>
+      </mc:AlternateContent>
+      <mc:AlternateContent xmlns:mc="http://schemas.openxmlformats.org/markup-compatibility/2006">
+        <mc:Choice xmlns:p14="http://schemas.microsoft.com/office/powerpoint/2010/main" xmlns:aink="http://schemas.microsoft.com/office/drawing/2016/ink" Requires="p14 aink">
+          <p:contentPart p14:bwMode="auto" r:id="rId30">
+            <p14:nvContentPartPr>
+              <p14:cNvPr id="90" name="Ink 89">
+                <a:extLst>
+                  <a:ext uri="{FF2B5EF4-FFF2-40B4-BE49-F238E27FC236}">
+                    <a16:creationId xmlns:a16="http://schemas.microsoft.com/office/drawing/2014/main" id="{0266F723-2273-D654-5ABE-E25DCA81DE69}"/>
+                  </a:ext>
+                </a:extLst>
+              </p14:cNvPr>
+              <p14:cNvContentPartPr/>
+              <p14:nvPr/>
+            </p14:nvContentPartPr>
+            <p14:xfrm>
+              <a:off x="445716" y="1415655"/>
+              <a:ext cx="19440" cy="396000"/>
+            </p14:xfrm>
+          </p:contentPart>
+        </mc:Choice>
+        <mc:Fallback>
+          <p:pic>
+            <p:nvPicPr>
+              <p:cNvPr id="90" name="Ink 89">
+                <a:extLst>
+                  <a:ext uri="{FF2B5EF4-FFF2-40B4-BE49-F238E27FC236}">
+                    <a16:creationId xmlns:a16="http://schemas.microsoft.com/office/drawing/2014/main" id="{0266F723-2273-D654-5ABE-E25DCA81DE69}"/>
+                  </a:ext>
+                </a:extLst>
+              </p:cNvPr>
+              <p:cNvPicPr/>
+              <p:nvPr/>
+            </p:nvPicPr>
+            <p:blipFill>
+              <a:blip r:embed="rId31"/>
+              <a:stretch>
+                <a:fillRect/>
+              </a:stretch>
+            </p:blipFill>
+            <p:spPr>
+              <a:xfrm>
+                <a:off x="410076" y="1200015"/>
+                <a:ext cx="91080" cy="827640"/>
+              </a:xfrm>
+              <a:prstGeom prst="rect">
+                <a:avLst/>
+              </a:prstGeom>
+            </p:spPr>
+          </p:pic>
+        </mc:Fallback>
+      </mc:AlternateContent>
+      <mc:AlternateContent xmlns:mc="http://schemas.openxmlformats.org/markup-compatibility/2006">
+        <mc:Choice xmlns:p14="http://schemas.microsoft.com/office/powerpoint/2010/main" xmlns:aink="http://schemas.microsoft.com/office/drawing/2016/ink" Requires="p14 aink">
+          <p:contentPart p14:bwMode="auto" r:id="rId32">
+            <p14:nvContentPartPr>
+              <p14:cNvPr id="91" name="Ink 90">
+                <a:extLst>
+                  <a:ext uri="{FF2B5EF4-FFF2-40B4-BE49-F238E27FC236}">
+                    <a16:creationId xmlns:a16="http://schemas.microsoft.com/office/drawing/2014/main" id="{CA0F6732-4B7E-A709-EF83-1EA63A202130}"/>
+                  </a:ext>
+                </a:extLst>
+              </p14:cNvPr>
+              <p14:cNvContentPartPr/>
+              <p14:nvPr/>
+            </p14:nvContentPartPr>
+            <p14:xfrm>
+              <a:off x="352116" y="1381455"/>
+              <a:ext cx="249840" cy="385560"/>
+            </p14:xfrm>
+          </p:contentPart>
+        </mc:Choice>
+        <mc:Fallback>
+          <p:pic>
+            <p:nvPicPr>
+              <p:cNvPr id="91" name="Ink 90">
+                <a:extLst>
+                  <a:ext uri="{FF2B5EF4-FFF2-40B4-BE49-F238E27FC236}">
+                    <a16:creationId xmlns:a16="http://schemas.microsoft.com/office/drawing/2014/main" id="{CA0F6732-4B7E-A709-EF83-1EA63A202130}"/>
+                  </a:ext>
+                </a:extLst>
+              </p:cNvPr>
+              <p:cNvPicPr/>
+              <p:nvPr/>
+            </p:nvPicPr>
+            <p:blipFill>
+              <a:blip r:embed="rId33"/>
+              <a:stretch>
+                <a:fillRect/>
+              </a:stretch>
+            </p:blipFill>
+            <p:spPr>
+              <a:xfrm>
+                <a:off x="316476" y="1165455"/>
+                <a:ext cx="321480" cy="817200"/>
+              </a:xfrm>
+              <a:prstGeom prst="rect">
+                <a:avLst/>
+              </a:prstGeom>
+            </p:spPr>
+          </p:pic>
+        </mc:Fallback>
+      </mc:AlternateContent>
+      <mc:AlternateContent xmlns:mc="http://schemas.openxmlformats.org/markup-compatibility/2006">
+        <mc:Choice xmlns:p14="http://schemas.microsoft.com/office/powerpoint/2010/main" xmlns:aink="http://schemas.microsoft.com/office/drawing/2016/ink" Requires="p14 aink">
+          <p:contentPart p14:bwMode="auto" r:id="rId34">
+            <p14:nvContentPartPr>
+              <p14:cNvPr id="92" name="Ink 91">
+                <a:extLst>
+                  <a:ext uri="{FF2B5EF4-FFF2-40B4-BE49-F238E27FC236}">
+                    <a16:creationId xmlns:a16="http://schemas.microsoft.com/office/drawing/2014/main" id="{00828DCE-660C-CCED-D7A3-3533D0EDC635}"/>
+                  </a:ext>
+                </a:extLst>
+              </p14:cNvPr>
+              <p14:cNvContentPartPr/>
+              <p14:nvPr/>
+            </p14:nvContentPartPr>
+            <p14:xfrm>
+              <a:off x="718236" y="1497015"/>
+              <a:ext cx="102960" cy="272880"/>
+            </p14:xfrm>
+          </p:contentPart>
+        </mc:Choice>
+        <mc:Fallback>
+          <p:pic>
+            <p:nvPicPr>
+              <p:cNvPr id="92" name="Ink 91">
+                <a:extLst>
+                  <a:ext uri="{FF2B5EF4-FFF2-40B4-BE49-F238E27FC236}">
+                    <a16:creationId xmlns:a16="http://schemas.microsoft.com/office/drawing/2014/main" id="{00828DCE-660C-CCED-D7A3-3533D0EDC635}"/>
+                  </a:ext>
+                </a:extLst>
+              </p:cNvPr>
+              <p:cNvPicPr/>
+              <p:nvPr/>
+            </p:nvPicPr>
+            <p:blipFill>
+              <a:blip r:embed="rId35"/>
+              <a:stretch>
+                <a:fillRect/>
+              </a:stretch>
+            </p:blipFill>
+            <p:spPr>
+              <a:xfrm>
+                <a:off x="682236" y="1281375"/>
+                <a:ext cx="174600" cy="704520"/>
+              </a:xfrm>
+              <a:prstGeom prst="rect">
+                <a:avLst/>
+              </a:prstGeom>
+            </p:spPr>
+          </p:pic>
+        </mc:Fallback>
+      </mc:AlternateContent>
+      <mc:AlternateContent xmlns:mc="http://schemas.openxmlformats.org/markup-compatibility/2006">
+        <mc:Choice xmlns:p14="http://schemas.microsoft.com/office/powerpoint/2010/main" xmlns:aink="http://schemas.microsoft.com/office/drawing/2016/ink" Requires="p14 aink">
+          <p:contentPart p14:bwMode="auto" r:id="rId36">
+            <p14:nvContentPartPr>
+              <p14:cNvPr id="93" name="Ink 92">
+                <a:extLst>
+                  <a:ext uri="{FF2B5EF4-FFF2-40B4-BE49-F238E27FC236}">
+                    <a16:creationId xmlns:a16="http://schemas.microsoft.com/office/drawing/2014/main" id="{C25059D0-2A11-BFB7-BDA4-4A48EE263F04}"/>
+                  </a:ext>
+                </a:extLst>
+              </p14:cNvPr>
+              <p14:cNvContentPartPr/>
+              <p14:nvPr/>
+            </p14:nvContentPartPr>
+            <p14:xfrm>
+              <a:off x="802116" y="1519695"/>
+              <a:ext cx="48600" cy="245880"/>
+            </p14:xfrm>
+          </p:contentPart>
+        </mc:Choice>
+        <mc:Fallback>
+          <p:pic>
+            <p:nvPicPr>
+              <p:cNvPr id="93" name="Ink 92">
+                <a:extLst>
+                  <a:ext uri="{FF2B5EF4-FFF2-40B4-BE49-F238E27FC236}">
+                    <a16:creationId xmlns:a16="http://schemas.microsoft.com/office/drawing/2014/main" id="{C25059D0-2A11-BFB7-BDA4-4A48EE263F04}"/>
+                  </a:ext>
+                </a:extLst>
+              </p:cNvPr>
+              <p:cNvPicPr/>
+              <p:nvPr/>
+            </p:nvPicPr>
+            <p:blipFill>
+              <a:blip r:embed="rId37"/>
+              <a:stretch>
+                <a:fillRect/>
+              </a:stretch>
+            </p:blipFill>
+            <p:spPr>
+              <a:xfrm>
+                <a:off x="766476" y="1303695"/>
+                <a:ext cx="120240" cy="677520"/>
+              </a:xfrm>
+              <a:prstGeom prst="rect">
+                <a:avLst/>
+              </a:prstGeom>
+            </p:spPr>
+          </p:pic>
+        </mc:Fallback>
+      </mc:AlternateContent>
+      <mc:AlternateContent xmlns:mc="http://schemas.openxmlformats.org/markup-compatibility/2006">
+        <mc:Choice xmlns:p14="http://schemas.microsoft.com/office/powerpoint/2010/main" xmlns:aink="http://schemas.microsoft.com/office/drawing/2016/ink" Requires="p14 aink">
+          <p:contentPart p14:bwMode="auto" r:id="rId38">
+            <p14:nvContentPartPr>
+              <p14:cNvPr id="94" name="Ink 93">
+                <a:extLst>
+                  <a:ext uri="{FF2B5EF4-FFF2-40B4-BE49-F238E27FC236}">
+                    <a16:creationId xmlns:a16="http://schemas.microsoft.com/office/drawing/2014/main" id="{81A98502-F31F-5B53-460D-2584CFBE7F34}"/>
+                  </a:ext>
+                </a:extLst>
+              </p14:cNvPr>
+              <p14:cNvContentPartPr/>
+              <p14:nvPr/>
+            </p14:nvContentPartPr>
+            <p14:xfrm>
+              <a:off x="921996" y="1471455"/>
+              <a:ext cx="135360" cy="237960"/>
+            </p14:xfrm>
+          </p:contentPart>
+        </mc:Choice>
+        <mc:Fallback>
+          <p:pic>
+            <p:nvPicPr>
+              <p:cNvPr id="94" name="Ink 93">
+                <a:extLst>
+                  <a:ext uri="{FF2B5EF4-FFF2-40B4-BE49-F238E27FC236}">
+                    <a16:creationId xmlns:a16="http://schemas.microsoft.com/office/drawing/2014/main" id="{81A98502-F31F-5B53-460D-2584CFBE7F34}"/>
+                  </a:ext>
+                </a:extLst>
+              </p:cNvPr>
+              <p:cNvPicPr/>
+              <p:nvPr/>
+            </p:nvPicPr>
+            <p:blipFill>
+              <a:blip r:embed="rId39"/>
+              <a:stretch>
+                <a:fillRect/>
+              </a:stretch>
+            </p:blipFill>
+            <p:spPr>
+              <a:xfrm>
+                <a:off x="885996" y="1255455"/>
+                <a:ext cx="207000" cy="669600"/>
+              </a:xfrm>
+              <a:prstGeom prst="rect">
+                <a:avLst/>
+              </a:prstGeom>
+            </p:spPr>
+          </p:pic>
+        </mc:Fallback>
+      </mc:AlternateContent>
+      <mc:AlternateContent xmlns:mc="http://schemas.openxmlformats.org/markup-compatibility/2006">
+        <mc:Choice xmlns:p14="http://schemas.microsoft.com/office/powerpoint/2010/main" xmlns:aink="http://schemas.microsoft.com/office/drawing/2016/ink" Requires="p14 aink">
+          <p:contentPart p14:bwMode="auto" r:id="rId40">
+            <p14:nvContentPartPr>
+              <p14:cNvPr id="95" name="Ink 94">
+                <a:extLst>
+                  <a:ext uri="{FF2B5EF4-FFF2-40B4-BE49-F238E27FC236}">
+                    <a16:creationId xmlns:a16="http://schemas.microsoft.com/office/drawing/2014/main" id="{5719E9D1-0D3B-D393-14B2-F5561CBC7198}"/>
+                  </a:ext>
+                </a:extLst>
+              </p14:cNvPr>
+              <p14:cNvContentPartPr/>
+              <p14:nvPr/>
+            </p14:nvContentPartPr>
+            <p14:xfrm>
+              <a:off x="1127556" y="1225935"/>
+              <a:ext cx="43920" cy="500040"/>
+            </p14:xfrm>
+          </p:contentPart>
+        </mc:Choice>
+        <mc:Fallback>
+          <p:pic>
+            <p:nvPicPr>
+              <p:cNvPr id="95" name="Ink 94">
+                <a:extLst>
+                  <a:ext uri="{FF2B5EF4-FFF2-40B4-BE49-F238E27FC236}">
+                    <a16:creationId xmlns:a16="http://schemas.microsoft.com/office/drawing/2014/main" id="{5719E9D1-0D3B-D393-14B2-F5561CBC7198}"/>
+                  </a:ext>
+                </a:extLst>
+              </p:cNvPr>
+              <p:cNvPicPr/>
+              <p:nvPr/>
+            </p:nvPicPr>
+            <p:blipFill>
+              <a:blip r:embed="rId41"/>
+              <a:stretch>
+                <a:fillRect/>
+              </a:stretch>
+            </p:blipFill>
+            <p:spPr>
+              <a:xfrm>
+                <a:off x="1091916" y="1009935"/>
+                <a:ext cx="115560" cy="931680"/>
+              </a:xfrm>
+              <a:prstGeom prst="rect">
+                <a:avLst/>
+              </a:prstGeom>
+            </p:spPr>
+          </p:pic>
+        </mc:Fallback>
+      </mc:AlternateContent>
+      <mc:AlternateContent xmlns:mc="http://schemas.openxmlformats.org/markup-compatibility/2006">
+        <mc:Choice xmlns:p14="http://schemas.microsoft.com/office/powerpoint/2010/main" xmlns:aink="http://schemas.microsoft.com/office/drawing/2016/ink" Requires="p14 aink">
+          <p:contentPart p14:bwMode="auto" r:id="rId42">
+            <p14:nvContentPartPr>
+              <p14:cNvPr id="96" name="Ink 95">
+                <a:extLst>
+                  <a:ext uri="{FF2B5EF4-FFF2-40B4-BE49-F238E27FC236}">
+                    <a16:creationId xmlns:a16="http://schemas.microsoft.com/office/drawing/2014/main" id="{98484805-1288-ECB1-34A0-789EA6769E81}"/>
+                  </a:ext>
+                </a:extLst>
+              </p14:cNvPr>
+              <p14:cNvContentPartPr/>
+              <p14:nvPr/>
+            </p14:nvContentPartPr>
+            <p14:xfrm>
+              <a:off x="1151316" y="1495215"/>
+              <a:ext cx="156600" cy="183960"/>
+            </p14:xfrm>
+          </p:contentPart>
+        </mc:Choice>
+        <mc:Fallback>
+          <p:pic>
+            <p:nvPicPr>
+              <p:cNvPr id="96" name="Ink 95">
+                <a:extLst>
+                  <a:ext uri="{FF2B5EF4-FFF2-40B4-BE49-F238E27FC236}">
+                    <a16:creationId xmlns:a16="http://schemas.microsoft.com/office/drawing/2014/main" id="{98484805-1288-ECB1-34A0-789EA6769E81}"/>
+                  </a:ext>
+                </a:extLst>
+              </p:cNvPr>
+              <p:cNvPicPr/>
+              <p:nvPr/>
+            </p:nvPicPr>
+            <p:blipFill>
+              <a:blip r:embed="rId43"/>
+              <a:stretch>
+                <a:fillRect/>
+              </a:stretch>
+            </p:blipFill>
+            <p:spPr>
+              <a:xfrm>
+                <a:off x="1115316" y="1279575"/>
+                <a:ext cx="228240" cy="615600"/>
+              </a:xfrm>
+              <a:prstGeom prst="rect">
+                <a:avLst/>
+              </a:prstGeom>
+            </p:spPr>
+          </p:pic>
+        </mc:Fallback>
+      </mc:AlternateContent>
+      <mc:AlternateContent xmlns:mc="http://schemas.openxmlformats.org/markup-compatibility/2006">
+        <mc:Choice xmlns:p14="http://schemas.microsoft.com/office/powerpoint/2010/main" xmlns:aink="http://schemas.microsoft.com/office/drawing/2016/ink" Requires="p14 aink">
+          <p:contentPart p14:bwMode="auto" r:id="rId44">
+            <p14:nvContentPartPr>
+              <p14:cNvPr id="97" name="Ink 96">
+                <a:extLst>
+                  <a:ext uri="{FF2B5EF4-FFF2-40B4-BE49-F238E27FC236}">
+                    <a16:creationId xmlns:a16="http://schemas.microsoft.com/office/drawing/2014/main" id="{10C93463-0503-48EF-A682-1E61C743EA28}"/>
+                  </a:ext>
+                </a:extLst>
+              </p14:cNvPr>
+              <p14:cNvContentPartPr/>
+              <p14:nvPr/>
+            </p14:nvContentPartPr>
+            <p14:xfrm>
+              <a:off x="1396116" y="1457415"/>
+              <a:ext cx="171000" cy="171720"/>
+            </p14:xfrm>
+          </p:contentPart>
+        </mc:Choice>
+        <mc:Fallback>
+          <p:pic>
+            <p:nvPicPr>
+              <p:cNvPr id="97" name="Ink 96">
+                <a:extLst>
+                  <a:ext uri="{FF2B5EF4-FFF2-40B4-BE49-F238E27FC236}">
+                    <a16:creationId xmlns:a16="http://schemas.microsoft.com/office/drawing/2014/main" id="{10C93463-0503-48EF-A682-1E61C743EA28}"/>
+                  </a:ext>
+                </a:extLst>
+              </p:cNvPr>
+              <p:cNvPicPr/>
+              <p:nvPr/>
+            </p:nvPicPr>
+            <p:blipFill>
+              <a:blip r:embed="rId45"/>
+              <a:stretch>
+                <a:fillRect/>
+              </a:stretch>
+            </p:blipFill>
+            <p:spPr>
+              <a:xfrm>
+                <a:off x="1360116" y="1241775"/>
+                <a:ext cx="242640" cy="603360"/>
+              </a:xfrm>
+              <a:prstGeom prst="rect">
+                <a:avLst/>
+              </a:prstGeom>
+            </p:spPr>
+          </p:pic>
+        </mc:Fallback>
+      </mc:AlternateContent>
+      <p:grpSp>
+        <p:nvGrpSpPr>
+          <p:cNvPr id="108" name="Group 107">
+            <a:extLst>
+              <a:ext uri="{FF2B5EF4-FFF2-40B4-BE49-F238E27FC236}">
+                <a16:creationId xmlns:a16="http://schemas.microsoft.com/office/drawing/2014/main" id="{0B5385DC-D73E-E5CA-C065-931EAEFE61A1}"/>
+              </a:ext>
+            </a:extLst>
+          </p:cNvPr>
+          <p:cNvGrpSpPr/>
+          <p:nvPr/>
+        </p:nvGrpSpPr>
+        <p:grpSpPr>
+          <a:xfrm>
+            <a:off x="1649916" y="1194615"/>
+            <a:ext cx="375120" cy="466920"/>
+            <a:chOff x="1649916" y="1194615"/>
+            <a:chExt cx="375120" cy="466920"/>
+          </a:xfrm>
+        </p:grpSpPr>
+        <mc:AlternateContent xmlns:mc="http://schemas.openxmlformats.org/markup-compatibility/2006">
+          <mc:Choice xmlns:p14="http://schemas.microsoft.com/office/powerpoint/2010/main" xmlns:aink="http://schemas.microsoft.com/office/drawing/2016/ink" Requires="p14 aink">
+            <p:contentPart p14:bwMode="auto" r:id="rId46">
+              <p14:nvContentPartPr>
+                <p14:cNvPr id="104" name="Ink 103">
+                  <a:extLst>
+                    <a:ext uri="{FF2B5EF4-FFF2-40B4-BE49-F238E27FC236}">
+                      <a16:creationId xmlns:a16="http://schemas.microsoft.com/office/drawing/2014/main" id="{AF09E127-53B9-245E-1EB4-9FAD20F65108}"/>
+                    </a:ext>
+                  </a:extLst>
+                </p14:cNvPr>
+                <p14:cNvContentPartPr/>
+                <p14:nvPr/>
+              </p14:nvContentPartPr>
+              <p14:xfrm>
+                <a:off x="1649916" y="1468575"/>
+                <a:ext cx="159840" cy="176760"/>
+              </p14:xfrm>
+            </p:contentPart>
+          </mc:Choice>
+          <mc:Fallback>
+            <p:pic>
+              <p:nvPicPr>
+                <p:cNvPr id="104" name="Ink 103">
+                  <a:extLst>
+                    <a:ext uri="{FF2B5EF4-FFF2-40B4-BE49-F238E27FC236}">
+                      <a16:creationId xmlns:a16="http://schemas.microsoft.com/office/drawing/2014/main" id="{AF09E127-53B9-245E-1EB4-9FAD20F65108}"/>
+                    </a:ext>
+                  </a:extLst>
+                </p:cNvPr>
+                <p:cNvPicPr/>
+                <p:nvPr/>
+              </p:nvPicPr>
+              <p:blipFill>
+                <a:blip r:embed="rId47"/>
+                <a:stretch>
+                  <a:fillRect/>
+                </a:stretch>
+              </p:blipFill>
+              <p:spPr>
+                <a:xfrm>
+                  <a:off x="1614276" y="1252935"/>
+                  <a:ext cx="231480" cy="608400"/>
+                </a:xfrm>
+                <a:prstGeom prst="rect">
+                  <a:avLst/>
+                </a:prstGeom>
+              </p:spPr>
+            </p:pic>
+          </mc:Fallback>
+        </mc:AlternateContent>
+        <mc:AlternateContent xmlns:mc="http://schemas.openxmlformats.org/markup-compatibility/2006">
+          <mc:Choice xmlns:p14="http://schemas.microsoft.com/office/powerpoint/2010/main" xmlns:aink="http://schemas.microsoft.com/office/drawing/2016/ink" Requires="p14 aink">
+            <p:contentPart p14:bwMode="auto" r:id="rId48">
+              <p14:nvContentPartPr>
+                <p14:cNvPr id="105" name="Ink 104">
+                  <a:extLst>
+                    <a:ext uri="{FF2B5EF4-FFF2-40B4-BE49-F238E27FC236}">
+                      <a16:creationId xmlns:a16="http://schemas.microsoft.com/office/drawing/2014/main" id="{BA8EC8A7-202A-53EE-CD86-70854F0F491B}"/>
+                    </a:ext>
+                  </a:extLst>
+                </p14:cNvPr>
+                <p14:cNvContentPartPr/>
+                <p14:nvPr/>
+              </p14:nvContentPartPr>
+              <p14:xfrm>
+                <a:off x="1908396" y="1495935"/>
+                <a:ext cx="91080" cy="95040"/>
+              </p14:xfrm>
+            </p:contentPart>
+          </mc:Choice>
+          <mc:Fallback>
+            <p:pic>
+              <p:nvPicPr>
+                <p:cNvPr id="105" name="Ink 104">
+                  <a:extLst>
+                    <a:ext uri="{FF2B5EF4-FFF2-40B4-BE49-F238E27FC236}">
+                      <a16:creationId xmlns:a16="http://schemas.microsoft.com/office/drawing/2014/main" id="{BA8EC8A7-202A-53EE-CD86-70854F0F491B}"/>
+                    </a:ext>
+                  </a:extLst>
+                </p:cNvPr>
+                <p:cNvPicPr/>
+                <p:nvPr/>
+              </p:nvPicPr>
+              <p:blipFill>
+                <a:blip r:embed="rId49"/>
+                <a:stretch>
+                  <a:fillRect/>
+                </a:stretch>
+              </p:blipFill>
+              <p:spPr>
+                <a:xfrm>
+                  <a:off x="1872396" y="1280295"/>
+                  <a:ext cx="162720" cy="526680"/>
+                </a:xfrm>
+                <a:prstGeom prst="rect">
+                  <a:avLst/>
+                </a:prstGeom>
+              </p:spPr>
+            </p:pic>
+          </mc:Fallback>
+        </mc:AlternateContent>
+        <mc:AlternateContent xmlns:mc="http://schemas.openxmlformats.org/markup-compatibility/2006">
+          <mc:Choice xmlns:p14="http://schemas.microsoft.com/office/powerpoint/2010/main" xmlns:aink="http://schemas.microsoft.com/office/drawing/2016/ink" Requires="p14 aink">
+            <p:contentPart p14:bwMode="auto" r:id="rId50">
+              <p14:nvContentPartPr>
+                <p14:cNvPr id="106" name="Ink 105">
+                  <a:extLst>
+                    <a:ext uri="{FF2B5EF4-FFF2-40B4-BE49-F238E27FC236}">
+                      <a16:creationId xmlns:a16="http://schemas.microsoft.com/office/drawing/2014/main" id="{A6C9A09F-A7CD-B1D7-D321-152DFA2AAE63}"/>
+                    </a:ext>
+                  </a:extLst>
+                </p14:cNvPr>
+                <p14:cNvContentPartPr/>
+                <p14:nvPr/>
+              </p14:nvContentPartPr>
+              <p14:xfrm>
+                <a:off x="1908396" y="1194615"/>
+                <a:ext cx="116640" cy="466920"/>
+              </p14:xfrm>
+            </p:contentPart>
+          </mc:Choice>
+          <mc:Fallback>
+            <p:pic>
+              <p:nvPicPr>
+                <p:cNvPr id="106" name="Ink 105">
+                  <a:extLst>
+                    <a:ext uri="{FF2B5EF4-FFF2-40B4-BE49-F238E27FC236}">
+                      <a16:creationId xmlns:a16="http://schemas.microsoft.com/office/drawing/2014/main" id="{A6C9A09F-A7CD-B1D7-D321-152DFA2AAE63}"/>
+                    </a:ext>
+                  </a:extLst>
+                </p:cNvPr>
+                <p:cNvPicPr/>
+                <p:nvPr/>
+              </p:nvPicPr>
+              <p:blipFill>
+                <a:blip r:embed="rId51"/>
+                <a:stretch>
+                  <a:fillRect/>
+                </a:stretch>
+              </p:blipFill>
+              <p:spPr>
+                <a:xfrm>
+                  <a:off x="1872396" y="978615"/>
+                  <a:ext cx="188280" cy="898560"/>
+                </a:xfrm>
+                <a:prstGeom prst="rect">
+                  <a:avLst/>
+                </a:prstGeom>
+              </p:spPr>
+            </p:pic>
+          </mc:Fallback>
+        </mc:AlternateContent>
+      </p:grpSp>
+      <p:grpSp>
+        <p:nvGrpSpPr>
+          <p:cNvPr id="124" name="Group 123">
+            <a:extLst>
+              <a:ext uri="{FF2B5EF4-FFF2-40B4-BE49-F238E27FC236}">
+                <a16:creationId xmlns:a16="http://schemas.microsoft.com/office/drawing/2014/main" id="{BCFA757A-C310-6540-4974-D832BE9B9D6E}"/>
+              </a:ext>
+            </a:extLst>
+          </p:cNvPr>
+          <p:cNvGrpSpPr/>
+          <p:nvPr/>
+        </p:nvGrpSpPr>
+        <p:grpSpPr>
+          <a:xfrm>
+            <a:off x="8629712" y="1174556"/>
+            <a:ext cx="2844052" cy="5399179"/>
+            <a:chOff x="7382144" y="1108215"/>
+            <a:chExt cx="2844052" cy="5399179"/>
+          </a:xfrm>
+        </p:grpSpPr>
+        <mc:AlternateContent xmlns:mc="http://schemas.openxmlformats.org/markup-compatibility/2006">
+          <mc:Choice xmlns:p14="http://schemas.microsoft.com/office/powerpoint/2010/main" xmlns:aink="http://schemas.microsoft.com/office/drawing/2016/ink" Requires="p14 aink">
+            <p:contentPart p14:bwMode="auto" r:id="rId52">
+              <p14:nvContentPartPr>
+                <p14:cNvPr id="109" name="Ink 108">
+                  <a:extLst>
+                    <a:ext uri="{FF2B5EF4-FFF2-40B4-BE49-F238E27FC236}">
+                      <a16:creationId xmlns:a16="http://schemas.microsoft.com/office/drawing/2014/main" id="{5B081E15-5BA6-70EB-1081-4992E5EB59C4}"/>
+                    </a:ext>
+                  </a:extLst>
+                </p14:cNvPr>
+                <p14:cNvContentPartPr/>
+                <p14:nvPr/>
+              </p14:nvContentPartPr>
+              <p14:xfrm>
+                <a:off x="7382144" y="1839634"/>
+                <a:ext cx="687240" cy="4667760"/>
+              </p14:xfrm>
+            </p:contentPart>
+          </mc:Choice>
+          <mc:Fallback>
+            <p:pic>
+              <p:nvPicPr>
+                <p:cNvPr id="109" name="Ink 108">
+                  <a:extLst>
+                    <a:ext uri="{FF2B5EF4-FFF2-40B4-BE49-F238E27FC236}">
+                      <a16:creationId xmlns:a16="http://schemas.microsoft.com/office/drawing/2014/main" id="{5B081E15-5BA6-70EB-1081-4992E5EB59C4}"/>
+                    </a:ext>
+                  </a:extLst>
+                </p:cNvPr>
+                <p:cNvPicPr/>
+                <p:nvPr/>
+              </p:nvPicPr>
+              <p:blipFill>
+                <a:blip r:embed="rId53"/>
+                <a:stretch>
+                  <a:fillRect/>
+                </a:stretch>
+              </p:blipFill>
+              <p:spPr>
+                <a:xfrm>
+                  <a:off x="7346504" y="1623994"/>
+                  <a:ext cx="758880" cy="5099400"/>
+                </a:xfrm>
+                <a:prstGeom prst="rect">
+                  <a:avLst/>
+                </a:prstGeom>
+              </p:spPr>
+            </p:pic>
+          </mc:Fallback>
+        </mc:AlternateContent>
+        <mc:AlternateContent xmlns:mc="http://schemas.openxmlformats.org/markup-compatibility/2006">
+          <mc:Choice xmlns:p14="http://schemas.microsoft.com/office/powerpoint/2010/main" xmlns:aink="http://schemas.microsoft.com/office/drawing/2016/ink" Requires="p14 aink">
+            <p:contentPart p14:bwMode="auto" r:id="rId54">
+              <p14:nvContentPartPr>
+                <p14:cNvPr id="110" name="Ink 109">
+                  <a:extLst>
+                    <a:ext uri="{FF2B5EF4-FFF2-40B4-BE49-F238E27FC236}">
+                      <a16:creationId xmlns:a16="http://schemas.microsoft.com/office/drawing/2014/main" id="{D41BA41F-78E8-7AB9-069B-D226A873CC17}"/>
+                    </a:ext>
+                  </a:extLst>
+                </p14:cNvPr>
+                <p14:cNvContentPartPr/>
+                <p14:nvPr/>
+              </p14:nvContentPartPr>
+              <p14:xfrm>
+                <a:off x="8575956" y="1123335"/>
+                <a:ext cx="18720" cy="461160"/>
+              </p14:xfrm>
+            </p:contentPart>
+          </mc:Choice>
+          <mc:Fallback>
+            <p:pic>
+              <p:nvPicPr>
+                <p:cNvPr id="110" name="Ink 109">
+                  <a:extLst>
+                    <a:ext uri="{FF2B5EF4-FFF2-40B4-BE49-F238E27FC236}">
+                      <a16:creationId xmlns:a16="http://schemas.microsoft.com/office/drawing/2014/main" id="{D41BA41F-78E8-7AB9-069B-D226A873CC17}"/>
+                    </a:ext>
+                  </a:extLst>
+                </p:cNvPr>
+                <p:cNvPicPr/>
+                <p:nvPr/>
+              </p:nvPicPr>
+              <p:blipFill>
+                <a:blip r:embed="rId55"/>
+                <a:stretch>
+                  <a:fillRect/>
+                </a:stretch>
+              </p:blipFill>
+              <p:spPr>
+                <a:xfrm>
+                  <a:off x="8539956" y="907335"/>
+                  <a:ext cx="90360" cy="892800"/>
+                </a:xfrm>
+                <a:prstGeom prst="rect">
+                  <a:avLst/>
+                </a:prstGeom>
+              </p:spPr>
+            </p:pic>
+          </mc:Fallback>
+        </mc:AlternateContent>
+        <mc:AlternateContent xmlns:mc="http://schemas.openxmlformats.org/markup-compatibility/2006">
+          <mc:Choice xmlns:p14="http://schemas.microsoft.com/office/powerpoint/2010/main" xmlns:aink="http://schemas.microsoft.com/office/drawing/2016/ink" Requires="p14 aink">
+            <p:contentPart p14:bwMode="auto" r:id="rId56">
+              <p14:nvContentPartPr>
+                <p14:cNvPr id="111" name="Ink 110">
+                  <a:extLst>
+                    <a:ext uri="{FF2B5EF4-FFF2-40B4-BE49-F238E27FC236}">
+                      <a16:creationId xmlns:a16="http://schemas.microsoft.com/office/drawing/2014/main" id="{2AB6F74A-5AD7-520E-A296-6E26238EAB39}"/>
+                    </a:ext>
+                  </a:extLst>
+                </p14:cNvPr>
+                <p14:cNvContentPartPr/>
+                <p14:nvPr/>
+              </p14:nvContentPartPr>
+              <p14:xfrm>
+                <a:off x="8424036" y="1149615"/>
+                <a:ext cx="475560" cy="41400"/>
+              </p14:xfrm>
+            </p:contentPart>
+          </mc:Choice>
+          <mc:Fallback>
+            <p:pic>
+              <p:nvPicPr>
+                <p:cNvPr id="111" name="Ink 110">
+                  <a:extLst>
+                    <a:ext uri="{FF2B5EF4-FFF2-40B4-BE49-F238E27FC236}">
+                      <a16:creationId xmlns:a16="http://schemas.microsoft.com/office/drawing/2014/main" id="{2AB6F74A-5AD7-520E-A296-6E26238EAB39}"/>
+                    </a:ext>
+                  </a:extLst>
+                </p:cNvPr>
+                <p:cNvPicPr/>
+                <p:nvPr/>
+              </p:nvPicPr>
+              <p:blipFill>
+                <a:blip r:embed="rId57"/>
+                <a:stretch>
+                  <a:fillRect/>
+                </a:stretch>
+              </p:blipFill>
+              <p:spPr>
+                <a:xfrm>
+                  <a:off x="8388396" y="933615"/>
+                  <a:ext cx="547200" cy="473040"/>
+                </a:xfrm>
+                <a:prstGeom prst="rect">
+                  <a:avLst/>
+                </a:prstGeom>
+              </p:spPr>
+            </p:pic>
+          </mc:Fallback>
+        </mc:AlternateContent>
+        <mc:AlternateContent xmlns:mc="http://schemas.openxmlformats.org/markup-compatibility/2006">
+          <mc:Choice xmlns:p14="http://schemas.microsoft.com/office/powerpoint/2010/main" xmlns:aink="http://schemas.microsoft.com/office/drawing/2016/ink" Requires="p14 aink">
+            <p:contentPart p14:bwMode="auto" r:id="rId58">
+              <p14:nvContentPartPr>
+                <p14:cNvPr id="112" name="Ink 111">
+                  <a:extLst>
+                    <a:ext uri="{FF2B5EF4-FFF2-40B4-BE49-F238E27FC236}">
+                      <a16:creationId xmlns:a16="http://schemas.microsoft.com/office/drawing/2014/main" id="{539C92A3-434C-889A-992D-42A7A42E17C9}"/>
+                    </a:ext>
+                  </a:extLst>
+                </p14:cNvPr>
+                <p14:cNvContentPartPr/>
+                <p14:nvPr/>
+              </p14:nvContentPartPr>
+              <p14:xfrm>
+                <a:off x="8899596" y="1149615"/>
+                <a:ext cx="360" cy="360"/>
+              </p14:xfrm>
+            </p:contentPart>
+          </mc:Choice>
+          <mc:Fallback>
+            <p:pic>
+              <p:nvPicPr>
+                <p:cNvPr id="112" name="Ink 111">
+                  <a:extLst>
+                    <a:ext uri="{FF2B5EF4-FFF2-40B4-BE49-F238E27FC236}">
+                      <a16:creationId xmlns:a16="http://schemas.microsoft.com/office/drawing/2014/main" id="{539C92A3-434C-889A-992D-42A7A42E17C9}"/>
+                    </a:ext>
+                  </a:extLst>
+                </p:cNvPr>
+                <p:cNvPicPr/>
+                <p:nvPr/>
+              </p:nvPicPr>
+              <p:blipFill>
+                <a:blip r:embed="rId59"/>
+                <a:stretch>
+                  <a:fillRect/>
+                </a:stretch>
+              </p:blipFill>
+              <p:spPr>
+                <a:xfrm>
+                  <a:off x="8863596" y="933615"/>
+                  <a:ext cx="72000" cy="432000"/>
+                </a:xfrm>
+                <a:prstGeom prst="rect">
+                  <a:avLst/>
+                </a:prstGeom>
+              </p:spPr>
+            </p:pic>
+          </mc:Fallback>
+        </mc:AlternateContent>
+        <mc:AlternateContent xmlns:mc="http://schemas.openxmlformats.org/markup-compatibility/2006">
+          <mc:Choice xmlns:p14="http://schemas.microsoft.com/office/powerpoint/2010/main" xmlns:aink="http://schemas.microsoft.com/office/drawing/2016/ink" Requires="p14 aink">
+            <p:contentPart p14:bwMode="auto" r:id="rId60">
+              <p14:nvContentPartPr>
+                <p14:cNvPr id="113" name="Ink 112">
+                  <a:extLst>
+                    <a:ext uri="{FF2B5EF4-FFF2-40B4-BE49-F238E27FC236}">
+                      <a16:creationId xmlns:a16="http://schemas.microsoft.com/office/drawing/2014/main" id="{D68BD456-D12B-84AE-0CD4-AA2B92CA6C8B}"/>
+                    </a:ext>
+                  </a:extLst>
+                </p14:cNvPr>
+                <p14:cNvContentPartPr/>
+                <p14:nvPr/>
+              </p14:nvContentPartPr>
+              <p14:xfrm>
+                <a:off x="8493516" y="1397655"/>
+                <a:ext cx="67320" cy="6480"/>
+              </p14:xfrm>
+            </p:contentPart>
+          </mc:Choice>
+          <mc:Fallback>
+            <p:pic>
+              <p:nvPicPr>
+                <p:cNvPr id="113" name="Ink 112">
+                  <a:extLst>
+                    <a:ext uri="{FF2B5EF4-FFF2-40B4-BE49-F238E27FC236}">
+                      <a16:creationId xmlns:a16="http://schemas.microsoft.com/office/drawing/2014/main" id="{D68BD456-D12B-84AE-0CD4-AA2B92CA6C8B}"/>
+                    </a:ext>
+                  </a:extLst>
+                </p:cNvPr>
+                <p:cNvPicPr/>
+                <p:nvPr/>
+              </p:nvPicPr>
+              <p:blipFill>
+                <a:blip r:embed="rId61"/>
+                <a:stretch>
+                  <a:fillRect/>
+                </a:stretch>
+              </p:blipFill>
+              <p:spPr>
+                <a:xfrm>
+                  <a:off x="8457516" y="1181655"/>
+                  <a:ext cx="138960" cy="438120"/>
+                </a:xfrm>
+                <a:prstGeom prst="rect">
+                  <a:avLst/>
+                </a:prstGeom>
+              </p:spPr>
+            </p:pic>
+          </mc:Fallback>
+        </mc:AlternateContent>
+        <mc:AlternateContent xmlns:mc="http://schemas.openxmlformats.org/markup-compatibility/2006">
+          <mc:Choice xmlns:p14="http://schemas.microsoft.com/office/powerpoint/2010/main" xmlns:aink="http://schemas.microsoft.com/office/drawing/2016/ink" Requires="p14 aink">
+            <p:contentPart p14:bwMode="auto" r:id="rId62">
+              <p14:nvContentPartPr>
+                <p14:cNvPr id="114" name="Ink 113">
+                  <a:extLst>
+                    <a:ext uri="{FF2B5EF4-FFF2-40B4-BE49-F238E27FC236}">
+                      <a16:creationId xmlns:a16="http://schemas.microsoft.com/office/drawing/2014/main" id="{859BD01C-050B-FB60-2A0D-AD62C9BEB684}"/>
+                    </a:ext>
+                  </a:extLst>
+                </p14:cNvPr>
+                <p14:cNvContentPartPr/>
+                <p14:nvPr/>
+              </p14:nvContentPartPr>
+              <p14:xfrm>
+                <a:off x="8632116" y="1397655"/>
+                <a:ext cx="179640" cy="1800"/>
+              </p14:xfrm>
+            </p:contentPart>
+          </mc:Choice>
+          <mc:Fallback>
+            <p:pic>
+              <p:nvPicPr>
+                <p:cNvPr id="114" name="Ink 113">
+                  <a:extLst>
+                    <a:ext uri="{FF2B5EF4-FFF2-40B4-BE49-F238E27FC236}">
+                      <a16:creationId xmlns:a16="http://schemas.microsoft.com/office/drawing/2014/main" id="{859BD01C-050B-FB60-2A0D-AD62C9BEB684}"/>
+                    </a:ext>
+                  </a:extLst>
+                </p:cNvPr>
+                <p:cNvPicPr/>
+                <p:nvPr/>
+              </p:nvPicPr>
+              <p:blipFill>
+                <a:blip r:embed="rId63"/>
+                <a:stretch>
+                  <a:fillRect/>
+                </a:stretch>
+              </p:blipFill>
+              <p:spPr>
+                <a:xfrm>
+                  <a:off x="8596116" y="1181655"/>
+                  <a:ext cx="251280" cy="433440"/>
+                </a:xfrm>
+                <a:prstGeom prst="rect">
+                  <a:avLst/>
+                </a:prstGeom>
+              </p:spPr>
+            </p:pic>
+          </mc:Fallback>
+        </mc:AlternateContent>
+        <mc:AlternateContent xmlns:mc="http://schemas.openxmlformats.org/markup-compatibility/2006">
+          <mc:Choice xmlns:p14="http://schemas.microsoft.com/office/powerpoint/2010/main" xmlns:aink="http://schemas.microsoft.com/office/drawing/2016/ink" Requires="p14 aink">
+            <p:contentPart p14:bwMode="auto" r:id="rId64">
+              <p14:nvContentPartPr>
+                <p14:cNvPr id="115" name="Ink 114">
+                  <a:extLst>
+                    <a:ext uri="{FF2B5EF4-FFF2-40B4-BE49-F238E27FC236}">
+                      <a16:creationId xmlns:a16="http://schemas.microsoft.com/office/drawing/2014/main" id="{A406C5AF-9791-7301-E493-CD5FDED10205}"/>
+                    </a:ext>
+                  </a:extLst>
+                </p14:cNvPr>
+                <p14:cNvContentPartPr/>
+                <p14:nvPr/>
+              </p14:nvContentPartPr>
+              <p14:xfrm>
+                <a:off x="8864676" y="1389735"/>
+                <a:ext cx="120240" cy="190440"/>
+              </p14:xfrm>
+            </p:contentPart>
+          </mc:Choice>
+          <mc:Fallback>
+            <p:pic>
+              <p:nvPicPr>
+                <p:cNvPr id="115" name="Ink 114">
+                  <a:extLst>
+                    <a:ext uri="{FF2B5EF4-FFF2-40B4-BE49-F238E27FC236}">
+                      <a16:creationId xmlns:a16="http://schemas.microsoft.com/office/drawing/2014/main" id="{A406C5AF-9791-7301-E493-CD5FDED10205}"/>
+                    </a:ext>
+                  </a:extLst>
+                </p:cNvPr>
+                <p:cNvPicPr/>
+                <p:nvPr/>
+              </p:nvPicPr>
+              <p:blipFill>
+                <a:blip r:embed="rId65"/>
+                <a:stretch>
+                  <a:fillRect/>
+                </a:stretch>
+              </p:blipFill>
+              <p:spPr>
+                <a:xfrm>
+                  <a:off x="8828676" y="1173735"/>
+                  <a:ext cx="191880" cy="622080"/>
+                </a:xfrm>
+                <a:prstGeom prst="rect">
+                  <a:avLst/>
+                </a:prstGeom>
+              </p:spPr>
+            </p:pic>
+          </mc:Fallback>
+        </mc:AlternateContent>
+        <mc:AlternateContent xmlns:mc="http://schemas.openxmlformats.org/markup-compatibility/2006">
+          <mc:Choice xmlns:p14="http://schemas.microsoft.com/office/powerpoint/2010/main" xmlns:aink="http://schemas.microsoft.com/office/drawing/2016/ink" Requires="p14 aink">
+            <p:contentPart p14:bwMode="auto" r:id="rId66">
+              <p14:nvContentPartPr>
+                <p14:cNvPr id="116" name="Ink 115">
+                  <a:extLst>
+                    <a:ext uri="{FF2B5EF4-FFF2-40B4-BE49-F238E27FC236}">
+                      <a16:creationId xmlns:a16="http://schemas.microsoft.com/office/drawing/2014/main" id="{D4BF3DA7-5173-8F8D-EEB4-D86ABAD57DFF}"/>
+                    </a:ext>
+                  </a:extLst>
+                </p14:cNvPr>
+                <p14:cNvContentPartPr/>
+                <p14:nvPr/>
+              </p14:nvContentPartPr>
+              <p14:xfrm>
+                <a:off x="9007956" y="1404135"/>
+                <a:ext cx="140400" cy="173880"/>
+              </p14:xfrm>
+            </p:contentPart>
+          </mc:Choice>
+          <mc:Fallback>
+            <p:pic>
+              <p:nvPicPr>
+                <p:cNvPr id="116" name="Ink 115">
+                  <a:extLst>
+                    <a:ext uri="{FF2B5EF4-FFF2-40B4-BE49-F238E27FC236}">
+                      <a16:creationId xmlns:a16="http://schemas.microsoft.com/office/drawing/2014/main" id="{D4BF3DA7-5173-8F8D-EEB4-D86ABAD57DFF}"/>
+                    </a:ext>
+                  </a:extLst>
+                </p:cNvPr>
+                <p:cNvPicPr/>
+                <p:nvPr/>
+              </p:nvPicPr>
+              <p:blipFill>
+                <a:blip r:embed="rId67"/>
+                <a:stretch>
+                  <a:fillRect/>
+                </a:stretch>
+              </p:blipFill>
+              <p:spPr>
+                <a:xfrm>
+                  <a:off x="8971956" y="1188135"/>
+                  <a:ext cx="212040" cy="605520"/>
+                </a:xfrm>
+                <a:prstGeom prst="rect">
+                  <a:avLst/>
+                </a:prstGeom>
+              </p:spPr>
+            </p:pic>
+          </mc:Fallback>
+        </mc:AlternateContent>
+        <mc:AlternateContent xmlns:mc="http://schemas.openxmlformats.org/markup-compatibility/2006">
+          <mc:Choice xmlns:p14="http://schemas.microsoft.com/office/powerpoint/2010/main" xmlns:aink="http://schemas.microsoft.com/office/drawing/2016/ink" Requires="p14 aink">
+            <p:contentPart p14:bwMode="auto" r:id="rId68">
+              <p14:nvContentPartPr>
+                <p14:cNvPr id="117" name="Ink 116">
+                  <a:extLst>
+                    <a:ext uri="{FF2B5EF4-FFF2-40B4-BE49-F238E27FC236}">
+                      <a16:creationId xmlns:a16="http://schemas.microsoft.com/office/drawing/2014/main" id="{2636F2CF-7E4E-4FEA-414D-D8C6BAF7B8FE}"/>
+                    </a:ext>
+                  </a:extLst>
+                </p14:cNvPr>
+                <p14:cNvContentPartPr/>
+                <p14:nvPr/>
+              </p14:nvContentPartPr>
+              <p14:xfrm>
+                <a:off x="9192996" y="1402695"/>
+                <a:ext cx="120960" cy="183600"/>
+              </p14:xfrm>
+            </p:contentPart>
+          </mc:Choice>
+          <mc:Fallback>
+            <p:pic>
+              <p:nvPicPr>
+                <p:cNvPr id="117" name="Ink 116">
+                  <a:extLst>
+                    <a:ext uri="{FF2B5EF4-FFF2-40B4-BE49-F238E27FC236}">
+                      <a16:creationId xmlns:a16="http://schemas.microsoft.com/office/drawing/2014/main" id="{2636F2CF-7E4E-4FEA-414D-D8C6BAF7B8FE}"/>
+                    </a:ext>
+                  </a:extLst>
+                </p:cNvPr>
+                <p:cNvPicPr/>
+                <p:nvPr/>
+              </p:nvPicPr>
+              <p:blipFill>
+                <a:blip r:embed="rId69"/>
+                <a:stretch>
+                  <a:fillRect/>
+                </a:stretch>
+              </p:blipFill>
+              <p:spPr>
+                <a:xfrm>
+                  <a:off x="9157356" y="1187055"/>
+                  <a:ext cx="192600" cy="615240"/>
+                </a:xfrm>
+                <a:prstGeom prst="rect">
+                  <a:avLst/>
+                </a:prstGeom>
+              </p:spPr>
+            </p:pic>
+          </mc:Fallback>
+        </mc:AlternateContent>
+        <mc:AlternateContent xmlns:mc="http://schemas.openxmlformats.org/markup-compatibility/2006">
+          <mc:Choice xmlns:p14="http://schemas.microsoft.com/office/powerpoint/2010/main" xmlns:aink="http://schemas.microsoft.com/office/drawing/2016/ink" Requires="p14 aink">
+            <p:contentPart p14:bwMode="auto" r:id="rId70">
+              <p14:nvContentPartPr>
+                <p14:cNvPr id="118" name="Ink 117">
+                  <a:extLst>
+                    <a:ext uri="{FF2B5EF4-FFF2-40B4-BE49-F238E27FC236}">
+                      <a16:creationId xmlns:a16="http://schemas.microsoft.com/office/drawing/2014/main" id="{AD8B394F-C7EB-BB70-E962-7DC83FC0C93A}"/>
+                    </a:ext>
+                  </a:extLst>
+                </p14:cNvPr>
+                <p14:cNvContentPartPr/>
+                <p14:nvPr/>
+              </p14:nvContentPartPr>
+              <p14:xfrm>
+                <a:off x="9369396" y="1108215"/>
+                <a:ext cx="50760" cy="430200"/>
+              </p14:xfrm>
+            </p:contentPart>
+          </mc:Choice>
+          <mc:Fallback>
+            <p:pic>
+              <p:nvPicPr>
+                <p:cNvPr id="118" name="Ink 117">
+                  <a:extLst>
+                    <a:ext uri="{FF2B5EF4-FFF2-40B4-BE49-F238E27FC236}">
+                      <a16:creationId xmlns:a16="http://schemas.microsoft.com/office/drawing/2014/main" id="{AD8B394F-C7EB-BB70-E962-7DC83FC0C93A}"/>
+                    </a:ext>
+                  </a:extLst>
+                </p:cNvPr>
+                <p:cNvPicPr/>
+                <p:nvPr/>
+              </p:nvPicPr>
+              <p:blipFill>
+                <a:blip r:embed="rId71"/>
+                <a:stretch>
+                  <a:fillRect/>
+                </a:stretch>
+              </p:blipFill>
+              <p:spPr>
+                <a:xfrm>
+                  <a:off x="9333396" y="892575"/>
+                  <a:ext cx="122400" cy="861840"/>
+                </a:xfrm>
+                <a:prstGeom prst="rect">
+                  <a:avLst/>
+                </a:prstGeom>
+              </p:spPr>
+            </p:pic>
+          </mc:Fallback>
+        </mc:AlternateContent>
+        <mc:AlternateContent xmlns:mc="http://schemas.openxmlformats.org/markup-compatibility/2006">
+          <mc:Choice xmlns:p14="http://schemas.microsoft.com/office/powerpoint/2010/main" xmlns:aink="http://schemas.microsoft.com/office/drawing/2016/ink" Requires="p14 aink">
+            <p:contentPart p14:bwMode="auto" r:id="rId72">
+              <p14:nvContentPartPr>
+                <p14:cNvPr id="119" name="Ink 118">
+                  <a:extLst>
+                    <a:ext uri="{FF2B5EF4-FFF2-40B4-BE49-F238E27FC236}">
+                      <a16:creationId xmlns:a16="http://schemas.microsoft.com/office/drawing/2014/main" id="{BD4B25F0-30E6-8331-F701-79B0B312CB75}"/>
+                    </a:ext>
+                  </a:extLst>
+                </p14:cNvPr>
+                <p14:cNvContentPartPr/>
+                <p14:nvPr/>
+              </p14:nvContentPartPr>
+              <p14:xfrm>
+                <a:off x="9341316" y="1451295"/>
+                <a:ext cx="187920" cy="12600"/>
+              </p14:xfrm>
+            </p:contentPart>
+          </mc:Choice>
+          <mc:Fallback>
+            <p:pic>
+              <p:nvPicPr>
+                <p:cNvPr id="119" name="Ink 118">
+                  <a:extLst>
+                    <a:ext uri="{FF2B5EF4-FFF2-40B4-BE49-F238E27FC236}">
+                      <a16:creationId xmlns:a16="http://schemas.microsoft.com/office/drawing/2014/main" id="{BD4B25F0-30E6-8331-F701-79B0B312CB75}"/>
+                    </a:ext>
+                  </a:extLst>
+                </p:cNvPr>
+                <p:cNvPicPr/>
+                <p:nvPr/>
+              </p:nvPicPr>
+              <p:blipFill>
+                <a:blip r:embed="rId73"/>
+                <a:stretch>
+                  <a:fillRect/>
+                </a:stretch>
+              </p:blipFill>
+              <p:spPr>
+                <a:xfrm>
+                  <a:off x="9305676" y="1235295"/>
+                  <a:ext cx="259560" cy="444240"/>
+                </a:xfrm>
+                <a:prstGeom prst="rect">
+                  <a:avLst/>
+                </a:prstGeom>
+              </p:spPr>
+            </p:pic>
+          </mc:Fallback>
+        </mc:AlternateContent>
+        <mc:AlternateContent xmlns:mc="http://schemas.openxmlformats.org/markup-compatibility/2006">
+          <mc:Choice xmlns:p14="http://schemas.microsoft.com/office/powerpoint/2010/main" xmlns:aink="http://schemas.microsoft.com/office/drawing/2016/ink" Requires="p14 aink">
+            <p:contentPart p14:bwMode="auto" r:id="rId74">
+              <p14:nvContentPartPr>
+                <p14:cNvPr id="120" name="Ink 119">
+                  <a:extLst>
+                    <a:ext uri="{FF2B5EF4-FFF2-40B4-BE49-F238E27FC236}">
+                      <a16:creationId xmlns:a16="http://schemas.microsoft.com/office/drawing/2014/main" id="{6A6F629C-3B86-C479-63CE-5957A778CEA4}"/>
+                    </a:ext>
+                  </a:extLst>
+                </p14:cNvPr>
+                <p14:cNvContentPartPr/>
+                <p14:nvPr/>
+              </p14:nvContentPartPr>
+              <p14:xfrm>
+                <a:off x="9603756" y="1345815"/>
+                <a:ext cx="201240" cy="229320"/>
+              </p14:xfrm>
+            </p:contentPart>
+          </mc:Choice>
+          <mc:Fallback>
+            <p:pic>
+              <p:nvPicPr>
+                <p:cNvPr id="120" name="Ink 119">
+                  <a:extLst>
+                    <a:ext uri="{FF2B5EF4-FFF2-40B4-BE49-F238E27FC236}">
+                      <a16:creationId xmlns:a16="http://schemas.microsoft.com/office/drawing/2014/main" id="{6A6F629C-3B86-C479-63CE-5957A778CEA4}"/>
+                    </a:ext>
+                  </a:extLst>
+                </p:cNvPr>
+                <p:cNvPicPr/>
+                <p:nvPr/>
+              </p:nvPicPr>
+              <p:blipFill>
+                <a:blip r:embed="rId75"/>
+                <a:stretch>
+                  <a:fillRect/>
+                </a:stretch>
+              </p:blipFill>
+              <p:spPr>
+                <a:xfrm>
+                  <a:off x="9567756" y="1129815"/>
+                  <a:ext cx="272880" cy="660960"/>
+                </a:xfrm>
+                <a:prstGeom prst="rect">
+                  <a:avLst/>
+                </a:prstGeom>
+              </p:spPr>
+            </p:pic>
+          </mc:Fallback>
+        </mc:AlternateContent>
+        <mc:AlternateContent xmlns:mc="http://schemas.openxmlformats.org/markup-compatibility/2006">
+          <mc:Choice xmlns:p14="http://schemas.microsoft.com/office/powerpoint/2010/main" xmlns:aink="http://schemas.microsoft.com/office/drawing/2016/ink" Requires="p14 aink">
+            <p:contentPart p14:bwMode="auto" r:id="rId76">
+              <p14:nvContentPartPr>
+                <p14:cNvPr id="121" name="Ink 120">
+                  <a:extLst>
+                    <a:ext uri="{FF2B5EF4-FFF2-40B4-BE49-F238E27FC236}">
+                      <a16:creationId xmlns:a16="http://schemas.microsoft.com/office/drawing/2014/main" id="{20CFFDAF-C740-B991-6341-6F50C5F26AEA}"/>
+                    </a:ext>
+                  </a:extLst>
+                </p14:cNvPr>
+                <p14:cNvContentPartPr/>
+                <p14:nvPr/>
+              </p14:nvContentPartPr>
+              <p14:xfrm>
+                <a:off x="9795636" y="1306215"/>
+                <a:ext cx="157320" cy="218520"/>
+              </p14:xfrm>
+            </p:contentPart>
+          </mc:Choice>
+          <mc:Fallback>
+            <p:pic>
+              <p:nvPicPr>
+                <p:cNvPr id="121" name="Ink 120">
+                  <a:extLst>
+                    <a:ext uri="{FF2B5EF4-FFF2-40B4-BE49-F238E27FC236}">
+                      <a16:creationId xmlns:a16="http://schemas.microsoft.com/office/drawing/2014/main" id="{20CFFDAF-C740-B991-6341-6F50C5F26AEA}"/>
+                    </a:ext>
+                  </a:extLst>
+                </p:cNvPr>
+                <p:cNvPicPr/>
+                <p:nvPr/>
+              </p:nvPicPr>
+              <p:blipFill>
+                <a:blip r:embed="rId77"/>
+                <a:stretch>
+                  <a:fillRect/>
+                </a:stretch>
+              </p:blipFill>
+              <p:spPr>
+                <a:xfrm>
+                  <a:off x="9759996" y="1090215"/>
+                  <a:ext cx="228960" cy="650160"/>
+                </a:xfrm>
+                <a:prstGeom prst="rect">
+                  <a:avLst/>
+                </a:prstGeom>
+              </p:spPr>
+            </p:pic>
+          </mc:Fallback>
+        </mc:AlternateContent>
+        <mc:AlternateContent xmlns:mc="http://schemas.openxmlformats.org/markup-compatibility/2006">
+          <mc:Choice xmlns:p14="http://schemas.microsoft.com/office/powerpoint/2010/main" xmlns:aink="http://schemas.microsoft.com/office/drawing/2016/ink" Requires="p14 aink">
+            <p:contentPart p14:bwMode="auto" r:id="rId78">
+              <p14:nvContentPartPr>
+                <p14:cNvPr id="122" name="Ink 121">
+                  <a:extLst>
+                    <a:ext uri="{FF2B5EF4-FFF2-40B4-BE49-F238E27FC236}">
+                      <a16:creationId xmlns:a16="http://schemas.microsoft.com/office/drawing/2014/main" id="{7745EA82-DFAD-10B7-00BC-85667ED06801}"/>
+                    </a:ext>
+                  </a:extLst>
+                </p14:cNvPr>
+                <p14:cNvContentPartPr/>
+                <p14:nvPr/>
+              </p14:nvContentPartPr>
+              <p14:xfrm>
+                <a:off x="10078956" y="1140255"/>
+                <a:ext cx="147240" cy="374040"/>
+              </p14:xfrm>
+            </p:contentPart>
+          </mc:Choice>
+          <mc:Fallback>
+            <p:pic>
+              <p:nvPicPr>
+                <p:cNvPr id="122" name="Ink 121">
+                  <a:extLst>
+                    <a:ext uri="{FF2B5EF4-FFF2-40B4-BE49-F238E27FC236}">
+                      <a16:creationId xmlns:a16="http://schemas.microsoft.com/office/drawing/2014/main" id="{7745EA82-DFAD-10B7-00BC-85667ED06801}"/>
+                    </a:ext>
+                  </a:extLst>
+                </p:cNvPr>
+                <p:cNvPicPr/>
+                <p:nvPr/>
+              </p:nvPicPr>
+              <p:blipFill>
+                <a:blip r:embed="rId79"/>
+                <a:stretch>
+                  <a:fillRect/>
+                </a:stretch>
+              </p:blipFill>
+              <p:spPr>
+                <a:xfrm>
+                  <a:off x="10043316" y="924615"/>
+                  <a:ext cx="218880" cy="805680"/>
+                </a:xfrm>
+                <a:prstGeom prst="rect">
+                  <a:avLst/>
+                </a:prstGeom>
+              </p:spPr>
+            </p:pic>
+          </mc:Fallback>
+        </mc:AlternateContent>
+      </p:grpSp>
       <p:pic>
         <p:nvPicPr>
-          <p:cNvPr id="1040" name="Picture 16" descr="Docker mark logo in vector formats EPS, SVG - Brandlogos.net">
+          <p:cNvPr id="125" name="Picture 20">
             <a:extLst>
               <a:ext uri="{FF2B5EF4-FFF2-40B4-BE49-F238E27FC236}">
-                <a16:creationId xmlns:a16="http://schemas.microsoft.com/office/drawing/2014/main" id="{1E64FC50-ABE0-6EFB-748B-085038C25CBB}"/>
+                <a16:creationId xmlns:a16="http://schemas.microsoft.com/office/drawing/2014/main" id="{7DBBAA14-191A-6810-9DA4-F4010E119742}"/>
               </a:ext>
             </a:extLst>
           </p:cNvPr>
@@ -6987,7 +12297,7 @@
           <p:nvPr/>
         </p:nvPicPr>
         <p:blipFill>
-          <a:blip r:embed="rId9">
+          <a:blip r:embed="rId80">
             <a:extLst>
               <a:ext uri="{28A0092B-C50C-407E-A947-70E740481C1C}">
                 <a14:useLocalDpi xmlns:a14="http://schemas.microsoft.com/office/drawing/2010/main" val="0"/>
@@ -7001,7 +12311,101 @@
         </p:blipFill>
         <p:spPr bwMode="auto">
           <a:xfrm>
-            <a:off x="4354039" y="3383856"/>
+            <a:off x="10519858" y="2274139"/>
+            <a:ext cx="1280160" cy="1541313"/>
+          </a:xfrm>
+          <a:prstGeom prst="rect">
+            <a:avLst/>
+          </a:prstGeom>
+          <a:noFill/>
+          <a:extLst>
+            <a:ext uri="{909E8E84-426E-40DD-AFC4-6F175D3DCCD1}">
+              <a14:hiddenFill xmlns:a14="http://schemas.microsoft.com/office/drawing/2010/main">
+                <a:solidFill>
+                  <a:srgbClr val="FFFFFF"/>
+                </a:solidFill>
+              </a14:hiddenFill>
+            </a:ext>
+          </a:extLst>
+        </p:spPr>
+      </p:pic>
+      <p:pic>
+        <p:nvPicPr>
+          <p:cNvPr id="126" name="Picture 24" descr="How to Install WordPress with Nginx - Complete Tutorial (2020)">
+            <a:extLst>
+              <a:ext uri="{FF2B5EF4-FFF2-40B4-BE49-F238E27FC236}">
+                <a16:creationId xmlns:a16="http://schemas.microsoft.com/office/drawing/2014/main" id="{53DA0658-6ECB-50CD-DC34-607F509BF93B}"/>
+              </a:ext>
+            </a:extLst>
+          </p:cNvPr>
+          <p:cNvPicPr>
+            <a:picLocks noChangeAspect="1" noChangeArrowheads="1"/>
+          </p:cNvPicPr>
+          <p:nvPr/>
+        </p:nvPicPr>
+        <p:blipFill rotWithShape="1">
+          <a:blip r:embed="rId81">
+            <a:extLst>
+              <a:ext uri="{28A0092B-C50C-407E-A947-70E740481C1C}">
+                <a14:useLocalDpi xmlns:a14="http://schemas.microsoft.com/office/drawing/2010/main" val="0"/>
+              </a:ext>
+            </a:extLst>
+          </a:blip>
+          <a:srcRect l="31217" t="19070" r="31161" b="19535"/>
+          <a:stretch>
+            <a:fillRect/>
+          </a:stretch>
+        </p:blipFill>
+        <p:spPr bwMode="auto">
+          <a:xfrm>
+            <a:off x="9351710" y="4258212"/>
+            <a:ext cx="1280160" cy="1435913"/>
+          </a:xfrm>
+          <a:prstGeom prst="rect">
+            <a:avLst/>
+          </a:prstGeom>
+          <a:noFill/>
+          <a:extLst>
+            <a:ext uri="{909E8E84-426E-40DD-AFC4-6F175D3DCCD1}">
+              <a14:hiddenFill xmlns:a14="http://schemas.microsoft.com/office/drawing/2010/main">
+                <a:solidFill>
+                  <a:srgbClr val="FFFFFF"/>
+                </a:solidFill>
+              </a14:hiddenFill>
+            </a:ext>
+          </a:extLst>
+        </p:spPr>
+      </p:pic>
+      <p:pic>
+        <p:nvPicPr>
+          <p:cNvPr id="127" name="Picture 16" descr="Docker mark logo in vector formats EPS, SVG - Brandlogos.net">
+            <a:extLst>
+              <a:ext uri="{FF2B5EF4-FFF2-40B4-BE49-F238E27FC236}">
+                <a16:creationId xmlns:a16="http://schemas.microsoft.com/office/drawing/2014/main" id="{798FD60A-5D70-98FD-8DF1-1E553F1355FA}"/>
+              </a:ext>
+            </a:extLst>
+          </p:cNvPr>
+          <p:cNvPicPr>
+            <a:picLocks noChangeAspect="1" noChangeArrowheads="1"/>
+          </p:cNvPicPr>
+          <p:nvPr/>
+        </p:nvPicPr>
+        <p:blipFill>
+          <a:blip r:embed="rId82">
+            <a:extLst>
+              <a:ext uri="{28A0092B-C50C-407E-A947-70E740481C1C}">
+                <a14:useLocalDpi xmlns:a14="http://schemas.microsoft.com/office/drawing/2010/main" val="0"/>
+              </a:ext>
+            </a:extLst>
+          </a:blip>
+          <a:srcRect/>
+          <a:stretch>
+            <a:fillRect/>
+          </a:stretch>
+        </p:blipFill>
+        <p:spPr bwMode="auto">
+          <a:xfrm>
+            <a:off x="4894500" y="4901410"/>
             <a:ext cx="1371600" cy="1083564"/>
           </a:xfrm>
           <a:prstGeom prst="rect">
@@ -7021,10 +12425,10 @@
       </p:pic>
       <p:pic>
         <p:nvPicPr>
-          <p:cNvPr id="1042" name="Picture 18">
+          <p:cNvPr id="128" name="Picture 18">
             <a:extLst>
               <a:ext uri="{FF2B5EF4-FFF2-40B4-BE49-F238E27FC236}">
-                <a16:creationId xmlns:a16="http://schemas.microsoft.com/office/drawing/2014/main" id="{A73CD59B-67C9-0B8B-5F79-65C54B104209}"/>
+                <a16:creationId xmlns:a16="http://schemas.microsoft.com/office/drawing/2014/main" id="{F01094E4-7455-FCF1-69A5-68A53ECD91C8}"/>
               </a:ext>
             </a:extLst>
           </p:cNvPr>
@@ -7034,7 +12438,7 @@
           <p:nvPr/>
         </p:nvPicPr>
         <p:blipFill>
-          <a:blip r:embed="rId10">
+          <a:blip r:embed="rId83">
             <a:extLst>
               <a:ext uri="{28A0092B-C50C-407E-A947-70E740481C1C}">
                 <a14:useLocalDpi xmlns:a14="http://schemas.microsoft.com/office/drawing/2010/main" val="0"/>
@@ -7048,7 +12452,7 @@
         </p:blipFill>
         <p:spPr bwMode="auto">
           <a:xfrm>
-            <a:off x="6096000" y="2547203"/>
+            <a:off x="6243063" y="3429000"/>
             <a:ext cx="1371600" cy="1332429"/>
           </a:xfrm>
           <a:prstGeom prst="rect">
@@ -7068,10 +12472,10 @@
       </p:pic>
       <p:pic>
         <p:nvPicPr>
-          <p:cNvPr id="1044" name="Picture 20">
+          <p:cNvPr id="1030" name="Picture 6" descr="GitHub – Wikipedia">
             <a:extLst>
               <a:ext uri="{FF2B5EF4-FFF2-40B4-BE49-F238E27FC236}">
-                <a16:creationId xmlns:a16="http://schemas.microsoft.com/office/drawing/2014/main" id="{5A2FCE9B-6A6F-3077-A398-14A5DF1995C3}"/>
+                <a16:creationId xmlns:a16="http://schemas.microsoft.com/office/drawing/2014/main" id="{65A0169D-8273-518A-DFC5-3F34FB7D0F34}"/>
               </a:ext>
             </a:extLst>
           </p:cNvPr>
@@ -7081,8 +12485,17 @@
           <p:nvPr/>
         </p:nvPicPr>
         <p:blipFill>
-          <a:blip r:embed="rId11">
+          <a:blip r:embed="rId84">
             <a:extLst>
+              <a:ext uri="{BEBA8EAE-BF5A-486C-A8C5-ECC9F3942E4B}">
+                <a14:imgProps xmlns:a14="http://schemas.microsoft.com/office/drawing/2010/main">
+                  <a14:imgLayer r:embed="rId85">
+                    <a14:imgEffect>
+                      <a14:brightnessContrast bright="100000"/>
+                    </a14:imgEffect>
+                  </a14:imgLayer>
+                </a14:imgProps>
+              </a:ext>
               <a:ext uri="{28A0092B-C50C-407E-A947-70E740481C1C}">
                 <a14:useLocalDpi xmlns:a14="http://schemas.microsoft.com/office/drawing/2010/main" val="0"/>
               </a:ext>
@@ -7095,79 +12508,1561 @@
         </p:blipFill>
         <p:spPr bwMode="auto">
           <a:xfrm>
-            <a:off x="9883690" y="4673624"/>
-            <a:ext cx="1305320" cy="1571606"/>
+            <a:off x="4322460" y="2495643"/>
+            <a:ext cx="1371600" cy="1371600"/>
           </a:xfrm>
           <a:prstGeom prst="rect">
             <a:avLst/>
           </a:prstGeom>
           <a:noFill/>
-          <a:extLst>
-            <a:ext uri="{909E8E84-426E-40DD-AFC4-6F175D3DCCD1}">
-              <a14:hiddenFill xmlns:a14="http://schemas.microsoft.com/office/drawing/2010/main">
-                <a:solidFill>
-                  <a:srgbClr val="FFFFFF"/>
-                </a:solidFill>
-              </a14:hiddenFill>
-            </a:ext>
-          </a:extLst>
+          <a:effectLst>
+            <a:glow rad="13080">
+              <a:schemeClr val="tx1"/>
+            </a:glow>
+          </a:effectLst>
         </p:spPr>
       </p:pic>
-      <p:pic>
-        <p:nvPicPr>
-          <p:cNvPr id="1048" name="Picture 24" descr="How to Install WordPress with Nginx - Complete Tutorial (2020)">
+      <p:grpSp>
+        <p:nvGrpSpPr>
+          <p:cNvPr id="163" name="Group 162">
             <a:extLst>
               <a:ext uri="{FF2B5EF4-FFF2-40B4-BE49-F238E27FC236}">
-                <a16:creationId xmlns:a16="http://schemas.microsoft.com/office/drawing/2014/main" id="{C2BDF02A-24AC-4735-EAC0-53409423A80B}"/>
+                <a16:creationId xmlns:a16="http://schemas.microsoft.com/office/drawing/2014/main" id="{135C8FD2-C9D5-6A7E-81FE-18A73F3A2CE8}"/>
               </a:ext>
             </a:extLst>
           </p:cNvPr>
-          <p:cNvPicPr>
-            <a:picLocks noChangeAspect="1" noChangeArrowheads="1"/>
-          </p:cNvPicPr>
+          <p:cNvGrpSpPr/>
           <p:nvPr/>
-        </p:nvPicPr>
-        <p:blipFill rotWithShape="1">
-          <a:blip r:embed="rId12">
+        </p:nvGrpSpPr>
+        <p:grpSpPr>
+          <a:xfrm>
+            <a:off x="3970344" y="552448"/>
+            <a:ext cx="435960" cy="659160"/>
+            <a:chOff x="3970344" y="552448"/>
+            <a:chExt cx="435960" cy="659160"/>
+          </a:xfrm>
+        </p:grpSpPr>
+        <mc:AlternateContent xmlns:mc="http://schemas.openxmlformats.org/markup-compatibility/2006">
+          <mc:Choice xmlns:p14="http://schemas.microsoft.com/office/powerpoint/2010/main" xmlns:aink="http://schemas.microsoft.com/office/drawing/2016/ink" Requires="p14 aink">
+            <p:contentPart p14:bwMode="auto" r:id="rId86">
+              <p14:nvContentPartPr>
+                <p14:cNvPr id="156" name="Ink 155">
+                  <a:extLst>
+                    <a:ext uri="{FF2B5EF4-FFF2-40B4-BE49-F238E27FC236}">
+                      <a16:creationId xmlns:a16="http://schemas.microsoft.com/office/drawing/2014/main" id="{3EDA205D-A24C-7D52-69D7-CAAD852301E7}"/>
+                    </a:ext>
+                  </a:extLst>
+                </p14:cNvPr>
+                <p14:cNvContentPartPr/>
+                <p14:nvPr/>
+              </p14:nvContentPartPr>
+              <p14:xfrm>
+                <a:off x="3970344" y="552448"/>
+                <a:ext cx="435960" cy="659160"/>
+              </p14:xfrm>
+            </p:contentPart>
+          </mc:Choice>
+          <mc:Fallback>
+            <p:pic>
+              <p:nvPicPr>
+                <p:cNvPr id="156" name="Ink 155">
+                  <a:extLst>
+                    <a:ext uri="{FF2B5EF4-FFF2-40B4-BE49-F238E27FC236}">
+                      <a16:creationId xmlns:a16="http://schemas.microsoft.com/office/drawing/2014/main" id="{3EDA205D-A24C-7D52-69D7-CAAD852301E7}"/>
+                    </a:ext>
+                  </a:extLst>
+                </p:cNvPr>
+                <p:cNvPicPr/>
+                <p:nvPr/>
+              </p:nvPicPr>
+              <p:blipFill>
+                <a:blip r:embed="rId87"/>
+                <a:stretch>
+                  <a:fillRect/>
+                </a:stretch>
+              </p:blipFill>
+              <p:spPr>
+                <a:xfrm>
+                  <a:off x="3934344" y="336808"/>
+                  <a:ext cx="507600" cy="1090800"/>
+                </a:xfrm>
+                <a:prstGeom prst="rect">
+                  <a:avLst/>
+                </a:prstGeom>
+              </p:spPr>
+            </p:pic>
+          </mc:Fallback>
+        </mc:AlternateContent>
+        <mc:AlternateContent xmlns:mc="http://schemas.openxmlformats.org/markup-compatibility/2006">
+          <mc:Choice xmlns:p14="http://schemas.microsoft.com/office/powerpoint/2010/main" xmlns:aink="http://schemas.microsoft.com/office/drawing/2016/ink" Requires="p14 aink">
+            <p:contentPart p14:bwMode="auto" r:id="rId88">
+              <p14:nvContentPartPr>
+                <p14:cNvPr id="157" name="Ink 156">
+                  <a:extLst>
+                    <a:ext uri="{FF2B5EF4-FFF2-40B4-BE49-F238E27FC236}">
+                      <a16:creationId xmlns:a16="http://schemas.microsoft.com/office/drawing/2014/main" id="{EE66DBF7-4AC0-0C21-44AB-6DCA49BC0FC9}"/>
+                    </a:ext>
+                  </a:extLst>
+                </p14:cNvPr>
+                <p14:cNvContentPartPr/>
+                <p14:nvPr/>
+              </p14:nvContentPartPr>
+              <p14:xfrm>
+                <a:off x="4000584" y="895888"/>
+                <a:ext cx="266760" cy="15120"/>
+              </p14:xfrm>
+            </p:contentPart>
+          </mc:Choice>
+          <mc:Fallback>
+            <p:pic>
+              <p:nvPicPr>
+                <p:cNvPr id="157" name="Ink 156">
+                  <a:extLst>
+                    <a:ext uri="{FF2B5EF4-FFF2-40B4-BE49-F238E27FC236}">
+                      <a16:creationId xmlns:a16="http://schemas.microsoft.com/office/drawing/2014/main" id="{EE66DBF7-4AC0-0C21-44AB-6DCA49BC0FC9}"/>
+                    </a:ext>
+                  </a:extLst>
+                </p:cNvPr>
+                <p:cNvPicPr/>
+                <p:nvPr/>
+              </p:nvPicPr>
+              <p:blipFill>
+                <a:blip r:embed="rId89"/>
+                <a:stretch>
+                  <a:fillRect/>
+                </a:stretch>
+              </p:blipFill>
+              <p:spPr>
+                <a:xfrm>
+                  <a:off x="3964584" y="680248"/>
+                  <a:ext cx="338400" cy="446760"/>
+                </a:xfrm>
+                <a:prstGeom prst="rect">
+                  <a:avLst/>
+                </a:prstGeom>
+              </p:spPr>
+            </p:pic>
+          </mc:Fallback>
+        </mc:AlternateContent>
+      </p:grpSp>
+      <p:grpSp>
+        <p:nvGrpSpPr>
+          <p:cNvPr id="161" name="Group 160">
             <a:extLst>
-              <a:ext uri="{28A0092B-C50C-407E-A947-70E740481C1C}">
-                <a14:useLocalDpi xmlns:a14="http://schemas.microsoft.com/office/drawing/2010/main" val="0"/>
+              <a:ext uri="{FF2B5EF4-FFF2-40B4-BE49-F238E27FC236}">
+                <a16:creationId xmlns:a16="http://schemas.microsoft.com/office/drawing/2014/main" id="{A91850DD-F635-1353-3648-3E0EFB716438}"/>
               </a:ext>
             </a:extLst>
-          </a:blip>
-          <a:srcRect l="31217" t="19070" r="31161" b="19535"/>
-          <a:stretch>
-            <a:fillRect/>
-          </a:stretch>
-        </p:blipFill>
-        <p:spPr bwMode="auto">
+          </p:cNvPr>
+          <p:cNvGrpSpPr/>
+          <p:nvPr/>
+        </p:nvGrpSpPr>
+        <p:grpSpPr>
           <a:xfrm>
-            <a:off x="8016952" y="4785881"/>
-            <a:ext cx="1371600" cy="1538478"/>
+            <a:off x="5242584" y="838648"/>
+            <a:ext cx="243360" cy="649080"/>
+            <a:chOff x="5242584" y="838648"/>
+            <a:chExt cx="243360" cy="649080"/>
           </a:xfrm>
-          <a:prstGeom prst="rect">
-            <a:avLst/>
-          </a:prstGeom>
-          <a:noFill/>
-          <a:extLst>
-            <a:ext uri="{909E8E84-426E-40DD-AFC4-6F175D3DCCD1}">
-              <a14:hiddenFill xmlns:a14="http://schemas.microsoft.com/office/drawing/2010/main">
-                <a:solidFill>
-                  <a:srgbClr val="FFFFFF"/>
-                </a:solidFill>
-              </a14:hiddenFill>
-            </a:ext>
-          </a:extLst>
-        </p:spPr>
-      </p:pic>
+        </p:grpSpPr>
+        <mc:AlternateContent xmlns:mc="http://schemas.openxmlformats.org/markup-compatibility/2006">
+          <mc:Choice xmlns:p14="http://schemas.microsoft.com/office/powerpoint/2010/main" xmlns:aink="http://schemas.microsoft.com/office/drawing/2016/ink" Requires="p14 aink">
+            <p:contentPart p14:bwMode="auto" r:id="rId90">
+              <p14:nvContentPartPr>
+                <p14:cNvPr id="158" name="Ink 157">
+                  <a:extLst>
+                    <a:ext uri="{FF2B5EF4-FFF2-40B4-BE49-F238E27FC236}">
+                      <a16:creationId xmlns:a16="http://schemas.microsoft.com/office/drawing/2014/main" id="{E6A81457-5D9C-04F3-B0F1-E33CDC923934}"/>
+                    </a:ext>
+                  </a:extLst>
+                </p14:cNvPr>
+                <p14:cNvContentPartPr/>
+                <p14:nvPr/>
+              </p14:nvContentPartPr>
+              <p14:xfrm>
+                <a:off x="5242584" y="876088"/>
+                <a:ext cx="21240" cy="611640"/>
+              </p14:xfrm>
+            </p:contentPart>
+          </mc:Choice>
+          <mc:Fallback>
+            <p:pic>
+              <p:nvPicPr>
+                <p:cNvPr id="158" name="Ink 157">
+                  <a:extLst>
+                    <a:ext uri="{FF2B5EF4-FFF2-40B4-BE49-F238E27FC236}">
+                      <a16:creationId xmlns:a16="http://schemas.microsoft.com/office/drawing/2014/main" id="{E6A81457-5D9C-04F3-B0F1-E33CDC923934}"/>
+                    </a:ext>
+                  </a:extLst>
+                </p:cNvPr>
+                <p:cNvPicPr/>
+                <p:nvPr/>
+              </p:nvPicPr>
+              <p:blipFill>
+                <a:blip r:embed="rId91"/>
+                <a:stretch>
+                  <a:fillRect/>
+                </a:stretch>
+              </p:blipFill>
+              <p:spPr>
+                <a:xfrm>
+                  <a:off x="5206584" y="660448"/>
+                  <a:ext cx="92880" cy="1043280"/>
+                </a:xfrm>
+                <a:prstGeom prst="rect">
+                  <a:avLst/>
+                </a:prstGeom>
+              </p:spPr>
+            </p:pic>
+          </mc:Fallback>
+        </mc:AlternateContent>
+        <mc:AlternateContent xmlns:mc="http://schemas.openxmlformats.org/markup-compatibility/2006">
+          <mc:Choice xmlns:p14="http://schemas.microsoft.com/office/powerpoint/2010/main" xmlns:aink="http://schemas.microsoft.com/office/drawing/2016/ink" Requires="p14 aink">
+            <p:contentPart p14:bwMode="auto" r:id="rId92">
+              <p14:nvContentPartPr>
+                <p14:cNvPr id="159" name="Ink 158">
+                  <a:extLst>
+                    <a:ext uri="{FF2B5EF4-FFF2-40B4-BE49-F238E27FC236}">
+                      <a16:creationId xmlns:a16="http://schemas.microsoft.com/office/drawing/2014/main" id="{F08FDF23-3DE1-749F-2CD1-A1EDBD1F348D}"/>
+                    </a:ext>
+                  </a:extLst>
+                </p14:cNvPr>
+                <p14:cNvContentPartPr/>
+                <p14:nvPr/>
+              </p14:nvContentPartPr>
+              <p14:xfrm>
+                <a:off x="5249784" y="838648"/>
+                <a:ext cx="236160" cy="303120"/>
+              </p14:xfrm>
+            </p:contentPart>
+          </mc:Choice>
+          <mc:Fallback>
+            <p:pic>
+              <p:nvPicPr>
+                <p:cNvPr id="159" name="Ink 158">
+                  <a:extLst>
+                    <a:ext uri="{FF2B5EF4-FFF2-40B4-BE49-F238E27FC236}">
+                      <a16:creationId xmlns:a16="http://schemas.microsoft.com/office/drawing/2014/main" id="{F08FDF23-3DE1-749F-2CD1-A1EDBD1F348D}"/>
+                    </a:ext>
+                  </a:extLst>
+                </p:cNvPr>
+                <p:cNvPicPr/>
+                <p:nvPr/>
+              </p:nvPicPr>
+              <p:blipFill>
+                <a:blip r:embed="rId93"/>
+                <a:stretch>
+                  <a:fillRect/>
+                </a:stretch>
+              </p:blipFill>
+              <p:spPr>
+                <a:xfrm>
+                  <a:off x="5214144" y="623008"/>
+                  <a:ext cx="307800" cy="734760"/>
+                </a:xfrm>
+                <a:prstGeom prst="rect">
+                  <a:avLst/>
+                </a:prstGeom>
+              </p:spPr>
+            </p:pic>
+          </mc:Fallback>
+        </mc:AlternateContent>
+      </p:grpSp>
+      <p:grpSp>
+        <p:nvGrpSpPr>
+          <p:cNvPr id="1027" name="Group 1026">
+            <a:extLst>
+              <a:ext uri="{FF2B5EF4-FFF2-40B4-BE49-F238E27FC236}">
+                <a16:creationId xmlns:a16="http://schemas.microsoft.com/office/drawing/2014/main" id="{8321A893-8E9C-C4EC-1F93-9D81C272FD91}"/>
+              </a:ext>
+            </a:extLst>
+          </p:cNvPr>
+          <p:cNvGrpSpPr/>
+          <p:nvPr/>
+        </p:nvGrpSpPr>
+        <p:grpSpPr>
+          <a:xfrm>
+            <a:off x="3982944" y="2053648"/>
+            <a:ext cx="4067640" cy="4347720"/>
+            <a:chOff x="3982944" y="2053648"/>
+            <a:chExt cx="4067640" cy="4347720"/>
+          </a:xfrm>
+        </p:grpSpPr>
+        <mc:AlternateContent xmlns:mc="http://schemas.openxmlformats.org/markup-compatibility/2006">
+          <mc:Choice xmlns:p14="http://schemas.microsoft.com/office/powerpoint/2010/main" xmlns:aink="http://schemas.microsoft.com/office/drawing/2016/ink" Requires="p14 aink">
+            <p:contentPart p14:bwMode="auto" r:id="rId94">
+              <p14:nvContentPartPr>
+                <p14:cNvPr id="164" name="Ink 163">
+                  <a:extLst>
+                    <a:ext uri="{FF2B5EF4-FFF2-40B4-BE49-F238E27FC236}">
+                      <a16:creationId xmlns:a16="http://schemas.microsoft.com/office/drawing/2014/main" id="{F08E1EF5-2D3F-A650-DE2F-D6DF15E51F45}"/>
+                    </a:ext>
+                  </a:extLst>
+                </p14:cNvPr>
+                <p14:cNvContentPartPr/>
+                <p14:nvPr/>
+              </p14:nvContentPartPr>
+              <p14:xfrm>
+                <a:off x="4376424" y="4467808"/>
+                <a:ext cx="549720" cy="343080"/>
+              </p14:xfrm>
+            </p:contentPart>
+          </mc:Choice>
+          <mc:Fallback>
+            <p:pic>
+              <p:nvPicPr>
+                <p:cNvPr id="164" name="Ink 163">
+                  <a:extLst>
+                    <a:ext uri="{FF2B5EF4-FFF2-40B4-BE49-F238E27FC236}">
+                      <a16:creationId xmlns:a16="http://schemas.microsoft.com/office/drawing/2014/main" id="{F08E1EF5-2D3F-A650-DE2F-D6DF15E51F45}"/>
+                    </a:ext>
+                  </a:extLst>
+                </p:cNvPr>
+                <p:cNvPicPr/>
+                <p:nvPr/>
+              </p:nvPicPr>
+              <p:blipFill>
+                <a:blip r:embed="rId95"/>
+                <a:stretch>
+                  <a:fillRect/>
+                </a:stretch>
+              </p:blipFill>
+              <p:spPr>
+                <a:xfrm>
+                  <a:off x="4340784" y="4252168"/>
+                  <a:ext cx="621360" cy="774720"/>
+                </a:xfrm>
+                <a:prstGeom prst="rect">
+                  <a:avLst/>
+                </a:prstGeom>
+              </p:spPr>
+            </p:pic>
+          </mc:Fallback>
+        </mc:AlternateContent>
+        <mc:AlternateContent xmlns:mc="http://schemas.openxmlformats.org/markup-compatibility/2006">
+          <mc:Choice xmlns:p14="http://schemas.microsoft.com/office/powerpoint/2010/main" xmlns:aink="http://schemas.microsoft.com/office/drawing/2016/ink" Requires="p14 aink">
+            <p:contentPart p14:bwMode="auto" r:id="rId96">
+              <p14:nvContentPartPr>
+                <p14:cNvPr id="165" name="Ink 164">
+                  <a:extLst>
+                    <a:ext uri="{FF2B5EF4-FFF2-40B4-BE49-F238E27FC236}">
+                      <a16:creationId xmlns:a16="http://schemas.microsoft.com/office/drawing/2014/main" id="{AA9DD760-15C9-D297-C79E-712D1E249DA8}"/>
+                    </a:ext>
+                  </a:extLst>
+                </p14:cNvPr>
+                <p14:cNvContentPartPr/>
+                <p14:nvPr/>
+              </p14:nvContentPartPr>
+              <p14:xfrm>
+                <a:off x="4363464" y="4607848"/>
+                <a:ext cx="91080" cy="87840"/>
+              </p14:xfrm>
+            </p:contentPart>
+          </mc:Choice>
+          <mc:Fallback>
+            <p:pic>
+              <p:nvPicPr>
+                <p:cNvPr id="165" name="Ink 164">
+                  <a:extLst>
+                    <a:ext uri="{FF2B5EF4-FFF2-40B4-BE49-F238E27FC236}">
+                      <a16:creationId xmlns:a16="http://schemas.microsoft.com/office/drawing/2014/main" id="{AA9DD760-15C9-D297-C79E-712D1E249DA8}"/>
+                    </a:ext>
+                  </a:extLst>
+                </p:cNvPr>
+                <p:cNvPicPr/>
+                <p:nvPr/>
+              </p:nvPicPr>
+              <p:blipFill>
+                <a:blip r:embed="rId97"/>
+                <a:stretch>
+                  <a:fillRect/>
+                </a:stretch>
+              </p:blipFill>
+              <p:spPr>
+                <a:xfrm>
+                  <a:off x="4327464" y="4392208"/>
+                  <a:ext cx="162720" cy="519480"/>
+                </a:xfrm>
+                <a:prstGeom prst="rect">
+                  <a:avLst/>
+                </a:prstGeom>
+              </p:spPr>
+            </p:pic>
+          </mc:Fallback>
+        </mc:AlternateContent>
+        <mc:AlternateContent xmlns:mc="http://schemas.openxmlformats.org/markup-compatibility/2006">
+          <mc:Choice xmlns:p14="http://schemas.microsoft.com/office/powerpoint/2010/main" xmlns:aink="http://schemas.microsoft.com/office/drawing/2016/ink" Requires="p14 aink">
+            <p:contentPart p14:bwMode="auto" r:id="rId98">
+              <p14:nvContentPartPr>
+                <p14:cNvPr id="168" name="Ink 167">
+                  <a:extLst>
+                    <a:ext uri="{FF2B5EF4-FFF2-40B4-BE49-F238E27FC236}">
+                      <a16:creationId xmlns:a16="http://schemas.microsoft.com/office/drawing/2014/main" id="{E07E9193-BAE9-5435-8EC8-32ED64F27AF6}"/>
+                    </a:ext>
+                  </a:extLst>
+                </p14:cNvPr>
+                <p14:cNvContentPartPr/>
+                <p14:nvPr/>
+              </p14:nvContentPartPr>
+              <p14:xfrm>
+                <a:off x="4360944" y="4703608"/>
+                <a:ext cx="28800" cy="160560"/>
+              </p14:xfrm>
+            </p:contentPart>
+          </mc:Choice>
+          <mc:Fallback>
+            <p:pic>
+              <p:nvPicPr>
+                <p:cNvPr id="168" name="Ink 167">
+                  <a:extLst>
+                    <a:ext uri="{FF2B5EF4-FFF2-40B4-BE49-F238E27FC236}">
+                      <a16:creationId xmlns:a16="http://schemas.microsoft.com/office/drawing/2014/main" id="{E07E9193-BAE9-5435-8EC8-32ED64F27AF6}"/>
+                    </a:ext>
+                  </a:extLst>
+                </p:cNvPr>
+                <p:cNvPicPr/>
+                <p:nvPr/>
+              </p:nvPicPr>
+              <p:blipFill>
+                <a:blip r:embed="rId99"/>
+                <a:stretch>
+                  <a:fillRect/>
+                </a:stretch>
+              </p:blipFill>
+              <p:spPr>
+                <a:xfrm>
+                  <a:off x="4324944" y="4487968"/>
+                  <a:ext cx="100440" cy="592200"/>
+                </a:xfrm>
+                <a:prstGeom prst="rect">
+                  <a:avLst/>
+                </a:prstGeom>
+              </p:spPr>
+            </p:pic>
+          </mc:Fallback>
+        </mc:AlternateContent>
+        <mc:AlternateContent xmlns:mc="http://schemas.openxmlformats.org/markup-compatibility/2006">
+          <mc:Choice xmlns:p14="http://schemas.microsoft.com/office/powerpoint/2010/main" xmlns:aink="http://schemas.microsoft.com/office/drawing/2016/ink" Requires="p14 aink">
+            <p:contentPart p14:bwMode="auto" r:id="rId100">
+              <p14:nvContentPartPr>
+                <p14:cNvPr id="173" name="Ink 172">
+                  <a:extLst>
+                    <a:ext uri="{FF2B5EF4-FFF2-40B4-BE49-F238E27FC236}">
+                      <a16:creationId xmlns:a16="http://schemas.microsoft.com/office/drawing/2014/main" id="{81E48A53-0DD6-988C-6774-1494056B8108}"/>
+                    </a:ext>
+                  </a:extLst>
+                </p14:cNvPr>
+                <p14:cNvContentPartPr/>
+                <p14:nvPr/>
+              </p14:nvContentPartPr>
+              <p14:xfrm>
+                <a:off x="7214304" y="2571688"/>
+                <a:ext cx="573120" cy="212400"/>
+              </p14:xfrm>
+            </p:contentPart>
+          </mc:Choice>
+          <mc:Fallback>
+            <p:pic>
+              <p:nvPicPr>
+                <p:cNvPr id="173" name="Ink 172">
+                  <a:extLst>
+                    <a:ext uri="{FF2B5EF4-FFF2-40B4-BE49-F238E27FC236}">
+                      <a16:creationId xmlns:a16="http://schemas.microsoft.com/office/drawing/2014/main" id="{81E48A53-0DD6-988C-6774-1494056B8108}"/>
+                    </a:ext>
+                  </a:extLst>
+                </p:cNvPr>
+                <p:cNvPicPr/>
+                <p:nvPr/>
+              </p:nvPicPr>
+              <p:blipFill>
+                <a:blip r:embed="rId101"/>
+                <a:stretch>
+                  <a:fillRect/>
+                </a:stretch>
+              </p:blipFill>
+              <p:spPr>
+                <a:xfrm>
+                  <a:off x="7178304" y="2356048"/>
+                  <a:ext cx="644760" cy="644040"/>
+                </a:xfrm>
+                <a:prstGeom prst="rect">
+                  <a:avLst/>
+                </a:prstGeom>
+              </p:spPr>
+            </p:pic>
+          </mc:Fallback>
+        </mc:AlternateContent>
+        <mc:AlternateContent xmlns:mc="http://schemas.openxmlformats.org/markup-compatibility/2006">
+          <mc:Choice xmlns:p14="http://schemas.microsoft.com/office/powerpoint/2010/main" xmlns:aink="http://schemas.microsoft.com/office/drawing/2016/ink" Requires="p14 aink">
+            <p:contentPart p14:bwMode="auto" r:id="rId102">
+              <p14:nvContentPartPr>
+                <p14:cNvPr id="174" name="Ink 173">
+                  <a:extLst>
+                    <a:ext uri="{FF2B5EF4-FFF2-40B4-BE49-F238E27FC236}">
+                      <a16:creationId xmlns:a16="http://schemas.microsoft.com/office/drawing/2014/main" id="{97C298C3-1912-B141-26F8-FB9F7D4E2A87}"/>
+                    </a:ext>
+                  </a:extLst>
+                </p14:cNvPr>
+                <p14:cNvContentPartPr/>
+                <p14:nvPr/>
+              </p14:nvContentPartPr>
+              <p14:xfrm>
+                <a:off x="7805064" y="2546488"/>
+                <a:ext cx="14400" cy="150120"/>
+              </p14:xfrm>
+            </p:contentPart>
+          </mc:Choice>
+          <mc:Fallback>
+            <p:pic>
+              <p:nvPicPr>
+                <p:cNvPr id="174" name="Ink 173">
+                  <a:extLst>
+                    <a:ext uri="{FF2B5EF4-FFF2-40B4-BE49-F238E27FC236}">
+                      <a16:creationId xmlns:a16="http://schemas.microsoft.com/office/drawing/2014/main" id="{97C298C3-1912-B141-26F8-FB9F7D4E2A87}"/>
+                    </a:ext>
+                  </a:extLst>
+                </p:cNvPr>
+                <p:cNvPicPr/>
+                <p:nvPr/>
+              </p:nvPicPr>
+              <p:blipFill>
+                <a:blip r:embed="rId103"/>
+                <a:stretch>
+                  <a:fillRect/>
+                </a:stretch>
+              </p:blipFill>
+              <p:spPr>
+                <a:xfrm>
+                  <a:off x="7769424" y="2330488"/>
+                  <a:ext cx="86040" cy="581760"/>
+                </a:xfrm>
+                <a:prstGeom prst="rect">
+                  <a:avLst/>
+                </a:prstGeom>
+              </p:spPr>
+            </p:pic>
+          </mc:Fallback>
+        </mc:AlternateContent>
+        <mc:AlternateContent xmlns:mc="http://schemas.openxmlformats.org/markup-compatibility/2006">
+          <mc:Choice xmlns:p14="http://schemas.microsoft.com/office/powerpoint/2010/main" xmlns:aink="http://schemas.microsoft.com/office/drawing/2016/ink" Requires="p14 aink">
+            <p:contentPart p14:bwMode="auto" r:id="rId104">
+              <p14:nvContentPartPr>
+                <p14:cNvPr id="177" name="Ink 176">
+                  <a:extLst>
+                    <a:ext uri="{FF2B5EF4-FFF2-40B4-BE49-F238E27FC236}">
+                      <a16:creationId xmlns:a16="http://schemas.microsoft.com/office/drawing/2014/main" id="{65AB7AEC-86C8-6F97-E126-632480DCAA8E}"/>
+                    </a:ext>
+                  </a:extLst>
+                </p14:cNvPr>
+                <p14:cNvContentPartPr/>
+                <p14:nvPr/>
+              </p14:nvContentPartPr>
+              <p14:xfrm>
+                <a:off x="7589064" y="2722888"/>
+                <a:ext cx="218880" cy="123840"/>
+              </p14:xfrm>
+            </p:contentPart>
+          </mc:Choice>
+          <mc:Fallback>
+            <p:pic>
+              <p:nvPicPr>
+                <p:cNvPr id="177" name="Ink 176">
+                  <a:extLst>
+                    <a:ext uri="{FF2B5EF4-FFF2-40B4-BE49-F238E27FC236}">
+                      <a16:creationId xmlns:a16="http://schemas.microsoft.com/office/drawing/2014/main" id="{65AB7AEC-86C8-6F97-E126-632480DCAA8E}"/>
+                    </a:ext>
+                  </a:extLst>
+                </p:cNvPr>
+                <p:cNvPicPr/>
+                <p:nvPr/>
+              </p:nvPicPr>
+              <p:blipFill>
+                <a:blip r:embed="rId105"/>
+                <a:stretch>
+                  <a:fillRect/>
+                </a:stretch>
+              </p:blipFill>
+              <p:spPr>
+                <a:xfrm>
+                  <a:off x="7553424" y="2507248"/>
+                  <a:ext cx="290520" cy="555480"/>
+                </a:xfrm>
+                <a:prstGeom prst="rect">
+                  <a:avLst/>
+                </a:prstGeom>
+              </p:spPr>
+            </p:pic>
+          </mc:Fallback>
+        </mc:AlternateContent>
+        <mc:AlternateContent xmlns:mc="http://schemas.openxmlformats.org/markup-compatibility/2006">
+          <mc:Choice xmlns:p14="http://schemas.microsoft.com/office/powerpoint/2010/main" xmlns:aink="http://schemas.microsoft.com/office/drawing/2016/ink" Requires="p14 aink">
+            <p:contentPart p14:bwMode="auto" r:id="rId106">
+              <p14:nvContentPartPr>
+                <p14:cNvPr id="184" name="Ink 183">
+                  <a:extLst>
+                    <a:ext uri="{FF2B5EF4-FFF2-40B4-BE49-F238E27FC236}">
+                      <a16:creationId xmlns:a16="http://schemas.microsoft.com/office/drawing/2014/main" id="{554ED66A-9B1B-39F0-D457-185A51F65A0B}"/>
+                    </a:ext>
+                  </a:extLst>
+                </p14:cNvPr>
+                <p14:cNvContentPartPr/>
+                <p14:nvPr/>
+              </p14:nvContentPartPr>
+              <p14:xfrm>
+                <a:off x="3982944" y="2053648"/>
+                <a:ext cx="4067640" cy="4347720"/>
+              </p14:xfrm>
+            </p:contentPart>
+          </mc:Choice>
+          <mc:Fallback>
+            <p:pic>
+              <p:nvPicPr>
+                <p:cNvPr id="184" name="Ink 183">
+                  <a:extLst>
+                    <a:ext uri="{FF2B5EF4-FFF2-40B4-BE49-F238E27FC236}">
+                      <a16:creationId xmlns:a16="http://schemas.microsoft.com/office/drawing/2014/main" id="{554ED66A-9B1B-39F0-D457-185A51F65A0B}"/>
+                    </a:ext>
+                  </a:extLst>
+                </p:cNvPr>
+                <p:cNvPicPr/>
+                <p:nvPr/>
+              </p:nvPicPr>
+              <p:blipFill>
+                <a:blip r:embed="rId107"/>
+                <a:stretch>
+                  <a:fillRect/>
+                </a:stretch>
+              </p:blipFill>
+              <p:spPr>
+                <a:xfrm>
+                  <a:off x="3947304" y="1838008"/>
+                  <a:ext cx="4139280" cy="4779360"/>
+                </a:xfrm>
+                <a:prstGeom prst="rect">
+                  <a:avLst/>
+                </a:prstGeom>
+              </p:spPr>
+            </p:pic>
+          </mc:Fallback>
+        </mc:AlternateContent>
+        <mc:AlternateContent xmlns:mc="http://schemas.openxmlformats.org/markup-compatibility/2006">
+          <mc:Choice xmlns:p14="http://schemas.microsoft.com/office/powerpoint/2010/main" xmlns:aink="http://schemas.microsoft.com/office/drawing/2016/ink" Requires="p14 aink">
+            <p:contentPart p14:bwMode="auto" r:id="rId108">
+              <p14:nvContentPartPr>
+                <p14:cNvPr id="187" name="Ink 186">
+                  <a:extLst>
+                    <a:ext uri="{FF2B5EF4-FFF2-40B4-BE49-F238E27FC236}">
+                      <a16:creationId xmlns:a16="http://schemas.microsoft.com/office/drawing/2014/main" id="{DF3AF05A-A65D-D7E9-598C-11FDF0E6A1E2}"/>
+                    </a:ext>
+                  </a:extLst>
+                </p14:cNvPr>
+                <p14:cNvContentPartPr/>
+                <p14:nvPr/>
+              </p14:nvContentPartPr>
+              <p14:xfrm>
+                <a:off x="7149864" y="2758168"/>
+                <a:ext cx="61200" cy="135720"/>
+              </p14:xfrm>
+            </p:contentPart>
+          </mc:Choice>
+          <mc:Fallback>
+            <p:pic>
+              <p:nvPicPr>
+                <p:cNvPr id="187" name="Ink 186">
+                  <a:extLst>
+                    <a:ext uri="{FF2B5EF4-FFF2-40B4-BE49-F238E27FC236}">
+                      <a16:creationId xmlns:a16="http://schemas.microsoft.com/office/drawing/2014/main" id="{DF3AF05A-A65D-D7E9-598C-11FDF0E6A1E2}"/>
+                    </a:ext>
+                  </a:extLst>
+                </p:cNvPr>
+                <p:cNvPicPr/>
+                <p:nvPr/>
+              </p:nvPicPr>
+              <p:blipFill>
+                <a:blip r:embed="rId109"/>
+                <a:stretch>
+                  <a:fillRect/>
+                </a:stretch>
+              </p:blipFill>
+              <p:spPr>
+                <a:xfrm>
+                  <a:off x="7113864" y="2542528"/>
+                  <a:ext cx="132840" cy="567360"/>
+                </a:xfrm>
+                <a:prstGeom prst="rect">
+                  <a:avLst/>
+                </a:prstGeom>
+              </p:spPr>
+            </p:pic>
+          </mc:Fallback>
+        </mc:AlternateContent>
+        <mc:AlternateContent xmlns:mc="http://schemas.openxmlformats.org/markup-compatibility/2006">
+          <mc:Choice xmlns:p14="http://schemas.microsoft.com/office/powerpoint/2010/main" xmlns:aink="http://schemas.microsoft.com/office/drawing/2016/ink" Requires="p14 aink">
+            <p:contentPart p14:bwMode="auto" r:id="rId110">
+              <p14:nvContentPartPr>
+                <p14:cNvPr id="190" name="Ink 189">
+                  <a:extLst>
+                    <a:ext uri="{FF2B5EF4-FFF2-40B4-BE49-F238E27FC236}">
+                      <a16:creationId xmlns:a16="http://schemas.microsoft.com/office/drawing/2014/main" id="{ECF0A9D7-6A59-74FE-29BB-FD156C59D01F}"/>
+                    </a:ext>
+                  </a:extLst>
+                </p14:cNvPr>
+                <p14:cNvContentPartPr/>
+                <p14:nvPr/>
+              </p14:nvContentPartPr>
+              <p14:xfrm>
+                <a:off x="7155624" y="2869768"/>
+                <a:ext cx="360" cy="360"/>
+              </p14:xfrm>
+            </p:contentPart>
+          </mc:Choice>
+          <mc:Fallback>
+            <p:pic>
+              <p:nvPicPr>
+                <p:cNvPr id="190" name="Ink 189">
+                  <a:extLst>
+                    <a:ext uri="{FF2B5EF4-FFF2-40B4-BE49-F238E27FC236}">
+                      <a16:creationId xmlns:a16="http://schemas.microsoft.com/office/drawing/2014/main" id="{ECF0A9D7-6A59-74FE-29BB-FD156C59D01F}"/>
+                    </a:ext>
+                  </a:extLst>
+                </p:cNvPr>
+                <p:cNvPicPr/>
+                <p:nvPr/>
+              </p:nvPicPr>
+              <p:blipFill>
+                <a:blip r:embed="rId111"/>
+                <a:stretch>
+                  <a:fillRect/>
+                </a:stretch>
+              </p:blipFill>
+              <p:spPr>
+                <a:xfrm>
+                  <a:off x="7119624" y="2654128"/>
+                  <a:ext cx="72000" cy="432000"/>
+                </a:xfrm>
+                <a:prstGeom prst="rect">
+                  <a:avLst/>
+                </a:prstGeom>
+              </p:spPr>
+            </p:pic>
+          </mc:Fallback>
+        </mc:AlternateContent>
+        <mc:AlternateContent xmlns:mc="http://schemas.openxmlformats.org/markup-compatibility/2006">
+          <mc:Choice xmlns:p14="http://schemas.microsoft.com/office/powerpoint/2010/main" xmlns:aink="http://schemas.microsoft.com/office/drawing/2016/ink" Requires="p14 aink">
+            <p:contentPart p14:bwMode="auto" r:id="rId112">
+              <p14:nvContentPartPr>
+                <p14:cNvPr id="191" name="Ink 190">
+                  <a:extLst>
+                    <a:ext uri="{FF2B5EF4-FFF2-40B4-BE49-F238E27FC236}">
+                      <a16:creationId xmlns:a16="http://schemas.microsoft.com/office/drawing/2014/main" id="{3EA47FBD-8F12-F01A-9D01-D4E362EC222A}"/>
+                    </a:ext>
+                  </a:extLst>
+                </p14:cNvPr>
+                <p14:cNvContentPartPr/>
+                <p14:nvPr/>
+              </p14:nvContentPartPr>
+              <p14:xfrm>
+                <a:off x="7075344" y="2869768"/>
+                <a:ext cx="80640" cy="205200"/>
+              </p14:xfrm>
+            </p:contentPart>
+          </mc:Choice>
+          <mc:Fallback>
+            <p:pic>
+              <p:nvPicPr>
+                <p:cNvPr id="191" name="Ink 190">
+                  <a:extLst>
+                    <a:ext uri="{FF2B5EF4-FFF2-40B4-BE49-F238E27FC236}">
+                      <a16:creationId xmlns:a16="http://schemas.microsoft.com/office/drawing/2014/main" id="{3EA47FBD-8F12-F01A-9D01-D4E362EC222A}"/>
+                    </a:ext>
+                  </a:extLst>
+                </p:cNvPr>
+                <p:cNvPicPr/>
+                <p:nvPr/>
+              </p:nvPicPr>
+              <p:blipFill>
+                <a:blip r:embed="rId113"/>
+                <a:stretch>
+                  <a:fillRect/>
+                </a:stretch>
+              </p:blipFill>
+              <p:spPr>
+                <a:xfrm>
+                  <a:off x="7039344" y="2654128"/>
+                  <a:ext cx="152280" cy="636840"/>
+                </a:xfrm>
+                <a:prstGeom prst="rect">
+                  <a:avLst/>
+                </a:prstGeom>
+              </p:spPr>
+            </p:pic>
+          </mc:Fallback>
+        </mc:AlternateContent>
+        <mc:AlternateContent xmlns:mc="http://schemas.openxmlformats.org/markup-compatibility/2006">
+          <mc:Choice xmlns:p14="http://schemas.microsoft.com/office/powerpoint/2010/main" xmlns:aink="http://schemas.microsoft.com/office/drawing/2016/ink" Requires="p14 aink">
+            <p:contentPart p14:bwMode="auto" r:id="rId114">
+              <p14:nvContentPartPr>
+                <p14:cNvPr id="1024" name="Ink 1023">
+                  <a:extLst>
+                    <a:ext uri="{FF2B5EF4-FFF2-40B4-BE49-F238E27FC236}">
+                      <a16:creationId xmlns:a16="http://schemas.microsoft.com/office/drawing/2014/main" id="{4183ECC9-39F0-BFA4-5625-1083B30C3123}"/>
+                    </a:ext>
+                  </a:extLst>
+                </p14:cNvPr>
+                <p14:cNvContentPartPr/>
+                <p14:nvPr/>
+              </p14:nvContentPartPr>
+              <p14:xfrm>
+                <a:off x="7056984" y="2966968"/>
+                <a:ext cx="47520" cy="131760"/>
+              </p14:xfrm>
+            </p:contentPart>
+          </mc:Choice>
+          <mc:Fallback>
+            <p:pic>
+              <p:nvPicPr>
+                <p:cNvPr id="1024" name="Ink 1023">
+                  <a:extLst>
+                    <a:ext uri="{FF2B5EF4-FFF2-40B4-BE49-F238E27FC236}">
+                      <a16:creationId xmlns:a16="http://schemas.microsoft.com/office/drawing/2014/main" id="{4183ECC9-39F0-BFA4-5625-1083B30C3123}"/>
+                    </a:ext>
+                  </a:extLst>
+                </p:cNvPr>
+                <p:cNvPicPr/>
+                <p:nvPr/>
+              </p:nvPicPr>
+              <p:blipFill>
+                <a:blip r:embed="rId115"/>
+                <a:stretch>
+                  <a:fillRect/>
+                </a:stretch>
+              </p:blipFill>
+              <p:spPr>
+                <a:xfrm>
+                  <a:off x="7021344" y="2750968"/>
+                  <a:ext cx="119160" cy="563400"/>
+                </a:xfrm>
+                <a:prstGeom prst="rect">
+                  <a:avLst/>
+                </a:prstGeom>
+              </p:spPr>
+            </p:pic>
+          </mc:Fallback>
+        </mc:AlternateContent>
+      </p:grpSp>
+      <p:grpSp>
+        <p:nvGrpSpPr>
+          <p:cNvPr id="1056" name="Group 1055">
+            <a:extLst>
+              <a:ext uri="{FF2B5EF4-FFF2-40B4-BE49-F238E27FC236}">
+                <a16:creationId xmlns:a16="http://schemas.microsoft.com/office/drawing/2014/main" id="{0A03907C-0FBB-BCAD-0A30-B38312E0AAAB}"/>
+              </a:ext>
+            </a:extLst>
+          </p:cNvPr>
+          <p:cNvGrpSpPr/>
+          <p:nvPr/>
+        </p:nvGrpSpPr>
+        <p:grpSpPr>
+          <a:xfrm>
+            <a:off x="4335744" y="1681408"/>
+            <a:ext cx="1500840" cy="419040"/>
+            <a:chOff x="4335744" y="1681408"/>
+            <a:chExt cx="1500840" cy="419040"/>
+          </a:xfrm>
+        </p:grpSpPr>
+        <mc:AlternateContent xmlns:mc="http://schemas.openxmlformats.org/markup-compatibility/2006">
+          <mc:Choice xmlns:p14="http://schemas.microsoft.com/office/powerpoint/2010/main" xmlns:aink="http://schemas.microsoft.com/office/drawing/2016/ink" Requires="p14 aink">
+            <p:contentPart p14:bwMode="auto" r:id="rId116">
+              <p14:nvContentPartPr>
+                <p14:cNvPr id="1040" name="Ink 1039">
+                  <a:extLst>
+                    <a:ext uri="{FF2B5EF4-FFF2-40B4-BE49-F238E27FC236}">
+                      <a16:creationId xmlns:a16="http://schemas.microsoft.com/office/drawing/2014/main" id="{7DFC7F9A-1743-DBFD-17AD-94ED8EEDC4A6}"/>
+                    </a:ext>
+                  </a:extLst>
+                </p14:cNvPr>
+                <p14:cNvContentPartPr/>
+                <p14:nvPr/>
+              </p14:nvContentPartPr>
+              <p14:xfrm>
+                <a:off x="4516104" y="1704808"/>
+                <a:ext cx="45720" cy="244800"/>
+              </p14:xfrm>
+            </p:contentPart>
+          </mc:Choice>
+          <mc:Fallback>
+            <p:pic>
+              <p:nvPicPr>
+                <p:cNvPr id="1040" name="Ink 1039">
+                  <a:extLst>
+                    <a:ext uri="{FF2B5EF4-FFF2-40B4-BE49-F238E27FC236}">
+                      <a16:creationId xmlns:a16="http://schemas.microsoft.com/office/drawing/2014/main" id="{7DFC7F9A-1743-DBFD-17AD-94ED8EEDC4A6}"/>
+                    </a:ext>
+                  </a:extLst>
+                </p:cNvPr>
+                <p:cNvPicPr/>
+                <p:nvPr/>
+              </p:nvPicPr>
+              <p:blipFill>
+                <a:blip r:embed="rId117"/>
+                <a:stretch>
+                  <a:fillRect/>
+                </a:stretch>
+              </p:blipFill>
+              <p:spPr>
+                <a:xfrm>
+                  <a:off x="4480104" y="1488808"/>
+                  <a:ext cx="117360" cy="676440"/>
+                </a:xfrm>
+                <a:prstGeom prst="rect">
+                  <a:avLst/>
+                </a:prstGeom>
+              </p:spPr>
+            </p:pic>
+          </mc:Fallback>
+        </mc:AlternateContent>
+        <mc:AlternateContent xmlns:mc="http://schemas.openxmlformats.org/markup-compatibility/2006">
+          <mc:Choice xmlns:p14="http://schemas.microsoft.com/office/powerpoint/2010/main" xmlns:aink="http://schemas.microsoft.com/office/drawing/2016/ink" Requires="p14 aink">
+            <p:contentPart p14:bwMode="auto" r:id="rId118">
+              <p14:nvContentPartPr>
+                <p14:cNvPr id="1041" name="Ink 1040">
+                  <a:extLst>
+                    <a:ext uri="{FF2B5EF4-FFF2-40B4-BE49-F238E27FC236}">
+                      <a16:creationId xmlns:a16="http://schemas.microsoft.com/office/drawing/2014/main" id="{25310946-C81C-2682-16EF-33115941E3EA}"/>
+                    </a:ext>
+                  </a:extLst>
+                </p14:cNvPr>
+                <p14:cNvContentPartPr/>
+                <p14:nvPr/>
+              </p14:nvContentPartPr>
+              <p14:xfrm>
+                <a:off x="4335744" y="1702648"/>
+                <a:ext cx="318600" cy="273240"/>
+              </p14:xfrm>
+            </p:contentPart>
+          </mc:Choice>
+          <mc:Fallback>
+            <p:pic>
+              <p:nvPicPr>
+                <p:cNvPr id="1041" name="Ink 1040">
+                  <a:extLst>
+                    <a:ext uri="{FF2B5EF4-FFF2-40B4-BE49-F238E27FC236}">
+                      <a16:creationId xmlns:a16="http://schemas.microsoft.com/office/drawing/2014/main" id="{25310946-C81C-2682-16EF-33115941E3EA}"/>
+                    </a:ext>
+                  </a:extLst>
+                </p:cNvPr>
+                <p:cNvPicPr/>
+                <p:nvPr/>
+              </p:nvPicPr>
+              <p:blipFill>
+                <a:blip r:embed="rId119"/>
+                <a:stretch>
+                  <a:fillRect/>
+                </a:stretch>
+              </p:blipFill>
+              <p:spPr>
+                <a:xfrm>
+                  <a:off x="4300104" y="1487008"/>
+                  <a:ext cx="390240" cy="704880"/>
+                </a:xfrm>
+                <a:prstGeom prst="rect">
+                  <a:avLst/>
+                </a:prstGeom>
+              </p:spPr>
+            </p:pic>
+          </mc:Fallback>
+        </mc:AlternateContent>
+        <mc:AlternateContent xmlns:mc="http://schemas.openxmlformats.org/markup-compatibility/2006">
+          <mc:Choice xmlns:p14="http://schemas.microsoft.com/office/powerpoint/2010/main" xmlns:aink="http://schemas.microsoft.com/office/drawing/2016/ink" Requires="p14 aink">
+            <p:contentPart p14:bwMode="auto" r:id="rId120">
+              <p14:nvContentPartPr>
+                <p14:cNvPr id="1042" name="Ink 1041">
+                  <a:extLst>
+                    <a:ext uri="{FF2B5EF4-FFF2-40B4-BE49-F238E27FC236}">
+                      <a16:creationId xmlns:a16="http://schemas.microsoft.com/office/drawing/2014/main" id="{37425DBC-39A0-78A1-A07D-AA6E440348BD}"/>
+                    </a:ext>
+                  </a:extLst>
+                </p14:cNvPr>
+                <p14:cNvContentPartPr/>
+                <p14:nvPr/>
+              </p14:nvContentPartPr>
+              <p14:xfrm>
+                <a:off x="4737144" y="1823968"/>
+                <a:ext cx="212760" cy="158040"/>
+              </p14:xfrm>
+            </p:contentPart>
+          </mc:Choice>
+          <mc:Fallback>
+            <p:pic>
+              <p:nvPicPr>
+                <p:cNvPr id="1042" name="Ink 1041">
+                  <a:extLst>
+                    <a:ext uri="{FF2B5EF4-FFF2-40B4-BE49-F238E27FC236}">
+                      <a16:creationId xmlns:a16="http://schemas.microsoft.com/office/drawing/2014/main" id="{37425DBC-39A0-78A1-A07D-AA6E440348BD}"/>
+                    </a:ext>
+                  </a:extLst>
+                </p:cNvPr>
+                <p:cNvPicPr/>
+                <p:nvPr/>
+              </p:nvPicPr>
+              <p:blipFill>
+                <a:blip r:embed="rId121"/>
+                <a:stretch>
+                  <a:fillRect/>
+                </a:stretch>
+              </p:blipFill>
+              <p:spPr>
+                <a:xfrm>
+                  <a:off x="4701504" y="1608328"/>
+                  <a:ext cx="284400" cy="589680"/>
+                </a:xfrm>
+                <a:prstGeom prst="rect">
+                  <a:avLst/>
+                </a:prstGeom>
+              </p:spPr>
+            </p:pic>
+          </mc:Fallback>
+        </mc:AlternateContent>
+        <mc:AlternateContent xmlns:mc="http://schemas.openxmlformats.org/markup-compatibility/2006">
+          <mc:Choice xmlns:p14="http://schemas.microsoft.com/office/powerpoint/2010/main" xmlns:aink="http://schemas.microsoft.com/office/drawing/2016/ink" Requires="p14 aink">
+            <p:contentPart p14:bwMode="auto" r:id="rId122">
+              <p14:nvContentPartPr>
+                <p14:cNvPr id="1043" name="Ink 1042">
+                  <a:extLst>
+                    <a:ext uri="{FF2B5EF4-FFF2-40B4-BE49-F238E27FC236}">
+                      <a16:creationId xmlns:a16="http://schemas.microsoft.com/office/drawing/2014/main" id="{633997FC-F788-12F0-4FEC-13741FF62467}"/>
+                    </a:ext>
+                  </a:extLst>
+                </p14:cNvPr>
+                <p14:cNvContentPartPr/>
+                <p14:nvPr/>
+              </p14:nvContentPartPr>
+              <p14:xfrm>
+                <a:off x="5024424" y="1825408"/>
+                <a:ext cx="135720" cy="275040"/>
+              </p14:xfrm>
+            </p:contentPart>
+          </mc:Choice>
+          <mc:Fallback>
+            <p:pic>
+              <p:nvPicPr>
+                <p:cNvPr id="1043" name="Ink 1042">
+                  <a:extLst>
+                    <a:ext uri="{FF2B5EF4-FFF2-40B4-BE49-F238E27FC236}">
+                      <a16:creationId xmlns:a16="http://schemas.microsoft.com/office/drawing/2014/main" id="{633997FC-F788-12F0-4FEC-13741FF62467}"/>
+                    </a:ext>
+                  </a:extLst>
+                </p:cNvPr>
+                <p:cNvPicPr/>
+                <p:nvPr/>
+              </p:nvPicPr>
+              <p:blipFill>
+                <a:blip r:embed="rId123"/>
+                <a:stretch>
+                  <a:fillRect/>
+                </a:stretch>
+              </p:blipFill>
+              <p:spPr>
+                <a:xfrm>
+                  <a:off x="4988784" y="1609768"/>
+                  <a:ext cx="207360" cy="706680"/>
+                </a:xfrm>
+                <a:prstGeom prst="rect">
+                  <a:avLst/>
+                </a:prstGeom>
+              </p:spPr>
+            </p:pic>
+          </mc:Fallback>
+        </mc:AlternateContent>
+        <mc:AlternateContent xmlns:mc="http://schemas.openxmlformats.org/markup-compatibility/2006">
+          <mc:Choice xmlns:p14="http://schemas.microsoft.com/office/powerpoint/2010/main" xmlns:aink="http://schemas.microsoft.com/office/drawing/2016/ink" Requires="p14 aink">
+            <p:contentPart p14:bwMode="auto" r:id="rId124">
+              <p14:nvContentPartPr>
+                <p14:cNvPr id="1044" name="Ink 1043">
+                  <a:extLst>
+                    <a:ext uri="{FF2B5EF4-FFF2-40B4-BE49-F238E27FC236}">
+                      <a16:creationId xmlns:a16="http://schemas.microsoft.com/office/drawing/2014/main" id="{5EBFABBB-3894-BACC-74E8-F83369CF0AC4}"/>
+                    </a:ext>
+                  </a:extLst>
+                </p14:cNvPr>
+                <p14:cNvContentPartPr/>
+                <p14:nvPr/>
+              </p14:nvContentPartPr>
+              <p14:xfrm>
+                <a:off x="5242944" y="1681408"/>
+                <a:ext cx="127440" cy="273240"/>
+              </p14:xfrm>
+            </p:contentPart>
+          </mc:Choice>
+          <mc:Fallback>
+            <p:pic>
+              <p:nvPicPr>
+                <p:cNvPr id="1044" name="Ink 1043">
+                  <a:extLst>
+                    <a:ext uri="{FF2B5EF4-FFF2-40B4-BE49-F238E27FC236}">
+                      <a16:creationId xmlns:a16="http://schemas.microsoft.com/office/drawing/2014/main" id="{5EBFABBB-3894-BACC-74E8-F83369CF0AC4}"/>
+                    </a:ext>
+                  </a:extLst>
+                </p:cNvPr>
+                <p:cNvPicPr/>
+                <p:nvPr/>
+              </p:nvPicPr>
+              <p:blipFill>
+                <a:blip r:embed="rId125"/>
+                <a:stretch>
+                  <a:fillRect/>
+                </a:stretch>
+              </p:blipFill>
+              <p:spPr>
+                <a:xfrm>
+                  <a:off x="5207304" y="1465768"/>
+                  <a:ext cx="199080" cy="704880"/>
+                </a:xfrm>
+                <a:prstGeom prst="rect">
+                  <a:avLst/>
+                </a:prstGeom>
+              </p:spPr>
+            </p:pic>
+          </mc:Fallback>
+        </mc:AlternateContent>
+        <mc:AlternateContent xmlns:mc="http://schemas.openxmlformats.org/markup-compatibility/2006">
+          <mc:Choice xmlns:p14="http://schemas.microsoft.com/office/powerpoint/2010/main" xmlns:aink="http://schemas.microsoft.com/office/drawing/2016/ink" Requires="p14 aink">
+            <p:contentPart p14:bwMode="auto" r:id="rId126">
+              <p14:nvContentPartPr>
+                <p14:cNvPr id="1045" name="Ink 1044">
+                  <a:extLst>
+                    <a:ext uri="{FF2B5EF4-FFF2-40B4-BE49-F238E27FC236}">
+                      <a16:creationId xmlns:a16="http://schemas.microsoft.com/office/drawing/2014/main" id="{58C191FF-3DB5-1B44-930C-6EE32C75D50A}"/>
+                    </a:ext>
+                  </a:extLst>
+                </p14:cNvPr>
+                <p14:cNvContentPartPr/>
+                <p14:nvPr/>
+              </p14:nvContentPartPr>
+              <p14:xfrm>
+                <a:off x="5462184" y="1810648"/>
+                <a:ext cx="134280" cy="133920"/>
+              </p14:xfrm>
+            </p:contentPart>
+          </mc:Choice>
+          <mc:Fallback>
+            <p:pic>
+              <p:nvPicPr>
+                <p:cNvPr id="1045" name="Ink 1044">
+                  <a:extLst>
+                    <a:ext uri="{FF2B5EF4-FFF2-40B4-BE49-F238E27FC236}">
+                      <a16:creationId xmlns:a16="http://schemas.microsoft.com/office/drawing/2014/main" id="{58C191FF-3DB5-1B44-930C-6EE32C75D50A}"/>
+                    </a:ext>
+                  </a:extLst>
+                </p:cNvPr>
+                <p:cNvPicPr/>
+                <p:nvPr/>
+              </p:nvPicPr>
+              <p:blipFill>
+                <a:blip r:embed="rId127"/>
+                <a:stretch>
+                  <a:fillRect/>
+                </a:stretch>
+              </p:blipFill>
+              <p:spPr>
+                <a:xfrm>
+                  <a:off x="5426184" y="1595008"/>
+                  <a:ext cx="205920" cy="565560"/>
+                </a:xfrm>
+                <a:prstGeom prst="rect">
+                  <a:avLst/>
+                </a:prstGeom>
+              </p:spPr>
+            </p:pic>
+          </mc:Fallback>
+        </mc:AlternateContent>
+        <mc:AlternateContent xmlns:mc="http://schemas.openxmlformats.org/markup-compatibility/2006">
+          <mc:Choice xmlns:p14="http://schemas.microsoft.com/office/powerpoint/2010/main" xmlns:aink="http://schemas.microsoft.com/office/drawing/2016/ink" Requires="p14 aink">
+            <p:contentPart p14:bwMode="auto" r:id="rId128">
+              <p14:nvContentPartPr>
+                <p14:cNvPr id="1046" name="Ink 1045">
+                  <a:extLst>
+                    <a:ext uri="{FF2B5EF4-FFF2-40B4-BE49-F238E27FC236}">
+                      <a16:creationId xmlns:a16="http://schemas.microsoft.com/office/drawing/2014/main" id="{B000C7E1-0FF1-3E6E-D6B6-35415506DF9B}"/>
+                    </a:ext>
+                  </a:extLst>
+                </p14:cNvPr>
+                <p14:cNvContentPartPr/>
+                <p14:nvPr/>
+              </p14:nvContentPartPr>
+              <p14:xfrm>
+                <a:off x="5642544" y="1781848"/>
+                <a:ext cx="194040" cy="244440"/>
+              </p14:xfrm>
+            </p:contentPart>
+          </mc:Choice>
+          <mc:Fallback>
+            <p:pic>
+              <p:nvPicPr>
+                <p:cNvPr id="1046" name="Ink 1045">
+                  <a:extLst>
+                    <a:ext uri="{FF2B5EF4-FFF2-40B4-BE49-F238E27FC236}">
+                      <a16:creationId xmlns:a16="http://schemas.microsoft.com/office/drawing/2014/main" id="{B000C7E1-0FF1-3E6E-D6B6-35415506DF9B}"/>
+                    </a:ext>
+                  </a:extLst>
+                </p:cNvPr>
+                <p:cNvPicPr/>
+                <p:nvPr/>
+              </p:nvPicPr>
+              <p:blipFill>
+                <a:blip r:embed="rId129"/>
+                <a:stretch>
+                  <a:fillRect/>
+                </a:stretch>
+              </p:blipFill>
+              <p:spPr>
+                <a:xfrm>
+                  <a:off x="5606544" y="1565848"/>
+                  <a:ext cx="265680" cy="676080"/>
+                </a:xfrm>
+                <a:prstGeom prst="rect">
+                  <a:avLst/>
+                </a:prstGeom>
+              </p:spPr>
+            </p:pic>
+          </mc:Fallback>
+        </mc:AlternateContent>
+      </p:grpSp>
+      <p:grpSp>
+        <p:nvGrpSpPr>
+          <p:cNvPr id="1054" name="Group 1053">
+            <a:extLst>
+              <a:ext uri="{FF2B5EF4-FFF2-40B4-BE49-F238E27FC236}">
+                <a16:creationId xmlns:a16="http://schemas.microsoft.com/office/drawing/2014/main" id="{96730D36-FE96-8B0A-DD45-703DFA803DA5}"/>
+              </a:ext>
+            </a:extLst>
+          </p:cNvPr>
+          <p:cNvGrpSpPr/>
+          <p:nvPr/>
+        </p:nvGrpSpPr>
+        <p:grpSpPr>
+          <a:xfrm>
+            <a:off x="5917224" y="1606888"/>
+            <a:ext cx="807480" cy="359640"/>
+            <a:chOff x="5917224" y="1606888"/>
+            <a:chExt cx="807480" cy="359640"/>
+          </a:xfrm>
+        </p:grpSpPr>
+        <mc:AlternateContent xmlns:mc="http://schemas.openxmlformats.org/markup-compatibility/2006">
+          <mc:Choice xmlns:p14="http://schemas.microsoft.com/office/powerpoint/2010/main" xmlns:aink="http://schemas.microsoft.com/office/drawing/2016/ink" Requires="p14 aink">
+            <p:contentPart p14:bwMode="auto" r:id="rId130">
+              <p14:nvContentPartPr>
+                <p14:cNvPr id="1047" name="Ink 1046">
+                  <a:extLst>
+                    <a:ext uri="{FF2B5EF4-FFF2-40B4-BE49-F238E27FC236}">
+                      <a16:creationId xmlns:a16="http://schemas.microsoft.com/office/drawing/2014/main" id="{E908164B-4684-276D-1B2B-CCFF8B82302C}"/>
+                    </a:ext>
+                  </a:extLst>
+                </p14:cNvPr>
+                <p14:cNvContentPartPr/>
+                <p14:nvPr/>
+              </p14:nvContentPartPr>
+              <p14:xfrm>
+                <a:off x="5917224" y="1774648"/>
+                <a:ext cx="236520" cy="191880"/>
+              </p14:xfrm>
+            </p:contentPart>
+          </mc:Choice>
+          <mc:Fallback>
+            <p:pic>
+              <p:nvPicPr>
+                <p:cNvPr id="1047" name="Ink 1046">
+                  <a:extLst>
+                    <a:ext uri="{FF2B5EF4-FFF2-40B4-BE49-F238E27FC236}">
+                      <a16:creationId xmlns:a16="http://schemas.microsoft.com/office/drawing/2014/main" id="{E908164B-4684-276D-1B2B-CCFF8B82302C}"/>
+                    </a:ext>
+                  </a:extLst>
+                </p:cNvPr>
+                <p:cNvPicPr/>
+                <p:nvPr/>
+              </p:nvPicPr>
+              <p:blipFill>
+                <a:blip r:embed="rId131"/>
+                <a:stretch>
+                  <a:fillRect/>
+                </a:stretch>
+              </p:blipFill>
+              <p:spPr>
+                <a:xfrm>
+                  <a:off x="5881584" y="1559008"/>
+                  <a:ext cx="308160" cy="623520"/>
+                </a:xfrm>
+                <a:prstGeom prst="rect">
+                  <a:avLst/>
+                </a:prstGeom>
+              </p:spPr>
+            </p:pic>
+          </mc:Fallback>
+        </mc:AlternateContent>
+        <mc:AlternateContent xmlns:mc="http://schemas.openxmlformats.org/markup-compatibility/2006">
+          <mc:Choice xmlns:p14="http://schemas.microsoft.com/office/powerpoint/2010/main" xmlns:aink="http://schemas.microsoft.com/office/drawing/2016/ink" Requires="p14 aink">
+            <p:contentPart p14:bwMode="auto" r:id="rId132">
+              <p14:nvContentPartPr>
+                <p14:cNvPr id="1048" name="Ink 1047">
+                  <a:extLst>
+                    <a:ext uri="{FF2B5EF4-FFF2-40B4-BE49-F238E27FC236}">
+                      <a16:creationId xmlns:a16="http://schemas.microsoft.com/office/drawing/2014/main" id="{AB3B3E62-3C4B-E458-137C-F55208037684}"/>
+                    </a:ext>
+                  </a:extLst>
+                </p14:cNvPr>
+                <p14:cNvContentPartPr/>
+                <p14:nvPr/>
+              </p14:nvContentPartPr>
+              <p14:xfrm>
+                <a:off x="6180384" y="1888048"/>
+                <a:ext cx="16920" cy="3960"/>
+              </p14:xfrm>
+            </p:contentPart>
+          </mc:Choice>
+          <mc:Fallback>
+            <p:pic>
+              <p:nvPicPr>
+                <p:cNvPr id="1048" name="Ink 1047">
+                  <a:extLst>
+                    <a:ext uri="{FF2B5EF4-FFF2-40B4-BE49-F238E27FC236}">
+                      <a16:creationId xmlns:a16="http://schemas.microsoft.com/office/drawing/2014/main" id="{AB3B3E62-3C4B-E458-137C-F55208037684}"/>
+                    </a:ext>
+                  </a:extLst>
+                </p:cNvPr>
+                <p:cNvPicPr/>
+                <p:nvPr/>
+              </p:nvPicPr>
+              <p:blipFill>
+                <a:blip r:embed="rId133"/>
+                <a:stretch>
+                  <a:fillRect/>
+                </a:stretch>
+              </p:blipFill>
+              <p:spPr>
+                <a:xfrm>
+                  <a:off x="6144384" y="1672408"/>
+                  <a:ext cx="88560" cy="435600"/>
+                </a:xfrm>
+                <a:prstGeom prst="rect">
+                  <a:avLst/>
+                </a:prstGeom>
+              </p:spPr>
+            </p:pic>
+          </mc:Fallback>
+        </mc:AlternateContent>
+        <mc:AlternateContent xmlns:mc="http://schemas.openxmlformats.org/markup-compatibility/2006">
+          <mc:Choice xmlns:p14="http://schemas.microsoft.com/office/powerpoint/2010/main" xmlns:aink="http://schemas.microsoft.com/office/drawing/2016/ink" Requires="p14 aink">
+            <p:contentPart p14:bwMode="auto" r:id="rId134">
+              <p14:nvContentPartPr>
+                <p14:cNvPr id="1049" name="Ink 1048">
+                  <a:extLst>
+                    <a:ext uri="{FF2B5EF4-FFF2-40B4-BE49-F238E27FC236}">
+                      <a16:creationId xmlns:a16="http://schemas.microsoft.com/office/drawing/2014/main" id="{59277A28-3ED3-4427-0AEB-4DA17B1D64C2}"/>
+                    </a:ext>
+                  </a:extLst>
+                </p14:cNvPr>
+                <p14:cNvContentPartPr/>
+                <p14:nvPr/>
+              </p14:nvContentPartPr>
+              <p14:xfrm>
+                <a:off x="6189384" y="1776088"/>
+                <a:ext cx="149400" cy="158040"/>
+              </p14:xfrm>
+            </p:contentPart>
+          </mc:Choice>
+          <mc:Fallback>
+            <p:pic>
+              <p:nvPicPr>
+                <p:cNvPr id="1049" name="Ink 1048">
+                  <a:extLst>
+                    <a:ext uri="{FF2B5EF4-FFF2-40B4-BE49-F238E27FC236}">
+                      <a16:creationId xmlns:a16="http://schemas.microsoft.com/office/drawing/2014/main" id="{59277A28-3ED3-4427-0AEB-4DA17B1D64C2}"/>
+                    </a:ext>
+                  </a:extLst>
+                </p:cNvPr>
+                <p:cNvPicPr/>
+                <p:nvPr/>
+              </p:nvPicPr>
+              <p:blipFill>
+                <a:blip r:embed="rId135"/>
+                <a:stretch>
+                  <a:fillRect/>
+                </a:stretch>
+              </p:blipFill>
+              <p:spPr>
+                <a:xfrm>
+                  <a:off x="6153384" y="1560088"/>
+                  <a:ext cx="221040" cy="589680"/>
+                </a:xfrm>
+                <a:prstGeom prst="rect">
+                  <a:avLst/>
+                </a:prstGeom>
+              </p:spPr>
+            </p:pic>
+          </mc:Fallback>
+        </mc:AlternateContent>
+        <mc:AlternateContent xmlns:mc="http://schemas.openxmlformats.org/markup-compatibility/2006">
+          <mc:Choice xmlns:p14="http://schemas.microsoft.com/office/powerpoint/2010/main" xmlns:aink="http://schemas.microsoft.com/office/drawing/2016/ink" Requires="p14 aink">
+            <p:contentPart p14:bwMode="auto" r:id="rId136">
+              <p14:nvContentPartPr>
+                <p14:cNvPr id="1050" name="Ink 1049">
+                  <a:extLst>
+                    <a:ext uri="{FF2B5EF4-FFF2-40B4-BE49-F238E27FC236}">
+                      <a16:creationId xmlns:a16="http://schemas.microsoft.com/office/drawing/2014/main" id="{0A09A3E0-AB2B-9AF6-C73C-9F80AE8AED2C}"/>
+                    </a:ext>
+                  </a:extLst>
+                </p14:cNvPr>
+                <p14:cNvContentPartPr/>
+                <p14:nvPr/>
+              </p14:nvContentPartPr>
+              <p14:xfrm>
+                <a:off x="6377664" y="1755568"/>
+                <a:ext cx="173520" cy="187200"/>
+              </p14:xfrm>
+            </p:contentPart>
+          </mc:Choice>
+          <mc:Fallback>
+            <p:pic>
+              <p:nvPicPr>
+                <p:cNvPr id="1050" name="Ink 1049">
+                  <a:extLst>
+                    <a:ext uri="{FF2B5EF4-FFF2-40B4-BE49-F238E27FC236}">
+                      <a16:creationId xmlns:a16="http://schemas.microsoft.com/office/drawing/2014/main" id="{0A09A3E0-AB2B-9AF6-C73C-9F80AE8AED2C}"/>
+                    </a:ext>
+                  </a:extLst>
+                </p:cNvPr>
+                <p:cNvPicPr/>
+                <p:nvPr/>
+              </p:nvPicPr>
+              <p:blipFill>
+                <a:blip r:embed="rId137"/>
+                <a:stretch>
+                  <a:fillRect/>
+                </a:stretch>
+              </p:blipFill>
+              <p:spPr>
+                <a:xfrm>
+                  <a:off x="6341664" y="1539568"/>
+                  <a:ext cx="245160" cy="618840"/>
+                </a:xfrm>
+                <a:prstGeom prst="rect">
+                  <a:avLst/>
+                </a:prstGeom>
+              </p:spPr>
+            </p:pic>
+          </mc:Fallback>
+        </mc:AlternateContent>
+        <mc:AlternateContent xmlns:mc="http://schemas.openxmlformats.org/markup-compatibility/2006">
+          <mc:Choice xmlns:p14="http://schemas.microsoft.com/office/powerpoint/2010/main" xmlns:aink="http://schemas.microsoft.com/office/drawing/2016/ink" Requires="p14 aink">
+            <p:contentPart p14:bwMode="auto" r:id="rId138">
+              <p14:nvContentPartPr>
+                <p14:cNvPr id="1051" name="Ink 1050">
+                  <a:extLst>
+                    <a:ext uri="{FF2B5EF4-FFF2-40B4-BE49-F238E27FC236}">
+                      <a16:creationId xmlns:a16="http://schemas.microsoft.com/office/drawing/2014/main" id="{EB8E96C1-39E6-EA0A-A480-CE5020C7E143}"/>
+                    </a:ext>
+                  </a:extLst>
+                </p14:cNvPr>
+                <p14:cNvContentPartPr/>
+                <p14:nvPr/>
+              </p14:nvContentPartPr>
+              <p14:xfrm>
+                <a:off x="6635064" y="1606888"/>
+                <a:ext cx="27000" cy="302400"/>
+              </p14:xfrm>
+            </p:contentPart>
+          </mc:Choice>
+          <mc:Fallback>
+            <p:pic>
+              <p:nvPicPr>
+                <p:cNvPr id="1051" name="Ink 1050">
+                  <a:extLst>
+                    <a:ext uri="{FF2B5EF4-FFF2-40B4-BE49-F238E27FC236}">
+                      <a16:creationId xmlns:a16="http://schemas.microsoft.com/office/drawing/2014/main" id="{EB8E96C1-39E6-EA0A-A480-CE5020C7E143}"/>
+                    </a:ext>
+                  </a:extLst>
+                </p:cNvPr>
+                <p:cNvPicPr/>
+                <p:nvPr/>
+              </p:nvPicPr>
+              <p:blipFill>
+                <a:blip r:embed="rId139"/>
+                <a:stretch>
+                  <a:fillRect/>
+                </a:stretch>
+              </p:blipFill>
+              <p:spPr>
+                <a:xfrm>
+                  <a:off x="6599424" y="1390888"/>
+                  <a:ext cx="98640" cy="734040"/>
+                </a:xfrm>
+                <a:prstGeom prst="rect">
+                  <a:avLst/>
+                </a:prstGeom>
+              </p:spPr>
+            </p:pic>
+          </mc:Fallback>
+        </mc:AlternateContent>
+        <mc:AlternateContent xmlns:mc="http://schemas.openxmlformats.org/markup-compatibility/2006">
+          <mc:Choice xmlns:p14="http://schemas.microsoft.com/office/powerpoint/2010/main" xmlns:aink="http://schemas.microsoft.com/office/drawing/2016/ink" Requires="p14 aink">
+            <p:contentPart p14:bwMode="auto" r:id="rId140">
+              <p14:nvContentPartPr>
+                <p14:cNvPr id="1052" name="Ink 1051">
+                  <a:extLst>
+                    <a:ext uri="{FF2B5EF4-FFF2-40B4-BE49-F238E27FC236}">
+                      <a16:creationId xmlns:a16="http://schemas.microsoft.com/office/drawing/2014/main" id="{2D0D5C24-DA94-D66F-3671-BB12E38E1B1B}"/>
+                    </a:ext>
+                  </a:extLst>
+                </p14:cNvPr>
+                <p14:cNvContentPartPr/>
+                <p14:nvPr/>
+              </p14:nvContentPartPr>
+              <p14:xfrm>
+                <a:off x="6584664" y="1826488"/>
+                <a:ext cx="140040" cy="11520"/>
+              </p14:xfrm>
+            </p:contentPart>
+          </mc:Choice>
+          <mc:Fallback>
+            <p:pic>
+              <p:nvPicPr>
+                <p:cNvPr id="1052" name="Ink 1051">
+                  <a:extLst>
+                    <a:ext uri="{FF2B5EF4-FFF2-40B4-BE49-F238E27FC236}">
+                      <a16:creationId xmlns:a16="http://schemas.microsoft.com/office/drawing/2014/main" id="{2D0D5C24-DA94-D66F-3671-BB12E38E1B1B}"/>
+                    </a:ext>
+                  </a:extLst>
+                </p:cNvPr>
+                <p:cNvPicPr/>
+                <p:nvPr/>
+              </p:nvPicPr>
+              <p:blipFill>
+                <a:blip r:embed="rId141"/>
+                <a:stretch>
+                  <a:fillRect/>
+                </a:stretch>
+              </p:blipFill>
+              <p:spPr>
+                <a:xfrm>
+                  <a:off x="6549024" y="1610848"/>
+                  <a:ext cx="211680" cy="443160"/>
+                </a:xfrm>
+                <a:prstGeom prst="rect">
+                  <a:avLst/>
+                </a:prstGeom>
+              </p:spPr>
+            </p:pic>
+          </mc:Fallback>
+        </mc:AlternateContent>
+      </p:grpSp>
       <mc:AlternateContent xmlns:mc="http://schemas.openxmlformats.org/markup-compatibility/2006">
-        <mc:Choice xmlns:p14="http://schemas.microsoft.com/office/powerpoint/2010/main" Requires="p14">
-          <p:contentPart p14:bwMode="auto" r:id="rId13">
+        <mc:Choice xmlns:p14="http://schemas.microsoft.com/office/powerpoint/2010/main" xmlns:aink="http://schemas.microsoft.com/office/drawing/2016/ink" Requires="p14 aink">
+          <p:contentPart p14:bwMode="auto" r:id="rId142">
             <p14:nvContentPartPr>
-              <p14:cNvPr id="12" name="Ink 11">
+              <p14:cNvPr id="1057" name="Ink 1056">
                 <a:extLst>
                   <a:ext uri="{FF2B5EF4-FFF2-40B4-BE49-F238E27FC236}">
-                    <a16:creationId xmlns:a16="http://schemas.microsoft.com/office/drawing/2014/main" id="{5953B29C-5495-05C8-3781-89E9D5C6A7C3}"/>
+                    <a16:creationId xmlns:a16="http://schemas.microsoft.com/office/drawing/2014/main" id="{8FE9497E-79CD-0965-1BE1-29DA674C8A2F}"/>
                   </a:ext>
                 </a:extLst>
               </p14:cNvPr>
@@ -7175,7 +14070,7 @@
               <p14:nvPr/>
             </p14:nvContentPartPr>
             <p14:xfrm>
-              <a:off x="2567344" y="3852971"/>
+              <a:off x="10970184" y="3286288"/>
               <a:ext cx="360" cy="360"/>
             </p14:xfrm>
           </p:contentPart>
@@ -7183,10 +14078,10 @@
         <mc:Fallback>
           <p:pic>
             <p:nvPicPr>
-              <p:cNvPr id="12" name="Ink 11">
+              <p:cNvPr id="1057" name="Ink 1056">
                 <a:extLst>
                   <a:ext uri="{FF2B5EF4-FFF2-40B4-BE49-F238E27FC236}">
-                    <a16:creationId xmlns:a16="http://schemas.microsoft.com/office/drawing/2014/main" id="{5953B29C-5495-05C8-3781-89E9D5C6A7C3}"/>
+                    <a16:creationId xmlns:a16="http://schemas.microsoft.com/office/drawing/2014/main" id="{8FE9497E-79CD-0965-1BE1-29DA674C8A2F}"/>
                   </a:ext>
                 </a:extLst>
               </p:cNvPr>
@@ -7194,371 +14089,14 @@
               <p:nvPr/>
             </p:nvPicPr>
             <p:blipFill>
-              <a:blip r:embed="rId14"/>
+              <a:blip r:embed="rId143"/>
               <a:stretch>
                 <a:fillRect/>
               </a:stretch>
             </p:blipFill>
             <p:spPr>
               <a:xfrm>
-                <a:off x="2558344" y="3844331"/>
-                <a:ext cx="18000" cy="18000"/>
-              </a:xfrm>
-              <a:prstGeom prst="rect">
-                <a:avLst/>
-              </a:prstGeom>
-            </p:spPr>
-          </p:pic>
-        </mc:Fallback>
-      </mc:AlternateContent>
-      <mc:AlternateContent xmlns:mc="http://schemas.openxmlformats.org/markup-compatibility/2006">
-        <mc:Choice xmlns:p14="http://schemas.microsoft.com/office/powerpoint/2010/main" xmlns:aink="http://schemas.microsoft.com/office/drawing/2016/ink" Requires="p14 aink">
-          <p:contentPart p14:bwMode="auto" r:id="rId15">
-            <p14:nvContentPartPr>
-              <p14:cNvPr id="16" name="Ink 15">
-                <a:extLst>
-                  <a:ext uri="{FF2B5EF4-FFF2-40B4-BE49-F238E27FC236}">
-                    <a16:creationId xmlns:a16="http://schemas.microsoft.com/office/drawing/2014/main" id="{09D74CB2-13E7-806A-8647-F4DF713BA0FC}"/>
-                  </a:ext>
-                </a:extLst>
-              </p14:cNvPr>
-              <p14:cNvContentPartPr/>
-              <p14:nvPr/>
-            </p14:nvContentPartPr>
-            <p14:xfrm>
-              <a:off x="6931264" y="470411"/>
-              <a:ext cx="27720" cy="360"/>
-            </p14:xfrm>
-          </p:contentPart>
-        </mc:Choice>
-        <mc:Fallback>
-          <p:pic>
-            <p:nvPicPr>
-              <p:cNvPr id="16" name="Ink 15">
-                <a:extLst>
-                  <a:ext uri="{FF2B5EF4-FFF2-40B4-BE49-F238E27FC236}">
-                    <a16:creationId xmlns:a16="http://schemas.microsoft.com/office/drawing/2014/main" id="{09D74CB2-13E7-806A-8647-F4DF713BA0FC}"/>
-                  </a:ext>
-                </a:extLst>
-              </p:cNvPr>
-              <p:cNvPicPr/>
-              <p:nvPr/>
-            </p:nvPicPr>
-            <p:blipFill>
-              <a:blip r:embed="rId16"/>
-              <a:stretch>
-                <a:fillRect/>
-              </a:stretch>
-            </p:blipFill>
-            <p:spPr>
-              <a:xfrm>
-                <a:off x="6913624" y="362411"/>
-                <a:ext cx="63360" cy="216000"/>
-              </a:xfrm>
-              <a:prstGeom prst="rect">
-                <a:avLst/>
-              </a:prstGeom>
-            </p:spPr>
-          </p:pic>
-        </mc:Fallback>
-      </mc:AlternateContent>
-      <mc:AlternateContent xmlns:mc="http://schemas.openxmlformats.org/markup-compatibility/2006">
-        <mc:Choice xmlns:p14="http://schemas.microsoft.com/office/powerpoint/2010/main" xmlns:aink="http://schemas.microsoft.com/office/drawing/2016/ink" Requires="p14 aink">
-          <p:contentPart p14:bwMode="auto" r:id="rId17">
-            <p14:nvContentPartPr>
-              <p14:cNvPr id="20" name="Ink 19">
-                <a:extLst>
-                  <a:ext uri="{FF2B5EF4-FFF2-40B4-BE49-F238E27FC236}">
-                    <a16:creationId xmlns:a16="http://schemas.microsoft.com/office/drawing/2014/main" id="{415E04BA-651A-207D-64BA-241E11D58E97}"/>
-                  </a:ext>
-                </a:extLst>
-              </p14:cNvPr>
-              <p14:cNvContentPartPr/>
-              <p14:nvPr/>
-            </p14:nvContentPartPr>
-            <p14:xfrm>
-              <a:off x="6539224" y="534131"/>
-              <a:ext cx="360" cy="360"/>
-            </p14:xfrm>
-          </p:contentPart>
-        </mc:Choice>
-        <mc:Fallback>
-          <p:pic>
-            <p:nvPicPr>
-              <p:cNvPr id="20" name="Ink 19">
-                <a:extLst>
-                  <a:ext uri="{FF2B5EF4-FFF2-40B4-BE49-F238E27FC236}">
-                    <a16:creationId xmlns:a16="http://schemas.microsoft.com/office/drawing/2014/main" id="{415E04BA-651A-207D-64BA-241E11D58E97}"/>
-                  </a:ext>
-                </a:extLst>
-              </p:cNvPr>
-              <p:cNvPicPr/>
-              <p:nvPr/>
-            </p:nvPicPr>
-            <p:blipFill>
-              <a:blip r:embed="rId18"/>
-              <a:stretch>
-                <a:fillRect/>
-              </a:stretch>
-            </p:blipFill>
-            <p:spPr>
-              <a:xfrm>
-                <a:off x="6503224" y="318491"/>
-                <a:ext cx="72000" cy="432000"/>
-              </a:xfrm>
-              <a:prstGeom prst="rect">
-                <a:avLst/>
-              </a:prstGeom>
-            </p:spPr>
-          </p:pic>
-        </mc:Fallback>
-      </mc:AlternateContent>
-      <mc:AlternateContent xmlns:mc="http://schemas.openxmlformats.org/markup-compatibility/2006">
-        <mc:Choice xmlns:p14="http://schemas.microsoft.com/office/powerpoint/2010/main" xmlns:aink="http://schemas.microsoft.com/office/drawing/2016/ink" Requires="p14 aink">
-          <p:contentPart p14:bwMode="auto" r:id="rId19">
-            <p14:nvContentPartPr>
-              <p14:cNvPr id="34" name="Ink 33">
-                <a:extLst>
-                  <a:ext uri="{FF2B5EF4-FFF2-40B4-BE49-F238E27FC236}">
-                    <a16:creationId xmlns:a16="http://schemas.microsoft.com/office/drawing/2014/main" id="{6D381DDD-CBCF-87F0-A06B-5CCE0C2E2149}"/>
-                  </a:ext>
-                </a:extLst>
-              </p14:cNvPr>
-              <p14:cNvContentPartPr/>
-              <p14:nvPr/>
-            </p14:nvContentPartPr>
-            <p14:xfrm>
-              <a:off x="611824" y="481931"/>
-              <a:ext cx="5407560" cy="3810600"/>
-            </p14:xfrm>
-          </p:contentPart>
-        </mc:Choice>
-        <mc:Fallback>
-          <p:pic>
-            <p:nvPicPr>
-              <p:cNvPr id="34" name="Ink 33">
-                <a:extLst>
-                  <a:ext uri="{FF2B5EF4-FFF2-40B4-BE49-F238E27FC236}">
-                    <a16:creationId xmlns:a16="http://schemas.microsoft.com/office/drawing/2014/main" id="{6D381DDD-CBCF-87F0-A06B-5CCE0C2E2149}"/>
-                  </a:ext>
-                </a:extLst>
-              </p:cNvPr>
-              <p:cNvPicPr/>
-              <p:nvPr/>
-            </p:nvPicPr>
-            <p:blipFill>
-              <a:blip r:embed="rId20"/>
-              <a:stretch>
-                <a:fillRect/>
-              </a:stretch>
-            </p:blipFill>
-            <p:spPr>
-              <a:xfrm>
-                <a:off x="576184" y="266291"/>
-                <a:ext cx="5479200" cy="4242240"/>
-              </a:xfrm>
-              <a:prstGeom prst="rect">
-                <a:avLst/>
-              </a:prstGeom>
-            </p:spPr>
-          </p:pic>
-        </mc:Fallback>
-      </mc:AlternateContent>
-      <mc:AlternateContent xmlns:mc="http://schemas.openxmlformats.org/markup-compatibility/2006">
-        <mc:Choice xmlns:p14="http://schemas.microsoft.com/office/powerpoint/2010/main" xmlns:aink="http://schemas.microsoft.com/office/drawing/2016/ink" Requires="p14 aink">
-          <p:contentPart p14:bwMode="auto" r:id="rId21">
-            <p14:nvContentPartPr>
-              <p14:cNvPr id="35" name="Ink 34">
-                <a:extLst>
-                  <a:ext uri="{FF2B5EF4-FFF2-40B4-BE49-F238E27FC236}">
-                    <a16:creationId xmlns:a16="http://schemas.microsoft.com/office/drawing/2014/main" id="{49611B90-8E1C-EEE4-5B50-BB47B33E00E4}"/>
-                  </a:ext>
-                </a:extLst>
-              </p14:cNvPr>
-              <p14:cNvContentPartPr/>
-              <p14:nvPr/>
-            </p14:nvContentPartPr>
-            <p14:xfrm>
-              <a:off x="5463544" y="3601691"/>
-              <a:ext cx="5245920" cy="2601360"/>
-            </p14:xfrm>
-          </p:contentPart>
-        </mc:Choice>
-        <mc:Fallback>
-          <p:pic>
-            <p:nvPicPr>
-              <p:cNvPr id="35" name="Ink 34">
-                <a:extLst>
-                  <a:ext uri="{FF2B5EF4-FFF2-40B4-BE49-F238E27FC236}">
-                    <a16:creationId xmlns:a16="http://schemas.microsoft.com/office/drawing/2014/main" id="{49611B90-8E1C-EEE4-5B50-BB47B33E00E4}"/>
-                  </a:ext>
-                </a:extLst>
-              </p:cNvPr>
-              <p:cNvPicPr/>
-              <p:nvPr/>
-            </p:nvPicPr>
-            <p:blipFill>
-              <a:blip r:embed="rId22"/>
-              <a:stretch>
-                <a:fillRect/>
-              </a:stretch>
-            </p:blipFill>
-            <p:spPr>
-              <a:xfrm>
-                <a:off x="5427544" y="3386051"/>
-                <a:ext cx="5317560" cy="3033000"/>
-              </a:xfrm>
-              <a:prstGeom prst="rect">
-                <a:avLst/>
-              </a:prstGeom>
-            </p:spPr>
-          </p:pic>
-        </mc:Fallback>
-      </mc:AlternateContent>
-      <mc:AlternateContent xmlns:mc="http://schemas.openxmlformats.org/markup-compatibility/2006">
-        <mc:Choice xmlns:p14="http://schemas.microsoft.com/office/powerpoint/2010/main" xmlns:aink="http://schemas.microsoft.com/office/drawing/2016/ink" Requires="p14 aink">
-          <p:contentPart p14:bwMode="auto" r:id="rId23">
-            <p14:nvContentPartPr>
-              <p14:cNvPr id="36" name="Ink 35">
-                <a:extLst>
-                  <a:ext uri="{FF2B5EF4-FFF2-40B4-BE49-F238E27FC236}">
-                    <a16:creationId xmlns:a16="http://schemas.microsoft.com/office/drawing/2014/main" id="{3705BAD9-C63F-83B2-6217-5443FE042B41}"/>
-                  </a:ext>
-                </a:extLst>
-              </p14:cNvPr>
-              <p14:cNvContentPartPr/>
-              <p14:nvPr/>
-            </p14:nvContentPartPr>
-            <p14:xfrm>
-              <a:off x="5107504" y="2985011"/>
-              <a:ext cx="362880" cy="129960"/>
-            </p14:xfrm>
-          </p:contentPart>
-        </mc:Choice>
-        <mc:Fallback>
-          <p:pic>
-            <p:nvPicPr>
-              <p:cNvPr id="36" name="Ink 35">
-                <a:extLst>
-                  <a:ext uri="{FF2B5EF4-FFF2-40B4-BE49-F238E27FC236}">
-                    <a16:creationId xmlns:a16="http://schemas.microsoft.com/office/drawing/2014/main" id="{3705BAD9-C63F-83B2-6217-5443FE042B41}"/>
-                  </a:ext>
-                </a:extLst>
-              </p:cNvPr>
-              <p:cNvPicPr/>
-              <p:nvPr/>
-            </p:nvPicPr>
-            <p:blipFill>
-              <a:blip r:embed="rId24"/>
-              <a:stretch>
-                <a:fillRect/>
-              </a:stretch>
-            </p:blipFill>
-            <p:spPr>
-              <a:xfrm>
-                <a:off x="5071864" y="2769011"/>
-                <a:ext cx="434520" cy="561600"/>
-              </a:xfrm>
-              <a:prstGeom prst="rect">
-                <a:avLst/>
-              </a:prstGeom>
-            </p:spPr>
-          </p:pic>
-        </mc:Fallback>
-      </mc:AlternateContent>
-      <mc:AlternateContent xmlns:mc="http://schemas.openxmlformats.org/markup-compatibility/2006">
-        <mc:Choice xmlns:p14="http://schemas.microsoft.com/office/powerpoint/2010/main" xmlns:aink="http://schemas.microsoft.com/office/drawing/2016/ink" Requires="p14 aink">
-          <p:contentPart p14:bwMode="auto" r:id="rId25">
-            <p14:nvContentPartPr>
-              <p14:cNvPr id="37" name="Ink 36">
-                <a:extLst>
-                  <a:ext uri="{FF2B5EF4-FFF2-40B4-BE49-F238E27FC236}">
-                    <a16:creationId xmlns:a16="http://schemas.microsoft.com/office/drawing/2014/main" id="{5DABF803-B603-37C1-CC9C-2D24C5379AD7}"/>
-                  </a:ext>
-                </a:extLst>
-              </p14:cNvPr>
-              <p14:cNvContentPartPr/>
-              <p14:nvPr/>
-            </p14:nvContentPartPr>
-            <p14:xfrm>
-              <a:off x="6487384" y="4324931"/>
-              <a:ext cx="302760" cy="294480"/>
-            </p14:xfrm>
-          </p:contentPart>
-        </mc:Choice>
-        <mc:Fallback>
-          <p:pic>
-            <p:nvPicPr>
-              <p:cNvPr id="37" name="Ink 36">
-                <a:extLst>
-                  <a:ext uri="{FF2B5EF4-FFF2-40B4-BE49-F238E27FC236}">
-                    <a16:creationId xmlns:a16="http://schemas.microsoft.com/office/drawing/2014/main" id="{5DABF803-B603-37C1-CC9C-2D24C5379AD7}"/>
-                  </a:ext>
-                </a:extLst>
-              </p:cNvPr>
-              <p:cNvPicPr/>
-              <p:nvPr/>
-            </p:nvPicPr>
-            <p:blipFill>
-              <a:blip r:embed="rId26"/>
-              <a:stretch>
-                <a:fillRect/>
-              </a:stretch>
-            </p:blipFill>
-            <p:spPr>
-              <a:xfrm>
-                <a:off x="6451744" y="4109291"/>
-                <a:ext cx="374400" cy="726120"/>
-              </a:xfrm>
-              <a:prstGeom prst="rect">
-                <a:avLst/>
-              </a:prstGeom>
-            </p:spPr>
-          </p:pic>
-        </mc:Fallback>
-      </mc:AlternateContent>
-      <mc:AlternateContent xmlns:mc="http://schemas.openxmlformats.org/markup-compatibility/2006">
-        <mc:Choice xmlns:p14="http://schemas.microsoft.com/office/powerpoint/2010/main" xmlns:aink="http://schemas.microsoft.com/office/drawing/2016/ink" Requires="p14 aink">
-          <p:contentPart p14:bwMode="auto" r:id="rId27">
-            <p14:nvContentPartPr>
-              <p14:cNvPr id="38" name="Ink 37">
-                <a:extLst>
-                  <a:ext uri="{FF2B5EF4-FFF2-40B4-BE49-F238E27FC236}">
-                    <a16:creationId xmlns:a16="http://schemas.microsoft.com/office/drawing/2014/main" id="{DCC561A4-6410-411A-7334-FF8DC6C81EBC}"/>
-                  </a:ext>
-                </a:extLst>
-              </p14:cNvPr>
-              <p14:cNvContentPartPr/>
-              <p14:nvPr/>
-            </p14:nvContentPartPr>
-            <p14:xfrm>
-              <a:off x="122229" y="-58661"/>
-              <a:ext cx="360" cy="360"/>
-            </p14:xfrm>
-          </p:contentPart>
-        </mc:Choice>
-        <mc:Fallback>
-          <p:pic>
-            <p:nvPicPr>
-              <p:cNvPr id="38" name="Ink 37">
-                <a:extLst>
-                  <a:ext uri="{FF2B5EF4-FFF2-40B4-BE49-F238E27FC236}">
-                    <a16:creationId xmlns:a16="http://schemas.microsoft.com/office/drawing/2014/main" id="{DCC561A4-6410-411A-7334-FF8DC6C81EBC}"/>
-                  </a:ext>
-                </a:extLst>
-              </p:cNvPr>
-              <p:cNvPicPr/>
-              <p:nvPr/>
-            </p:nvPicPr>
-            <p:blipFill>
-              <a:blip r:embed="rId28"/>
-              <a:stretch>
-                <a:fillRect/>
-              </a:stretch>
-            </p:blipFill>
-            <p:spPr>
-              <a:xfrm>
-                <a:off x="86589" y="-274661"/>
+                <a:off x="10934544" y="3070288"/>
                 <a:ext cx="72000" cy="432000"/>
               </a:xfrm>
               <a:prstGeom prst="rect">
@@ -7571,7 +14109,7 @@
     </p:spTree>
     <p:extLst>
       <p:ext uri="{BB962C8B-B14F-4D97-AF65-F5344CB8AC3E}">
-        <p14:creationId xmlns:p14="http://schemas.microsoft.com/office/powerpoint/2010/main" val="4060404258"/>
+        <p14:creationId xmlns:p14="http://schemas.microsoft.com/office/powerpoint/2010/main" val="1666210458"/>
       </p:ext>
     </p:extLst>
   </p:cSld>

--- a/docs/techstack-eispunkt.pptx
+++ b/docs/techstack-eispunkt.pptx
@@ -118,7 +118,7 @@
 <file path=ppt/revisionInfo.xml><?xml version="1.0" encoding="utf-8"?>
 <p1510:revInfo xmlns:a="http://schemas.openxmlformats.org/drawingml/2006/main" xmlns:r="http://schemas.openxmlformats.org/officeDocument/2006/relationships" xmlns:p1510="http://schemas.microsoft.com/office/powerpoint/2015/10/main">
   <p1510:revLst>
-    <p1510:client id="{58AF525E-BDD0-8748-A113-7FE6D1D193A8}" v="127" dt="2026-01-27T07:43:00.641"/>
+    <p1510:client id="{58AF525E-BDD0-8748-A113-7FE6D1D193A8}" v="128" dt="2026-01-27T09:53:01.801"/>
   </p1510:revLst>
 </p1510:revInfo>
 </file>
@@ -128,7 +128,7 @@
   <pc:docChgLst>
     <pc:chgData name="Hayer Florian" userId="866d4ef7-f65d-4e61-9597-0542b71a7f4d" providerId="ADAL" clId="{731FFF11-6A53-5520-B035-B81EF8E0644C}"/>
     <pc:docChg chg="undo custSel addSld delSld modSld">
-      <pc:chgData name="Hayer Florian" userId="866d4ef7-f65d-4e61-9597-0542b71a7f4d" providerId="ADAL" clId="{731FFF11-6A53-5520-B035-B81EF8E0644C}" dt="2026-01-27T07:45:09.868" v="520" actId="2696"/>
+      <pc:chgData name="Hayer Florian" userId="866d4ef7-f65d-4e61-9597-0542b71a7f4d" providerId="ADAL" clId="{731FFF11-6A53-5520-B035-B81EF8E0644C}" dt="2026-01-27T09:53:10.464" v="522" actId="1076"/>
       <pc:docMkLst>
         <pc:docMk/>
       </pc:docMkLst>
@@ -145,17 +145,9 @@
           <pc:docMk/>
           <pc:sldMk cId="4060404258" sldId="257"/>
         </pc:sldMkLst>
-        <pc:inkChg chg="add">
-          <ac:chgData name="Hayer Florian" userId="866d4ef7-f65d-4e61-9597-0542b71a7f4d" providerId="ADAL" clId="{731FFF11-6A53-5520-B035-B81EF8E0644C}" dt="2026-01-13T08:35:44.903" v="0" actId="9405"/>
-          <ac:inkMkLst>
-            <pc:docMk/>
-            <pc:sldMk cId="4060404258" sldId="257"/>
-            <ac:inkMk id="38" creationId="{DCC561A4-6410-411A-7334-FF8DC6C81EBC}"/>
-          </ac:inkMkLst>
-        </pc:inkChg>
       </pc:sldChg>
       <pc:sldChg chg="addSp delSp modSp new mod">
-        <pc:chgData name="Hayer Florian" userId="866d4ef7-f65d-4e61-9597-0542b71a7f4d" providerId="ADAL" clId="{731FFF11-6A53-5520-B035-B81EF8E0644C}" dt="2026-01-27T07:43:00.641" v="517" actId="1076"/>
+        <pc:chgData name="Hayer Florian" userId="866d4ef7-f65d-4e61-9597-0542b71a7f4d" providerId="ADAL" clId="{731FFF11-6A53-5520-B035-B81EF8E0644C}" dt="2026-01-27T09:53:10.464" v="522" actId="1076"/>
         <pc:sldMkLst>
           <pc:docMk/>
           <pc:sldMk cId="1666210458" sldId="258"/>
@@ -777,7 +769,7 @@
           </ac:grpSpMkLst>
         </pc:grpChg>
         <pc:grpChg chg="mod">
-          <ac:chgData name="Hayer Florian" userId="866d4ef7-f65d-4e61-9597-0542b71a7f4d" providerId="ADAL" clId="{731FFF11-6A53-5520-B035-B81EF8E0644C}" dt="2026-01-27T07:41:20.353" v="477"/>
+          <ac:chgData name="Hayer Florian" userId="866d4ef7-f65d-4e61-9597-0542b71a7f4d" providerId="ADAL" clId="{731FFF11-6A53-5520-B035-B81EF8E0644C}" dt="2026-01-27T09:53:01.800" v="521" actId="1076"/>
           <ac:grpSpMkLst>
             <pc:docMk/>
             <pc:sldMk cId="1666210458" sldId="258"/>
@@ -809,7 +801,7 @@
           </ac:grpSpMkLst>
         </pc:grpChg>
         <pc:grpChg chg="mod">
-          <ac:chgData name="Hayer Florian" userId="866d4ef7-f65d-4e61-9597-0542b71a7f4d" providerId="ADAL" clId="{731FFF11-6A53-5520-B035-B81EF8E0644C}" dt="2026-01-27T07:42:25.608" v="509"/>
+          <ac:chgData name="Hayer Florian" userId="866d4ef7-f65d-4e61-9597-0542b71a7f4d" providerId="ADAL" clId="{731FFF11-6A53-5520-B035-B81EF8E0644C}" dt="2026-01-27T09:53:10.464" v="522" actId="1076"/>
           <ac:grpSpMkLst>
             <pc:docMk/>
             <pc:sldMk cId="1666210458" sldId="258"/>
@@ -825,7 +817,7 @@
           </ac:grpSpMkLst>
         </pc:grpChg>
         <pc:grpChg chg="mod">
-          <ac:chgData name="Hayer Florian" userId="866d4ef7-f65d-4e61-9597-0542b71a7f4d" providerId="ADAL" clId="{731FFF11-6A53-5520-B035-B81EF8E0644C}" dt="2026-01-27T07:42:25.608" v="509"/>
+          <ac:chgData name="Hayer Florian" userId="866d4ef7-f65d-4e61-9597-0542b71a7f4d" providerId="ADAL" clId="{731FFF11-6A53-5520-B035-B81EF8E0644C}" dt="2026-01-27T09:53:10.464" v="522" actId="1076"/>
           <ac:grpSpMkLst>
             <pc:docMk/>
             <pc:sldMk cId="1666210458" sldId="258"/>
@@ -881,7 +873,7 @@
           </ac:picMkLst>
         </pc:picChg>
         <pc:picChg chg="add mod">
-          <ac:chgData name="Hayer Florian" userId="866d4ef7-f65d-4e61-9597-0542b71a7f4d" providerId="ADAL" clId="{731FFF11-6A53-5520-B035-B81EF8E0644C}" dt="2026-01-27T07:37:45.056" v="331" actId="1076"/>
+          <ac:chgData name="Hayer Florian" userId="866d4ef7-f65d-4e61-9597-0542b71a7f4d" providerId="ADAL" clId="{731FFF11-6A53-5520-B035-B81EF8E0644C}" dt="2026-01-27T09:53:01.800" v="521" actId="1076"/>
           <ac:picMkLst>
             <pc:docMk/>
             <pc:sldMk cId="1666210458" sldId="258"/>
@@ -889,7 +881,7 @@
           </ac:picMkLst>
         </pc:picChg>
         <pc:picChg chg="add mod">
-          <ac:chgData name="Hayer Florian" userId="866d4ef7-f65d-4e61-9597-0542b71a7f4d" providerId="ADAL" clId="{731FFF11-6A53-5520-B035-B81EF8E0644C}" dt="2026-01-27T07:38:33.594" v="398" actId="1076"/>
+          <ac:chgData name="Hayer Florian" userId="866d4ef7-f65d-4e61-9597-0542b71a7f4d" providerId="ADAL" clId="{731FFF11-6A53-5520-B035-B81EF8E0644C}" dt="2026-01-27T09:53:01.800" v="521" actId="1076"/>
           <ac:picMkLst>
             <pc:docMk/>
             <pc:sldMk cId="1666210458" sldId="258"/>
@@ -913,7 +905,7 @@
           </ac:picMkLst>
         </pc:picChg>
         <pc:picChg chg="add mod">
-          <ac:chgData name="Hayer Florian" userId="866d4ef7-f65d-4e61-9597-0542b71a7f4d" providerId="ADAL" clId="{731FFF11-6A53-5520-B035-B81EF8E0644C}" dt="2026-01-27T07:38:32.209" v="397" actId="1076"/>
+          <ac:chgData name="Hayer Florian" userId="866d4ef7-f65d-4e61-9597-0542b71a7f4d" providerId="ADAL" clId="{731FFF11-6A53-5520-B035-B81EF8E0644C}" dt="2026-01-27T09:53:01.800" v="521" actId="1076"/>
           <ac:picMkLst>
             <pc:docMk/>
             <pc:sldMk cId="1666210458" sldId="258"/>
@@ -1649,7 +1641,7 @@
           </ac:inkMkLst>
         </pc:inkChg>
         <pc:inkChg chg="add mod">
-          <ac:chgData name="Hayer Florian" userId="866d4ef7-f65d-4e61-9597-0542b71a7f4d" providerId="ADAL" clId="{731FFF11-6A53-5520-B035-B81EF8E0644C}" dt="2026-01-27T07:41:20.353" v="477"/>
+          <ac:chgData name="Hayer Florian" userId="866d4ef7-f65d-4e61-9597-0542b71a7f4d" providerId="ADAL" clId="{731FFF11-6A53-5520-B035-B81EF8E0644C}" dt="2026-01-27T09:53:01.800" v="521" actId="1076"/>
           <ac:inkMkLst>
             <pc:docMk/>
             <pc:sldMk cId="1666210458" sldId="258"/>
@@ -1665,7 +1657,7 @@
           </ac:inkMkLst>
         </pc:inkChg>
         <pc:inkChg chg="add mod">
-          <ac:chgData name="Hayer Florian" userId="866d4ef7-f65d-4e61-9597-0542b71a7f4d" providerId="ADAL" clId="{731FFF11-6A53-5520-B035-B81EF8E0644C}" dt="2026-01-27T07:41:20.353" v="477"/>
+          <ac:chgData name="Hayer Florian" userId="866d4ef7-f65d-4e61-9597-0542b71a7f4d" providerId="ADAL" clId="{731FFF11-6A53-5520-B035-B81EF8E0644C}" dt="2026-01-27T09:53:01.800" v="521" actId="1076"/>
           <ac:inkMkLst>
             <pc:docMk/>
             <pc:sldMk cId="1666210458" sldId="258"/>
@@ -1697,7 +1689,7 @@
           </ac:inkMkLst>
         </pc:inkChg>
         <pc:inkChg chg="add mod">
-          <ac:chgData name="Hayer Florian" userId="866d4ef7-f65d-4e61-9597-0542b71a7f4d" providerId="ADAL" clId="{731FFF11-6A53-5520-B035-B81EF8E0644C}" dt="2026-01-27T07:41:14.904" v="473"/>
+          <ac:chgData name="Hayer Florian" userId="866d4ef7-f65d-4e61-9597-0542b71a7f4d" providerId="ADAL" clId="{731FFF11-6A53-5520-B035-B81EF8E0644C}" dt="2026-01-27T09:53:01.800" v="521" actId="1076"/>
           <ac:inkMkLst>
             <pc:docMk/>
             <pc:sldMk cId="1666210458" sldId="258"/>
@@ -1745,7 +1737,7 @@
           </ac:inkMkLst>
         </pc:inkChg>
         <pc:inkChg chg="add mod">
-          <ac:chgData name="Hayer Florian" userId="866d4ef7-f65d-4e61-9597-0542b71a7f4d" providerId="ADAL" clId="{731FFF11-6A53-5520-B035-B81EF8E0644C}" dt="2026-01-27T07:41:20.353" v="477"/>
+          <ac:chgData name="Hayer Florian" userId="866d4ef7-f65d-4e61-9597-0542b71a7f4d" providerId="ADAL" clId="{731FFF11-6A53-5520-B035-B81EF8E0644C}" dt="2026-01-27T09:53:01.800" v="521" actId="1076"/>
           <ac:inkMkLst>
             <pc:docMk/>
             <pc:sldMk cId="1666210458" sldId="258"/>
@@ -1761,7 +1753,7 @@
           </ac:inkMkLst>
         </pc:inkChg>
         <pc:inkChg chg="add mod">
-          <ac:chgData name="Hayer Florian" userId="866d4ef7-f65d-4e61-9597-0542b71a7f4d" providerId="ADAL" clId="{731FFF11-6A53-5520-B035-B81EF8E0644C}" dt="2026-01-27T07:41:20.353" v="477"/>
+          <ac:chgData name="Hayer Florian" userId="866d4ef7-f65d-4e61-9597-0542b71a7f4d" providerId="ADAL" clId="{731FFF11-6A53-5520-B035-B81EF8E0644C}" dt="2026-01-27T09:53:01.800" v="521" actId="1076"/>
           <ac:inkMkLst>
             <pc:docMk/>
             <pc:sldMk cId="1666210458" sldId="258"/>
@@ -1777,7 +1769,7 @@
           </ac:inkMkLst>
         </pc:inkChg>
         <pc:inkChg chg="add mod">
-          <ac:chgData name="Hayer Florian" userId="866d4ef7-f65d-4e61-9597-0542b71a7f4d" providerId="ADAL" clId="{731FFF11-6A53-5520-B035-B81EF8E0644C}" dt="2026-01-27T07:41:20.353" v="477"/>
+          <ac:chgData name="Hayer Florian" userId="866d4ef7-f65d-4e61-9597-0542b71a7f4d" providerId="ADAL" clId="{731FFF11-6A53-5520-B035-B81EF8E0644C}" dt="2026-01-27T09:53:01.800" v="521" actId="1076"/>
           <ac:inkMkLst>
             <pc:docMk/>
             <pc:sldMk cId="1666210458" sldId="258"/>
@@ -10216,8 +10208,8 @@
             <a:chExt cx="474480" cy="662760"/>
           </a:xfrm>
         </p:grpSpPr>
-        <mc:AlternateContent xmlns:mc="http://schemas.openxmlformats.org/markup-compatibility/2006">
-          <mc:Choice xmlns:p14="http://schemas.microsoft.com/office/powerpoint/2010/main" xmlns:aink="http://schemas.microsoft.com/office/drawing/2016/ink" Requires="p14 aink">
+        <mc:AlternateContent xmlns:mc="http://schemas.openxmlformats.org/markup-compatibility/2006" xmlns:p14="http://schemas.microsoft.com/office/powerpoint/2010/main" xmlns:aink="http://schemas.microsoft.com/office/drawing/2016/ink">
+          <mc:Choice Requires="p14 aink">
             <p:contentPart p14:bwMode="auto" r:id="rId2">
               <p14:nvContentPartPr>
                 <p14:cNvPr id="24" name="Ink 23">
@@ -10236,7 +10228,7 @@
               </p14:xfrm>
             </p:contentPart>
           </mc:Choice>
-          <mc:Fallback>
+          <mc:Fallback xmlns="">
             <p:pic>
               <p:nvPicPr>
                 <p:cNvPr id="24" name="Ink 23">
@@ -10267,8 +10259,8 @@
             </p:pic>
           </mc:Fallback>
         </mc:AlternateContent>
-        <mc:AlternateContent xmlns:mc="http://schemas.openxmlformats.org/markup-compatibility/2006">
-          <mc:Choice xmlns:p14="http://schemas.microsoft.com/office/powerpoint/2010/main" xmlns:aink="http://schemas.microsoft.com/office/drawing/2016/ink" Requires="p14 aink">
+        <mc:AlternateContent xmlns:mc="http://schemas.openxmlformats.org/markup-compatibility/2006" xmlns:p14="http://schemas.microsoft.com/office/powerpoint/2010/main" xmlns:aink="http://schemas.microsoft.com/office/drawing/2016/ink">
+          <mc:Choice Requires="p14 aink">
             <p:contentPart p14:bwMode="auto" r:id="rId4">
               <p14:nvContentPartPr>
                 <p14:cNvPr id="25" name="Ink 24">
@@ -10287,7 +10279,7 @@
               </p14:xfrm>
             </p:contentPart>
           </mc:Choice>
-          <mc:Fallback>
+          <mc:Fallback xmlns="">
             <p:pic>
               <p:nvPicPr>
                 <p:cNvPr id="25" name="Ink 24">
@@ -10318,8 +10310,8 @@
             </p:pic>
           </mc:Fallback>
         </mc:AlternateContent>
-        <mc:AlternateContent xmlns:mc="http://schemas.openxmlformats.org/markup-compatibility/2006">
-          <mc:Choice xmlns:p14="http://schemas.microsoft.com/office/powerpoint/2010/main" xmlns:aink="http://schemas.microsoft.com/office/drawing/2016/ink" Requires="p14 aink">
+        <mc:AlternateContent xmlns:mc="http://schemas.openxmlformats.org/markup-compatibility/2006" xmlns:p14="http://schemas.microsoft.com/office/powerpoint/2010/main" xmlns:aink="http://schemas.microsoft.com/office/drawing/2016/ink">
+          <mc:Choice Requires="p14 aink">
             <p:contentPart p14:bwMode="auto" r:id="rId6">
               <p14:nvContentPartPr>
                 <p14:cNvPr id="32" name="Ink 31">
@@ -10338,7 +10330,7 @@
               </p14:xfrm>
             </p:contentPart>
           </mc:Choice>
-          <mc:Fallback>
+          <mc:Fallback xmlns="">
             <p:pic>
               <p:nvPicPr>
                 <p:cNvPr id="32" name="Ink 31">
@@ -10390,8 +10382,8 @@
             <a:chExt cx="1753920" cy="681120"/>
           </a:xfrm>
         </p:grpSpPr>
-        <mc:AlternateContent xmlns:mc="http://schemas.openxmlformats.org/markup-compatibility/2006">
-          <mc:Choice xmlns:p14="http://schemas.microsoft.com/office/powerpoint/2010/main" xmlns:aink="http://schemas.microsoft.com/office/drawing/2016/ink" Requires="p14 aink">
+        <mc:AlternateContent xmlns:mc="http://schemas.openxmlformats.org/markup-compatibility/2006" xmlns:p14="http://schemas.microsoft.com/office/powerpoint/2010/main" xmlns:aink="http://schemas.microsoft.com/office/drawing/2016/ink">
+          <mc:Choice Requires="p14 aink">
             <p:contentPart p14:bwMode="auto" r:id="rId8">
               <p14:nvContentPartPr>
                 <p14:cNvPr id="44" name="Ink 43">
@@ -10410,7 +10402,7 @@
               </p14:xfrm>
             </p:contentPart>
           </mc:Choice>
-          <mc:Fallback>
+          <mc:Fallback xmlns="">
             <p:pic>
               <p:nvPicPr>
                 <p:cNvPr id="44" name="Ink 43">
@@ -10441,8 +10433,8 @@
             </p:pic>
           </mc:Fallback>
         </mc:AlternateContent>
-        <mc:AlternateContent xmlns:mc="http://schemas.openxmlformats.org/markup-compatibility/2006">
-          <mc:Choice xmlns:p14="http://schemas.microsoft.com/office/powerpoint/2010/main" xmlns:aink="http://schemas.microsoft.com/office/drawing/2016/ink" Requires="p14 aink">
+        <mc:AlternateContent xmlns:mc="http://schemas.openxmlformats.org/markup-compatibility/2006" xmlns:p14="http://schemas.microsoft.com/office/powerpoint/2010/main" xmlns:aink="http://schemas.microsoft.com/office/drawing/2016/ink">
+          <mc:Choice Requires="p14 aink">
             <p:contentPart p14:bwMode="auto" r:id="rId10">
               <p14:nvContentPartPr>
                 <p14:cNvPr id="45" name="Ink 44">
@@ -10461,7 +10453,7 @@
               </p14:xfrm>
             </p:contentPart>
           </mc:Choice>
-          <mc:Fallback>
+          <mc:Fallback xmlns="">
             <p:pic>
               <p:nvPicPr>
                 <p:cNvPr id="45" name="Ink 44">
@@ -10492,8 +10484,8 @@
             </p:pic>
           </mc:Fallback>
         </mc:AlternateContent>
-        <mc:AlternateContent xmlns:mc="http://schemas.openxmlformats.org/markup-compatibility/2006">
-          <mc:Choice xmlns:p14="http://schemas.microsoft.com/office/powerpoint/2010/main" xmlns:aink="http://schemas.microsoft.com/office/drawing/2016/ink" Requires="p14 aink">
+        <mc:AlternateContent xmlns:mc="http://schemas.openxmlformats.org/markup-compatibility/2006" xmlns:p14="http://schemas.microsoft.com/office/powerpoint/2010/main" xmlns:aink="http://schemas.microsoft.com/office/drawing/2016/ink">
+          <mc:Choice Requires="p14 aink">
             <p:contentPart p14:bwMode="auto" r:id="rId12">
               <p14:nvContentPartPr>
                 <p14:cNvPr id="46" name="Ink 45">
@@ -10512,7 +10504,7 @@
               </p14:xfrm>
             </p:contentPart>
           </mc:Choice>
-          <mc:Fallback>
+          <mc:Fallback xmlns="">
             <p:pic>
               <p:nvPicPr>
                 <p:cNvPr id="46" name="Ink 45">
@@ -10543,8 +10535,8 @@
             </p:pic>
           </mc:Fallback>
         </mc:AlternateContent>
-        <mc:AlternateContent xmlns:mc="http://schemas.openxmlformats.org/markup-compatibility/2006">
-          <mc:Choice xmlns:p14="http://schemas.microsoft.com/office/powerpoint/2010/main" xmlns:aink="http://schemas.microsoft.com/office/drawing/2016/ink" Requires="p14 aink">
+        <mc:AlternateContent xmlns:mc="http://schemas.openxmlformats.org/markup-compatibility/2006" xmlns:p14="http://schemas.microsoft.com/office/powerpoint/2010/main" xmlns:aink="http://schemas.microsoft.com/office/drawing/2016/ink">
+          <mc:Choice Requires="p14 aink">
             <p:contentPart p14:bwMode="auto" r:id="rId14">
               <p14:nvContentPartPr>
                 <p14:cNvPr id="49" name="Ink 48">
@@ -10563,7 +10555,7 @@
               </p14:xfrm>
             </p:contentPart>
           </mc:Choice>
-          <mc:Fallback>
+          <mc:Fallback xmlns="">
             <p:pic>
               <p:nvPicPr>
                 <p:cNvPr id="49" name="Ink 48">
@@ -10594,8 +10586,8 @@
             </p:pic>
           </mc:Fallback>
         </mc:AlternateContent>
-        <mc:AlternateContent xmlns:mc="http://schemas.openxmlformats.org/markup-compatibility/2006">
-          <mc:Choice xmlns:p14="http://schemas.microsoft.com/office/powerpoint/2010/main" xmlns:aink="http://schemas.microsoft.com/office/drawing/2016/ink" Requires="p14 aink">
+        <mc:AlternateContent xmlns:mc="http://schemas.openxmlformats.org/markup-compatibility/2006" xmlns:p14="http://schemas.microsoft.com/office/powerpoint/2010/main" xmlns:aink="http://schemas.microsoft.com/office/drawing/2016/ink">
+          <mc:Choice Requires="p14 aink">
             <p:contentPart p14:bwMode="auto" r:id="rId16">
               <p14:nvContentPartPr>
                 <p14:cNvPr id="69" name="Ink 68">
@@ -10614,7 +10606,7 @@
               </p14:xfrm>
             </p:contentPart>
           </mc:Choice>
-          <mc:Fallback>
+          <mc:Fallback xmlns="">
             <p:pic>
               <p:nvPicPr>
                 <p:cNvPr id="69" name="Ink 68">
@@ -10645,8 +10637,8 @@
             </p:pic>
           </mc:Fallback>
         </mc:AlternateContent>
-        <mc:AlternateContent xmlns:mc="http://schemas.openxmlformats.org/markup-compatibility/2006">
-          <mc:Choice xmlns:p14="http://schemas.microsoft.com/office/powerpoint/2010/main" xmlns:aink="http://schemas.microsoft.com/office/drawing/2016/ink" Requires="p14 aink">
+        <mc:AlternateContent xmlns:mc="http://schemas.openxmlformats.org/markup-compatibility/2006" xmlns:p14="http://schemas.microsoft.com/office/powerpoint/2010/main" xmlns:aink="http://schemas.microsoft.com/office/drawing/2016/ink">
+          <mc:Choice Requires="p14 aink">
             <p:contentPart p14:bwMode="auto" r:id="rId18">
               <p14:nvContentPartPr>
                 <p14:cNvPr id="72" name="Ink 71">
@@ -10665,7 +10657,7 @@
               </p14:xfrm>
             </p:contentPart>
           </mc:Choice>
-          <mc:Fallback>
+          <mc:Fallback xmlns="">
             <p:pic>
               <p:nvPicPr>
                 <p:cNvPr id="72" name="Ink 71">
@@ -10696,8 +10688,8 @@
             </p:pic>
           </mc:Fallback>
         </mc:AlternateContent>
-        <mc:AlternateContent xmlns:mc="http://schemas.openxmlformats.org/markup-compatibility/2006">
-          <mc:Choice xmlns:p14="http://schemas.microsoft.com/office/powerpoint/2010/main" xmlns:aink="http://schemas.microsoft.com/office/drawing/2016/ink" Requires="p14 aink">
+        <mc:AlternateContent xmlns:mc="http://schemas.openxmlformats.org/markup-compatibility/2006" xmlns:p14="http://schemas.microsoft.com/office/powerpoint/2010/main" xmlns:aink="http://schemas.microsoft.com/office/drawing/2016/ink">
+          <mc:Choice Requires="p14 aink">
             <p:contentPart p14:bwMode="auto" r:id="rId20">
               <p14:nvContentPartPr>
                 <p14:cNvPr id="73" name="Ink 72">
@@ -10716,7 +10708,7 @@
               </p14:xfrm>
             </p:contentPart>
           </mc:Choice>
-          <mc:Fallback>
+          <mc:Fallback xmlns="">
             <p:pic>
               <p:nvPicPr>
                 <p:cNvPr id="73" name="Ink 72">
@@ -10914,8 +10906,8 @@
           </a:prstGeom>
         </p:spPr>
       </p:pic>
-      <mc:AlternateContent xmlns:mc="http://schemas.openxmlformats.org/markup-compatibility/2006">
-        <mc:Choice xmlns:p14="http://schemas.microsoft.com/office/powerpoint/2010/main" xmlns:aink="http://schemas.microsoft.com/office/drawing/2016/ink" Requires="p14 aink">
+      <mc:AlternateContent xmlns:mc="http://schemas.openxmlformats.org/markup-compatibility/2006" xmlns:p14="http://schemas.microsoft.com/office/powerpoint/2010/main" xmlns:aink="http://schemas.microsoft.com/office/drawing/2016/ink">
+        <mc:Choice Requires="p14 aink">
           <p:contentPart p14:bwMode="auto" r:id="rId28">
             <p14:nvContentPartPr>
               <p14:cNvPr id="81" name="Ink 80">
@@ -10934,7 +10926,7 @@
             </p14:xfrm>
           </p:contentPart>
         </mc:Choice>
-        <mc:Fallback>
+        <mc:Fallback xmlns="">
           <p:pic>
             <p:nvPicPr>
               <p:cNvPr id="81" name="Ink 80">
@@ -10965,8 +10957,8 @@
           </p:pic>
         </mc:Fallback>
       </mc:AlternateContent>
-      <mc:AlternateContent xmlns:mc="http://schemas.openxmlformats.org/markup-compatibility/2006">
-        <mc:Choice xmlns:p14="http://schemas.microsoft.com/office/powerpoint/2010/main" xmlns:aink="http://schemas.microsoft.com/office/drawing/2016/ink" Requires="p14 aink">
+      <mc:AlternateContent xmlns:mc="http://schemas.openxmlformats.org/markup-compatibility/2006" xmlns:p14="http://schemas.microsoft.com/office/powerpoint/2010/main" xmlns:aink="http://schemas.microsoft.com/office/drawing/2016/ink">
+        <mc:Choice Requires="p14 aink">
           <p:contentPart p14:bwMode="auto" r:id="rId30">
             <p14:nvContentPartPr>
               <p14:cNvPr id="90" name="Ink 89">
@@ -10985,7 +10977,7 @@
             </p14:xfrm>
           </p:contentPart>
         </mc:Choice>
-        <mc:Fallback>
+        <mc:Fallback xmlns="">
           <p:pic>
             <p:nvPicPr>
               <p:cNvPr id="90" name="Ink 89">
@@ -11016,8 +11008,8 @@
           </p:pic>
         </mc:Fallback>
       </mc:AlternateContent>
-      <mc:AlternateContent xmlns:mc="http://schemas.openxmlformats.org/markup-compatibility/2006">
-        <mc:Choice xmlns:p14="http://schemas.microsoft.com/office/powerpoint/2010/main" xmlns:aink="http://schemas.microsoft.com/office/drawing/2016/ink" Requires="p14 aink">
+      <mc:AlternateContent xmlns:mc="http://schemas.openxmlformats.org/markup-compatibility/2006" xmlns:p14="http://schemas.microsoft.com/office/powerpoint/2010/main" xmlns:aink="http://schemas.microsoft.com/office/drawing/2016/ink">
+        <mc:Choice Requires="p14 aink">
           <p:contentPart p14:bwMode="auto" r:id="rId32">
             <p14:nvContentPartPr>
               <p14:cNvPr id="91" name="Ink 90">
@@ -11036,7 +11028,7 @@
             </p14:xfrm>
           </p:contentPart>
         </mc:Choice>
-        <mc:Fallback>
+        <mc:Fallback xmlns="">
           <p:pic>
             <p:nvPicPr>
               <p:cNvPr id="91" name="Ink 90">
@@ -11067,8 +11059,8 @@
           </p:pic>
         </mc:Fallback>
       </mc:AlternateContent>
-      <mc:AlternateContent xmlns:mc="http://schemas.openxmlformats.org/markup-compatibility/2006">
-        <mc:Choice xmlns:p14="http://schemas.microsoft.com/office/powerpoint/2010/main" xmlns:aink="http://schemas.microsoft.com/office/drawing/2016/ink" Requires="p14 aink">
+      <mc:AlternateContent xmlns:mc="http://schemas.openxmlformats.org/markup-compatibility/2006" xmlns:p14="http://schemas.microsoft.com/office/powerpoint/2010/main" xmlns:aink="http://schemas.microsoft.com/office/drawing/2016/ink">
+        <mc:Choice Requires="p14 aink">
           <p:contentPart p14:bwMode="auto" r:id="rId34">
             <p14:nvContentPartPr>
               <p14:cNvPr id="92" name="Ink 91">
@@ -11087,7 +11079,7 @@
             </p14:xfrm>
           </p:contentPart>
         </mc:Choice>
-        <mc:Fallback>
+        <mc:Fallback xmlns="">
           <p:pic>
             <p:nvPicPr>
               <p:cNvPr id="92" name="Ink 91">
@@ -11118,8 +11110,8 @@
           </p:pic>
         </mc:Fallback>
       </mc:AlternateContent>
-      <mc:AlternateContent xmlns:mc="http://schemas.openxmlformats.org/markup-compatibility/2006">
-        <mc:Choice xmlns:p14="http://schemas.microsoft.com/office/powerpoint/2010/main" xmlns:aink="http://schemas.microsoft.com/office/drawing/2016/ink" Requires="p14 aink">
+      <mc:AlternateContent xmlns:mc="http://schemas.openxmlformats.org/markup-compatibility/2006" xmlns:p14="http://schemas.microsoft.com/office/powerpoint/2010/main" xmlns:aink="http://schemas.microsoft.com/office/drawing/2016/ink">
+        <mc:Choice Requires="p14 aink">
           <p:contentPart p14:bwMode="auto" r:id="rId36">
             <p14:nvContentPartPr>
               <p14:cNvPr id="93" name="Ink 92">
@@ -11138,7 +11130,7 @@
             </p14:xfrm>
           </p:contentPart>
         </mc:Choice>
-        <mc:Fallback>
+        <mc:Fallback xmlns="">
           <p:pic>
             <p:nvPicPr>
               <p:cNvPr id="93" name="Ink 92">
@@ -11169,8 +11161,8 @@
           </p:pic>
         </mc:Fallback>
       </mc:AlternateContent>
-      <mc:AlternateContent xmlns:mc="http://schemas.openxmlformats.org/markup-compatibility/2006">
-        <mc:Choice xmlns:p14="http://schemas.microsoft.com/office/powerpoint/2010/main" xmlns:aink="http://schemas.microsoft.com/office/drawing/2016/ink" Requires="p14 aink">
+      <mc:AlternateContent xmlns:mc="http://schemas.openxmlformats.org/markup-compatibility/2006" xmlns:p14="http://schemas.microsoft.com/office/powerpoint/2010/main" xmlns:aink="http://schemas.microsoft.com/office/drawing/2016/ink">
+        <mc:Choice Requires="p14 aink">
           <p:contentPart p14:bwMode="auto" r:id="rId38">
             <p14:nvContentPartPr>
               <p14:cNvPr id="94" name="Ink 93">
@@ -11189,7 +11181,7 @@
             </p14:xfrm>
           </p:contentPart>
         </mc:Choice>
-        <mc:Fallback>
+        <mc:Fallback xmlns="">
           <p:pic>
             <p:nvPicPr>
               <p:cNvPr id="94" name="Ink 93">
@@ -11220,8 +11212,8 @@
           </p:pic>
         </mc:Fallback>
       </mc:AlternateContent>
-      <mc:AlternateContent xmlns:mc="http://schemas.openxmlformats.org/markup-compatibility/2006">
-        <mc:Choice xmlns:p14="http://schemas.microsoft.com/office/powerpoint/2010/main" xmlns:aink="http://schemas.microsoft.com/office/drawing/2016/ink" Requires="p14 aink">
+      <mc:AlternateContent xmlns:mc="http://schemas.openxmlformats.org/markup-compatibility/2006" xmlns:p14="http://schemas.microsoft.com/office/powerpoint/2010/main" xmlns:aink="http://schemas.microsoft.com/office/drawing/2016/ink">
+        <mc:Choice Requires="p14 aink">
           <p:contentPart p14:bwMode="auto" r:id="rId40">
             <p14:nvContentPartPr>
               <p14:cNvPr id="95" name="Ink 94">
@@ -11240,7 +11232,7 @@
             </p14:xfrm>
           </p:contentPart>
         </mc:Choice>
-        <mc:Fallback>
+        <mc:Fallback xmlns="">
           <p:pic>
             <p:nvPicPr>
               <p:cNvPr id="95" name="Ink 94">
@@ -11271,8 +11263,8 @@
           </p:pic>
         </mc:Fallback>
       </mc:AlternateContent>
-      <mc:AlternateContent xmlns:mc="http://schemas.openxmlformats.org/markup-compatibility/2006">
-        <mc:Choice xmlns:p14="http://schemas.microsoft.com/office/powerpoint/2010/main" xmlns:aink="http://schemas.microsoft.com/office/drawing/2016/ink" Requires="p14 aink">
+      <mc:AlternateContent xmlns:mc="http://schemas.openxmlformats.org/markup-compatibility/2006" xmlns:p14="http://schemas.microsoft.com/office/powerpoint/2010/main" xmlns:aink="http://schemas.microsoft.com/office/drawing/2016/ink">
+        <mc:Choice Requires="p14 aink">
           <p:contentPart p14:bwMode="auto" r:id="rId42">
             <p14:nvContentPartPr>
               <p14:cNvPr id="96" name="Ink 95">
@@ -11291,7 +11283,7 @@
             </p14:xfrm>
           </p:contentPart>
         </mc:Choice>
-        <mc:Fallback>
+        <mc:Fallback xmlns="">
           <p:pic>
             <p:nvPicPr>
               <p:cNvPr id="96" name="Ink 95">
@@ -11322,8 +11314,8 @@
           </p:pic>
         </mc:Fallback>
       </mc:AlternateContent>
-      <mc:AlternateContent xmlns:mc="http://schemas.openxmlformats.org/markup-compatibility/2006">
-        <mc:Choice xmlns:p14="http://schemas.microsoft.com/office/powerpoint/2010/main" xmlns:aink="http://schemas.microsoft.com/office/drawing/2016/ink" Requires="p14 aink">
+      <mc:AlternateContent xmlns:mc="http://schemas.openxmlformats.org/markup-compatibility/2006" xmlns:p14="http://schemas.microsoft.com/office/powerpoint/2010/main" xmlns:aink="http://schemas.microsoft.com/office/drawing/2016/ink">
+        <mc:Choice Requires="p14 aink">
           <p:contentPart p14:bwMode="auto" r:id="rId44">
             <p14:nvContentPartPr>
               <p14:cNvPr id="97" name="Ink 96">
@@ -11342,7 +11334,7 @@
             </p14:xfrm>
           </p:contentPart>
         </mc:Choice>
-        <mc:Fallback>
+        <mc:Fallback xmlns="">
           <p:pic>
             <p:nvPicPr>
               <p:cNvPr id="97" name="Ink 96">
@@ -11393,8 +11385,8 @@
             <a:chExt cx="375120" cy="466920"/>
           </a:xfrm>
         </p:grpSpPr>
-        <mc:AlternateContent xmlns:mc="http://schemas.openxmlformats.org/markup-compatibility/2006">
-          <mc:Choice xmlns:p14="http://schemas.microsoft.com/office/powerpoint/2010/main" xmlns:aink="http://schemas.microsoft.com/office/drawing/2016/ink" Requires="p14 aink">
+        <mc:AlternateContent xmlns:mc="http://schemas.openxmlformats.org/markup-compatibility/2006" xmlns:p14="http://schemas.microsoft.com/office/powerpoint/2010/main" xmlns:aink="http://schemas.microsoft.com/office/drawing/2016/ink">
+          <mc:Choice Requires="p14 aink">
             <p:contentPart p14:bwMode="auto" r:id="rId46">
               <p14:nvContentPartPr>
                 <p14:cNvPr id="104" name="Ink 103">
@@ -11413,7 +11405,7 @@
               </p14:xfrm>
             </p:contentPart>
           </mc:Choice>
-          <mc:Fallback>
+          <mc:Fallback xmlns="">
             <p:pic>
               <p:nvPicPr>
                 <p:cNvPr id="104" name="Ink 103">
@@ -11444,8 +11436,8 @@
             </p:pic>
           </mc:Fallback>
         </mc:AlternateContent>
-        <mc:AlternateContent xmlns:mc="http://schemas.openxmlformats.org/markup-compatibility/2006">
-          <mc:Choice xmlns:p14="http://schemas.microsoft.com/office/powerpoint/2010/main" xmlns:aink="http://schemas.microsoft.com/office/drawing/2016/ink" Requires="p14 aink">
+        <mc:AlternateContent xmlns:mc="http://schemas.openxmlformats.org/markup-compatibility/2006" xmlns:p14="http://schemas.microsoft.com/office/powerpoint/2010/main" xmlns:aink="http://schemas.microsoft.com/office/drawing/2016/ink">
+          <mc:Choice Requires="p14 aink">
             <p:contentPart p14:bwMode="auto" r:id="rId48">
               <p14:nvContentPartPr>
                 <p14:cNvPr id="105" name="Ink 104">
@@ -11464,7 +11456,7 @@
               </p14:xfrm>
             </p:contentPart>
           </mc:Choice>
-          <mc:Fallback>
+          <mc:Fallback xmlns="">
             <p:pic>
               <p:nvPicPr>
                 <p:cNvPr id="105" name="Ink 104">
@@ -11495,8 +11487,8 @@
             </p:pic>
           </mc:Fallback>
         </mc:AlternateContent>
-        <mc:AlternateContent xmlns:mc="http://schemas.openxmlformats.org/markup-compatibility/2006">
-          <mc:Choice xmlns:p14="http://schemas.microsoft.com/office/powerpoint/2010/main" xmlns:aink="http://schemas.microsoft.com/office/drawing/2016/ink" Requires="p14 aink">
+        <mc:AlternateContent xmlns:mc="http://schemas.openxmlformats.org/markup-compatibility/2006" xmlns:p14="http://schemas.microsoft.com/office/powerpoint/2010/main" xmlns:aink="http://schemas.microsoft.com/office/drawing/2016/ink">
+          <mc:Choice Requires="p14 aink">
             <p:contentPart p14:bwMode="auto" r:id="rId50">
               <p14:nvContentPartPr>
                 <p14:cNvPr id="106" name="Ink 105">
@@ -11515,7 +11507,7 @@
               </p14:xfrm>
             </p:contentPart>
           </mc:Choice>
-          <mc:Fallback>
+          <mc:Fallback xmlns="">
             <p:pic>
               <p:nvPicPr>
                 <p:cNvPr id="106" name="Ink 105">
@@ -11567,8 +11559,8 @@
             <a:chExt cx="2844052" cy="5399179"/>
           </a:xfrm>
         </p:grpSpPr>
-        <mc:AlternateContent xmlns:mc="http://schemas.openxmlformats.org/markup-compatibility/2006">
-          <mc:Choice xmlns:p14="http://schemas.microsoft.com/office/powerpoint/2010/main" xmlns:aink="http://schemas.microsoft.com/office/drawing/2016/ink" Requires="p14 aink">
+        <mc:AlternateContent xmlns:mc="http://schemas.openxmlformats.org/markup-compatibility/2006" xmlns:p14="http://schemas.microsoft.com/office/powerpoint/2010/main" xmlns:aink="http://schemas.microsoft.com/office/drawing/2016/ink">
+          <mc:Choice Requires="p14 aink">
             <p:contentPart p14:bwMode="auto" r:id="rId52">
               <p14:nvContentPartPr>
                 <p14:cNvPr id="109" name="Ink 108">
@@ -11587,7 +11579,7 @@
               </p14:xfrm>
             </p:contentPart>
           </mc:Choice>
-          <mc:Fallback>
+          <mc:Fallback xmlns="">
             <p:pic>
               <p:nvPicPr>
                 <p:cNvPr id="109" name="Ink 108">
@@ -11618,8 +11610,8 @@
             </p:pic>
           </mc:Fallback>
         </mc:AlternateContent>
-        <mc:AlternateContent xmlns:mc="http://schemas.openxmlformats.org/markup-compatibility/2006">
-          <mc:Choice xmlns:p14="http://schemas.microsoft.com/office/powerpoint/2010/main" xmlns:aink="http://schemas.microsoft.com/office/drawing/2016/ink" Requires="p14 aink">
+        <mc:AlternateContent xmlns:mc="http://schemas.openxmlformats.org/markup-compatibility/2006" xmlns:p14="http://schemas.microsoft.com/office/powerpoint/2010/main" xmlns:aink="http://schemas.microsoft.com/office/drawing/2016/ink">
+          <mc:Choice Requires="p14 aink">
             <p:contentPart p14:bwMode="auto" r:id="rId54">
               <p14:nvContentPartPr>
                 <p14:cNvPr id="110" name="Ink 109">
@@ -11638,7 +11630,7 @@
               </p14:xfrm>
             </p:contentPart>
           </mc:Choice>
-          <mc:Fallback>
+          <mc:Fallback xmlns="">
             <p:pic>
               <p:nvPicPr>
                 <p:cNvPr id="110" name="Ink 109">
@@ -11669,8 +11661,8 @@
             </p:pic>
           </mc:Fallback>
         </mc:AlternateContent>
-        <mc:AlternateContent xmlns:mc="http://schemas.openxmlformats.org/markup-compatibility/2006">
-          <mc:Choice xmlns:p14="http://schemas.microsoft.com/office/powerpoint/2010/main" xmlns:aink="http://schemas.microsoft.com/office/drawing/2016/ink" Requires="p14 aink">
+        <mc:AlternateContent xmlns:mc="http://schemas.openxmlformats.org/markup-compatibility/2006" xmlns:p14="http://schemas.microsoft.com/office/powerpoint/2010/main" xmlns:aink="http://schemas.microsoft.com/office/drawing/2016/ink">
+          <mc:Choice Requires="p14 aink">
             <p:contentPart p14:bwMode="auto" r:id="rId56">
               <p14:nvContentPartPr>
                 <p14:cNvPr id="111" name="Ink 110">
@@ -11689,7 +11681,7 @@
               </p14:xfrm>
             </p:contentPart>
           </mc:Choice>
-          <mc:Fallback>
+          <mc:Fallback xmlns="">
             <p:pic>
               <p:nvPicPr>
                 <p:cNvPr id="111" name="Ink 110">
@@ -11720,8 +11712,8 @@
             </p:pic>
           </mc:Fallback>
         </mc:AlternateContent>
-        <mc:AlternateContent xmlns:mc="http://schemas.openxmlformats.org/markup-compatibility/2006">
-          <mc:Choice xmlns:p14="http://schemas.microsoft.com/office/powerpoint/2010/main" xmlns:aink="http://schemas.microsoft.com/office/drawing/2016/ink" Requires="p14 aink">
+        <mc:AlternateContent xmlns:mc="http://schemas.openxmlformats.org/markup-compatibility/2006" xmlns:p14="http://schemas.microsoft.com/office/powerpoint/2010/main" xmlns:aink="http://schemas.microsoft.com/office/drawing/2016/ink">
+          <mc:Choice Requires="p14 aink">
             <p:contentPart p14:bwMode="auto" r:id="rId58">
               <p14:nvContentPartPr>
                 <p14:cNvPr id="112" name="Ink 111">
@@ -11740,7 +11732,7 @@
               </p14:xfrm>
             </p:contentPart>
           </mc:Choice>
-          <mc:Fallback>
+          <mc:Fallback xmlns="">
             <p:pic>
               <p:nvPicPr>
                 <p:cNvPr id="112" name="Ink 111">
@@ -11771,8 +11763,8 @@
             </p:pic>
           </mc:Fallback>
         </mc:AlternateContent>
-        <mc:AlternateContent xmlns:mc="http://schemas.openxmlformats.org/markup-compatibility/2006">
-          <mc:Choice xmlns:p14="http://schemas.microsoft.com/office/powerpoint/2010/main" xmlns:aink="http://schemas.microsoft.com/office/drawing/2016/ink" Requires="p14 aink">
+        <mc:AlternateContent xmlns:mc="http://schemas.openxmlformats.org/markup-compatibility/2006" xmlns:p14="http://schemas.microsoft.com/office/powerpoint/2010/main" xmlns:aink="http://schemas.microsoft.com/office/drawing/2016/ink">
+          <mc:Choice Requires="p14 aink">
             <p:contentPart p14:bwMode="auto" r:id="rId60">
               <p14:nvContentPartPr>
                 <p14:cNvPr id="113" name="Ink 112">
@@ -11791,7 +11783,7 @@
               </p14:xfrm>
             </p:contentPart>
           </mc:Choice>
-          <mc:Fallback>
+          <mc:Fallback xmlns="">
             <p:pic>
               <p:nvPicPr>
                 <p:cNvPr id="113" name="Ink 112">
@@ -11822,8 +11814,8 @@
             </p:pic>
           </mc:Fallback>
         </mc:AlternateContent>
-        <mc:AlternateContent xmlns:mc="http://schemas.openxmlformats.org/markup-compatibility/2006">
-          <mc:Choice xmlns:p14="http://schemas.microsoft.com/office/powerpoint/2010/main" xmlns:aink="http://schemas.microsoft.com/office/drawing/2016/ink" Requires="p14 aink">
+        <mc:AlternateContent xmlns:mc="http://schemas.openxmlformats.org/markup-compatibility/2006" xmlns:p14="http://schemas.microsoft.com/office/powerpoint/2010/main" xmlns:aink="http://schemas.microsoft.com/office/drawing/2016/ink">
+          <mc:Choice Requires="p14 aink">
             <p:contentPart p14:bwMode="auto" r:id="rId62">
               <p14:nvContentPartPr>
                 <p14:cNvPr id="114" name="Ink 113">
@@ -11842,7 +11834,7 @@
               </p14:xfrm>
             </p:contentPart>
           </mc:Choice>
-          <mc:Fallback>
+          <mc:Fallback xmlns="">
             <p:pic>
               <p:nvPicPr>
                 <p:cNvPr id="114" name="Ink 113">
@@ -11873,8 +11865,8 @@
             </p:pic>
           </mc:Fallback>
         </mc:AlternateContent>
-        <mc:AlternateContent xmlns:mc="http://schemas.openxmlformats.org/markup-compatibility/2006">
-          <mc:Choice xmlns:p14="http://schemas.microsoft.com/office/powerpoint/2010/main" xmlns:aink="http://schemas.microsoft.com/office/drawing/2016/ink" Requires="p14 aink">
+        <mc:AlternateContent xmlns:mc="http://schemas.openxmlformats.org/markup-compatibility/2006" xmlns:p14="http://schemas.microsoft.com/office/powerpoint/2010/main" xmlns:aink="http://schemas.microsoft.com/office/drawing/2016/ink">
+          <mc:Choice Requires="p14 aink">
             <p:contentPart p14:bwMode="auto" r:id="rId64">
               <p14:nvContentPartPr>
                 <p14:cNvPr id="115" name="Ink 114">
@@ -11893,7 +11885,7 @@
               </p14:xfrm>
             </p:contentPart>
           </mc:Choice>
-          <mc:Fallback>
+          <mc:Fallback xmlns="">
             <p:pic>
               <p:nvPicPr>
                 <p:cNvPr id="115" name="Ink 114">
@@ -11924,8 +11916,8 @@
             </p:pic>
           </mc:Fallback>
         </mc:AlternateContent>
-        <mc:AlternateContent xmlns:mc="http://schemas.openxmlformats.org/markup-compatibility/2006">
-          <mc:Choice xmlns:p14="http://schemas.microsoft.com/office/powerpoint/2010/main" xmlns:aink="http://schemas.microsoft.com/office/drawing/2016/ink" Requires="p14 aink">
+        <mc:AlternateContent xmlns:mc="http://schemas.openxmlformats.org/markup-compatibility/2006" xmlns:p14="http://schemas.microsoft.com/office/powerpoint/2010/main" xmlns:aink="http://schemas.microsoft.com/office/drawing/2016/ink">
+          <mc:Choice Requires="p14 aink">
             <p:contentPart p14:bwMode="auto" r:id="rId66">
               <p14:nvContentPartPr>
                 <p14:cNvPr id="116" name="Ink 115">
@@ -11944,7 +11936,7 @@
               </p14:xfrm>
             </p:contentPart>
           </mc:Choice>
-          <mc:Fallback>
+          <mc:Fallback xmlns="">
             <p:pic>
               <p:nvPicPr>
                 <p:cNvPr id="116" name="Ink 115">
@@ -11975,8 +11967,8 @@
             </p:pic>
           </mc:Fallback>
         </mc:AlternateContent>
-        <mc:AlternateContent xmlns:mc="http://schemas.openxmlformats.org/markup-compatibility/2006">
-          <mc:Choice xmlns:p14="http://schemas.microsoft.com/office/powerpoint/2010/main" xmlns:aink="http://schemas.microsoft.com/office/drawing/2016/ink" Requires="p14 aink">
+        <mc:AlternateContent xmlns:mc="http://schemas.openxmlformats.org/markup-compatibility/2006" xmlns:p14="http://schemas.microsoft.com/office/powerpoint/2010/main" xmlns:aink="http://schemas.microsoft.com/office/drawing/2016/ink">
+          <mc:Choice Requires="p14 aink">
             <p:contentPart p14:bwMode="auto" r:id="rId68">
               <p14:nvContentPartPr>
                 <p14:cNvPr id="117" name="Ink 116">
@@ -11995,7 +11987,7 @@
               </p14:xfrm>
             </p:contentPart>
           </mc:Choice>
-          <mc:Fallback>
+          <mc:Fallback xmlns="">
             <p:pic>
               <p:nvPicPr>
                 <p:cNvPr id="117" name="Ink 116">
@@ -12026,8 +12018,8 @@
             </p:pic>
           </mc:Fallback>
         </mc:AlternateContent>
-        <mc:AlternateContent xmlns:mc="http://schemas.openxmlformats.org/markup-compatibility/2006">
-          <mc:Choice xmlns:p14="http://schemas.microsoft.com/office/powerpoint/2010/main" xmlns:aink="http://schemas.microsoft.com/office/drawing/2016/ink" Requires="p14 aink">
+        <mc:AlternateContent xmlns:mc="http://schemas.openxmlformats.org/markup-compatibility/2006" xmlns:p14="http://schemas.microsoft.com/office/powerpoint/2010/main" xmlns:aink="http://schemas.microsoft.com/office/drawing/2016/ink">
+          <mc:Choice Requires="p14 aink">
             <p:contentPart p14:bwMode="auto" r:id="rId70">
               <p14:nvContentPartPr>
                 <p14:cNvPr id="118" name="Ink 117">
@@ -12046,7 +12038,7 @@
               </p14:xfrm>
             </p:contentPart>
           </mc:Choice>
-          <mc:Fallback>
+          <mc:Fallback xmlns="">
             <p:pic>
               <p:nvPicPr>
                 <p:cNvPr id="118" name="Ink 117">
@@ -12077,8 +12069,8 @@
             </p:pic>
           </mc:Fallback>
         </mc:AlternateContent>
-        <mc:AlternateContent xmlns:mc="http://schemas.openxmlformats.org/markup-compatibility/2006">
-          <mc:Choice xmlns:p14="http://schemas.microsoft.com/office/powerpoint/2010/main" xmlns:aink="http://schemas.microsoft.com/office/drawing/2016/ink" Requires="p14 aink">
+        <mc:AlternateContent xmlns:mc="http://schemas.openxmlformats.org/markup-compatibility/2006" xmlns:p14="http://schemas.microsoft.com/office/powerpoint/2010/main" xmlns:aink="http://schemas.microsoft.com/office/drawing/2016/ink">
+          <mc:Choice Requires="p14 aink">
             <p:contentPart p14:bwMode="auto" r:id="rId72">
               <p14:nvContentPartPr>
                 <p14:cNvPr id="119" name="Ink 118">
@@ -12097,7 +12089,7 @@
               </p14:xfrm>
             </p:contentPart>
           </mc:Choice>
-          <mc:Fallback>
+          <mc:Fallback xmlns="">
             <p:pic>
               <p:nvPicPr>
                 <p:cNvPr id="119" name="Ink 118">
@@ -12128,8 +12120,8 @@
             </p:pic>
           </mc:Fallback>
         </mc:AlternateContent>
-        <mc:AlternateContent xmlns:mc="http://schemas.openxmlformats.org/markup-compatibility/2006">
-          <mc:Choice xmlns:p14="http://schemas.microsoft.com/office/powerpoint/2010/main" xmlns:aink="http://schemas.microsoft.com/office/drawing/2016/ink" Requires="p14 aink">
+        <mc:AlternateContent xmlns:mc="http://schemas.openxmlformats.org/markup-compatibility/2006" xmlns:p14="http://schemas.microsoft.com/office/powerpoint/2010/main" xmlns:aink="http://schemas.microsoft.com/office/drawing/2016/ink">
+          <mc:Choice Requires="p14 aink">
             <p:contentPart p14:bwMode="auto" r:id="rId74">
               <p14:nvContentPartPr>
                 <p14:cNvPr id="120" name="Ink 119">
@@ -12148,7 +12140,7 @@
               </p14:xfrm>
             </p:contentPart>
           </mc:Choice>
-          <mc:Fallback>
+          <mc:Fallback xmlns="">
             <p:pic>
               <p:nvPicPr>
                 <p:cNvPr id="120" name="Ink 119">
@@ -12179,8 +12171,8 @@
             </p:pic>
           </mc:Fallback>
         </mc:AlternateContent>
-        <mc:AlternateContent xmlns:mc="http://schemas.openxmlformats.org/markup-compatibility/2006">
-          <mc:Choice xmlns:p14="http://schemas.microsoft.com/office/powerpoint/2010/main" xmlns:aink="http://schemas.microsoft.com/office/drawing/2016/ink" Requires="p14 aink">
+        <mc:AlternateContent xmlns:mc="http://schemas.openxmlformats.org/markup-compatibility/2006" xmlns:p14="http://schemas.microsoft.com/office/powerpoint/2010/main" xmlns:aink="http://schemas.microsoft.com/office/drawing/2016/ink">
+          <mc:Choice Requires="p14 aink">
             <p:contentPart p14:bwMode="auto" r:id="rId76">
               <p14:nvContentPartPr>
                 <p14:cNvPr id="121" name="Ink 120">
@@ -12199,7 +12191,7 @@
               </p14:xfrm>
             </p:contentPart>
           </mc:Choice>
-          <mc:Fallback>
+          <mc:Fallback xmlns="">
             <p:pic>
               <p:nvPicPr>
                 <p:cNvPr id="121" name="Ink 120">
@@ -12230,8 +12222,8 @@
             </p:pic>
           </mc:Fallback>
         </mc:AlternateContent>
-        <mc:AlternateContent xmlns:mc="http://schemas.openxmlformats.org/markup-compatibility/2006">
-          <mc:Choice xmlns:p14="http://schemas.microsoft.com/office/powerpoint/2010/main" xmlns:aink="http://schemas.microsoft.com/office/drawing/2016/ink" Requires="p14 aink">
+        <mc:AlternateContent xmlns:mc="http://schemas.openxmlformats.org/markup-compatibility/2006" xmlns:p14="http://schemas.microsoft.com/office/powerpoint/2010/main" xmlns:aink="http://schemas.microsoft.com/office/drawing/2016/ink">
+          <mc:Choice Requires="p14 aink">
             <p:contentPart p14:bwMode="auto" r:id="rId78">
               <p14:nvContentPartPr>
                 <p14:cNvPr id="122" name="Ink 121">
@@ -12250,7 +12242,7 @@
               </p14:xfrm>
             </p:contentPart>
           </mc:Choice>
-          <mc:Fallback>
+          <mc:Fallback xmlns="">
             <p:pic>
               <p:nvPicPr>
                 <p:cNvPr id="122" name="Ink 121">
@@ -12405,7 +12397,7 @@
         </p:blipFill>
         <p:spPr bwMode="auto">
           <a:xfrm>
-            <a:off x="4894500" y="4901410"/>
+            <a:off x="4922506" y="4976650"/>
             <a:ext cx="1371600" cy="1083564"/>
           </a:xfrm>
           <a:prstGeom prst="rect">
@@ -12452,7 +12444,7 @@
         </p:blipFill>
         <p:spPr bwMode="auto">
           <a:xfrm>
-            <a:off x="6243063" y="3429000"/>
+            <a:off x="6271069" y="3504240"/>
             <a:ext cx="1371600" cy="1332429"/>
           </a:xfrm>
           <a:prstGeom prst="rect">
@@ -12508,7 +12500,7 @@
         </p:blipFill>
         <p:spPr bwMode="auto">
           <a:xfrm>
-            <a:off x="4322460" y="2495643"/>
+            <a:off x="4350466" y="2570883"/>
             <a:ext cx="1371600" cy="1371600"/>
           </a:xfrm>
           <a:prstGeom prst="rect">
@@ -12542,8 +12534,8 @@
             <a:chExt cx="435960" cy="659160"/>
           </a:xfrm>
         </p:grpSpPr>
-        <mc:AlternateContent xmlns:mc="http://schemas.openxmlformats.org/markup-compatibility/2006">
-          <mc:Choice xmlns:p14="http://schemas.microsoft.com/office/powerpoint/2010/main" xmlns:aink="http://schemas.microsoft.com/office/drawing/2016/ink" Requires="p14 aink">
+        <mc:AlternateContent xmlns:mc="http://schemas.openxmlformats.org/markup-compatibility/2006" xmlns:p14="http://schemas.microsoft.com/office/powerpoint/2010/main" xmlns:aink="http://schemas.microsoft.com/office/drawing/2016/ink">
+          <mc:Choice Requires="p14 aink">
             <p:contentPart p14:bwMode="auto" r:id="rId86">
               <p14:nvContentPartPr>
                 <p14:cNvPr id="156" name="Ink 155">
@@ -12562,7 +12554,7 @@
               </p14:xfrm>
             </p:contentPart>
           </mc:Choice>
-          <mc:Fallback>
+          <mc:Fallback xmlns="">
             <p:pic>
               <p:nvPicPr>
                 <p:cNvPr id="156" name="Ink 155">
@@ -12593,8 +12585,8 @@
             </p:pic>
           </mc:Fallback>
         </mc:AlternateContent>
-        <mc:AlternateContent xmlns:mc="http://schemas.openxmlformats.org/markup-compatibility/2006">
-          <mc:Choice xmlns:p14="http://schemas.microsoft.com/office/powerpoint/2010/main" xmlns:aink="http://schemas.microsoft.com/office/drawing/2016/ink" Requires="p14 aink">
+        <mc:AlternateContent xmlns:mc="http://schemas.openxmlformats.org/markup-compatibility/2006" xmlns:p14="http://schemas.microsoft.com/office/powerpoint/2010/main" xmlns:aink="http://schemas.microsoft.com/office/drawing/2016/ink">
+          <mc:Choice Requires="p14 aink">
             <p:contentPart p14:bwMode="auto" r:id="rId88">
               <p14:nvContentPartPr>
                 <p14:cNvPr id="157" name="Ink 156">
@@ -12613,7 +12605,7 @@
               </p14:xfrm>
             </p:contentPart>
           </mc:Choice>
-          <mc:Fallback>
+          <mc:Fallback xmlns="">
             <p:pic>
               <p:nvPicPr>
                 <p:cNvPr id="157" name="Ink 156">
@@ -12665,8 +12657,8 @@
             <a:chExt cx="243360" cy="649080"/>
           </a:xfrm>
         </p:grpSpPr>
-        <mc:AlternateContent xmlns:mc="http://schemas.openxmlformats.org/markup-compatibility/2006">
-          <mc:Choice xmlns:p14="http://schemas.microsoft.com/office/powerpoint/2010/main" xmlns:aink="http://schemas.microsoft.com/office/drawing/2016/ink" Requires="p14 aink">
+        <mc:AlternateContent xmlns:mc="http://schemas.openxmlformats.org/markup-compatibility/2006" xmlns:p14="http://schemas.microsoft.com/office/powerpoint/2010/main" xmlns:aink="http://schemas.microsoft.com/office/drawing/2016/ink">
+          <mc:Choice Requires="p14 aink">
             <p:contentPart p14:bwMode="auto" r:id="rId90">
               <p14:nvContentPartPr>
                 <p14:cNvPr id="158" name="Ink 157">
@@ -12685,7 +12677,7 @@
               </p14:xfrm>
             </p:contentPart>
           </mc:Choice>
-          <mc:Fallback>
+          <mc:Fallback xmlns="">
             <p:pic>
               <p:nvPicPr>
                 <p:cNvPr id="158" name="Ink 157">
@@ -12716,8 +12708,8 @@
             </p:pic>
           </mc:Fallback>
         </mc:AlternateContent>
-        <mc:AlternateContent xmlns:mc="http://schemas.openxmlformats.org/markup-compatibility/2006">
-          <mc:Choice xmlns:p14="http://schemas.microsoft.com/office/powerpoint/2010/main" xmlns:aink="http://schemas.microsoft.com/office/drawing/2016/ink" Requires="p14 aink">
+        <mc:AlternateContent xmlns:mc="http://schemas.openxmlformats.org/markup-compatibility/2006" xmlns:p14="http://schemas.microsoft.com/office/powerpoint/2010/main" xmlns:aink="http://schemas.microsoft.com/office/drawing/2016/ink">
+          <mc:Choice Requires="p14 aink">
             <p:contentPart p14:bwMode="auto" r:id="rId92">
               <p14:nvContentPartPr>
                 <p14:cNvPr id="159" name="Ink 158">
@@ -12736,7 +12728,7 @@
               </p14:xfrm>
             </p:contentPart>
           </mc:Choice>
-          <mc:Fallback>
+          <mc:Fallback xmlns="">
             <p:pic>
               <p:nvPicPr>
                 <p:cNvPr id="159" name="Ink 158">
@@ -12782,14 +12774,14 @@
         </p:nvGrpSpPr>
         <p:grpSpPr>
           <a:xfrm>
-            <a:off x="3982944" y="2053648"/>
+            <a:off x="4010950" y="2128888"/>
             <a:ext cx="4067640" cy="4347720"/>
             <a:chOff x="3982944" y="2053648"/>
             <a:chExt cx="4067640" cy="4347720"/>
           </a:xfrm>
         </p:grpSpPr>
-        <mc:AlternateContent xmlns:mc="http://schemas.openxmlformats.org/markup-compatibility/2006">
-          <mc:Choice xmlns:p14="http://schemas.microsoft.com/office/powerpoint/2010/main" xmlns:aink="http://schemas.microsoft.com/office/drawing/2016/ink" Requires="p14 aink">
+        <mc:AlternateContent xmlns:mc="http://schemas.openxmlformats.org/markup-compatibility/2006" xmlns:p14="http://schemas.microsoft.com/office/powerpoint/2010/main" xmlns:aink="http://schemas.microsoft.com/office/drawing/2016/ink">
+          <mc:Choice Requires="p14 aink">
             <p:contentPart p14:bwMode="auto" r:id="rId94">
               <p14:nvContentPartPr>
                 <p14:cNvPr id="164" name="Ink 163">
@@ -12808,7 +12800,7 @@
               </p14:xfrm>
             </p:contentPart>
           </mc:Choice>
-          <mc:Fallback>
+          <mc:Fallback xmlns="">
             <p:pic>
               <p:nvPicPr>
                 <p:cNvPr id="164" name="Ink 163">
@@ -12839,8 +12831,8 @@
             </p:pic>
           </mc:Fallback>
         </mc:AlternateContent>
-        <mc:AlternateContent xmlns:mc="http://schemas.openxmlformats.org/markup-compatibility/2006">
-          <mc:Choice xmlns:p14="http://schemas.microsoft.com/office/powerpoint/2010/main" xmlns:aink="http://schemas.microsoft.com/office/drawing/2016/ink" Requires="p14 aink">
+        <mc:AlternateContent xmlns:mc="http://schemas.openxmlformats.org/markup-compatibility/2006" xmlns:p14="http://schemas.microsoft.com/office/powerpoint/2010/main" xmlns:aink="http://schemas.microsoft.com/office/drawing/2016/ink">
+          <mc:Choice Requires="p14 aink">
             <p:contentPart p14:bwMode="auto" r:id="rId96">
               <p14:nvContentPartPr>
                 <p14:cNvPr id="165" name="Ink 164">
@@ -12859,7 +12851,7 @@
               </p14:xfrm>
             </p:contentPart>
           </mc:Choice>
-          <mc:Fallback>
+          <mc:Fallback xmlns="">
             <p:pic>
               <p:nvPicPr>
                 <p:cNvPr id="165" name="Ink 164">
@@ -12890,8 +12882,8 @@
             </p:pic>
           </mc:Fallback>
         </mc:AlternateContent>
-        <mc:AlternateContent xmlns:mc="http://schemas.openxmlformats.org/markup-compatibility/2006">
-          <mc:Choice xmlns:p14="http://schemas.microsoft.com/office/powerpoint/2010/main" xmlns:aink="http://schemas.microsoft.com/office/drawing/2016/ink" Requires="p14 aink">
+        <mc:AlternateContent xmlns:mc="http://schemas.openxmlformats.org/markup-compatibility/2006" xmlns:p14="http://schemas.microsoft.com/office/powerpoint/2010/main" xmlns:aink="http://schemas.microsoft.com/office/drawing/2016/ink">
+          <mc:Choice Requires="p14 aink">
             <p:contentPart p14:bwMode="auto" r:id="rId98">
               <p14:nvContentPartPr>
                 <p14:cNvPr id="168" name="Ink 167">
@@ -12910,7 +12902,7 @@
               </p14:xfrm>
             </p:contentPart>
           </mc:Choice>
-          <mc:Fallback>
+          <mc:Fallback xmlns="">
             <p:pic>
               <p:nvPicPr>
                 <p:cNvPr id="168" name="Ink 167">
@@ -12941,8 +12933,8 @@
             </p:pic>
           </mc:Fallback>
         </mc:AlternateContent>
-        <mc:AlternateContent xmlns:mc="http://schemas.openxmlformats.org/markup-compatibility/2006">
-          <mc:Choice xmlns:p14="http://schemas.microsoft.com/office/powerpoint/2010/main" xmlns:aink="http://schemas.microsoft.com/office/drawing/2016/ink" Requires="p14 aink">
+        <mc:AlternateContent xmlns:mc="http://schemas.openxmlformats.org/markup-compatibility/2006" xmlns:p14="http://schemas.microsoft.com/office/powerpoint/2010/main" xmlns:aink="http://schemas.microsoft.com/office/drawing/2016/ink">
+          <mc:Choice Requires="p14 aink">
             <p:contentPart p14:bwMode="auto" r:id="rId100">
               <p14:nvContentPartPr>
                 <p14:cNvPr id="173" name="Ink 172">
@@ -12961,7 +12953,7 @@
               </p14:xfrm>
             </p:contentPart>
           </mc:Choice>
-          <mc:Fallback>
+          <mc:Fallback xmlns="">
             <p:pic>
               <p:nvPicPr>
                 <p:cNvPr id="173" name="Ink 172">
@@ -12992,8 +12984,8 @@
             </p:pic>
           </mc:Fallback>
         </mc:AlternateContent>
-        <mc:AlternateContent xmlns:mc="http://schemas.openxmlformats.org/markup-compatibility/2006">
-          <mc:Choice xmlns:p14="http://schemas.microsoft.com/office/powerpoint/2010/main" xmlns:aink="http://schemas.microsoft.com/office/drawing/2016/ink" Requires="p14 aink">
+        <mc:AlternateContent xmlns:mc="http://schemas.openxmlformats.org/markup-compatibility/2006" xmlns:p14="http://schemas.microsoft.com/office/powerpoint/2010/main" xmlns:aink="http://schemas.microsoft.com/office/drawing/2016/ink">
+          <mc:Choice Requires="p14 aink">
             <p:contentPart p14:bwMode="auto" r:id="rId102">
               <p14:nvContentPartPr>
                 <p14:cNvPr id="174" name="Ink 173">
@@ -13012,7 +13004,7 @@
               </p14:xfrm>
             </p:contentPart>
           </mc:Choice>
-          <mc:Fallback>
+          <mc:Fallback xmlns="">
             <p:pic>
               <p:nvPicPr>
                 <p:cNvPr id="174" name="Ink 173">
@@ -13043,8 +13035,8 @@
             </p:pic>
           </mc:Fallback>
         </mc:AlternateContent>
-        <mc:AlternateContent xmlns:mc="http://schemas.openxmlformats.org/markup-compatibility/2006">
-          <mc:Choice xmlns:p14="http://schemas.microsoft.com/office/powerpoint/2010/main" xmlns:aink="http://schemas.microsoft.com/office/drawing/2016/ink" Requires="p14 aink">
+        <mc:AlternateContent xmlns:mc="http://schemas.openxmlformats.org/markup-compatibility/2006" xmlns:p14="http://schemas.microsoft.com/office/powerpoint/2010/main" xmlns:aink="http://schemas.microsoft.com/office/drawing/2016/ink">
+          <mc:Choice Requires="p14 aink">
             <p:contentPart p14:bwMode="auto" r:id="rId104">
               <p14:nvContentPartPr>
                 <p14:cNvPr id="177" name="Ink 176">
@@ -13063,7 +13055,7 @@
               </p14:xfrm>
             </p:contentPart>
           </mc:Choice>
-          <mc:Fallback>
+          <mc:Fallback xmlns="">
             <p:pic>
               <p:nvPicPr>
                 <p:cNvPr id="177" name="Ink 176">
@@ -13094,8 +13086,8 @@
             </p:pic>
           </mc:Fallback>
         </mc:AlternateContent>
-        <mc:AlternateContent xmlns:mc="http://schemas.openxmlformats.org/markup-compatibility/2006">
-          <mc:Choice xmlns:p14="http://schemas.microsoft.com/office/powerpoint/2010/main" xmlns:aink="http://schemas.microsoft.com/office/drawing/2016/ink" Requires="p14 aink">
+        <mc:AlternateContent xmlns:mc="http://schemas.openxmlformats.org/markup-compatibility/2006" xmlns:p14="http://schemas.microsoft.com/office/powerpoint/2010/main" xmlns:aink="http://schemas.microsoft.com/office/drawing/2016/ink">
+          <mc:Choice Requires="p14 aink">
             <p:contentPart p14:bwMode="auto" r:id="rId106">
               <p14:nvContentPartPr>
                 <p14:cNvPr id="184" name="Ink 183">
@@ -13114,7 +13106,7 @@
               </p14:xfrm>
             </p:contentPart>
           </mc:Choice>
-          <mc:Fallback>
+          <mc:Fallback xmlns="">
             <p:pic>
               <p:nvPicPr>
                 <p:cNvPr id="184" name="Ink 183">
@@ -13145,8 +13137,8 @@
             </p:pic>
           </mc:Fallback>
         </mc:AlternateContent>
-        <mc:AlternateContent xmlns:mc="http://schemas.openxmlformats.org/markup-compatibility/2006">
-          <mc:Choice xmlns:p14="http://schemas.microsoft.com/office/powerpoint/2010/main" xmlns:aink="http://schemas.microsoft.com/office/drawing/2016/ink" Requires="p14 aink">
+        <mc:AlternateContent xmlns:mc="http://schemas.openxmlformats.org/markup-compatibility/2006" xmlns:p14="http://schemas.microsoft.com/office/powerpoint/2010/main" xmlns:aink="http://schemas.microsoft.com/office/drawing/2016/ink">
+          <mc:Choice Requires="p14 aink">
             <p:contentPart p14:bwMode="auto" r:id="rId108">
               <p14:nvContentPartPr>
                 <p14:cNvPr id="187" name="Ink 186">
@@ -13165,7 +13157,7 @@
               </p14:xfrm>
             </p:contentPart>
           </mc:Choice>
-          <mc:Fallback>
+          <mc:Fallback xmlns="">
             <p:pic>
               <p:nvPicPr>
                 <p:cNvPr id="187" name="Ink 186">
@@ -13196,8 +13188,8 @@
             </p:pic>
           </mc:Fallback>
         </mc:AlternateContent>
-        <mc:AlternateContent xmlns:mc="http://schemas.openxmlformats.org/markup-compatibility/2006">
-          <mc:Choice xmlns:p14="http://schemas.microsoft.com/office/powerpoint/2010/main" xmlns:aink="http://schemas.microsoft.com/office/drawing/2016/ink" Requires="p14 aink">
+        <mc:AlternateContent xmlns:mc="http://schemas.openxmlformats.org/markup-compatibility/2006" xmlns:p14="http://schemas.microsoft.com/office/powerpoint/2010/main" xmlns:aink="http://schemas.microsoft.com/office/drawing/2016/ink">
+          <mc:Choice Requires="p14 aink">
             <p:contentPart p14:bwMode="auto" r:id="rId110">
               <p14:nvContentPartPr>
                 <p14:cNvPr id="190" name="Ink 189">
@@ -13216,7 +13208,7 @@
               </p14:xfrm>
             </p:contentPart>
           </mc:Choice>
-          <mc:Fallback>
+          <mc:Fallback xmlns="">
             <p:pic>
               <p:nvPicPr>
                 <p:cNvPr id="190" name="Ink 189">
@@ -13247,8 +13239,8 @@
             </p:pic>
           </mc:Fallback>
         </mc:AlternateContent>
-        <mc:AlternateContent xmlns:mc="http://schemas.openxmlformats.org/markup-compatibility/2006">
-          <mc:Choice xmlns:p14="http://schemas.microsoft.com/office/powerpoint/2010/main" xmlns:aink="http://schemas.microsoft.com/office/drawing/2016/ink" Requires="p14 aink">
+        <mc:AlternateContent xmlns:mc="http://schemas.openxmlformats.org/markup-compatibility/2006" xmlns:p14="http://schemas.microsoft.com/office/powerpoint/2010/main" xmlns:aink="http://schemas.microsoft.com/office/drawing/2016/ink">
+          <mc:Choice Requires="p14 aink">
             <p:contentPart p14:bwMode="auto" r:id="rId112">
               <p14:nvContentPartPr>
                 <p14:cNvPr id="191" name="Ink 190">
@@ -13267,7 +13259,7 @@
               </p14:xfrm>
             </p:contentPart>
           </mc:Choice>
-          <mc:Fallback>
+          <mc:Fallback xmlns="">
             <p:pic>
               <p:nvPicPr>
                 <p:cNvPr id="191" name="Ink 190">
@@ -13298,8 +13290,8 @@
             </p:pic>
           </mc:Fallback>
         </mc:AlternateContent>
-        <mc:AlternateContent xmlns:mc="http://schemas.openxmlformats.org/markup-compatibility/2006">
-          <mc:Choice xmlns:p14="http://schemas.microsoft.com/office/powerpoint/2010/main" xmlns:aink="http://schemas.microsoft.com/office/drawing/2016/ink" Requires="p14 aink">
+        <mc:AlternateContent xmlns:mc="http://schemas.openxmlformats.org/markup-compatibility/2006" xmlns:p14="http://schemas.microsoft.com/office/powerpoint/2010/main" xmlns:aink="http://schemas.microsoft.com/office/drawing/2016/ink">
+          <mc:Choice Requires="p14 aink">
             <p:contentPart p14:bwMode="auto" r:id="rId114">
               <p14:nvContentPartPr>
                 <p14:cNvPr id="1024" name="Ink 1023">
@@ -13318,7 +13310,7 @@
               </p14:xfrm>
             </p:contentPart>
           </mc:Choice>
-          <mc:Fallback>
+          <mc:Fallback xmlns="">
             <p:pic>
               <p:nvPicPr>
                 <p:cNvPr id="1024" name="Ink 1023">
@@ -13364,14 +13356,14 @@
         </p:nvGrpSpPr>
         <p:grpSpPr>
           <a:xfrm>
-            <a:off x="4335744" y="1681408"/>
+            <a:off x="4433340" y="1666563"/>
             <a:ext cx="1500840" cy="419040"/>
             <a:chOff x="4335744" y="1681408"/>
             <a:chExt cx="1500840" cy="419040"/>
           </a:xfrm>
         </p:grpSpPr>
-        <mc:AlternateContent xmlns:mc="http://schemas.openxmlformats.org/markup-compatibility/2006">
-          <mc:Choice xmlns:p14="http://schemas.microsoft.com/office/powerpoint/2010/main" xmlns:aink="http://schemas.microsoft.com/office/drawing/2016/ink" Requires="p14 aink">
+        <mc:AlternateContent xmlns:mc="http://schemas.openxmlformats.org/markup-compatibility/2006" xmlns:p14="http://schemas.microsoft.com/office/powerpoint/2010/main" xmlns:aink="http://schemas.microsoft.com/office/drawing/2016/ink">
+          <mc:Choice Requires="p14 aink">
             <p:contentPart p14:bwMode="auto" r:id="rId116">
               <p14:nvContentPartPr>
                 <p14:cNvPr id="1040" name="Ink 1039">
@@ -13390,7 +13382,7 @@
               </p14:xfrm>
             </p:contentPart>
           </mc:Choice>
-          <mc:Fallback>
+          <mc:Fallback xmlns="">
             <p:pic>
               <p:nvPicPr>
                 <p:cNvPr id="1040" name="Ink 1039">
@@ -13421,8 +13413,8 @@
             </p:pic>
           </mc:Fallback>
         </mc:AlternateContent>
-        <mc:AlternateContent xmlns:mc="http://schemas.openxmlformats.org/markup-compatibility/2006">
-          <mc:Choice xmlns:p14="http://schemas.microsoft.com/office/powerpoint/2010/main" xmlns:aink="http://schemas.microsoft.com/office/drawing/2016/ink" Requires="p14 aink">
+        <mc:AlternateContent xmlns:mc="http://schemas.openxmlformats.org/markup-compatibility/2006" xmlns:p14="http://schemas.microsoft.com/office/powerpoint/2010/main" xmlns:aink="http://schemas.microsoft.com/office/drawing/2016/ink">
+          <mc:Choice Requires="p14 aink">
             <p:contentPart p14:bwMode="auto" r:id="rId118">
               <p14:nvContentPartPr>
                 <p14:cNvPr id="1041" name="Ink 1040">
@@ -13441,7 +13433,7 @@
               </p14:xfrm>
             </p:contentPart>
           </mc:Choice>
-          <mc:Fallback>
+          <mc:Fallback xmlns="">
             <p:pic>
               <p:nvPicPr>
                 <p:cNvPr id="1041" name="Ink 1040">
@@ -13472,8 +13464,8 @@
             </p:pic>
           </mc:Fallback>
         </mc:AlternateContent>
-        <mc:AlternateContent xmlns:mc="http://schemas.openxmlformats.org/markup-compatibility/2006">
-          <mc:Choice xmlns:p14="http://schemas.microsoft.com/office/powerpoint/2010/main" xmlns:aink="http://schemas.microsoft.com/office/drawing/2016/ink" Requires="p14 aink">
+        <mc:AlternateContent xmlns:mc="http://schemas.openxmlformats.org/markup-compatibility/2006" xmlns:p14="http://schemas.microsoft.com/office/powerpoint/2010/main" xmlns:aink="http://schemas.microsoft.com/office/drawing/2016/ink">
+          <mc:Choice Requires="p14 aink">
             <p:contentPart p14:bwMode="auto" r:id="rId120">
               <p14:nvContentPartPr>
                 <p14:cNvPr id="1042" name="Ink 1041">
@@ -13492,7 +13484,7 @@
               </p14:xfrm>
             </p:contentPart>
           </mc:Choice>
-          <mc:Fallback>
+          <mc:Fallback xmlns="">
             <p:pic>
               <p:nvPicPr>
                 <p:cNvPr id="1042" name="Ink 1041">
@@ -13523,8 +13515,8 @@
             </p:pic>
           </mc:Fallback>
         </mc:AlternateContent>
-        <mc:AlternateContent xmlns:mc="http://schemas.openxmlformats.org/markup-compatibility/2006">
-          <mc:Choice xmlns:p14="http://schemas.microsoft.com/office/powerpoint/2010/main" xmlns:aink="http://schemas.microsoft.com/office/drawing/2016/ink" Requires="p14 aink">
+        <mc:AlternateContent xmlns:mc="http://schemas.openxmlformats.org/markup-compatibility/2006" xmlns:p14="http://schemas.microsoft.com/office/powerpoint/2010/main" xmlns:aink="http://schemas.microsoft.com/office/drawing/2016/ink">
+          <mc:Choice Requires="p14 aink">
             <p:contentPart p14:bwMode="auto" r:id="rId122">
               <p14:nvContentPartPr>
                 <p14:cNvPr id="1043" name="Ink 1042">
@@ -13543,7 +13535,7 @@
               </p14:xfrm>
             </p:contentPart>
           </mc:Choice>
-          <mc:Fallback>
+          <mc:Fallback xmlns="">
             <p:pic>
               <p:nvPicPr>
                 <p:cNvPr id="1043" name="Ink 1042">
@@ -13574,8 +13566,8 @@
             </p:pic>
           </mc:Fallback>
         </mc:AlternateContent>
-        <mc:AlternateContent xmlns:mc="http://schemas.openxmlformats.org/markup-compatibility/2006">
-          <mc:Choice xmlns:p14="http://schemas.microsoft.com/office/powerpoint/2010/main" xmlns:aink="http://schemas.microsoft.com/office/drawing/2016/ink" Requires="p14 aink">
+        <mc:AlternateContent xmlns:mc="http://schemas.openxmlformats.org/markup-compatibility/2006" xmlns:p14="http://schemas.microsoft.com/office/powerpoint/2010/main" xmlns:aink="http://schemas.microsoft.com/office/drawing/2016/ink">
+          <mc:Choice Requires="p14 aink">
             <p:contentPart p14:bwMode="auto" r:id="rId124">
               <p14:nvContentPartPr>
                 <p14:cNvPr id="1044" name="Ink 1043">
@@ -13594,7 +13586,7 @@
               </p14:xfrm>
             </p:contentPart>
           </mc:Choice>
-          <mc:Fallback>
+          <mc:Fallback xmlns="">
             <p:pic>
               <p:nvPicPr>
                 <p:cNvPr id="1044" name="Ink 1043">
@@ -13625,8 +13617,8 @@
             </p:pic>
           </mc:Fallback>
         </mc:AlternateContent>
-        <mc:AlternateContent xmlns:mc="http://schemas.openxmlformats.org/markup-compatibility/2006">
-          <mc:Choice xmlns:p14="http://schemas.microsoft.com/office/powerpoint/2010/main" xmlns:aink="http://schemas.microsoft.com/office/drawing/2016/ink" Requires="p14 aink">
+        <mc:AlternateContent xmlns:mc="http://schemas.openxmlformats.org/markup-compatibility/2006" xmlns:p14="http://schemas.microsoft.com/office/powerpoint/2010/main" xmlns:aink="http://schemas.microsoft.com/office/drawing/2016/ink">
+          <mc:Choice Requires="p14 aink">
             <p:contentPart p14:bwMode="auto" r:id="rId126">
               <p14:nvContentPartPr>
                 <p14:cNvPr id="1045" name="Ink 1044">
@@ -13645,7 +13637,7 @@
               </p14:xfrm>
             </p:contentPart>
           </mc:Choice>
-          <mc:Fallback>
+          <mc:Fallback xmlns="">
             <p:pic>
               <p:nvPicPr>
                 <p:cNvPr id="1045" name="Ink 1044">
@@ -13676,8 +13668,8 @@
             </p:pic>
           </mc:Fallback>
         </mc:AlternateContent>
-        <mc:AlternateContent xmlns:mc="http://schemas.openxmlformats.org/markup-compatibility/2006">
-          <mc:Choice xmlns:p14="http://schemas.microsoft.com/office/powerpoint/2010/main" xmlns:aink="http://schemas.microsoft.com/office/drawing/2016/ink" Requires="p14 aink">
+        <mc:AlternateContent xmlns:mc="http://schemas.openxmlformats.org/markup-compatibility/2006" xmlns:p14="http://schemas.microsoft.com/office/powerpoint/2010/main" xmlns:aink="http://schemas.microsoft.com/office/drawing/2016/ink">
+          <mc:Choice Requires="p14 aink">
             <p:contentPart p14:bwMode="auto" r:id="rId128">
               <p14:nvContentPartPr>
                 <p14:cNvPr id="1046" name="Ink 1045">
@@ -13696,7 +13688,7 @@
               </p14:xfrm>
             </p:contentPart>
           </mc:Choice>
-          <mc:Fallback>
+          <mc:Fallback xmlns="">
             <p:pic>
               <p:nvPicPr>
                 <p:cNvPr id="1046" name="Ink 1045">
@@ -13742,14 +13734,14 @@
         </p:nvGrpSpPr>
         <p:grpSpPr>
           <a:xfrm>
-            <a:off x="5917224" y="1606888"/>
+            <a:off x="6014820" y="1592043"/>
             <a:ext cx="807480" cy="359640"/>
             <a:chOff x="5917224" y="1606888"/>
             <a:chExt cx="807480" cy="359640"/>
           </a:xfrm>
         </p:grpSpPr>
-        <mc:AlternateContent xmlns:mc="http://schemas.openxmlformats.org/markup-compatibility/2006">
-          <mc:Choice xmlns:p14="http://schemas.microsoft.com/office/powerpoint/2010/main" xmlns:aink="http://schemas.microsoft.com/office/drawing/2016/ink" Requires="p14 aink">
+        <mc:AlternateContent xmlns:mc="http://schemas.openxmlformats.org/markup-compatibility/2006" xmlns:p14="http://schemas.microsoft.com/office/powerpoint/2010/main" xmlns:aink="http://schemas.microsoft.com/office/drawing/2016/ink">
+          <mc:Choice Requires="p14 aink">
             <p:contentPart p14:bwMode="auto" r:id="rId130">
               <p14:nvContentPartPr>
                 <p14:cNvPr id="1047" name="Ink 1046">
@@ -13768,7 +13760,7 @@
               </p14:xfrm>
             </p:contentPart>
           </mc:Choice>
-          <mc:Fallback>
+          <mc:Fallback xmlns="">
             <p:pic>
               <p:nvPicPr>
                 <p:cNvPr id="1047" name="Ink 1046">
@@ -13799,8 +13791,8 @@
             </p:pic>
           </mc:Fallback>
         </mc:AlternateContent>
-        <mc:AlternateContent xmlns:mc="http://schemas.openxmlformats.org/markup-compatibility/2006">
-          <mc:Choice xmlns:p14="http://schemas.microsoft.com/office/powerpoint/2010/main" xmlns:aink="http://schemas.microsoft.com/office/drawing/2016/ink" Requires="p14 aink">
+        <mc:AlternateContent xmlns:mc="http://schemas.openxmlformats.org/markup-compatibility/2006" xmlns:p14="http://schemas.microsoft.com/office/powerpoint/2010/main" xmlns:aink="http://schemas.microsoft.com/office/drawing/2016/ink">
+          <mc:Choice Requires="p14 aink">
             <p:contentPart p14:bwMode="auto" r:id="rId132">
               <p14:nvContentPartPr>
                 <p14:cNvPr id="1048" name="Ink 1047">
@@ -13819,7 +13811,7 @@
               </p14:xfrm>
             </p:contentPart>
           </mc:Choice>
-          <mc:Fallback>
+          <mc:Fallback xmlns="">
             <p:pic>
               <p:nvPicPr>
                 <p:cNvPr id="1048" name="Ink 1047">
@@ -13850,8 +13842,8 @@
             </p:pic>
           </mc:Fallback>
         </mc:AlternateContent>
-        <mc:AlternateContent xmlns:mc="http://schemas.openxmlformats.org/markup-compatibility/2006">
-          <mc:Choice xmlns:p14="http://schemas.microsoft.com/office/powerpoint/2010/main" xmlns:aink="http://schemas.microsoft.com/office/drawing/2016/ink" Requires="p14 aink">
+        <mc:AlternateContent xmlns:mc="http://schemas.openxmlformats.org/markup-compatibility/2006" xmlns:p14="http://schemas.microsoft.com/office/powerpoint/2010/main" xmlns:aink="http://schemas.microsoft.com/office/drawing/2016/ink">
+          <mc:Choice Requires="p14 aink">
             <p:contentPart p14:bwMode="auto" r:id="rId134">
               <p14:nvContentPartPr>
                 <p14:cNvPr id="1049" name="Ink 1048">
@@ -13870,7 +13862,7 @@
               </p14:xfrm>
             </p:contentPart>
           </mc:Choice>
-          <mc:Fallback>
+          <mc:Fallback xmlns="">
             <p:pic>
               <p:nvPicPr>
                 <p:cNvPr id="1049" name="Ink 1048">
@@ -13901,8 +13893,8 @@
             </p:pic>
           </mc:Fallback>
         </mc:AlternateContent>
-        <mc:AlternateContent xmlns:mc="http://schemas.openxmlformats.org/markup-compatibility/2006">
-          <mc:Choice xmlns:p14="http://schemas.microsoft.com/office/powerpoint/2010/main" xmlns:aink="http://schemas.microsoft.com/office/drawing/2016/ink" Requires="p14 aink">
+        <mc:AlternateContent xmlns:mc="http://schemas.openxmlformats.org/markup-compatibility/2006" xmlns:p14="http://schemas.microsoft.com/office/powerpoint/2010/main" xmlns:aink="http://schemas.microsoft.com/office/drawing/2016/ink">
+          <mc:Choice Requires="p14 aink">
             <p:contentPart p14:bwMode="auto" r:id="rId136">
               <p14:nvContentPartPr>
                 <p14:cNvPr id="1050" name="Ink 1049">
@@ -13921,7 +13913,7 @@
               </p14:xfrm>
             </p:contentPart>
           </mc:Choice>
-          <mc:Fallback>
+          <mc:Fallback xmlns="">
             <p:pic>
               <p:nvPicPr>
                 <p:cNvPr id="1050" name="Ink 1049">
@@ -13952,8 +13944,8 @@
             </p:pic>
           </mc:Fallback>
         </mc:AlternateContent>
-        <mc:AlternateContent xmlns:mc="http://schemas.openxmlformats.org/markup-compatibility/2006">
-          <mc:Choice xmlns:p14="http://schemas.microsoft.com/office/powerpoint/2010/main" xmlns:aink="http://schemas.microsoft.com/office/drawing/2016/ink" Requires="p14 aink">
+        <mc:AlternateContent xmlns:mc="http://schemas.openxmlformats.org/markup-compatibility/2006" xmlns:p14="http://schemas.microsoft.com/office/powerpoint/2010/main" xmlns:aink="http://schemas.microsoft.com/office/drawing/2016/ink">
+          <mc:Choice Requires="p14 aink">
             <p:contentPart p14:bwMode="auto" r:id="rId138">
               <p14:nvContentPartPr>
                 <p14:cNvPr id="1051" name="Ink 1050">
@@ -13972,7 +13964,7 @@
               </p14:xfrm>
             </p:contentPart>
           </mc:Choice>
-          <mc:Fallback>
+          <mc:Fallback xmlns="">
             <p:pic>
               <p:nvPicPr>
                 <p:cNvPr id="1051" name="Ink 1050">
@@ -14003,8 +13995,8 @@
             </p:pic>
           </mc:Fallback>
         </mc:AlternateContent>
-        <mc:AlternateContent xmlns:mc="http://schemas.openxmlformats.org/markup-compatibility/2006">
-          <mc:Choice xmlns:p14="http://schemas.microsoft.com/office/powerpoint/2010/main" xmlns:aink="http://schemas.microsoft.com/office/drawing/2016/ink" Requires="p14 aink">
+        <mc:AlternateContent xmlns:mc="http://schemas.openxmlformats.org/markup-compatibility/2006" xmlns:p14="http://schemas.microsoft.com/office/powerpoint/2010/main" xmlns:aink="http://schemas.microsoft.com/office/drawing/2016/ink">
+          <mc:Choice Requires="p14 aink">
             <p:contentPart p14:bwMode="auto" r:id="rId140">
               <p14:nvContentPartPr>
                 <p14:cNvPr id="1052" name="Ink 1051">
@@ -14023,7 +14015,7 @@
               </p14:xfrm>
             </p:contentPart>
           </mc:Choice>
-          <mc:Fallback>
+          <mc:Fallback xmlns="">
             <p:pic>
               <p:nvPicPr>
                 <p:cNvPr id="1052" name="Ink 1051">
@@ -14055,8 +14047,8 @@
           </mc:Fallback>
         </mc:AlternateContent>
       </p:grpSp>
-      <mc:AlternateContent xmlns:mc="http://schemas.openxmlformats.org/markup-compatibility/2006">
-        <mc:Choice xmlns:p14="http://schemas.microsoft.com/office/powerpoint/2010/main" xmlns:aink="http://schemas.microsoft.com/office/drawing/2016/ink" Requires="p14 aink">
+      <mc:AlternateContent xmlns:mc="http://schemas.openxmlformats.org/markup-compatibility/2006" xmlns:p14="http://schemas.microsoft.com/office/powerpoint/2010/main" xmlns:aink="http://schemas.microsoft.com/office/drawing/2016/ink">
+        <mc:Choice Requires="p14 aink">
           <p:contentPart p14:bwMode="auto" r:id="rId142">
             <p14:nvContentPartPr>
               <p14:cNvPr id="1057" name="Ink 1056">
@@ -14075,7 +14067,7 @@
             </p14:xfrm>
           </p:contentPart>
         </mc:Choice>
-        <mc:Fallback>
+        <mc:Fallback xmlns="">
           <p:pic>
             <p:nvPicPr>
               <p:cNvPr id="1057" name="Ink 1056">
